--- a/G18_プレゼン用PWP.pptx
+++ b/G18_プレゼン用PWP.pptx
@@ -7,9 +7,11 @@
   <p:sldIdLst>
     <p:sldId id="256" r:id="rId2"/>
     <p:sldId id="257" r:id="rId3"/>
-    <p:sldId id="258" r:id="rId4"/>
-    <p:sldId id="259" r:id="rId5"/>
-    <p:sldId id="260" r:id="rId6"/>
+    <p:sldId id="262" r:id="rId4"/>
+    <p:sldId id="261" r:id="rId5"/>
+    <p:sldId id="258" r:id="rId6"/>
+    <p:sldId id="259" r:id="rId7"/>
+    <p:sldId id="260" r:id="rId8"/>
   </p:sldIdLst>
   <p:sldSz cx="12192000" cy="6858000"/>
   <p:notesSz cx="6858000" cy="9144000"/>
@@ -108,6 +110,11 @@
       </a:defRPr>
     </a:lvl9pPr>
   </p:defaultTextStyle>
+  <p:extLst>
+    <p:ext uri="{EFAFB233-063F-42B5-8137-9DF3F51BA10A}">
+      <p15:sldGuideLst xmlns:p15="http://schemas.microsoft.com/office/powerpoint/2012/main"/>
+    </p:ext>
+  </p:extLst>
 </p:presentation>
 </file>
 
@@ -242,7 +249,7 @@
           <a:p>
             <a:fld id="{E69596A1-627C-4CF0-BCB9-D41D8A5CB327}" type="datetimeFigureOut">
               <a:rPr kumimoji="1" lang="ja-JP" altLang="en-US" smtClean="0"/>
-              <a:t>2015/6/9</a:t>
+              <a:t>2015/6/12</a:t>
             </a:fld>
             <a:endParaRPr kumimoji="1" lang="ja-JP" altLang="en-US"/>
           </a:p>
@@ -444,7 +451,7 @@
           <a:p>
             <a:fld id="{E69596A1-627C-4CF0-BCB9-D41D8A5CB327}" type="datetimeFigureOut">
               <a:rPr kumimoji="1" lang="ja-JP" altLang="en-US" smtClean="0"/>
-              <a:t>2015/6/9</a:t>
+              <a:t>2015/6/12</a:t>
             </a:fld>
             <a:endParaRPr kumimoji="1" lang="ja-JP" altLang="en-US"/>
           </a:p>
@@ -656,7 +663,7 @@
           <a:p>
             <a:fld id="{E69596A1-627C-4CF0-BCB9-D41D8A5CB327}" type="datetimeFigureOut">
               <a:rPr kumimoji="1" lang="ja-JP" altLang="en-US" smtClean="0"/>
-              <a:t>2015/6/9</a:t>
+              <a:t>2015/6/12</a:t>
             </a:fld>
             <a:endParaRPr kumimoji="1" lang="ja-JP" altLang="en-US"/>
           </a:p>
@@ -858,7 +865,7 @@
           <a:p>
             <a:fld id="{E69596A1-627C-4CF0-BCB9-D41D8A5CB327}" type="datetimeFigureOut">
               <a:rPr kumimoji="1" lang="ja-JP" altLang="en-US" smtClean="0"/>
-              <a:t>2015/6/9</a:t>
+              <a:t>2015/6/12</a:t>
             </a:fld>
             <a:endParaRPr kumimoji="1" lang="ja-JP" altLang="en-US"/>
           </a:p>
@@ -1104,7 +1111,7 @@
           <a:p>
             <a:fld id="{E69596A1-627C-4CF0-BCB9-D41D8A5CB327}" type="datetimeFigureOut">
               <a:rPr kumimoji="1" lang="ja-JP" altLang="en-US" smtClean="0"/>
-              <a:t>2015/6/9</a:t>
+              <a:t>2015/6/12</a:t>
             </a:fld>
             <a:endParaRPr kumimoji="1" lang="ja-JP" altLang="en-US"/>
           </a:p>
@@ -1400,7 +1407,7 @@
           <a:p>
             <a:fld id="{E69596A1-627C-4CF0-BCB9-D41D8A5CB327}" type="datetimeFigureOut">
               <a:rPr kumimoji="1" lang="ja-JP" altLang="en-US" smtClean="0"/>
-              <a:t>2015/6/9</a:t>
+              <a:t>2015/6/12</a:t>
             </a:fld>
             <a:endParaRPr kumimoji="1" lang="ja-JP" altLang="en-US"/>
           </a:p>
@@ -1831,7 +1838,7 @@
           <a:p>
             <a:fld id="{E69596A1-627C-4CF0-BCB9-D41D8A5CB327}" type="datetimeFigureOut">
               <a:rPr kumimoji="1" lang="ja-JP" altLang="en-US" smtClean="0"/>
-              <a:t>2015/6/9</a:t>
+              <a:t>2015/6/12</a:t>
             </a:fld>
             <a:endParaRPr kumimoji="1" lang="ja-JP" altLang="en-US"/>
           </a:p>
@@ -1949,7 +1956,7 @@
           <a:p>
             <a:fld id="{E69596A1-627C-4CF0-BCB9-D41D8A5CB327}" type="datetimeFigureOut">
               <a:rPr kumimoji="1" lang="ja-JP" altLang="en-US" smtClean="0"/>
-              <a:t>2015/6/9</a:t>
+              <a:t>2015/6/12</a:t>
             </a:fld>
             <a:endParaRPr kumimoji="1" lang="ja-JP" altLang="en-US"/>
           </a:p>
@@ -2044,7 +2051,7 @@
           <a:p>
             <a:fld id="{E69596A1-627C-4CF0-BCB9-D41D8A5CB327}" type="datetimeFigureOut">
               <a:rPr kumimoji="1" lang="ja-JP" altLang="en-US" smtClean="0"/>
-              <a:t>2015/6/9</a:t>
+              <a:t>2015/6/12</a:t>
             </a:fld>
             <a:endParaRPr kumimoji="1" lang="ja-JP" altLang="en-US"/>
           </a:p>
@@ -2353,7 +2360,7 @@
           <a:p>
             <a:fld id="{E69596A1-627C-4CF0-BCB9-D41D8A5CB327}" type="datetimeFigureOut">
               <a:rPr kumimoji="1" lang="ja-JP" altLang="en-US" smtClean="0"/>
-              <a:t>2015/6/9</a:t>
+              <a:t>2015/6/12</a:t>
             </a:fld>
             <a:endParaRPr kumimoji="1" lang="ja-JP" altLang="en-US"/>
           </a:p>
@@ -2606,7 +2613,7 @@
           <a:p>
             <a:fld id="{E69596A1-627C-4CF0-BCB9-D41D8A5CB327}" type="datetimeFigureOut">
               <a:rPr kumimoji="1" lang="ja-JP" altLang="en-US" smtClean="0"/>
-              <a:t>2015/6/9</a:t>
+              <a:t>2015/6/12</a:t>
             </a:fld>
             <a:endParaRPr kumimoji="1" lang="ja-JP" altLang="en-US"/>
           </a:p>
@@ -2851,7 +2858,7 @@
           <a:p>
             <a:fld id="{E69596A1-627C-4CF0-BCB9-D41D8A5CB327}" type="datetimeFigureOut">
               <a:rPr kumimoji="1" lang="ja-JP" altLang="en-US" smtClean="0"/>
-              <a:t>2015/6/9</a:t>
+              <a:t>2015/6/12</a:t>
             </a:fld>
             <a:endParaRPr kumimoji="1" lang="ja-JP" altLang="en-US"/>
           </a:p>
@@ -3427,49 +3434,9 @@
           <a:chExt cx="0" cy="0"/>
         </a:xfrm>
       </p:grpSpPr>
-      <p:sp>
-        <p:nvSpPr>
-          <p:cNvPr id="2" name="テキスト ボックス 1"/>
-          <p:cNvSpPr txBox="1"/>
-          <p:nvPr/>
-        </p:nvSpPr>
-        <p:spPr>
-          <a:xfrm>
-            <a:off x="496389" y="400595"/>
-            <a:ext cx="3065263" cy="769441"/>
-          </a:xfrm>
-          <a:prstGeom prst="rect">
-            <a:avLst/>
-          </a:prstGeom>
-          <a:noFill/>
-        </p:spPr>
-        <p:txBody>
-          <a:bodyPr wrap="none" rtlCol="0">
-            <a:spAutoFit/>
-          </a:bodyPr>
-          <a:lstStyle/>
-          <a:p>
-            <a:r>
-              <a:rPr lang="ja-JP" altLang="en-US" sz="4400" dirty="0">
-                <a:latin typeface="Segoe WP Black" panose="020B0A02040504020203" pitchFamily="34" charset="0"/>
-              </a:rPr>
-              <a:t>キャラクタ</a:t>
-            </a:r>
-            <a:r>
-              <a:rPr lang="ja-JP" altLang="en-US" sz="4400" dirty="0" smtClean="0">
-                <a:latin typeface="Segoe WP Black" panose="020B0A02040504020203" pitchFamily="34" charset="0"/>
-              </a:rPr>
-              <a:t>ー</a:t>
-            </a:r>
-            <a:endParaRPr kumimoji="1" lang="ja-JP" altLang="en-US" sz="4400" dirty="0">
-              <a:latin typeface="Segoe WP Black" panose="020B0A02040504020203" pitchFamily="34" charset="0"/>
-            </a:endParaRPr>
-          </a:p>
-        </p:txBody>
-      </p:sp>
       <p:pic>
         <p:nvPicPr>
-          <p:cNvPr id="5" name="図 4"/>
+          <p:cNvPr id="4" name="図 3"/>
           <p:cNvPicPr>
             <a:picLocks noChangeAspect="1"/>
           </p:cNvPicPr>
@@ -3489,17 +3456,57 @@
         </p:blipFill>
         <p:spPr>
           <a:xfrm>
-            <a:off x="10988842" y="5654842"/>
-            <a:ext cx="1203157" cy="1203157"/>
+            <a:off x="2257011" y="400595"/>
+            <a:ext cx="8873351" cy="6273065"/>
           </a:xfrm>
           <a:prstGeom prst="rect">
             <a:avLst/>
           </a:prstGeom>
         </p:spPr>
       </p:pic>
+      <p:sp>
+        <p:nvSpPr>
+          <p:cNvPr id="2" name="テキスト ボックス 1"/>
+          <p:cNvSpPr txBox="1"/>
+          <p:nvPr/>
+        </p:nvSpPr>
+        <p:spPr>
+          <a:xfrm>
+            <a:off x="496389" y="400595"/>
+            <a:ext cx="3065263" cy="769441"/>
+          </a:xfrm>
+          <a:prstGeom prst="rect">
+            <a:avLst/>
+          </a:prstGeom>
+          <a:noFill/>
+        </p:spPr>
+        <p:txBody>
+          <a:bodyPr wrap="none" rtlCol="0">
+            <a:spAutoFit/>
+          </a:bodyPr>
+          <a:lstStyle/>
+          <a:p>
+            <a:r>
+              <a:rPr lang="ja-JP" altLang="en-US" sz="4400" dirty="0">
+                <a:latin typeface="Segoe WP Black" panose="020B0A02040504020203" pitchFamily="34" charset="0"/>
+              </a:rPr>
+              <a:t>キャラクタ</a:t>
+            </a:r>
+            <a:r>
+              <a:rPr lang="ja-JP" altLang="en-US" sz="4400" dirty="0" smtClean="0">
+                <a:latin typeface="Segoe WP Black" panose="020B0A02040504020203" pitchFamily="34" charset="0"/>
+              </a:rPr>
+              <a:t>ー</a:t>
+            </a:r>
+            <a:endParaRPr kumimoji="1" lang="ja-JP" altLang="en-US" sz="4400" dirty="0">
+              <a:latin typeface="Segoe WP Black" panose="020B0A02040504020203" pitchFamily="34" charset="0"/>
+            </a:endParaRPr>
+          </a:p>
+        </p:txBody>
+      </p:sp>
       <p:pic>
         <p:nvPicPr>
-          <p:cNvPr id="6" name="図 5"/>
+          <p:cNvPr id="5" name="図 4"/>
           <p:cNvPicPr>
             <a:picLocks noChangeAspect="1"/>
           </p:cNvPicPr>
@@ -3519,114 +3526,24 @@
         </p:blipFill>
         <p:spPr>
           <a:xfrm>
-            <a:off x="144080" y="1942715"/>
-            <a:ext cx="4695339" cy="3319396"/>
+            <a:off x="10988842" y="5654842"/>
+            <a:ext cx="1203157" cy="1203157"/>
           </a:xfrm>
           <a:prstGeom prst="rect">
             <a:avLst/>
           </a:prstGeom>
         </p:spPr>
       </p:pic>
-      <p:pic>
-        <p:nvPicPr>
-          <p:cNvPr id="7" name="図 6"/>
-          <p:cNvPicPr>
-            <a:picLocks noChangeAspect="1"/>
-          </p:cNvPicPr>
-          <p:nvPr/>
-        </p:nvPicPr>
-        <p:blipFill>
-          <a:blip r:embed="rId4" cstate="print">
-            <a:extLst>
-              <a:ext uri="{28A0092B-C50C-407E-A947-70E740481C1C}">
-                <a14:useLocalDpi xmlns:a14="http://schemas.microsoft.com/office/drawing/2010/main" val="0"/>
-              </a:ext>
-            </a:extLst>
-          </a:blip>
-          <a:stretch>
-            <a:fillRect/>
-          </a:stretch>
-        </p:blipFill>
-        <p:spPr>
-          <a:xfrm>
-            <a:off x="7630932" y="1170036"/>
-            <a:ext cx="1760156" cy="2651968"/>
-          </a:xfrm>
-          <a:prstGeom prst="rect">
-            <a:avLst/>
-          </a:prstGeom>
-        </p:spPr>
-      </p:pic>
-      <p:pic>
-        <p:nvPicPr>
-          <p:cNvPr id="8" name="図 7"/>
-          <p:cNvPicPr>
-            <a:picLocks noChangeAspect="1"/>
-          </p:cNvPicPr>
-          <p:nvPr/>
-        </p:nvPicPr>
-        <p:blipFill>
-          <a:blip r:embed="rId5">
-            <a:extLst>
-              <a:ext uri="{28A0092B-C50C-407E-A947-70E740481C1C}">
-                <a14:useLocalDpi xmlns:a14="http://schemas.microsoft.com/office/drawing/2010/main" val="0"/>
-              </a:ext>
-            </a:extLst>
-          </a:blip>
-          <a:stretch>
-            <a:fillRect/>
-          </a:stretch>
-        </p:blipFill>
-        <p:spPr>
-          <a:xfrm>
-            <a:off x="5314855" y="3676488"/>
-            <a:ext cx="2605065" cy="2187187"/>
-          </a:xfrm>
-          <a:prstGeom prst="rect">
-            <a:avLst/>
-          </a:prstGeom>
-        </p:spPr>
-      </p:pic>
-      <p:pic>
-        <p:nvPicPr>
-          <p:cNvPr id="9" name="図 8"/>
-          <p:cNvPicPr>
-            <a:picLocks noChangeAspect="1"/>
-          </p:cNvPicPr>
-          <p:nvPr/>
-        </p:nvPicPr>
-        <p:blipFill>
-          <a:blip r:embed="rId6">
-            <a:extLst>
-              <a:ext uri="{28A0092B-C50C-407E-A947-70E740481C1C}">
-                <a14:useLocalDpi xmlns:a14="http://schemas.microsoft.com/office/drawing/2010/main" val="0"/>
-              </a:ext>
-            </a:extLst>
-          </a:blip>
-          <a:stretch>
-            <a:fillRect/>
-          </a:stretch>
-        </p:blipFill>
-        <p:spPr>
-          <a:xfrm>
-            <a:off x="8395263" y="3822004"/>
-            <a:ext cx="2434148" cy="2326148"/>
-          </a:xfrm>
-          <a:prstGeom prst="rect">
-            <a:avLst/>
-          </a:prstGeom>
-        </p:spPr>
-      </p:pic>
-      <p:sp>
-        <p:nvSpPr>
-          <p:cNvPr id="10" name="テキスト ボックス 9"/>
+      <p:sp>
+        <p:nvSpPr>
+          <p:cNvPr id="3" name="テキスト ボックス 2"/>
           <p:cNvSpPr txBox="1"/>
           <p:nvPr/>
         </p:nvSpPr>
         <p:spPr>
           <a:xfrm>
-            <a:off x="353683" y="5331125"/>
-            <a:ext cx="4169731" cy="923330"/>
+            <a:off x="8962325" y="2899954"/>
+            <a:ext cx="2420856" cy="461665"/>
           </a:xfrm>
           <a:prstGeom prst="rect">
             <a:avLst/>
@@ -3640,40 +3557,40 @@
           <a:lstStyle/>
           <a:p>
             <a:r>
-              <a:rPr kumimoji="1" lang="ja-JP" altLang="en-US" dirty="0" smtClean="0"/>
-              <a:t>↑　もじもじもじもじもじもじもじもじもじもじ</a:t>
-            </a:r>
-            <a:endParaRPr kumimoji="1" lang="en-US" altLang="ja-JP" dirty="0" smtClean="0"/>
-          </a:p>
-          <a:p>
-            <a:r>
-              <a:rPr lang="ja-JP" altLang="en-US" dirty="0" smtClean="0"/>
-              <a:t>もじもじもじもじもじもじもじもじもじもじも</a:t>
-            </a:r>
-            <a:r>
-              <a:rPr lang="ja-JP" altLang="en-US" dirty="0" err="1" smtClean="0"/>
-              <a:t>じ</a:t>
-            </a:r>
-            <a:endParaRPr lang="en-US" altLang="ja-JP" dirty="0" smtClean="0"/>
-          </a:p>
-          <a:p>
-            <a:r>
-              <a:rPr kumimoji="1" lang="ja-JP" altLang="en-US" dirty="0" smtClean="0"/>
-              <a:t>もじもじ</a:t>
-            </a:r>
-            <a:r>
-              <a:rPr kumimoji="1" lang="ja-JP" altLang="en-US" dirty="0"/>
-              <a:t>もじもじもじもじもじもじ</a:t>
-            </a:r>
-            <a:r>
-              <a:rPr kumimoji="1" lang="ja-JP" altLang="en-US" dirty="0" smtClean="0"/>
-              <a:t>もじもじも</a:t>
-            </a:r>
-            <a:r>
-              <a:rPr kumimoji="1" lang="ja-JP" altLang="en-US" dirty="0" err="1" smtClean="0"/>
-              <a:t>じ</a:t>
-            </a:r>
-            <a:endParaRPr kumimoji="1" lang="ja-JP" altLang="en-US" dirty="0"/>
+              <a:rPr lang="ja-JP" altLang="en-US" sz="2400" dirty="0" smtClean="0"/>
+              <a:t>←合体バージョン</a:t>
+            </a:r>
+            <a:endParaRPr kumimoji="1" lang="ja-JP" altLang="en-US" sz="2400" dirty="0"/>
+          </a:p>
+        </p:txBody>
+      </p:sp>
+      <p:sp>
+        <p:nvSpPr>
+          <p:cNvPr id="7" name="テキスト ボックス 6"/>
+          <p:cNvSpPr txBox="1"/>
+          <p:nvPr/>
+        </p:nvSpPr>
+        <p:spPr>
+          <a:xfrm>
+            <a:off x="5077097" y="5424009"/>
+            <a:ext cx="1792478" cy="461665"/>
+          </a:xfrm>
+          <a:prstGeom prst="rect">
+            <a:avLst/>
+          </a:prstGeom>
+          <a:noFill/>
+        </p:spPr>
+        <p:txBody>
+          <a:bodyPr wrap="none" rtlCol="0">
+            <a:spAutoFit/>
+          </a:bodyPr>
+          <a:lstStyle/>
+          <a:p>
+            <a:r>
+              <a:rPr kumimoji="1" lang="ja-JP" altLang="en-US" sz="2400" dirty="0" smtClean="0"/>
+              <a:t>リモちゃん→</a:t>
+            </a:r>
+            <a:endParaRPr kumimoji="1" lang="ja-JP" altLang="en-US" sz="2400" dirty="0"/>
           </a:p>
         </p:txBody>
       </p:sp>
@@ -3707,99 +3624,9 @@
           <a:chExt cx="0" cy="0"/>
         </a:xfrm>
       </p:grpSpPr>
-      <p:sp>
-        <p:nvSpPr>
-          <p:cNvPr id="2" name="テキスト ボックス 1"/>
-          <p:cNvSpPr txBox="1"/>
-          <p:nvPr/>
-        </p:nvSpPr>
-        <p:spPr>
-          <a:xfrm>
-            <a:off x="1277899" y="2386389"/>
-            <a:ext cx="8922635" cy="1323439"/>
-          </a:xfrm>
-          <a:prstGeom prst="rect">
-            <a:avLst/>
-          </a:prstGeom>
-          <a:noFill/>
-        </p:spPr>
-        <p:txBody>
-          <a:bodyPr wrap="none" rtlCol="0">
-            <a:spAutoFit/>
-          </a:bodyPr>
-          <a:lstStyle/>
-          <a:p>
-            <a:r>
-              <a:rPr kumimoji="1" lang="ja-JP" altLang="en-US" sz="8000" dirty="0" smtClean="0"/>
-              <a:t>一つの宝物を巡って</a:t>
-            </a:r>
-            <a:endParaRPr kumimoji="1" lang="ja-JP" altLang="en-US" sz="8000" dirty="0"/>
-          </a:p>
-        </p:txBody>
-      </p:sp>
-      <p:sp>
-        <p:nvSpPr>
-          <p:cNvPr id="3" name="テキスト ボックス 2"/>
-          <p:cNvSpPr txBox="1"/>
-          <p:nvPr/>
-        </p:nvSpPr>
-        <p:spPr>
-          <a:xfrm>
-            <a:off x="3600281" y="3709828"/>
-            <a:ext cx="7487947" cy="1323439"/>
-          </a:xfrm>
-          <a:prstGeom prst="rect">
-            <a:avLst/>
-          </a:prstGeom>
-          <a:noFill/>
-        </p:spPr>
-        <p:txBody>
-          <a:bodyPr wrap="none" rtlCol="0">
-            <a:spAutoFit/>
-          </a:bodyPr>
-          <a:lstStyle/>
-          <a:p>
-            <a:r>
-              <a:rPr kumimoji="1" lang="ja-JP" altLang="en-US" sz="8000" dirty="0" smtClean="0"/>
-              <a:t>四人が取り合う。</a:t>
-            </a:r>
-            <a:endParaRPr kumimoji="1" lang="ja-JP" altLang="en-US" sz="8000" dirty="0"/>
-          </a:p>
-        </p:txBody>
-      </p:sp>
-      <p:sp>
-        <p:nvSpPr>
-          <p:cNvPr id="4" name="テキスト ボックス 3"/>
-          <p:cNvSpPr txBox="1"/>
-          <p:nvPr/>
-        </p:nvSpPr>
-        <p:spPr>
-          <a:xfrm>
-            <a:off x="600891" y="487679"/>
-            <a:ext cx="1736373" cy="769441"/>
-          </a:xfrm>
-          <a:prstGeom prst="rect">
-            <a:avLst/>
-          </a:prstGeom>
-          <a:noFill/>
-        </p:spPr>
-        <p:txBody>
-          <a:bodyPr wrap="none" rtlCol="0">
-            <a:spAutoFit/>
-          </a:bodyPr>
-          <a:lstStyle/>
-          <a:p>
-            <a:r>
-              <a:rPr kumimoji="1" lang="ja-JP" altLang="en-US" sz="4400" dirty="0" smtClean="0"/>
-              <a:t>テーマ</a:t>
-            </a:r>
-            <a:endParaRPr kumimoji="1" lang="ja-JP" altLang="en-US" sz="4400" dirty="0"/>
-          </a:p>
-        </p:txBody>
-      </p:sp>
       <p:pic>
         <p:nvPicPr>
-          <p:cNvPr id="6" name="図 5"/>
+          <p:cNvPr id="5" name="図 4"/>
           <p:cNvPicPr>
             <a:picLocks noChangeAspect="1"/>
           </p:cNvPicPr>
@@ -3827,10 +3654,280 @@
           </a:prstGeom>
         </p:spPr>
       </p:pic>
+      <p:sp>
+        <p:nvSpPr>
+          <p:cNvPr id="7" name="角丸四角形 6"/>
+          <p:cNvSpPr/>
+          <p:nvPr/>
+        </p:nvSpPr>
+        <p:spPr>
+          <a:xfrm>
+            <a:off x="5547360" y="731520"/>
+            <a:ext cx="6148252" cy="5158448"/>
+          </a:xfrm>
+          <a:prstGeom prst="roundRect">
+            <a:avLst/>
+          </a:prstGeom>
+          <a:solidFill>
+            <a:schemeClr val="accent1">
+              <a:lumMod val="20000"/>
+              <a:lumOff val="80000"/>
+            </a:schemeClr>
+          </a:solidFill>
+        </p:spPr>
+        <p:style>
+          <a:lnRef idx="2">
+            <a:schemeClr val="accent1">
+              <a:shade val="50000"/>
+            </a:schemeClr>
+          </a:lnRef>
+          <a:fillRef idx="1">
+            <a:schemeClr val="accent1"/>
+          </a:fillRef>
+          <a:effectRef idx="0">
+            <a:schemeClr val="accent1"/>
+          </a:effectRef>
+          <a:fontRef idx="minor">
+            <a:schemeClr val="lt1"/>
+          </a:fontRef>
+        </p:style>
+        <p:txBody>
+          <a:bodyPr rtlCol="0" anchor="ctr"/>
+          <a:lstStyle/>
+          <a:p>
+            <a:pPr algn="ctr"/>
+            <a:endParaRPr kumimoji="1" lang="ja-JP" altLang="en-US" dirty="0"/>
+          </a:p>
+        </p:txBody>
+      </p:sp>
+      <p:pic>
+        <p:nvPicPr>
+          <p:cNvPr id="2" name="図 1"/>
+          <p:cNvPicPr>
+            <a:picLocks noChangeAspect="1"/>
+          </p:cNvPicPr>
+          <p:nvPr/>
+        </p:nvPicPr>
+        <p:blipFill>
+          <a:blip r:embed="rId3" cstate="print">
+            <a:extLst>
+              <a:ext uri="{28A0092B-C50C-407E-A947-70E740481C1C}">
+                <a14:useLocalDpi xmlns:a14="http://schemas.microsoft.com/office/drawing/2010/main" val="0"/>
+              </a:ext>
+            </a:extLst>
+          </a:blip>
+          <a:stretch>
+            <a:fillRect/>
+          </a:stretch>
+        </p:blipFill>
+        <p:spPr>
+          <a:xfrm>
+            <a:off x="7750214" y="1089906"/>
+            <a:ext cx="1760156" cy="2651968"/>
+          </a:xfrm>
+          <a:prstGeom prst="rect">
+            <a:avLst/>
+          </a:prstGeom>
+        </p:spPr>
+      </p:pic>
+      <p:pic>
+        <p:nvPicPr>
+          <p:cNvPr id="3" name="図 2"/>
+          <p:cNvPicPr>
+            <a:picLocks noChangeAspect="1"/>
+          </p:cNvPicPr>
+          <p:nvPr/>
+        </p:nvPicPr>
+        <p:blipFill>
+          <a:blip r:embed="rId4">
+            <a:extLst>
+              <a:ext uri="{28A0092B-C50C-407E-A947-70E740481C1C}">
+                <a14:useLocalDpi xmlns:a14="http://schemas.microsoft.com/office/drawing/2010/main" val="0"/>
+              </a:ext>
+            </a:extLst>
+          </a:blip>
+          <a:stretch>
+            <a:fillRect/>
+          </a:stretch>
+        </p:blipFill>
+        <p:spPr>
+          <a:xfrm>
+            <a:off x="5773689" y="3413855"/>
+            <a:ext cx="2605065" cy="2187187"/>
+          </a:xfrm>
+          <a:prstGeom prst="rect">
+            <a:avLst/>
+          </a:prstGeom>
+        </p:spPr>
+      </p:pic>
+      <p:pic>
+        <p:nvPicPr>
+          <p:cNvPr id="4" name="図 3"/>
+          <p:cNvPicPr>
+            <a:picLocks noChangeAspect="1"/>
+          </p:cNvPicPr>
+          <p:nvPr/>
+        </p:nvPicPr>
+        <p:blipFill>
+          <a:blip r:embed="rId5">
+            <a:extLst>
+              <a:ext uri="{28A0092B-C50C-407E-A947-70E740481C1C}">
+                <a14:useLocalDpi xmlns:a14="http://schemas.microsoft.com/office/drawing/2010/main" val="0"/>
+              </a:ext>
+            </a:extLst>
+          </a:blip>
+          <a:stretch>
+            <a:fillRect/>
+          </a:stretch>
+        </p:blipFill>
+        <p:spPr>
+          <a:xfrm>
+            <a:off x="8717071" y="3563820"/>
+            <a:ext cx="2434148" cy="2326148"/>
+          </a:xfrm>
+          <a:prstGeom prst="rect">
+            <a:avLst/>
+          </a:prstGeom>
+        </p:spPr>
+      </p:pic>
+      <p:pic>
+        <p:nvPicPr>
+          <p:cNvPr id="6" name="図 5"/>
+          <p:cNvPicPr>
+            <a:picLocks noChangeAspect="1"/>
+          </p:cNvPicPr>
+          <p:nvPr/>
+        </p:nvPicPr>
+        <p:blipFill>
+          <a:blip r:embed="rId6" cstate="print">
+            <a:extLst>
+              <a:ext uri="{28A0092B-C50C-407E-A947-70E740481C1C}">
+                <a14:useLocalDpi xmlns:a14="http://schemas.microsoft.com/office/drawing/2010/main" val="0"/>
+              </a:ext>
+            </a:extLst>
+          </a:blip>
+          <a:stretch>
+            <a:fillRect/>
+          </a:stretch>
+        </p:blipFill>
+        <p:spPr>
+          <a:xfrm>
+            <a:off x="-238994" y="2126964"/>
+            <a:ext cx="4914140" cy="3474078"/>
+          </a:xfrm>
+          <a:prstGeom prst="rect">
+            <a:avLst/>
+          </a:prstGeom>
+        </p:spPr>
+      </p:pic>
+      <p:sp>
+        <p:nvSpPr>
+          <p:cNvPr id="8" name="テキスト ボックス 7"/>
+          <p:cNvSpPr txBox="1"/>
+          <p:nvPr/>
+        </p:nvSpPr>
+        <p:spPr>
+          <a:xfrm>
+            <a:off x="496389" y="400595"/>
+            <a:ext cx="3451586" cy="769441"/>
+          </a:xfrm>
+          <a:prstGeom prst="rect">
+            <a:avLst/>
+          </a:prstGeom>
+          <a:noFill/>
+        </p:spPr>
+        <p:txBody>
+          <a:bodyPr wrap="none" rtlCol="0">
+            <a:spAutoFit/>
+          </a:bodyPr>
+          <a:lstStyle/>
+          <a:p>
+            <a:r>
+              <a:rPr lang="ja-JP" altLang="en-US" sz="4400" dirty="0" smtClean="0">
+                <a:latin typeface="Segoe WP Black" panose="020B0A02040504020203" pitchFamily="34" charset="0"/>
+              </a:rPr>
+              <a:t>キャラクター２</a:t>
+            </a:r>
+            <a:endParaRPr kumimoji="1" lang="ja-JP" altLang="en-US" sz="4400" dirty="0">
+              <a:latin typeface="Segoe WP Black" panose="020B0A02040504020203" pitchFamily="34" charset="0"/>
+            </a:endParaRPr>
+          </a:p>
+        </p:txBody>
+      </p:sp>
+      <p:sp>
+        <p:nvSpPr>
+          <p:cNvPr id="9" name="右矢印 8"/>
+          <p:cNvSpPr/>
+          <p:nvPr/>
+        </p:nvSpPr>
+        <p:spPr>
+          <a:xfrm>
+            <a:off x="4750342" y="3743888"/>
+            <a:ext cx="1341073" cy="792576"/>
+          </a:xfrm>
+          <a:prstGeom prst="rightArrow">
+            <a:avLst/>
+          </a:prstGeom>
+        </p:spPr>
+        <p:style>
+          <a:lnRef idx="2">
+            <a:schemeClr val="accent1">
+              <a:shade val="50000"/>
+            </a:schemeClr>
+          </a:lnRef>
+          <a:fillRef idx="1">
+            <a:schemeClr val="accent1"/>
+          </a:fillRef>
+          <a:effectRef idx="0">
+            <a:schemeClr val="accent1"/>
+          </a:effectRef>
+          <a:fontRef idx="minor">
+            <a:schemeClr val="lt1"/>
+          </a:fontRef>
+        </p:style>
+        <p:txBody>
+          <a:bodyPr rtlCol="0" anchor="ctr"/>
+          <a:lstStyle/>
+          <a:p>
+            <a:pPr algn="ctr"/>
+            <a:endParaRPr kumimoji="1" lang="ja-JP" altLang="en-US"/>
+          </a:p>
+        </p:txBody>
+      </p:sp>
+      <p:sp>
+        <p:nvSpPr>
+          <p:cNvPr id="11" name="テキスト ボックス 10"/>
+          <p:cNvSpPr txBox="1"/>
+          <p:nvPr/>
+        </p:nvSpPr>
+        <p:spPr>
+          <a:xfrm>
+            <a:off x="4865277" y="3124929"/>
+            <a:ext cx="1111202" cy="646331"/>
+          </a:xfrm>
+          <a:prstGeom prst="rect">
+            <a:avLst/>
+          </a:prstGeom>
+          <a:noFill/>
+        </p:spPr>
+        <p:txBody>
+          <a:bodyPr wrap="none" rtlCol="0">
+            <a:spAutoFit/>
+          </a:bodyPr>
+          <a:lstStyle/>
+          <a:p>
+            <a:r>
+              <a:rPr kumimoji="1" lang="ja-JP" altLang="en-US" sz="3600" b="1" dirty="0" smtClean="0"/>
+              <a:t>変形</a:t>
+            </a:r>
+            <a:endParaRPr kumimoji="1" lang="ja-JP" altLang="en-US" sz="3600" b="1" dirty="0"/>
+          </a:p>
+        </p:txBody>
+      </p:sp>
     </p:spTree>
     <p:extLst>
       <p:ext uri="{BB962C8B-B14F-4D97-AF65-F5344CB8AC3E}">
-        <p14:creationId xmlns:p14="http://schemas.microsoft.com/office/powerpoint/2010/main" val="3433784511"/>
+        <p14:creationId xmlns:p14="http://schemas.microsoft.com/office/powerpoint/2010/main" val="2793188034"/>
       </p:ext>
     </p:extLst>
   </p:cSld>
@@ -3859,14 +3956,14 @@
       </p:grpSpPr>
       <p:sp>
         <p:nvSpPr>
-          <p:cNvPr id="2" name="テキスト ボックス 1"/>
+          <p:cNvPr id="3" name="テキスト ボックス 2"/>
           <p:cNvSpPr txBox="1"/>
           <p:nvPr/>
         </p:nvSpPr>
         <p:spPr>
           <a:xfrm>
-            <a:off x="627018" y="470263"/>
-            <a:ext cx="3334567" cy="769441"/>
+            <a:off x="600891" y="487679"/>
+            <a:ext cx="2948243" cy="769441"/>
           </a:xfrm>
           <a:prstGeom prst="rect">
             <a:avLst/>
@@ -3880,94 +3977,27 @@
           <a:lstStyle/>
           <a:p>
             <a:r>
-              <a:rPr kumimoji="1" lang="ja-JP" altLang="en-US" sz="4400" dirty="0" smtClean="0"/>
-              <a:t>ゲーム概要１</a:t>
+              <a:rPr lang="ja-JP" altLang="en-US" sz="4400" dirty="0" smtClean="0"/>
+              <a:t>ゲーム</a:t>
+            </a:r>
+            <a:r>
+              <a:rPr lang="ja-JP" altLang="en-US" sz="4400" dirty="0"/>
+              <a:t>画面</a:t>
             </a:r>
             <a:endParaRPr kumimoji="1" lang="ja-JP" altLang="en-US" sz="4400" dirty="0"/>
-          </a:p>
-        </p:txBody>
-      </p:sp>
-      <p:sp>
-        <p:nvSpPr>
-          <p:cNvPr id="3" name="テキスト ボックス 2"/>
-          <p:cNvSpPr txBox="1"/>
-          <p:nvPr/>
-        </p:nvSpPr>
-        <p:spPr>
-          <a:xfrm>
-            <a:off x="1067824" y="1602375"/>
-            <a:ext cx="457176" cy="584775"/>
-          </a:xfrm>
-          <a:prstGeom prst="rect">
-            <a:avLst/>
-          </a:prstGeom>
-          <a:noFill/>
-        </p:spPr>
-        <p:txBody>
-          <a:bodyPr wrap="none" rtlCol="0">
-            <a:spAutoFit/>
-          </a:bodyPr>
-          <a:lstStyle/>
-          <a:p>
-            <a:r>
-              <a:rPr lang="ja-JP" altLang="en-US" sz="3200" dirty="0"/>
-              <a:t>　</a:t>
-            </a:r>
-            <a:endParaRPr kumimoji="1" lang="en-US" altLang="ja-JP" sz="3200" dirty="0" smtClean="0"/>
-          </a:p>
-        </p:txBody>
-      </p:sp>
-      <p:sp>
-        <p:nvSpPr>
-          <p:cNvPr id="4" name="テキスト ボックス 3"/>
-          <p:cNvSpPr txBox="1"/>
-          <p:nvPr/>
-        </p:nvSpPr>
-        <p:spPr>
-          <a:xfrm>
-            <a:off x="1067824" y="4577624"/>
-            <a:ext cx="10581743" cy="1077218"/>
-          </a:xfrm>
-          <a:prstGeom prst="rect">
-            <a:avLst/>
-          </a:prstGeom>
-          <a:noFill/>
-        </p:spPr>
-        <p:txBody>
-          <a:bodyPr wrap="none" rtlCol="0">
-            <a:spAutoFit/>
-          </a:bodyPr>
-          <a:lstStyle/>
-          <a:p>
-            <a:r>
-              <a:rPr kumimoji="1" lang="ja-JP" altLang="en-US" sz="3200" dirty="0" smtClean="0"/>
-              <a:t>勝利条件</a:t>
-            </a:r>
-            <a:endParaRPr kumimoji="1" lang="en-US" altLang="ja-JP" sz="3200" dirty="0" smtClean="0"/>
-          </a:p>
-          <a:p>
-            <a:r>
-              <a:rPr lang="ja-JP" altLang="en-US" sz="3200" dirty="0"/>
-              <a:t>　</a:t>
-            </a:r>
-            <a:r>
-              <a:rPr lang="ja-JP" altLang="en-US" sz="3200" dirty="0" smtClean="0"/>
-              <a:t>自分の陣地に持ち帰り、一定時間奪われなければ勝利。</a:t>
-            </a:r>
-            <a:endParaRPr kumimoji="1" lang="ja-JP" altLang="en-US" sz="3200" dirty="0"/>
           </a:p>
         </p:txBody>
       </p:sp>
       <p:pic>
         <p:nvPicPr>
-          <p:cNvPr id="7" name="図 6"/>
+          <p:cNvPr id="4" name="図 3"/>
           <p:cNvPicPr>
             <a:picLocks noChangeAspect="1"/>
           </p:cNvPicPr>
           <p:nvPr/>
         </p:nvPicPr>
         <p:blipFill>
-          <a:blip r:embed="rId2" cstate="print">
+          <a:blip r:embed="rId2">
             <a:extLst>
               <a:ext uri="{28A0092B-C50C-407E-A947-70E740481C1C}">
                 <a14:useLocalDpi xmlns:a14="http://schemas.microsoft.com/office/drawing/2010/main" val="0"/>
@@ -3980,6 +4010,112 @@
         </p:blipFill>
         <p:spPr>
           <a:xfrm>
+            <a:off x="600891" y="1435029"/>
+            <a:ext cx="7173687" cy="4991650"/>
+          </a:xfrm>
+          <a:prstGeom prst="rect">
+            <a:avLst/>
+          </a:prstGeom>
+        </p:spPr>
+      </p:pic>
+      <p:sp>
+        <p:nvSpPr>
+          <p:cNvPr id="5" name="テキスト ボックス 4"/>
+          <p:cNvSpPr txBox="1"/>
+          <p:nvPr/>
+        </p:nvSpPr>
+        <p:spPr>
+          <a:xfrm>
+            <a:off x="8635038" y="4701396"/>
+            <a:ext cx="1510350" cy="523220"/>
+          </a:xfrm>
+          <a:prstGeom prst="rect">
+            <a:avLst/>
+          </a:prstGeom>
+          <a:noFill/>
+        </p:spPr>
+        <p:txBody>
+          <a:bodyPr wrap="none" rtlCol="0">
+            <a:spAutoFit/>
+          </a:bodyPr>
+          <a:lstStyle/>
+          <a:p>
+            <a:r>
+              <a:rPr lang="ja-JP" altLang="en-US" sz="2800" dirty="0" smtClean="0"/>
+              <a:t>★</a:t>
+            </a:r>
+            <a:r>
+              <a:rPr lang="en-US" altLang="ja-JP" sz="2800" dirty="0" smtClean="0"/>
+              <a:t>…</a:t>
+            </a:r>
+            <a:r>
+              <a:rPr lang="ja-JP" altLang="en-US" sz="2800" dirty="0" smtClean="0"/>
+              <a:t>宝物</a:t>
+            </a:r>
+            <a:endParaRPr kumimoji="1" lang="ja-JP" altLang="en-US" sz="2800" dirty="0"/>
+          </a:p>
+        </p:txBody>
+      </p:sp>
+      <p:sp>
+        <p:nvSpPr>
+          <p:cNvPr id="6" name="テキスト ボックス 5"/>
+          <p:cNvSpPr txBox="1"/>
+          <p:nvPr/>
+        </p:nvSpPr>
+        <p:spPr>
+          <a:xfrm>
+            <a:off x="8635039" y="5270739"/>
+            <a:ext cx="1510350" cy="523220"/>
+          </a:xfrm>
+          <a:prstGeom prst="rect">
+            <a:avLst/>
+          </a:prstGeom>
+          <a:noFill/>
+        </p:spPr>
+        <p:txBody>
+          <a:bodyPr wrap="none" rtlCol="0">
+            <a:spAutoFit/>
+          </a:bodyPr>
+          <a:lstStyle/>
+          <a:p>
+            <a:r>
+              <a:rPr kumimoji="1" lang="ja-JP" altLang="en-US" sz="2800" dirty="0" smtClean="0"/>
+              <a:t>△</a:t>
+            </a:r>
+            <a:r>
+              <a:rPr kumimoji="1" lang="en-US" altLang="ja-JP" sz="2800" dirty="0" smtClean="0"/>
+              <a:t>…</a:t>
+            </a:r>
+            <a:r>
+              <a:rPr kumimoji="1" lang="ja-JP" altLang="en-US" sz="2800" dirty="0" smtClean="0"/>
+              <a:t>陣地</a:t>
+            </a:r>
+            <a:endParaRPr kumimoji="1" lang="ja-JP" altLang="en-US" sz="2800" dirty="0"/>
+          </a:p>
+        </p:txBody>
+      </p:sp>
+      <p:pic>
+        <p:nvPicPr>
+          <p:cNvPr id="7" name="図 6"/>
+          <p:cNvPicPr>
+            <a:picLocks noChangeAspect="1"/>
+          </p:cNvPicPr>
+          <p:nvPr/>
+        </p:nvPicPr>
+        <p:blipFill>
+          <a:blip r:embed="rId3" cstate="print">
+            <a:extLst>
+              <a:ext uri="{28A0092B-C50C-407E-A947-70E740481C1C}">
+                <a14:useLocalDpi xmlns:a14="http://schemas.microsoft.com/office/drawing/2010/main" val="0"/>
+              </a:ext>
+            </a:extLst>
+          </a:blip>
+          <a:stretch>
+            <a:fillRect/>
+          </a:stretch>
+        </p:blipFill>
+        <p:spPr>
+          <a:xfrm>
             <a:off x="10988842" y="5654842"/>
             <a:ext cx="1203157" cy="1203157"/>
           </a:xfrm>
@@ -3991,7 +4127,7 @@
     </p:spTree>
     <p:extLst>
       <p:ext uri="{BB962C8B-B14F-4D97-AF65-F5344CB8AC3E}">
-        <p14:creationId xmlns:p14="http://schemas.microsoft.com/office/powerpoint/2010/main" val="1004257692"/>
+        <p14:creationId xmlns:p14="http://schemas.microsoft.com/office/powerpoint/2010/main" val="700567770"/>
       </p:ext>
     </p:extLst>
   </p:cSld>
@@ -4026,8 +4162,8 @@
         </p:nvSpPr>
         <p:spPr>
           <a:xfrm>
-            <a:off x="627018" y="470263"/>
-            <a:ext cx="3334567" cy="769441"/>
+            <a:off x="1277899" y="2386389"/>
+            <a:ext cx="8922635" cy="1323439"/>
           </a:xfrm>
           <a:prstGeom prst="rect">
             <a:avLst/>
@@ -4041,10 +4177,10 @@
           <a:lstStyle/>
           <a:p>
             <a:r>
-              <a:rPr lang="ja-JP" altLang="en-US" sz="4400" dirty="0" smtClean="0"/>
-              <a:t>ゲーム概要２</a:t>
-            </a:r>
-            <a:endParaRPr kumimoji="1" lang="ja-JP" altLang="en-US" sz="4400" dirty="0"/>
+              <a:rPr kumimoji="1" lang="ja-JP" altLang="en-US" sz="8000" dirty="0" smtClean="0"/>
+              <a:t>一つの宝物を巡って</a:t>
+            </a:r>
+            <a:endParaRPr kumimoji="1" lang="ja-JP" altLang="en-US" sz="8000" dirty="0"/>
           </a:p>
         </p:txBody>
       </p:sp>
@@ -4056,8 +4192,8 @@
         </p:nvSpPr>
         <p:spPr>
           <a:xfrm>
-            <a:off x="1067824" y="1964684"/>
-            <a:ext cx="9055684" cy="1569660"/>
+            <a:off x="3600281" y="3709828"/>
+            <a:ext cx="7487947" cy="1323439"/>
           </a:xfrm>
           <a:prstGeom prst="rect">
             <a:avLst/>
@@ -4071,53 +4207,23 @@
           <a:lstStyle/>
           <a:p>
             <a:r>
-              <a:rPr kumimoji="1" lang="ja-JP" altLang="en-US" sz="3200" dirty="0" smtClean="0"/>
-              <a:t>ライバルに宝物を奪われてしまったら・・・　</a:t>
-            </a:r>
-            <a:endParaRPr kumimoji="1" lang="en-US" altLang="ja-JP" sz="3200" dirty="0" smtClean="0"/>
-          </a:p>
-          <a:p>
-            <a:r>
-              <a:rPr lang="ja-JP" altLang="en-US" sz="3200" dirty="0"/>
-              <a:t>　</a:t>
-            </a:r>
-            <a:r>
-              <a:rPr lang="ja-JP" altLang="en-US" sz="3200" dirty="0" smtClean="0"/>
-              <a:t>　　　</a:t>
-            </a:r>
-            <a:r>
-              <a:rPr kumimoji="1" lang="ja-JP" altLang="en-US" sz="3200" dirty="0" smtClean="0"/>
-              <a:t>ライバルを攻撃して、宝物を落とさせましょう。</a:t>
-            </a:r>
-            <a:endParaRPr kumimoji="1" lang="en-US" altLang="ja-JP" sz="3200" dirty="0" smtClean="0"/>
-          </a:p>
-          <a:p>
-            <a:r>
-              <a:rPr lang="ja-JP" altLang="en-US" sz="3200" dirty="0"/>
-              <a:t>　</a:t>
-            </a:r>
-            <a:r>
-              <a:rPr lang="ja-JP" altLang="en-US" sz="3200" dirty="0" smtClean="0"/>
-              <a:t>　　　宝物が落ちたら、拾って自分の陣地に</a:t>
-            </a:r>
-            <a:r>
-              <a:rPr lang="en-US" altLang="ja-JP" sz="3200" dirty="0" smtClean="0"/>
-              <a:t>GO!!!</a:t>
-            </a:r>
-            <a:endParaRPr kumimoji="1" lang="ja-JP" altLang="en-US" sz="3200" dirty="0"/>
-          </a:p>
-        </p:txBody>
-      </p:sp>
-      <p:sp>
-        <p:nvSpPr>
-          <p:cNvPr id="5" name="テキスト ボックス 4"/>
+              <a:rPr kumimoji="1" lang="ja-JP" altLang="en-US" sz="8000" dirty="0" smtClean="0"/>
+              <a:t>四人が取り合う。</a:t>
+            </a:r>
+            <a:endParaRPr kumimoji="1" lang="ja-JP" altLang="en-US" sz="8000" dirty="0"/>
+          </a:p>
+        </p:txBody>
+      </p:sp>
+      <p:sp>
+        <p:nvSpPr>
+          <p:cNvPr id="4" name="テキスト ボックス 3"/>
           <p:cNvSpPr txBox="1"/>
           <p:nvPr/>
         </p:nvSpPr>
         <p:spPr>
           <a:xfrm>
-            <a:off x="1067824" y="4387985"/>
-            <a:ext cx="6503703" cy="1569660"/>
+            <a:off x="600891" y="487679"/>
+            <a:ext cx="1736373" cy="769441"/>
           </a:xfrm>
           <a:prstGeom prst="rect">
             <a:avLst/>
@@ -4131,36 +4237,10 @@
           <a:lstStyle/>
           <a:p>
             <a:r>
-              <a:rPr lang="ja-JP" altLang="en-US" sz="3200" dirty="0" smtClean="0"/>
-              <a:t>攻撃方法・・・</a:t>
-            </a:r>
-            <a:endParaRPr lang="en-US" altLang="ja-JP" sz="3200" dirty="0" smtClean="0"/>
-          </a:p>
-          <a:p>
-            <a:r>
-              <a:rPr kumimoji="1" lang="ja-JP" altLang="en-US" sz="3200" dirty="0"/>
-              <a:t>　</a:t>
-            </a:r>
-            <a:r>
-              <a:rPr kumimoji="1" lang="ja-JP" altLang="en-US" sz="3200" dirty="0" smtClean="0"/>
-              <a:t>　　　パンチ、範囲攻撃、狙撃などを</a:t>
-            </a:r>
-            <a:endParaRPr kumimoji="1" lang="en-US" altLang="ja-JP" sz="3200" dirty="0" smtClean="0"/>
-          </a:p>
-          <a:p>
-            <a:r>
-              <a:rPr lang="ja-JP" altLang="en-US" sz="3200" dirty="0"/>
-              <a:t>　</a:t>
-            </a:r>
-            <a:r>
-              <a:rPr lang="ja-JP" altLang="en-US" sz="3200" dirty="0" smtClean="0"/>
-              <a:t>　　　</a:t>
-            </a:r>
-            <a:r>
-              <a:rPr kumimoji="1" lang="ja-JP" altLang="en-US" sz="3200" dirty="0" smtClean="0"/>
-              <a:t>リモを変形しながら行います。</a:t>
-            </a:r>
-            <a:endParaRPr kumimoji="1" lang="ja-JP" altLang="en-US" sz="3200" dirty="0"/>
+              <a:rPr kumimoji="1" lang="ja-JP" altLang="en-US" sz="4400" dirty="0" smtClean="0"/>
+              <a:t>テーマ</a:t>
+            </a:r>
+            <a:endParaRPr kumimoji="1" lang="ja-JP" altLang="en-US" sz="4400" dirty="0"/>
           </a:p>
         </p:txBody>
       </p:sp>
@@ -4194,6 +4274,484 @@
           </a:prstGeom>
         </p:spPr>
       </p:pic>
+    </p:spTree>
+    <p:extLst>
+      <p:ext uri="{BB962C8B-B14F-4D97-AF65-F5344CB8AC3E}">
+        <p14:creationId xmlns:p14="http://schemas.microsoft.com/office/powerpoint/2010/main" val="3433784511"/>
+      </p:ext>
+    </p:extLst>
+  </p:cSld>
+  <p:clrMapOvr>
+    <a:masterClrMapping/>
+  </p:clrMapOvr>
+</p:sld>
+</file>
+
+<file path=ppt/slides/slide6.xml><?xml version="1.0" encoding="utf-8"?>
+<p:sld xmlns:a="http://schemas.openxmlformats.org/drawingml/2006/main" xmlns:r="http://schemas.openxmlformats.org/officeDocument/2006/relationships" xmlns:p="http://schemas.openxmlformats.org/presentationml/2006/main">
+  <p:cSld>
+    <p:spTree>
+      <p:nvGrpSpPr>
+        <p:cNvPr id="1" name=""/>
+        <p:cNvGrpSpPr/>
+        <p:nvPr/>
+      </p:nvGrpSpPr>
+      <p:grpSpPr>
+        <a:xfrm>
+          <a:off x="0" y="0"/>
+          <a:ext cx="0" cy="0"/>
+          <a:chOff x="0" y="0"/>
+          <a:chExt cx="0" cy="0"/>
+        </a:xfrm>
+      </p:grpSpPr>
+      <p:sp>
+        <p:nvSpPr>
+          <p:cNvPr id="2" name="テキスト ボックス 1"/>
+          <p:cNvSpPr txBox="1"/>
+          <p:nvPr/>
+        </p:nvSpPr>
+        <p:spPr>
+          <a:xfrm>
+            <a:off x="627018" y="470263"/>
+            <a:ext cx="3490058" cy="769441"/>
+          </a:xfrm>
+          <a:prstGeom prst="rect">
+            <a:avLst/>
+          </a:prstGeom>
+          <a:noFill/>
+        </p:spPr>
+        <p:txBody>
+          <a:bodyPr wrap="none" rtlCol="0">
+            <a:spAutoFit/>
+          </a:bodyPr>
+          <a:lstStyle/>
+          <a:p>
+            <a:r>
+              <a:rPr kumimoji="1" lang="ja-JP" altLang="en-US" sz="4400" dirty="0" smtClean="0"/>
+              <a:t>ゲームルール</a:t>
+            </a:r>
+            <a:endParaRPr kumimoji="1" lang="ja-JP" altLang="en-US" sz="4400" dirty="0"/>
+          </a:p>
+        </p:txBody>
+      </p:sp>
+      <p:sp>
+        <p:nvSpPr>
+          <p:cNvPr id="3" name="テキスト ボックス 2"/>
+          <p:cNvSpPr txBox="1"/>
+          <p:nvPr/>
+        </p:nvSpPr>
+        <p:spPr>
+          <a:xfrm>
+            <a:off x="1067824" y="1602375"/>
+            <a:ext cx="457176" cy="584775"/>
+          </a:xfrm>
+          <a:prstGeom prst="rect">
+            <a:avLst/>
+          </a:prstGeom>
+          <a:noFill/>
+        </p:spPr>
+        <p:txBody>
+          <a:bodyPr wrap="none" rtlCol="0">
+            <a:spAutoFit/>
+          </a:bodyPr>
+          <a:lstStyle/>
+          <a:p>
+            <a:r>
+              <a:rPr lang="ja-JP" altLang="en-US" sz="3200" dirty="0"/>
+              <a:t>　</a:t>
+            </a:r>
+            <a:endParaRPr kumimoji="1" lang="en-US" altLang="ja-JP" sz="3200" dirty="0" smtClean="0"/>
+          </a:p>
+        </p:txBody>
+      </p:sp>
+      <p:sp>
+        <p:nvSpPr>
+          <p:cNvPr id="4" name="テキスト ボックス 3"/>
+          <p:cNvSpPr txBox="1"/>
+          <p:nvPr/>
+        </p:nvSpPr>
+        <p:spPr>
+          <a:xfrm>
+            <a:off x="947054" y="1774039"/>
+            <a:ext cx="10581743" cy="1077218"/>
+          </a:xfrm>
+          <a:prstGeom prst="rect">
+            <a:avLst/>
+          </a:prstGeom>
+          <a:noFill/>
+        </p:spPr>
+        <p:txBody>
+          <a:bodyPr wrap="none" rtlCol="0">
+            <a:spAutoFit/>
+          </a:bodyPr>
+          <a:lstStyle/>
+          <a:p>
+            <a:r>
+              <a:rPr kumimoji="1" lang="ja-JP" altLang="en-US" sz="3200" dirty="0" smtClean="0"/>
+              <a:t>勝利条件</a:t>
+            </a:r>
+            <a:endParaRPr kumimoji="1" lang="en-US" altLang="ja-JP" sz="3200" dirty="0" smtClean="0"/>
+          </a:p>
+          <a:p>
+            <a:r>
+              <a:rPr lang="ja-JP" altLang="en-US" sz="3200" dirty="0"/>
+              <a:t>　</a:t>
+            </a:r>
+            <a:r>
+              <a:rPr lang="ja-JP" altLang="en-US" sz="3200" dirty="0" smtClean="0"/>
+              <a:t>自分の陣地に持ち帰り、一定時間奪われなければ勝利。</a:t>
+            </a:r>
+            <a:endParaRPr kumimoji="1" lang="ja-JP" altLang="en-US" sz="3200" dirty="0"/>
+          </a:p>
+        </p:txBody>
+      </p:sp>
+      <p:pic>
+        <p:nvPicPr>
+          <p:cNvPr id="7" name="図 6"/>
+          <p:cNvPicPr>
+            <a:picLocks noChangeAspect="1"/>
+          </p:cNvPicPr>
+          <p:nvPr/>
+        </p:nvPicPr>
+        <p:blipFill>
+          <a:blip r:embed="rId2" cstate="print">
+            <a:extLst>
+              <a:ext uri="{28A0092B-C50C-407E-A947-70E740481C1C}">
+                <a14:useLocalDpi xmlns:a14="http://schemas.microsoft.com/office/drawing/2010/main" val="0"/>
+              </a:ext>
+            </a:extLst>
+          </a:blip>
+          <a:stretch>
+            <a:fillRect/>
+          </a:stretch>
+        </p:blipFill>
+        <p:spPr>
+          <a:xfrm>
+            <a:off x="10988842" y="5654842"/>
+            <a:ext cx="1203157" cy="1203157"/>
+          </a:xfrm>
+          <a:prstGeom prst="rect">
+            <a:avLst/>
+          </a:prstGeom>
+        </p:spPr>
+      </p:pic>
+      <p:pic>
+        <p:nvPicPr>
+          <p:cNvPr id="5" name="図 4"/>
+          <p:cNvPicPr>
+            <a:picLocks noChangeAspect="1"/>
+          </p:cNvPicPr>
+          <p:nvPr/>
+        </p:nvPicPr>
+        <p:blipFill>
+          <a:blip r:embed="rId3" cstate="print">
+            <a:extLst>
+              <a:ext uri="{28A0092B-C50C-407E-A947-70E740481C1C}">
+                <a14:useLocalDpi xmlns:a14="http://schemas.microsoft.com/office/drawing/2010/main" val="0"/>
+              </a:ext>
+            </a:extLst>
+          </a:blip>
+          <a:stretch>
+            <a:fillRect/>
+          </a:stretch>
+        </p:blipFill>
+        <p:spPr>
+          <a:xfrm>
+            <a:off x="959248" y="2829242"/>
+            <a:ext cx="2825598" cy="2825598"/>
+          </a:xfrm>
+          <a:prstGeom prst="rect">
+            <a:avLst/>
+          </a:prstGeom>
+        </p:spPr>
+      </p:pic>
+      <p:pic>
+        <p:nvPicPr>
+          <p:cNvPr id="6" name="図 5"/>
+          <p:cNvPicPr>
+            <a:picLocks noChangeAspect="1"/>
+          </p:cNvPicPr>
+          <p:nvPr/>
+        </p:nvPicPr>
+        <p:blipFill>
+          <a:blip r:embed="rId4" cstate="print">
+            <a:extLst>
+              <a:ext uri="{28A0092B-C50C-407E-A947-70E740481C1C}">
+                <a14:useLocalDpi xmlns:a14="http://schemas.microsoft.com/office/drawing/2010/main" val="0"/>
+              </a:ext>
+            </a:extLst>
+          </a:blip>
+          <a:stretch>
+            <a:fillRect/>
+          </a:stretch>
+        </p:blipFill>
+        <p:spPr>
+          <a:xfrm>
+            <a:off x="4777762" y="3022921"/>
+            <a:ext cx="2651426" cy="2651426"/>
+          </a:xfrm>
+          <a:prstGeom prst="rect">
+            <a:avLst/>
+          </a:prstGeom>
+        </p:spPr>
+      </p:pic>
+      <p:pic>
+        <p:nvPicPr>
+          <p:cNvPr id="8" name="図 7"/>
+          <p:cNvPicPr>
+            <a:picLocks noChangeAspect="1"/>
+          </p:cNvPicPr>
+          <p:nvPr/>
+        </p:nvPicPr>
+        <p:blipFill>
+          <a:blip r:embed="rId5" cstate="print">
+            <a:extLst>
+              <a:ext uri="{28A0092B-C50C-407E-A947-70E740481C1C}">
+                <a14:useLocalDpi xmlns:a14="http://schemas.microsoft.com/office/drawing/2010/main" val="0"/>
+              </a:ext>
+            </a:extLst>
+          </a:blip>
+          <a:stretch>
+            <a:fillRect/>
+          </a:stretch>
+        </p:blipFill>
+        <p:spPr>
+          <a:xfrm>
+            <a:off x="8005011" y="3152268"/>
+            <a:ext cx="2727162" cy="2727162"/>
+          </a:xfrm>
+          <a:prstGeom prst="rect">
+            <a:avLst/>
+          </a:prstGeom>
+        </p:spPr>
+      </p:pic>
+    </p:spTree>
+    <p:extLst>
+      <p:ext uri="{BB962C8B-B14F-4D97-AF65-F5344CB8AC3E}">
+        <p14:creationId xmlns:p14="http://schemas.microsoft.com/office/powerpoint/2010/main" val="1004257692"/>
+      </p:ext>
+    </p:extLst>
+  </p:cSld>
+  <p:clrMapOvr>
+    <a:masterClrMapping/>
+  </p:clrMapOvr>
+</p:sld>
+</file>
+
+<file path=ppt/slides/slide7.xml><?xml version="1.0" encoding="utf-8"?>
+<p:sld xmlns:a="http://schemas.openxmlformats.org/drawingml/2006/main" xmlns:r="http://schemas.openxmlformats.org/officeDocument/2006/relationships" xmlns:p="http://schemas.openxmlformats.org/presentationml/2006/main">
+  <p:cSld>
+    <p:spTree>
+      <p:nvGrpSpPr>
+        <p:cNvPr id="1" name=""/>
+        <p:cNvGrpSpPr/>
+        <p:nvPr/>
+      </p:nvGrpSpPr>
+      <p:grpSpPr>
+        <a:xfrm>
+          <a:off x="0" y="0"/>
+          <a:ext cx="0" cy="0"/>
+          <a:chOff x="0" y="0"/>
+          <a:chExt cx="0" cy="0"/>
+        </a:xfrm>
+      </p:grpSpPr>
+      <p:sp>
+        <p:nvSpPr>
+          <p:cNvPr id="2" name="テキスト ボックス 1"/>
+          <p:cNvSpPr txBox="1"/>
+          <p:nvPr/>
+        </p:nvSpPr>
+        <p:spPr>
+          <a:xfrm>
+            <a:off x="627018" y="470263"/>
+            <a:ext cx="2948243" cy="769441"/>
+          </a:xfrm>
+          <a:prstGeom prst="rect">
+            <a:avLst/>
+          </a:prstGeom>
+          <a:noFill/>
+        </p:spPr>
+        <p:txBody>
+          <a:bodyPr wrap="none" rtlCol="0">
+            <a:spAutoFit/>
+          </a:bodyPr>
+          <a:lstStyle/>
+          <a:p>
+            <a:r>
+              <a:rPr lang="ja-JP" altLang="en-US" sz="4400" dirty="0" smtClean="0"/>
+              <a:t>ゲーム概要</a:t>
+            </a:r>
+            <a:endParaRPr kumimoji="1" lang="ja-JP" altLang="en-US" sz="4400" dirty="0"/>
+          </a:p>
+        </p:txBody>
+      </p:sp>
+      <p:sp>
+        <p:nvSpPr>
+          <p:cNvPr id="3" name="テキスト ボックス 2"/>
+          <p:cNvSpPr txBox="1"/>
+          <p:nvPr/>
+        </p:nvSpPr>
+        <p:spPr>
+          <a:xfrm>
+            <a:off x="1067824" y="1964684"/>
+            <a:ext cx="9283311" cy="4031873"/>
+          </a:xfrm>
+          <a:prstGeom prst="rect">
+            <a:avLst/>
+          </a:prstGeom>
+          <a:noFill/>
+        </p:spPr>
+        <p:txBody>
+          <a:bodyPr wrap="none" rtlCol="0">
+            <a:spAutoFit/>
+          </a:bodyPr>
+          <a:lstStyle/>
+          <a:p>
+            <a:r>
+              <a:rPr lang="ja-JP" altLang="en-US" sz="3200" dirty="0"/>
+              <a:t>主</a:t>
+            </a:r>
+            <a:r>
+              <a:rPr lang="ja-JP" altLang="en-US" sz="3200" dirty="0" smtClean="0"/>
+              <a:t>な操作</a:t>
+            </a:r>
+            <a:endParaRPr lang="en-US" altLang="ja-JP" sz="3200" dirty="0" smtClean="0"/>
+          </a:p>
+          <a:p>
+            <a:endParaRPr kumimoji="1" lang="en-US" altLang="ja-JP" sz="3200" dirty="0" smtClean="0"/>
+          </a:p>
+          <a:p>
+            <a:r>
+              <a:rPr lang="ja-JP" altLang="en-US" sz="3200" dirty="0" smtClean="0"/>
+              <a:t>　　変形　　　・・・　リモちゃんが変形します　</a:t>
+            </a:r>
+            <a:endParaRPr lang="ja-JP" altLang="en-US" sz="3200" dirty="0"/>
+          </a:p>
+          <a:p>
+            <a:endParaRPr kumimoji="1" lang="en-US" altLang="ja-JP" sz="3200" dirty="0"/>
+          </a:p>
+          <a:p>
+            <a:r>
+              <a:rPr lang="ja-JP" altLang="en-US" sz="3200" dirty="0" smtClean="0"/>
+              <a:t>　　　　攻撃　・・・　範囲攻撃、狙撃など。</a:t>
+            </a:r>
+            <a:endParaRPr lang="en-US" altLang="ja-JP" sz="3200" dirty="0" smtClean="0"/>
+          </a:p>
+          <a:p>
+            <a:endParaRPr kumimoji="1" lang="en-US" altLang="ja-JP" sz="3200" dirty="0"/>
+          </a:p>
+          <a:p>
+            <a:r>
+              <a:rPr lang="ja-JP" altLang="en-US" sz="3200" dirty="0" smtClean="0"/>
+              <a:t>　　　　糸　　  ・・・　道を作る、トラップを仕掛けるなど。</a:t>
+            </a:r>
+            <a:endParaRPr lang="en-US" altLang="ja-JP" sz="3200" dirty="0" smtClean="0"/>
+          </a:p>
+          <a:p>
+            <a:endParaRPr kumimoji="1" lang="en-US" altLang="ja-JP" sz="3200" dirty="0"/>
+          </a:p>
+        </p:txBody>
+      </p:sp>
+      <p:pic>
+        <p:nvPicPr>
+          <p:cNvPr id="6" name="図 5"/>
+          <p:cNvPicPr>
+            <a:picLocks noChangeAspect="1"/>
+          </p:cNvPicPr>
+          <p:nvPr/>
+        </p:nvPicPr>
+        <p:blipFill>
+          <a:blip r:embed="rId2" cstate="print">
+            <a:extLst>
+              <a:ext uri="{28A0092B-C50C-407E-A947-70E740481C1C}">
+                <a14:useLocalDpi xmlns:a14="http://schemas.microsoft.com/office/drawing/2010/main" val="0"/>
+              </a:ext>
+            </a:extLst>
+          </a:blip>
+          <a:stretch>
+            <a:fillRect/>
+          </a:stretch>
+        </p:blipFill>
+        <p:spPr>
+          <a:xfrm>
+            <a:off x="10988842" y="5654842"/>
+            <a:ext cx="1203157" cy="1203157"/>
+          </a:xfrm>
+          <a:prstGeom prst="rect">
+            <a:avLst/>
+          </a:prstGeom>
+        </p:spPr>
+      </p:pic>
+      <p:cxnSp>
+        <p:nvCxnSpPr>
+          <p:cNvPr id="7" name="カギ線コネクタ 6"/>
+          <p:cNvCxnSpPr/>
+          <p:nvPr/>
+        </p:nvCxnSpPr>
+        <p:spPr>
+          <a:xfrm rot="16200000" flipH="1">
+            <a:off x="1272396" y="4283015"/>
+            <a:ext cx="1578634" cy="293298"/>
+          </a:xfrm>
+          <a:prstGeom prst="bentConnector3">
+            <a:avLst>
+              <a:gd name="adj1" fmla="val 100273"/>
+            </a:avLst>
+          </a:prstGeom>
+          <a:ln>
+            <a:tailEnd type="triangle"/>
+          </a:ln>
+        </p:spPr>
+        <p:style>
+          <a:lnRef idx="1">
+            <a:schemeClr val="accent1"/>
+          </a:lnRef>
+          <a:fillRef idx="0">
+            <a:schemeClr val="accent1"/>
+          </a:fillRef>
+          <a:effectRef idx="0">
+            <a:schemeClr val="accent1"/>
+          </a:effectRef>
+          <a:fontRef idx="minor">
+            <a:schemeClr val="tx1"/>
+          </a:fontRef>
+        </p:style>
+      </p:cxnSp>
+      <p:cxnSp>
+        <p:nvCxnSpPr>
+          <p:cNvPr id="10" name="カギ線コネクタ 9"/>
+          <p:cNvCxnSpPr/>
+          <p:nvPr/>
+        </p:nvCxnSpPr>
+        <p:spPr>
+          <a:xfrm rot="16200000" flipH="1">
+            <a:off x="1759788" y="3795622"/>
+            <a:ext cx="612476" cy="284671"/>
+          </a:xfrm>
+          <a:prstGeom prst="bentConnector3">
+            <a:avLst>
+              <a:gd name="adj1" fmla="val 99296"/>
+            </a:avLst>
+          </a:prstGeom>
+          <a:ln>
+            <a:tailEnd type="triangle"/>
+          </a:ln>
+        </p:spPr>
+        <p:style>
+          <a:lnRef idx="1">
+            <a:schemeClr val="accent1"/>
+          </a:lnRef>
+          <a:fillRef idx="0">
+            <a:schemeClr val="accent1"/>
+          </a:fillRef>
+          <a:effectRef idx="0">
+            <a:schemeClr val="accent1"/>
+          </a:effectRef>
+          <a:fontRef idx="minor">
+            <a:schemeClr val="tx1"/>
+          </a:fontRef>
+        </p:style>
+      </p:cxnSp>
     </p:spTree>
     <p:extLst>
       <p:ext uri="{BB962C8B-B14F-4D97-AF65-F5344CB8AC3E}">

--- a/G18_プレゼン用PWP.pptx
+++ b/G18_プレゼン用PWP.pptx
@@ -6,12 +6,16 @@
   </p:sldMasterIdLst>
   <p:sldIdLst>
     <p:sldId id="256" r:id="rId2"/>
-    <p:sldId id="257" r:id="rId3"/>
-    <p:sldId id="262" r:id="rId4"/>
-    <p:sldId id="261" r:id="rId5"/>
-    <p:sldId id="258" r:id="rId6"/>
-    <p:sldId id="259" r:id="rId7"/>
-    <p:sldId id="260" r:id="rId8"/>
+    <p:sldId id="264" r:id="rId3"/>
+    <p:sldId id="257" r:id="rId4"/>
+    <p:sldId id="262" r:id="rId5"/>
+    <p:sldId id="265" r:id="rId6"/>
+    <p:sldId id="266" r:id="rId7"/>
+    <p:sldId id="261" r:id="rId8"/>
+    <p:sldId id="258" r:id="rId9"/>
+    <p:sldId id="259" r:id="rId10"/>
+    <p:sldId id="260" r:id="rId11"/>
+    <p:sldId id="263" r:id="rId12"/>
   </p:sldIdLst>
   <p:sldSz cx="12192000" cy="6858000"/>
   <p:notesSz cx="6858000" cy="9144000"/>
@@ -3417,6 +3421,424 @@
 </p:sld>
 </file>
 
+<file path=ppt/slides/slide10.xml><?xml version="1.0" encoding="utf-8"?>
+<p:sld xmlns:a="http://schemas.openxmlformats.org/drawingml/2006/main" xmlns:r="http://schemas.openxmlformats.org/officeDocument/2006/relationships" xmlns:p="http://schemas.openxmlformats.org/presentationml/2006/main">
+  <p:cSld>
+    <p:spTree>
+      <p:nvGrpSpPr>
+        <p:cNvPr id="1" name=""/>
+        <p:cNvGrpSpPr/>
+        <p:nvPr/>
+      </p:nvGrpSpPr>
+      <p:grpSpPr>
+        <a:xfrm>
+          <a:off x="0" y="0"/>
+          <a:ext cx="0" cy="0"/>
+          <a:chOff x="0" y="0"/>
+          <a:chExt cx="0" cy="0"/>
+        </a:xfrm>
+      </p:grpSpPr>
+      <p:sp>
+        <p:nvSpPr>
+          <p:cNvPr id="2" name="テキスト ボックス 1"/>
+          <p:cNvSpPr txBox="1"/>
+          <p:nvPr/>
+        </p:nvSpPr>
+        <p:spPr>
+          <a:xfrm>
+            <a:off x="627018" y="470263"/>
+            <a:ext cx="2948243" cy="769441"/>
+          </a:xfrm>
+          <a:prstGeom prst="rect">
+            <a:avLst/>
+          </a:prstGeom>
+          <a:noFill/>
+        </p:spPr>
+        <p:txBody>
+          <a:bodyPr wrap="none" rtlCol="0">
+            <a:spAutoFit/>
+          </a:bodyPr>
+          <a:lstStyle/>
+          <a:p>
+            <a:r>
+              <a:rPr lang="ja-JP" altLang="en-US" sz="4400" dirty="0" smtClean="0"/>
+              <a:t>ゲーム概要</a:t>
+            </a:r>
+            <a:endParaRPr kumimoji="1" lang="ja-JP" altLang="en-US" sz="4400" dirty="0"/>
+          </a:p>
+        </p:txBody>
+      </p:sp>
+      <p:sp>
+        <p:nvSpPr>
+          <p:cNvPr id="3" name="テキスト ボックス 2"/>
+          <p:cNvSpPr txBox="1"/>
+          <p:nvPr/>
+        </p:nvSpPr>
+        <p:spPr>
+          <a:xfrm>
+            <a:off x="1067824" y="1964684"/>
+            <a:ext cx="9283311" cy="4031873"/>
+          </a:xfrm>
+          <a:prstGeom prst="rect">
+            <a:avLst/>
+          </a:prstGeom>
+          <a:noFill/>
+        </p:spPr>
+        <p:txBody>
+          <a:bodyPr wrap="none" rtlCol="0">
+            <a:spAutoFit/>
+          </a:bodyPr>
+          <a:lstStyle/>
+          <a:p>
+            <a:r>
+              <a:rPr lang="ja-JP" altLang="en-US" sz="3200" dirty="0"/>
+              <a:t>主</a:t>
+            </a:r>
+            <a:r>
+              <a:rPr lang="ja-JP" altLang="en-US" sz="3200" dirty="0" smtClean="0"/>
+              <a:t>な操作</a:t>
+            </a:r>
+            <a:endParaRPr lang="en-US" altLang="ja-JP" sz="3200" dirty="0" smtClean="0"/>
+          </a:p>
+          <a:p>
+            <a:endParaRPr kumimoji="1" lang="en-US" altLang="ja-JP" sz="3200" dirty="0" smtClean="0"/>
+          </a:p>
+          <a:p>
+            <a:r>
+              <a:rPr lang="ja-JP" altLang="en-US" sz="3200" dirty="0" smtClean="0"/>
+              <a:t>　　変形　　　・・・　リモちゃんが変形します　</a:t>
+            </a:r>
+            <a:endParaRPr lang="ja-JP" altLang="en-US" sz="3200" dirty="0"/>
+          </a:p>
+          <a:p>
+            <a:endParaRPr kumimoji="1" lang="en-US" altLang="ja-JP" sz="3200" dirty="0"/>
+          </a:p>
+          <a:p>
+            <a:r>
+              <a:rPr lang="ja-JP" altLang="en-US" sz="3200" dirty="0" smtClean="0"/>
+              <a:t>　　　　攻撃　・・・　範囲攻撃、狙撃など。</a:t>
+            </a:r>
+            <a:endParaRPr lang="en-US" altLang="ja-JP" sz="3200" dirty="0" smtClean="0"/>
+          </a:p>
+          <a:p>
+            <a:endParaRPr kumimoji="1" lang="en-US" altLang="ja-JP" sz="3200" dirty="0"/>
+          </a:p>
+          <a:p>
+            <a:r>
+              <a:rPr lang="ja-JP" altLang="en-US" sz="3200" dirty="0" smtClean="0"/>
+              <a:t>　　　　糸　　  ・・・　道を作る、トラップを仕掛けるなど。</a:t>
+            </a:r>
+            <a:endParaRPr lang="en-US" altLang="ja-JP" sz="3200" dirty="0" smtClean="0"/>
+          </a:p>
+          <a:p>
+            <a:endParaRPr kumimoji="1" lang="en-US" altLang="ja-JP" sz="3200" dirty="0"/>
+          </a:p>
+        </p:txBody>
+      </p:sp>
+      <p:pic>
+        <p:nvPicPr>
+          <p:cNvPr id="6" name="図 5"/>
+          <p:cNvPicPr>
+            <a:picLocks noChangeAspect="1"/>
+          </p:cNvPicPr>
+          <p:nvPr/>
+        </p:nvPicPr>
+        <p:blipFill>
+          <a:blip r:embed="rId2" cstate="print">
+            <a:extLst>
+              <a:ext uri="{28A0092B-C50C-407E-A947-70E740481C1C}">
+                <a14:useLocalDpi xmlns:a14="http://schemas.microsoft.com/office/drawing/2010/main" val="0"/>
+              </a:ext>
+            </a:extLst>
+          </a:blip>
+          <a:stretch>
+            <a:fillRect/>
+          </a:stretch>
+        </p:blipFill>
+        <p:spPr>
+          <a:xfrm>
+            <a:off x="10988842" y="5654842"/>
+            <a:ext cx="1203157" cy="1203157"/>
+          </a:xfrm>
+          <a:prstGeom prst="rect">
+            <a:avLst/>
+          </a:prstGeom>
+        </p:spPr>
+      </p:pic>
+      <p:cxnSp>
+        <p:nvCxnSpPr>
+          <p:cNvPr id="7" name="カギ線コネクタ 6"/>
+          <p:cNvCxnSpPr/>
+          <p:nvPr/>
+        </p:nvCxnSpPr>
+        <p:spPr>
+          <a:xfrm rot="16200000" flipH="1">
+            <a:off x="1272396" y="4283015"/>
+            <a:ext cx="1578634" cy="293298"/>
+          </a:xfrm>
+          <a:prstGeom prst="bentConnector3">
+            <a:avLst>
+              <a:gd name="adj1" fmla="val 100273"/>
+            </a:avLst>
+          </a:prstGeom>
+          <a:ln>
+            <a:tailEnd type="triangle"/>
+          </a:ln>
+        </p:spPr>
+        <p:style>
+          <a:lnRef idx="1">
+            <a:schemeClr val="accent1"/>
+          </a:lnRef>
+          <a:fillRef idx="0">
+            <a:schemeClr val="accent1"/>
+          </a:fillRef>
+          <a:effectRef idx="0">
+            <a:schemeClr val="accent1"/>
+          </a:effectRef>
+          <a:fontRef idx="minor">
+            <a:schemeClr val="tx1"/>
+          </a:fontRef>
+        </p:style>
+      </p:cxnSp>
+      <p:cxnSp>
+        <p:nvCxnSpPr>
+          <p:cNvPr id="10" name="カギ線コネクタ 9"/>
+          <p:cNvCxnSpPr/>
+          <p:nvPr/>
+        </p:nvCxnSpPr>
+        <p:spPr>
+          <a:xfrm rot="16200000" flipH="1">
+            <a:off x="1759788" y="3795622"/>
+            <a:ext cx="612476" cy="284671"/>
+          </a:xfrm>
+          <a:prstGeom prst="bentConnector3">
+            <a:avLst>
+              <a:gd name="adj1" fmla="val 99296"/>
+            </a:avLst>
+          </a:prstGeom>
+          <a:ln>
+            <a:tailEnd type="triangle"/>
+          </a:ln>
+        </p:spPr>
+        <p:style>
+          <a:lnRef idx="1">
+            <a:schemeClr val="accent1"/>
+          </a:lnRef>
+          <a:fillRef idx="0">
+            <a:schemeClr val="accent1"/>
+          </a:fillRef>
+          <a:effectRef idx="0">
+            <a:schemeClr val="accent1"/>
+          </a:effectRef>
+          <a:fontRef idx="minor">
+            <a:schemeClr val="tx1"/>
+          </a:fontRef>
+        </p:style>
+      </p:cxnSp>
+    </p:spTree>
+    <p:extLst>
+      <p:ext uri="{BB962C8B-B14F-4D97-AF65-F5344CB8AC3E}">
+        <p14:creationId xmlns:p14="http://schemas.microsoft.com/office/powerpoint/2010/main" val="4117955544"/>
+      </p:ext>
+    </p:extLst>
+  </p:cSld>
+  <p:clrMapOvr>
+    <a:masterClrMapping/>
+  </p:clrMapOvr>
+</p:sld>
+</file>
+
+<file path=ppt/slides/slide11.xml><?xml version="1.0" encoding="utf-8"?>
+<p:sld xmlns:a="http://schemas.openxmlformats.org/drawingml/2006/main" xmlns:r="http://schemas.openxmlformats.org/officeDocument/2006/relationships" xmlns:p="http://schemas.openxmlformats.org/presentationml/2006/main">
+  <p:cSld>
+    <p:spTree>
+      <p:nvGrpSpPr>
+        <p:cNvPr id="1" name=""/>
+        <p:cNvGrpSpPr/>
+        <p:nvPr/>
+      </p:nvGrpSpPr>
+      <p:grpSpPr>
+        <a:xfrm>
+          <a:off x="0" y="0"/>
+          <a:ext cx="0" cy="0"/>
+          <a:chOff x="0" y="0"/>
+          <a:chExt cx="0" cy="0"/>
+        </a:xfrm>
+      </p:grpSpPr>
+      <p:sp>
+        <p:nvSpPr>
+          <p:cNvPr id="3" name="テキスト ボックス 2"/>
+          <p:cNvSpPr txBox="1"/>
+          <p:nvPr/>
+        </p:nvSpPr>
+        <p:spPr>
+          <a:xfrm>
+            <a:off x="627018" y="470263"/>
+            <a:ext cx="6829114" cy="769441"/>
+          </a:xfrm>
+          <a:prstGeom prst="rect">
+            <a:avLst/>
+          </a:prstGeom>
+          <a:noFill/>
+        </p:spPr>
+        <p:txBody>
+          <a:bodyPr wrap="none" rtlCol="0">
+            <a:spAutoFit/>
+          </a:bodyPr>
+          <a:lstStyle/>
+          <a:p>
+            <a:r>
+              <a:rPr lang="ja-JP" altLang="en-US" sz="4400" dirty="0" smtClean="0"/>
+              <a:t>このゲームで体験できること</a:t>
+            </a:r>
+            <a:endParaRPr lang="en-US" altLang="ja-JP" sz="4400" dirty="0" smtClean="0"/>
+          </a:p>
+        </p:txBody>
+      </p:sp>
+      <p:sp>
+        <p:nvSpPr>
+          <p:cNvPr id="4" name="テキスト ボックス 3"/>
+          <p:cNvSpPr txBox="1"/>
+          <p:nvPr/>
+        </p:nvSpPr>
+        <p:spPr>
+          <a:xfrm>
+            <a:off x="1193075" y="1950719"/>
+            <a:ext cx="11089895" cy="1077218"/>
+          </a:xfrm>
+          <a:prstGeom prst="rect">
+            <a:avLst/>
+          </a:prstGeom>
+          <a:noFill/>
+        </p:spPr>
+        <p:txBody>
+          <a:bodyPr wrap="none" rtlCol="0">
+            <a:spAutoFit/>
+          </a:bodyPr>
+          <a:lstStyle/>
+          <a:p>
+            <a:r>
+              <a:rPr lang="ja-JP" altLang="en-US" sz="3200" dirty="0" smtClean="0"/>
+              <a:t>・刻々と変化していく状況と、常に３対１であることによる</a:t>
+            </a:r>
+            <a:endParaRPr lang="en-US" altLang="ja-JP" sz="3200" dirty="0" smtClean="0"/>
+          </a:p>
+          <a:p>
+            <a:r>
+              <a:rPr kumimoji="1" lang="ja-JP" altLang="en-US" sz="3200" dirty="0" smtClean="0"/>
+              <a:t>協力の楽しみを、このプレゼンにふさわしい言葉に</a:t>
+            </a:r>
+            <a:r>
+              <a:rPr lang="ja-JP" altLang="en-US" sz="3200" dirty="0" smtClean="0"/>
+              <a:t>してください。</a:t>
+            </a:r>
+            <a:endParaRPr kumimoji="1" lang="ja-JP" altLang="en-US" sz="3200" dirty="0"/>
+          </a:p>
+        </p:txBody>
+      </p:sp>
+      <p:sp>
+        <p:nvSpPr>
+          <p:cNvPr id="5" name="テキスト ボックス 4"/>
+          <p:cNvSpPr txBox="1"/>
+          <p:nvPr/>
+        </p:nvSpPr>
+        <p:spPr>
+          <a:xfrm>
+            <a:off x="1193075" y="3317634"/>
+            <a:ext cx="4063933" cy="584775"/>
+          </a:xfrm>
+          <a:prstGeom prst="rect">
+            <a:avLst/>
+          </a:prstGeom>
+          <a:noFill/>
+        </p:spPr>
+        <p:txBody>
+          <a:bodyPr wrap="none" rtlCol="0">
+            <a:spAutoFit/>
+          </a:bodyPr>
+          <a:lstStyle/>
+          <a:p>
+            <a:r>
+              <a:rPr kumimoji="1" lang="ja-JP" altLang="en-US" sz="3200" dirty="0" smtClean="0"/>
+              <a:t>・様々なプレイスタイル</a:t>
+            </a:r>
+            <a:endParaRPr kumimoji="1" lang="ja-JP" altLang="en-US" sz="3200" dirty="0"/>
+          </a:p>
+        </p:txBody>
+      </p:sp>
+      <p:sp>
+        <p:nvSpPr>
+          <p:cNvPr id="6" name="テキスト ボックス 5"/>
+          <p:cNvSpPr txBox="1"/>
+          <p:nvPr/>
+        </p:nvSpPr>
+        <p:spPr>
+          <a:xfrm>
+            <a:off x="1193075" y="4684549"/>
+            <a:ext cx="2008883" cy="584775"/>
+          </a:xfrm>
+          <a:prstGeom prst="rect">
+            <a:avLst/>
+          </a:prstGeom>
+          <a:noFill/>
+        </p:spPr>
+        <p:txBody>
+          <a:bodyPr wrap="none" rtlCol="0">
+            <a:spAutoFit/>
+          </a:bodyPr>
+          <a:lstStyle/>
+          <a:p>
+            <a:r>
+              <a:rPr kumimoji="1" lang="ja-JP" altLang="en-US" sz="3200" dirty="0" smtClean="0"/>
+              <a:t>・わいがや</a:t>
+            </a:r>
+            <a:endParaRPr kumimoji="1" lang="ja-JP" altLang="en-US" sz="3200" dirty="0"/>
+          </a:p>
+        </p:txBody>
+      </p:sp>
+      <p:pic>
+        <p:nvPicPr>
+          <p:cNvPr id="7" name="図 6"/>
+          <p:cNvPicPr>
+            <a:picLocks noChangeAspect="1"/>
+          </p:cNvPicPr>
+          <p:nvPr/>
+        </p:nvPicPr>
+        <p:blipFill>
+          <a:blip r:embed="rId2" cstate="print">
+            <a:extLst>
+              <a:ext uri="{28A0092B-C50C-407E-A947-70E740481C1C}">
+                <a14:useLocalDpi xmlns:a14="http://schemas.microsoft.com/office/drawing/2010/main" val="0"/>
+              </a:ext>
+            </a:extLst>
+          </a:blip>
+          <a:stretch>
+            <a:fillRect/>
+          </a:stretch>
+        </p:blipFill>
+        <p:spPr>
+          <a:xfrm>
+            <a:off x="10988842" y="5654842"/>
+            <a:ext cx="1203157" cy="1203157"/>
+          </a:xfrm>
+          <a:prstGeom prst="rect">
+            <a:avLst/>
+          </a:prstGeom>
+        </p:spPr>
+      </p:pic>
+    </p:spTree>
+    <p:extLst>
+      <p:ext uri="{BB962C8B-B14F-4D97-AF65-F5344CB8AC3E}">
+        <p14:creationId xmlns:p14="http://schemas.microsoft.com/office/powerpoint/2010/main" val="1082787470"/>
+      </p:ext>
+    </p:extLst>
+  </p:cSld>
+  <p:clrMapOvr>
+    <a:masterClrMapping/>
+  </p:clrMapOvr>
+</p:sld>
+</file>
+
 <file path=ppt/slides/slide2.xml><?xml version="1.0" encoding="utf-8"?>
 <p:sld xmlns:a="http://schemas.openxmlformats.org/drawingml/2006/main" xmlns:r="http://schemas.openxmlformats.org/officeDocument/2006/relationships" xmlns:p="http://schemas.openxmlformats.org/presentationml/2006/main">
   <p:cSld>
@@ -3434,9 +3856,39 @@
           <a:chExt cx="0" cy="0"/>
         </a:xfrm>
       </p:grpSpPr>
+      <p:sp>
+        <p:nvSpPr>
+          <p:cNvPr id="2" name="テキスト ボックス 1"/>
+          <p:cNvSpPr txBox="1"/>
+          <p:nvPr/>
+        </p:nvSpPr>
+        <p:spPr>
+          <a:xfrm>
+            <a:off x="3701143" y="2734494"/>
+            <a:ext cx="4902304" cy="1200329"/>
+          </a:xfrm>
+          <a:prstGeom prst="rect">
+            <a:avLst/>
+          </a:prstGeom>
+          <a:noFill/>
+        </p:spPr>
+        <p:txBody>
+          <a:bodyPr wrap="none" rtlCol="0">
+            <a:spAutoFit/>
+          </a:bodyPr>
+          <a:lstStyle/>
+          <a:p>
+            <a:r>
+              <a:rPr kumimoji="1" lang="ja-JP" altLang="en-US" sz="7200" dirty="0" smtClean="0"/>
+              <a:t>キャラクター</a:t>
+            </a:r>
+            <a:endParaRPr kumimoji="1" lang="ja-JP" altLang="en-US" sz="7200" dirty="0"/>
+          </a:p>
+        </p:txBody>
+      </p:sp>
       <p:pic>
         <p:nvPicPr>
-          <p:cNvPr id="4" name="図 3"/>
+          <p:cNvPr id="3" name="図 2"/>
           <p:cNvPicPr>
             <a:picLocks noChangeAspect="1"/>
           </p:cNvPicPr>
@@ -3456,148 +3908,18 @@
         </p:blipFill>
         <p:spPr>
           <a:xfrm>
-            <a:off x="2257011" y="400595"/>
-            <a:ext cx="8873351" cy="6273065"/>
+            <a:off x="10988842" y="5654842"/>
+            <a:ext cx="1203157" cy="1203157"/>
           </a:xfrm>
           <a:prstGeom prst="rect">
             <a:avLst/>
           </a:prstGeom>
         </p:spPr>
       </p:pic>
-      <p:sp>
-        <p:nvSpPr>
-          <p:cNvPr id="2" name="テキスト ボックス 1"/>
-          <p:cNvSpPr txBox="1"/>
-          <p:nvPr/>
-        </p:nvSpPr>
-        <p:spPr>
-          <a:xfrm>
-            <a:off x="496389" y="400595"/>
-            <a:ext cx="3065263" cy="769441"/>
-          </a:xfrm>
-          <a:prstGeom prst="rect">
-            <a:avLst/>
-          </a:prstGeom>
-          <a:noFill/>
-        </p:spPr>
-        <p:txBody>
-          <a:bodyPr wrap="none" rtlCol="0">
-            <a:spAutoFit/>
-          </a:bodyPr>
-          <a:lstStyle/>
-          <a:p>
-            <a:r>
-              <a:rPr lang="ja-JP" altLang="en-US" sz="4400" dirty="0">
-                <a:latin typeface="Segoe WP Black" panose="020B0A02040504020203" pitchFamily="34" charset="0"/>
-              </a:rPr>
-              <a:t>キャラクタ</a:t>
-            </a:r>
-            <a:r>
-              <a:rPr lang="ja-JP" altLang="en-US" sz="4400" dirty="0" smtClean="0">
-                <a:latin typeface="Segoe WP Black" panose="020B0A02040504020203" pitchFamily="34" charset="0"/>
-              </a:rPr>
-              <a:t>ー</a:t>
-            </a:r>
-            <a:endParaRPr kumimoji="1" lang="ja-JP" altLang="en-US" sz="4400" dirty="0">
-              <a:latin typeface="Segoe WP Black" panose="020B0A02040504020203" pitchFamily="34" charset="0"/>
-            </a:endParaRPr>
-          </a:p>
-        </p:txBody>
-      </p:sp>
-      <p:pic>
-        <p:nvPicPr>
-          <p:cNvPr id="5" name="図 4"/>
-          <p:cNvPicPr>
-            <a:picLocks noChangeAspect="1"/>
-          </p:cNvPicPr>
-          <p:nvPr/>
-        </p:nvPicPr>
-        <p:blipFill>
-          <a:blip r:embed="rId3" cstate="print">
-            <a:extLst>
-              <a:ext uri="{28A0092B-C50C-407E-A947-70E740481C1C}">
-                <a14:useLocalDpi xmlns:a14="http://schemas.microsoft.com/office/drawing/2010/main" val="0"/>
-              </a:ext>
-            </a:extLst>
-          </a:blip>
-          <a:stretch>
-            <a:fillRect/>
-          </a:stretch>
-        </p:blipFill>
-        <p:spPr>
-          <a:xfrm>
-            <a:off x="10988842" y="5654842"/>
-            <a:ext cx="1203157" cy="1203157"/>
-          </a:xfrm>
-          <a:prstGeom prst="rect">
-            <a:avLst/>
-          </a:prstGeom>
-        </p:spPr>
-      </p:pic>
-      <p:sp>
-        <p:nvSpPr>
-          <p:cNvPr id="3" name="テキスト ボックス 2"/>
-          <p:cNvSpPr txBox="1"/>
-          <p:nvPr/>
-        </p:nvSpPr>
-        <p:spPr>
-          <a:xfrm>
-            <a:off x="8962325" y="2899954"/>
-            <a:ext cx="2420856" cy="461665"/>
-          </a:xfrm>
-          <a:prstGeom prst="rect">
-            <a:avLst/>
-          </a:prstGeom>
-          <a:noFill/>
-        </p:spPr>
-        <p:txBody>
-          <a:bodyPr wrap="none" rtlCol="0">
-            <a:spAutoFit/>
-          </a:bodyPr>
-          <a:lstStyle/>
-          <a:p>
-            <a:r>
-              <a:rPr lang="ja-JP" altLang="en-US" sz="2400" dirty="0" smtClean="0"/>
-              <a:t>←合体バージョン</a:t>
-            </a:r>
-            <a:endParaRPr kumimoji="1" lang="ja-JP" altLang="en-US" sz="2400" dirty="0"/>
-          </a:p>
-        </p:txBody>
-      </p:sp>
-      <p:sp>
-        <p:nvSpPr>
-          <p:cNvPr id="7" name="テキスト ボックス 6"/>
-          <p:cNvSpPr txBox="1"/>
-          <p:nvPr/>
-        </p:nvSpPr>
-        <p:spPr>
-          <a:xfrm>
-            <a:off x="5077097" y="5424009"/>
-            <a:ext cx="1792478" cy="461665"/>
-          </a:xfrm>
-          <a:prstGeom prst="rect">
-            <a:avLst/>
-          </a:prstGeom>
-          <a:noFill/>
-        </p:spPr>
-        <p:txBody>
-          <a:bodyPr wrap="none" rtlCol="0">
-            <a:spAutoFit/>
-          </a:bodyPr>
-          <a:lstStyle/>
-          <a:p>
-            <a:r>
-              <a:rPr kumimoji="1" lang="ja-JP" altLang="en-US" sz="2400" dirty="0" smtClean="0"/>
-              <a:t>リモちゃん→</a:t>
-            </a:r>
-            <a:endParaRPr kumimoji="1" lang="ja-JP" altLang="en-US" sz="2400" dirty="0"/>
-          </a:p>
-        </p:txBody>
-      </p:sp>
     </p:spTree>
     <p:extLst>
       <p:ext uri="{BB962C8B-B14F-4D97-AF65-F5344CB8AC3E}">
-        <p14:creationId xmlns:p14="http://schemas.microsoft.com/office/powerpoint/2010/main" val="2928093414"/>
+        <p14:creationId xmlns:p14="http://schemas.microsoft.com/office/powerpoint/2010/main" val="951381882"/>
       </p:ext>
     </p:extLst>
   </p:cSld>
@@ -3624,6 +3946,46 @@
           <a:chExt cx="0" cy="0"/>
         </a:xfrm>
       </p:grpSpPr>
+      <p:sp>
+        <p:nvSpPr>
+          <p:cNvPr id="2" name="テキスト ボックス 1"/>
+          <p:cNvSpPr txBox="1"/>
+          <p:nvPr/>
+        </p:nvSpPr>
+        <p:spPr>
+          <a:xfrm>
+            <a:off x="496389" y="400595"/>
+            <a:ext cx="3065263" cy="769441"/>
+          </a:xfrm>
+          <a:prstGeom prst="rect">
+            <a:avLst/>
+          </a:prstGeom>
+          <a:noFill/>
+        </p:spPr>
+        <p:txBody>
+          <a:bodyPr wrap="none" rtlCol="0">
+            <a:spAutoFit/>
+          </a:bodyPr>
+          <a:lstStyle/>
+          <a:p>
+            <a:r>
+              <a:rPr lang="ja-JP" altLang="en-US" sz="4400" dirty="0">
+                <a:latin typeface="Segoe WP Black" panose="020B0A02040504020203" pitchFamily="34" charset="0"/>
+              </a:rPr>
+              <a:t>キャラクタ</a:t>
+            </a:r>
+            <a:r>
+              <a:rPr lang="ja-JP" altLang="en-US" sz="4400" dirty="0" smtClean="0">
+                <a:latin typeface="Segoe WP Black" panose="020B0A02040504020203" pitchFamily="34" charset="0"/>
+              </a:rPr>
+              <a:t>ー</a:t>
+            </a:r>
+            <a:endParaRPr kumimoji="1" lang="ja-JP" altLang="en-US" sz="4400" dirty="0">
+              <a:latin typeface="Segoe WP Black" panose="020B0A02040504020203" pitchFamily="34" charset="0"/>
+            </a:endParaRPr>
+          </a:p>
+        </p:txBody>
+      </p:sp>
       <p:pic>
         <p:nvPicPr>
           <p:cNvPr id="5" name="図 4"/>
@@ -3656,60 +4018,149 @@
       </p:pic>
       <p:sp>
         <p:nvSpPr>
-          <p:cNvPr id="7" name="角丸四角形 6"/>
-          <p:cNvSpPr/>
+          <p:cNvPr id="6" name="テキスト ボックス 5"/>
+          <p:cNvSpPr txBox="1"/>
           <p:nvPr/>
         </p:nvSpPr>
         <p:spPr>
           <a:xfrm>
-            <a:off x="5547360" y="731520"/>
-            <a:ext cx="6148252" cy="5158448"/>
-          </a:xfrm>
-          <a:prstGeom prst="roundRect">
+            <a:off x="7167536" y="1170036"/>
+            <a:ext cx="3672800" cy="4524315"/>
+          </a:xfrm>
+          <a:prstGeom prst="rect">
             <a:avLst/>
           </a:prstGeom>
-          <a:solidFill>
-            <a:schemeClr val="accent1">
-              <a:lumMod val="20000"/>
-              <a:lumOff val="80000"/>
-            </a:schemeClr>
-          </a:solidFill>
-        </p:spPr>
-        <p:style>
-          <a:lnRef idx="2">
-            <a:schemeClr val="accent1">
-              <a:shade val="50000"/>
-            </a:schemeClr>
-          </a:lnRef>
-          <a:fillRef idx="1">
-            <a:schemeClr val="accent1"/>
-          </a:fillRef>
-          <a:effectRef idx="0">
-            <a:schemeClr val="accent1"/>
-          </a:effectRef>
-          <a:fontRef idx="minor">
-            <a:schemeClr val="lt1"/>
-          </a:fontRef>
-        </p:style>
-        <p:txBody>
-          <a:bodyPr rtlCol="0" anchor="ctr"/>
-          <a:lstStyle/>
-          <a:p>
-            <a:pPr algn="ctr"/>
+          <a:noFill/>
+        </p:spPr>
+        <p:txBody>
+          <a:bodyPr wrap="none" rtlCol="0">
+            <a:spAutoFit/>
+          </a:bodyPr>
+          <a:lstStyle/>
+          <a:p>
+            <a:r>
+              <a:rPr kumimoji="1" lang="ja-JP" altLang="en-US" dirty="0" smtClean="0"/>
+              <a:t>ああああああああああああああああ</a:t>
+            </a:r>
+            <a:endParaRPr kumimoji="1" lang="en-US" altLang="ja-JP" dirty="0" smtClean="0"/>
+          </a:p>
+          <a:p>
+            <a:r>
+              <a:rPr kumimoji="1" lang="ja-JP" altLang="en-US" dirty="0" smtClean="0"/>
+              <a:t>ああああああああああああああああ</a:t>
+            </a:r>
+            <a:endParaRPr kumimoji="1" lang="en-US" altLang="ja-JP" dirty="0" smtClean="0"/>
+          </a:p>
+          <a:p>
+            <a:r>
+              <a:rPr kumimoji="1" lang="ja-JP" altLang="en-US" dirty="0" smtClean="0"/>
+              <a:t>ああああああああああああああああ</a:t>
+            </a:r>
+            <a:endParaRPr kumimoji="1" lang="en-US" altLang="ja-JP" dirty="0" smtClean="0"/>
+          </a:p>
+          <a:p>
+            <a:r>
+              <a:rPr kumimoji="1" lang="ja-JP" altLang="en-US" dirty="0" smtClean="0"/>
+              <a:t>ああああああああああああああああ</a:t>
+            </a:r>
+            <a:endParaRPr kumimoji="1" lang="en-US" altLang="ja-JP" dirty="0" smtClean="0"/>
+          </a:p>
+          <a:p>
+            <a:r>
+              <a:rPr kumimoji="1" lang="ja-JP" altLang="en-US" dirty="0" smtClean="0"/>
+              <a:t>ああああああああああああああああ</a:t>
+            </a:r>
+            <a:endParaRPr kumimoji="1" lang="en-US" altLang="ja-JP" dirty="0" smtClean="0"/>
+          </a:p>
+          <a:p>
+            <a:r>
+              <a:rPr kumimoji="1" lang="ja-JP" altLang="en-US" dirty="0" smtClean="0"/>
+              <a:t>ああああああああああああああああ</a:t>
+            </a:r>
+            <a:endParaRPr kumimoji="1" lang="en-US" altLang="ja-JP" dirty="0" smtClean="0"/>
+          </a:p>
+          <a:p>
+            <a:r>
+              <a:rPr kumimoji="1" lang="ja-JP" altLang="en-US" dirty="0" smtClean="0"/>
+              <a:t>ああああああああああああああああ</a:t>
+            </a:r>
+            <a:endParaRPr kumimoji="1" lang="en-US" altLang="ja-JP" dirty="0" smtClean="0"/>
+          </a:p>
+          <a:p>
+            <a:r>
+              <a:rPr kumimoji="1" lang="ja-JP" altLang="en-US" dirty="0" smtClean="0"/>
+              <a:t>ああああああああああああああああ</a:t>
+            </a:r>
+            <a:endParaRPr kumimoji="1" lang="en-US" altLang="ja-JP" dirty="0" smtClean="0"/>
+          </a:p>
+          <a:p>
+            <a:r>
+              <a:rPr kumimoji="1" lang="ja-JP" altLang="en-US" dirty="0" smtClean="0"/>
+              <a:t>ああああああああああああああああ</a:t>
+            </a:r>
+            <a:endParaRPr kumimoji="1" lang="en-US" altLang="ja-JP" dirty="0" smtClean="0"/>
+          </a:p>
+          <a:p>
+            <a:r>
+              <a:rPr kumimoji="1" lang="ja-JP" altLang="en-US" dirty="0" smtClean="0"/>
+              <a:t>ああああああああああああああああ</a:t>
+            </a:r>
+            <a:endParaRPr kumimoji="1" lang="en-US" altLang="ja-JP" dirty="0" smtClean="0"/>
+          </a:p>
+          <a:p>
+            <a:r>
+              <a:rPr kumimoji="1" lang="ja-JP" altLang="en-US" dirty="0" smtClean="0"/>
+              <a:t>ああああああああああああああああ</a:t>
+            </a:r>
+            <a:endParaRPr kumimoji="1" lang="en-US" altLang="ja-JP" dirty="0" smtClean="0"/>
+          </a:p>
+          <a:p>
+            <a:r>
+              <a:rPr kumimoji="1" lang="ja-JP" altLang="en-US" dirty="0" smtClean="0"/>
+              <a:t>ああああああああああああああああ</a:t>
+            </a:r>
+            <a:endParaRPr kumimoji="1" lang="en-US" altLang="ja-JP" dirty="0" smtClean="0"/>
+          </a:p>
+          <a:p>
+            <a:r>
+              <a:rPr kumimoji="1" lang="ja-JP" altLang="en-US" dirty="0" smtClean="0"/>
+              <a:t>ああああああああああああああああ</a:t>
+            </a:r>
+            <a:endParaRPr kumimoji="1" lang="en-US" altLang="ja-JP" dirty="0" smtClean="0"/>
+          </a:p>
+          <a:p>
+            <a:r>
+              <a:rPr kumimoji="1" lang="ja-JP" altLang="en-US" dirty="0" smtClean="0"/>
+              <a:t>ああああああああああああああああ</a:t>
+            </a:r>
+            <a:endParaRPr kumimoji="1" lang="en-US" altLang="ja-JP" dirty="0" smtClean="0"/>
+          </a:p>
+          <a:p>
+            <a:r>
+              <a:rPr kumimoji="1" lang="ja-JP" altLang="en-US" dirty="0" smtClean="0"/>
+              <a:t>ああああああああああああああああ</a:t>
+            </a:r>
+            <a:endParaRPr kumimoji="1" lang="en-US" altLang="ja-JP" dirty="0" smtClean="0"/>
+          </a:p>
+          <a:p>
+            <a:r>
+              <a:rPr kumimoji="1" lang="ja-JP" altLang="en-US" dirty="0" smtClean="0"/>
+              <a:t>ああああああああああああああああ</a:t>
+            </a:r>
             <a:endParaRPr kumimoji="1" lang="ja-JP" altLang="en-US" dirty="0"/>
           </a:p>
         </p:txBody>
       </p:sp>
       <p:pic>
         <p:nvPicPr>
-          <p:cNvPr id="2" name="図 1"/>
+          <p:cNvPr id="8" name="図 7"/>
           <p:cNvPicPr>
             <a:picLocks noChangeAspect="1"/>
           </p:cNvPicPr>
           <p:nvPr/>
         </p:nvPicPr>
         <p:blipFill>
-          <a:blip r:embed="rId3" cstate="print">
+          <a:blip r:embed="rId3">
             <a:extLst>
               <a:ext uri="{28A0092B-C50C-407E-A947-70E740481C1C}">
                 <a14:useLocalDpi xmlns:a14="http://schemas.microsoft.com/office/drawing/2010/main" val="0"/>
@@ -3722,114 +4173,24 @@
         </p:blipFill>
         <p:spPr>
           <a:xfrm>
-            <a:off x="7750214" y="1089906"/>
-            <a:ext cx="1760156" cy="2651968"/>
+            <a:off x="-362309" y="158233"/>
+            <a:ext cx="6811996" cy="6811996"/>
           </a:xfrm>
           <a:prstGeom prst="rect">
             <a:avLst/>
           </a:prstGeom>
         </p:spPr>
       </p:pic>
-      <p:pic>
-        <p:nvPicPr>
-          <p:cNvPr id="3" name="図 2"/>
-          <p:cNvPicPr>
-            <a:picLocks noChangeAspect="1"/>
-          </p:cNvPicPr>
-          <p:nvPr/>
-        </p:nvPicPr>
-        <p:blipFill>
-          <a:blip r:embed="rId4">
-            <a:extLst>
-              <a:ext uri="{28A0092B-C50C-407E-A947-70E740481C1C}">
-                <a14:useLocalDpi xmlns:a14="http://schemas.microsoft.com/office/drawing/2010/main" val="0"/>
-              </a:ext>
-            </a:extLst>
-          </a:blip>
-          <a:stretch>
-            <a:fillRect/>
-          </a:stretch>
-        </p:blipFill>
-        <p:spPr>
-          <a:xfrm>
-            <a:off x="5773689" y="3413855"/>
-            <a:ext cx="2605065" cy="2187187"/>
-          </a:xfrm>
-          <a:prstGeom prst="rect">
-            <a:avLst/>
-          </a:prstGeom>
-        </p:spPr>
-      </p:pic>
-      <p:pic>
-        <p:nvPicPr>
-          <p:cNvPr id="4" name="図 3"/>
-          <p:cNvPicPr>
-            <a:picLocks noChangeAspect="1"/>
-          </p:cNvPicPr>
-          <p:nvPr/>
-        </p:nvPicPr>
-        <p:blipFill>
-          <a:blip r:embed="rId5">
-            <a:extLst>
-              <a:ext uri="{28A0092B-C50C-407E-A947-70E740481C1C}">
-                <a14:useLocalDpi xmlns:a14="http://schemas.microsoft.com/office/drawing/2010/main" val="0"/>
-              </a:ext>
-            </a:extLst>
-          </a:blip>
-          <a:stretch>
-            <a:fillRect/>
-          </a:stretch>
-        </p:blipFill>
-        <p:spPr>
-          <a:xfrm>
-            <a:off x="8717071" y="3563820"/>
-            <a:ext cx="2434148" cy="2326148"/>
-          </a:xfrm>
-          <a:prstGeom prst="rect">
-            <a:avLst/>
-          </a:prstGeom>
-        </p:spPr>
-      </p:pic>
-      <p:pic>
-        <p:nvPicPr>
-          <p:cNvPr id="6" name="図 5"/>
-          <p:cNvPicPr>
-            <a:picLocks noChangeAspect="1"/>
-          </p:cNvPicPr>
-          <p:nvPr/>
-        </p:nvPicPr>
-        <p:blipFill>
-          <a:blip r:embed="rId6" cstate="print">
-            <a:extLst>
-              <a:ext uri="{28A0092B-C50C-407E-A947-70E740481C1C}">
-                <a14:useLocalDpi xmlns:a14="http://schemas.microsoft.com/office/drawing/2010/main" val="0"/>
-              </a:ext>
-            </a:extLst>
-          </a:blip>
-          <a:stretch>
-            <a:fillRect/>
-          </a:stretch>
-        </p:blipFill>
-        <p:spPr>
-          <a:xfrm>
-            <a:off x="-238994" y="2126964"/>
-            <a:ext cx="4914140" cy="3474078"/>
-          </a:xfrm>
-          <a:prstGeom prst="rect">
-            <a:avLst/>
-          </a:prstGeom>
-        </p:spPr>
-      </p:pic>
-      <p:sp>
-        <p:nvSpPr>
-          <p:cNvPr id="8" name="テキスト ボックス 7"/>
+      <p:sp>
+        <p:nvSpPr>
+          <p:cNvPr id="9" name="テキスト ボックス 8"/>
           <p:cNvSpPr txBox="1"/>
           <p:nvPr/>
         </p:nvSpPr>
         <p:spPr>
           <a:xfrm>
-            <a:off x="496389" y="400595"/>
-            <a:ext cx="3451586" cy="769441"/>
+            <a:off x="1610140" y="5127746"/>
+            <a:ext cx="2326278" cy="584775"/>
           </a:xfrm>
           <a:prstGeom prst="rect">
             <a:avLst/>
@@ -3843,91 +4204,17 @@
           <a:lstStyle/>
           <a:p>
             <a:r>
-              <a:rPr lang="ja-JP" altLang="en-US" sz="4400" dirty="0" smtClean="0">
-                <a:latin typeface="Segoe WP Black" panose="020B0A02040504020203" pitchFamily="34" charset="0"/>
-              </a:rPr>
-              <a:t>キャラクター２</a:t>
-            </a:r>
-            <a:endParaRPr kumimoji="1" lang="ja-JP" altLang="en-US" sz="4400" dirty="0">
-              <a:latin typeface="Segoe WP Black" panose="020B0A02040504020203" pitchFamily="34" charset="0"/>
-            </a:endParaRPr>
-          </a:p>
-        </p:txBody>
-      </p:sp>
-      <p:sp>
-        <p:nvSpPr>
-          <p:cNvPr id="9" name="右矢印 8"/>
-          <p:cNvSpPr/>
-          <p:nvPr/>
-        </p:nvSpPr>
-        <p:spPr>
-          <a:xfrm>
-            <a:off x="4750342" y="3743888"/>
-            <a:ext cx="1341073" cy="792576"/>
-          </a:xfrm>
-          <a:prstGeom prst="rightArrow">
-            <a:avLst/>
-          </a:prstGeom>
-        </p:spPr>
-        <p:style>
-          <a:lnRef idx="2">
-            <a:schemeClr val="accent1">
-              <a:shade val="50000"/>
-            </a:schemeClr>
-          </a:lnRef>
-          <a:fillRef idx="1">
-            <a:schemeClr val="accent1"/>
-          </a:fillRef>
-          <a:effectRef idx="0">
-            <a:schemeClr val="accent1"/>
-          </a:effectRef>
-          <a:fontRef idx="minor">
-            <a:schemeClr val="lt1"/>
-          </a:fontRef>
-        </p:style>
-        <p:txBody>
-          <a:bodyPr rtlCol="0" anchor="ctr"/>
-          <a:lstStyle/>
-          <a:p>
-            <a:pPr algn="ctr"/>
-            <a:endParaRPr kumimoji="1" lang="ja-JP" altLang="en-US"/>
-          </a:p>
-        </p:txBody>
-      </p:sp>
-      <p:sp>
-        <p:nvSpPr>
-          <p:cNvPr id="11" name="テキスト ボックス 10"/>
-          <p:cNvSpPr txBox="1"/>
-          <p:nvPr/>
-        </p:nvSpPr>
-        <p:spPr>
-          <a:xfrm>
-            <a:off x="4865277" y="3124929"/>
-            <a:ext cx="1111202" cy="646331"/>
-          </a:xfrm>
-          <a:prstGeom prst="rect">
-            <a:avLst/>
-          </a:prstGeom>
-          <a:noFill/>
-        </p:spPr>
-        <p:txBody>
-          <a:bodyPr wrap="none" rtlCol="0">
-            <a:spAutoFit/>
-          </a:bodyPr>
-          <a:lstStyle/>
-          <a:p>
-            <a:r>
-              <a:rPr kumimoji="1" lang="ja-JP" altLang="en-US" sz="3600" b="1" dirty="0" smtClean="0"/>
-              <a:t>変形</a:t>
-            </a:r>
-            <a:endParaRPr kumimoji="1" lang="ja-JP" altLang="en-US" sz="3600" b="1" dirty="0"/>
+              <a:rPr kumimoji="1" lang="ja-JP" altLang="en-US" sz="3200" b="1" dirty="0" smtClean="0"/>
+              <a:t>↑リモちゃん</a:t>
+            </a:r>
+            <a:endParaRPr kumimoji="1" lang="ja-JP" altLang="en-US" sz="3200" b="1" dirty="0"/>
           </a:p>
         </p:txBody>
       </p:sp>
     </p:spTree>
     <p:extLst>
       <p:ext uri="{BB962C8B-B14F-4D97-AF65-F5344CB8AC3E}">
-        <p14:creationId xmlns:p14="http://schemas.microsoft.com/office/powerpoint/2010/main" val="2793188034"/>
+        <p14:creationId xmlns:p14="http://schemas.microsoft.com/office/powerpoint/2010/main" val="2928093414"/>
       </p:ext>
     </p:extLst>
   </p:cSld>
@@ -3954,50 +4241,16 @@
           <a:chExt cx="0" cy="0"/>
         </a:xfrm>
       </p:grpSpPr>
-      <p:sp>
-        <p:nvSpPr>
-          <p:cNvPr id="3" name="テキスト ボックス 2"/>
-          <p:cNvSpPr txBox="1"/>
-          <p:nvPr/>
-        </p:nvSpPr>
-        <p:spPr>
-          <a:xfrm>
-            <a:off x="600891" y="487679"/>
-            <a:ext cx="2948243" cy="769441"/>
-          </a:xfrm>
-          <a:prstGeom prst="rect">
-            <a:avLst/>
-          </a:prstGeom>
-          <a:noFill/>
-        </p:spPr>
-        <p:txBody>
-          <a:bodyPr wrap="none" rtlCol="0">
-            <a:spAutoFit/>
-          </a:bodyPr>
-          <a:lstStyle/>
-          <a:p>
-            <a:r>
-              <a:rPr lang="ja-JP" altLang="en-US" sz="4400" dirty="0" smtClean="0"/>
-              <a:t>ゲーム</a:t>
-            </a:r>
-            <a:r>
-              <a:rPr lang="ja-JP" altLang="en-US" sz="4400" dirty="0"/>
-              <a:t>画面</a:t>
-            </a:r>
-            <a:endParaRPr kumimoji="1" lang="ja-JP" altLang="en-US" sz="4400" dirty="0"/>
-          </a:p>
-        </p:txBody>
-      </p:sp>
       <p:pic>
         <p:nvPicPr>
-          <p:cNvPr id="4" name="図 3"/>
+          <p:cNvPr id="12" name="図 11"/>
           <p:cNvPicPr>
             <a:picLocks noChangeAspect="1"/>
           </p:cNvPicPr>
           <p:nvPr/>
         </p:nvPicPr>
         <p:blipFill>
-          <a:blip r:embed="rId2">
+          <a:blip r:embed="rId2" cstate="print">
             <a:extLst>
               <a:ext uri="{28A0092B-C50C-407E-A947-70E740481C1C}">
                 <a14:useLocalDpi xmlns:a14="http://schemas.microsoft.com/office/drawing/2010/main" val="0"/>
@@ -4010,93 +4263,17 @@
         </p:blipFill>
         <p:spPr>
           <a:xfrm>
-            <a:off x="600891" y="1435029"/>
-            <a:ext cx="7173687" cy="4991650"/>
+            <a:off x="-397707" y="1170036"/>
+            <a:ext cx="5546558" cy="5546558"/>
           </a:xfrm>
           <a:prstGeom prst="rect">
             <a:avLst/>
           </a:prstGeom>
         </p:spPr>
       </p:pic>
-      <p:sp>
-        <p:nvSpPr>
-          <p:cNvPr id="5" name="テキスト ボックス 4"/>
-          <p:cNvSpPr txBox="1"/>
-          <p:nvPr/>
-        </p:nvSpPr>
-        <p:spPr>
-          <a:xfrm>
-            <a:off x="8635038" y="4701396"/>
-            <a:ext cx="1510350" cy="523220"/>
-          </a:xfrm>
-          <a:prstGeom prst="rect">
-            <a:avLst/>
-          </a:prstGeom>
-          <a:noFill/>
-        </p:spPr>
-        <p:txBody>
-          <a:bodyPr wrap="none" rtlCol="0">
-            <a:spAutoFit/>
-          </a:bodyPr>
-          <a:lstStyle/>
-          <a:p>
-            <a:r>
-              <a:rPr lang="ja-JP" altLang="en-US" sz="2800" dirty="0" smtClean="0"/>
-              <a:t>★</a:t>
-            </a:r>
-            <a:r>
-              <a:rPr lang="en-US" altLang="ja-JP" sz="2800" dirty="0" smtClean="0"/>
-              <a:t>…</a:t>
-            </a:r>
-            <a:r>
-              <a:rPr lang="ja-JP" altLang="en-US" sz="2800" dirty="0" smtClean="0"/>
-              <a:t>宝物</a:t>
-            </a:r>
-            <a:endParaRPr kumimoji="1" lang="ja-JP" altLang="en-US" sz="2800" dirty="0"/>
-          </a:p>
-        </p:txBody>
-      </p:sp>
-      <p:sp>
-        <p:nvSpPr>
-          <p:cNvPr id="6" name="テキスト ボックス 5"/>
-          <p:cNvSpPr txBox="1"/>
-          <p:nvPr/>
-        </p:nvSpPr>
-        <p:spPr>
-          <a:xfrm>
-            <a:off x="8635039" y="5270739"/>
-            <a:ext cx="1510350" cy="523220"/>
-          </a:xfrm>
-          <a:prstGeom prst="rect">
-            <a:avLst/>
-          </a:prstGeom>
-          <a:noFill/>
-        </p:spPr>
-        <p:txBody>
-          <a:bodyPr wrap="none" rtlCol="0">
-            <a:spAutoFit/>
-          </a:bodyPr>
-          <a:lstStyle/>
-          <a:p>
-            <a:r>
-              <a:rPr kumimoji="1" lang="ja-JP" altLang="en-US" sz="2800" dirty="0" smtClean="0"/>
-              <a:t>△</a:t>
-            </a:r>
-            <a:r>
-              <a:rPr kumimoji="1" lang="en-US" altLang="ja-JP" sz="2800" dirty="0" smtClean="0"/>
-              <a:t>…</a:t>
-            </a:r>
-            <a:r>
-              <a:rPr kumimoji="1" lang="ja-JP" altLang="en-US" sz="2800" dirty="0" smtClean="0"/>
-              <a:t>陣地</a:t>
-            </a:r>
-            <a:endParaRPr kumimoji="1" lang="ja-JP" altLang="en-US" sz="2800" dirty="0"/>
-          </a:p>
-        </p:txBody>
-      </p:sp>
       <p:pic>
         <p:nvPicPr>
-          <p:cNvPr id="7" name="図 6"/>
+          <p:cNvPr id="5" name="図 4"/>
           <p:cNvPicPr>
             <a:picLocks noChangeAspect="1"/>
           </p:cNvPicPr>
@@ -4124,10 +4301,250 @@
           </a:prstGeom>
         </p:spPr>
       </p:pic>
+      <p:sp>
+        <p:nvSpPr>
+          <p:cNvPr id="7" name="角丸四角形 6"/>
+          <p:cNvSpPr/>
+          <p:nvPr/>
+        </p:nvSpPr>
+        <p:spPr>
+          <a:xfrm>
+            <a:off x="5547360" y="731520"/>
+            <a:ext cx="6148252" cy="5158448"/>
+          </a:xfrm>
+          <a:prstGeom prst="roundRect">
+            <a:avLst/>
+          </a:prstGeom>
+          <a:solidFill>
+            <a:schemeClr val="accent1">
+              <a:lumMod val="20000"/>
+              <a:lumOff val="80000"/>
+            </a:schemeClr>
+          </a:solidFill>
+        </p:spPr>
+        <p:style>
+          <a:lnRef idx="2">
+            <a:schemeClr val="accent1">
+              <a:shade val="50000"/>
+            </a:schemeClr>
+          </a:lnRef>
+          <a:fillRef idx="1">
+            <a:schemeClr val="accent1"/>
+          </a:fillRef>
+          <a:effectRef idx="0">
+            <a:schemeClr val="accent1"/>
+          </a:effectRef>
+          <a:fontRef idx="minor">
+            <a:schemeClr val="lt1"/>
+          </a:fontRef>
+        </p:style>
+        <p:txBody>
+          <a:bodyPr rtlCol="0" anchor="ctr"/>
+          <a:lstStyle/>
+          <a:p>
+            <a:pPr algn="ctr"/>
+            <a:endParaRPr kumimoji="1" lang="ja-JP" altLang="en-US" dirty="0"/>
+          </a:p>
+        </p:txBody>
+      </p:sp>
+      <p:pic>
+        <p:nvPicPr>
+          <p:cNvPr id="2" name="図 1"/>
+          <p:cNvPicPr>
+            <a:picLocks noChangeAspect="1"/>
+          </p:cNvPicPr>
+          <p:nvPr/>
+        </p:nvPicPr>
+        <p:blipFill>
+          <a:blip r:embed="rId4" cstate="print">
+            <a:extLst>
+              <a:ext uri="{28A0092B-C50C-407E-A947-70E740481C1C}">
+                <a14:useLocalDpi xmlns:a14="http://schemas.microsoft.com/office/drawing/2010/main" val="0"/>
+              </a:ext>
+            </a:extLst>
+          </a:blip>
+          <a:stretch>
+            <a:fillRect/>
+          </a:stretch>
+        </p:blipFill>
+        <p:spPr>
+          <a:xfrm>
+            <a:off x="7750214" y="1089906"/>
+            <a:ext cx="1760156" cy="2651968"/>
+          </a:xfrm>
+          <a:prstGeom prst="rect">
+            <a:avLst/>
+          </a:prstGeom>
+        </p:spPr>
+      </p:pic>
+      <p:pic>
+        <p:nvPicPr>
+          <p:cNvPr id="3" name="図 2"/>
+          <p:cNvPicPr>
+            <a:picLocks noChangeAspect="1"/>
+          </p:cNvPicPr>
+          <p:nvPr/>
+        </p:nvPicPr>
+        <p:blipFill>
+          <a:blip r:embed="rId5">
+            <a:extLst>
+              <a:ext uri="{28A0092B-C50C-407E-A947-70E740481C1C}">
+                <a14:useLocalDpi xmlns:a14="http://schemas.microsoft.com/office/drawing/2010/main" val="0"/>
+              </a:ext>
+            </a:extLst>
+          </a:blip>
+          <a:stretch>
+            <a:fillRect/>
+          </a:stretch>
+        </p:blipFill>
+        <p:spPr>
+          <a:xfrm>
+            <a:off x="5773689" y="3413855"/>
+            <a:ext cx="2605065" cy="2187187"/>
+          </a:xfrm>
+          <a:prstGeom prst="rect">
+            <a:avLst/>
+          </a:prstGeom>
+        </p:spPr>
+      </p:pic>
+      <p:pic>
+        <p:nvPicPr>
+          <p:cNvPr id="4" name="図 3"/>
+          <p:cNvPicPr>
+            <a:picLocks noChangeAspect="1"/>
+          </p:cNvPicPr>
+          <p:nvPr/>
+        </p:nvPicPr>
+        <p:blipFill>
+          <a:blip r:embed="rId6">
+            <a:extLst>
+              <a:ext uri="{28A0092B-C50C-407E-A947-70E740481C1C}">
+                <a14:useLocalDpi xmlns:a14="http://schemas.microsoft.com/office/drawing/2010/main" val="0"/>
+              </a:ext>
+            </a:extLst>
+          </a:blip>
+          <a:stretch>
+            <a:fillRect/>
+          </a:stretch>
+        </p:blipFill>
+        <p:spPr>
+          <a:xfrm>
+            <a:off x="8717071" y="3563820"/>
+            <a:ext cx="2434148" cy="2326148"/>
+          </a:xfrm>
+          <a:prstGeom prst="rect">
+            <a:avLst/>
+          </a:prstGeom>
+        </p:spPr>
+      </p:pic>
+      <p:sp>
+        <p:nvSpPr>
+          <p:cNvPr id="8" name="テキスト ボックス 7"/>
+          <p:cNvSpPr txBox="1"/>
+          <p:nvPr/>
+        </p:nvSpPr>
+        <p:spPr>
+          <a:xfrm>
+            <a:off x="496389" y="400595"/>
+            <a:ext cx="3451586" cy="769441"/>
+          </a:xfrm>
+          <a:prstGeom prst="rect">
+            <a:avLst/>
+          </a:prstGeom>
+          <a:noFill/>
+        </p:spPr>
+        <p:txBody>
+          <a:bodyPr wrap="none" rtlCol="0">
+            <a:spAutoFit/>
+          </a:bodyPr>
+          <a:lstStyle/>
+          <a:p>
+            <a:r>
+              <a:rPr lang="ja-JP" altLang="en-US" sz="4400" dirty="0" smtClean="0">
+                <a:latin typeface="Segoe WP Black" panose="020B0A02040504020203" pitchFamily="34" charset="0"/>
+              </a:rPr>
+              <a:t>キャラクター２</a:t>
+            </a:r>
+            <a:endParaRPr kumimoji="1" lang="ja-JP" altLang="en-US" sz="4400" dirty="0">
+              <a:latin typeface="Segoe WP Black" panose="020B0A02040504020203" pitchFamily="34" charset="0"/>
+            </a:endParaRPr>
+          </a:p>
+        </p:txBody>
+      </p:sp>
+      <p:sp>
+        <p:nvSpPr>
+          <p:cNvPr id="9" name="右矢印 8"/>
+          <p:cNvSpPr/>
+          <p:nvPr/>
+        </p:nvSpPr>
+        <p:spPr>
+          <a:xfrm>
+            <a:off x="4750342" y="3743888"/>
+            <a:ext cx="1341073" cy="792576"/>
+          </a:xfrm>
+          <a:prstGeom prst="rightArrow">
+            <a:avLst/>
+          </a:prstGeom>
+        </p:spPr>
+        <p:style>
+          <a:lnRef idx="2">
+            <a:schemeClr val="accent1">
+              <a:shade val="50000"/>
+            </a:schemeClr>
+          </a:lnRef>
+          <a:fillRef idx="1">
+            <a:schemeClr val="accent1"/>
+          </a:fillRef>
+          <a:effectRef idx="0">
+            <a:schemeClr val="accent1"/>
+          </a:effectRef>
+          <a:fontRef idx="minor">
+            <a:schemeClr val="lt1"/>
+          </a:fontRef>
+        </p:style>
+        <p:txBody>
+          <a:bodyPr rtlCol="0" anchor="ctr"/>
+          <a:lstStyle/>
+          <a:p>
+            <a:pPr algn="ctr"/>
+            <a:endParaRPr kumimoji="1" lang="ja-JP" altLang="en-US"/>
+          </a:p>
+        </p:txBody>
+      </p:sp>
+      <p:sp>
+        <p:nvSpPr>
+          <p:cNvPr id="11" name="テキスト ボックス 10"/>
+          <p:cNvSpPr txBox="1"/>
+          <p:nvPr/>
+        </p:nvSpPr>
+        <p:spPr>
+          <a:xfrm>
+            <a:off x="4865277" y="3124929"/>
+            <a:ext cx="1111202" cy="646331"/>
+          </a:xfrm>
+          <a:prstGeom prst="rect">
+            <a:avLst/>
+          </a:prstGeom>
+          <a:noFill/>
+        </p:spPr>
+        <p:txBody>
+          <a:bodyPr wrap="none" rtlCol="0">
+            <a:spAutoFit/>
+          </a:bodyPr>
+          <a:lstStyle/>
+          <a:p>
+            <a:r>
+              <a:rPr kumimoji="1" lang="ja-JP" altLang="en-US" sz="3600" b="1" dirty="0" smtClean="0"/>
+              <a:t>変形</a:t>
+            </a:r>
+            <a:endParaRPr kumimoji="1" lang="ja-JP" altLang="en-US" sz="3600" b="1" dirty="0"/>
+          </a:p>
+        </p:txBody>
+      </p:sp>
     </p:spTree>
     <p:extLst>
       <p:ext uri="{BB962C8B-B14F-4D97-AF65-F5344CB8AC3E}">
-        <p14:creationId xmlns:p14="http://schemas.microsoft.com/office/powerpoint/2010/main" val="700567770"/>
+        <p14:creationId xmlns:p14="http://schemas.microsoft.com/office/powerpoint/2010/main" val="2793188034"/>
       </p:ext>
     </p:extLst>
   </p:cSld>
@@ -4162,8 +4579,8 @@
         </p:nvSpPr>
         <p:spPr>
           <a:xfrm>
-            <a:off x="1277899" y="2386389"/>
-            <a:ext cx="8922635" cy="1323439"/>
+            <a:off x="4632960" y="2830288"/>
+            <a:ext cx="2884123" cy="1200329"/>
           </a:xfrm>
           <a:prstGeom prst="rect">
             <a:avLst/>
@@ -4177,76 +4594,16 @@
           <a:lstStyle/>
           <a:p>
             <a:r>
-              <a:rPr kumimoji="1" lang="ja-JP" altLang="en-US" sz="8000" dirty="0" smtClean="0"/>
-              <a:t>一つの宝物を巡って</a:t>
-            </a:r>
-            <a:endParaRPr kumimoji="1" lang="ja-JP" altLang="en-US" sz="8000" dirty="0"/>
-          </a:p>
-        </p:txBody>
-      </p:sp>
-      <p:sp>
-        <p:nvSpPr>
-          <p:cNvPr id="3" name="テキスト ボックス 2"/>
-          <p:cNvSpPr txBox="1"/>
-          <p:nvPr/>
-        </p:nvSpPr>
-        <p:spPr>
-          <a:xfrm>
-            <a:off x="3600281" y="3709828"/>
-            <a:ext cx="7487947" cy="1323439"/>
-          </a:xfrm>
-          <a:prstGeom prst="rect">
-            <a:avLst/>
-          </a:prstGeom>
-          <a:noFill/>
-        </p:spPr>
-        <p:txBody>
-          <a:bodyPr wrap="none" rtlCol="0">
-            <a:spAutoFit/>
-          </a:bodyPr>
-          <a:lstStyle/>
-          <a:p>
-            <a:r>
-              <a:rPr kumimoji="1" lang="ja-JP" altLang="en-US" sz="8000" dirty="0" smtClean="0"/>
-              <a:t>四人が取り合う。</a:t>
-            </a:r>
-            <a:endParaRPr kumimoji="1" lang="ja-JP" altLang="en-US" sz="8000" dirty="0"/>
-          </a:p>
-        </p:txBody>
-      </p:sp>
-      <p:sp>
-        <p:nvSpPr>
-          <p:cNvPr id="4" name="テキスト ボックス 3"/>
-          <p:cNvSpPr txBox="1"/>
-          <p:nvPr/>
-        </p:nvSpPr>
-        <p:spPr>
-          <a:xfrm>
-            <a:off x="600891" y="487679"/>
-            <a:ext cx="1736373" cy="769441"/>
-          </a:xfrm>
-          <a:prstGeom prst="rect">
-            <a:avLst/>
-          </a:prstGeom>
-          <a:noFill/>
-        </p:spPr>
-        <p:txBody>
-          <a:bodyPr wrap="none" rtlCol="0">
-            <a:spAutoFit/>
-          </a:bodyPr>
-          <a:lstStyle/>
-          <a:p>
-            <a:r>
-              <a:rPr kumimoji="1" lang="ja-JP" altLang="en-US" sz="4400" dirty="0" smtClean="0"/>
-              <a:t>テーマ</a:t>
-            </a:r>
-            <a:endParaRPr kumimoji="1" lang="ja-JP" altLang="en-US" sz="4400" dirty="0"/>
+              <a:rPr kumimoji="1" lang="ja-JP" altLang="en-US" sz="7200" dirty="0" smtClean="0"/>
+              <a:t>ゲーム</a:t>
+            </a:r>
+            <a:endParaRPr kumimoji="1" lang="ja-JP" altLang="en-US" sz="7200" dirty="0"/>
           </a:p>
         </p:txBody>
       </p:sp>
       <p:pic>
         <p:nvPicPr>
-          <p:cNvPr id="6" name="図 5"/>
+          <p:cNvPr id="3" name="図 2"/>
           <p:cNvPicPr>
             <a:picLocks noChangeAspect="1"/>
           </p:cNvPicPr>
@@ -4277,7 +4634,7 @@
     </p:spTree>
     <p:extLst>
       <p:ext uri="{BB962C8B-B14F-4D97-AF65-F5344CB8AC3E}">
-        <p14:creationId xmlns:p14="http://schemas.microsoft.com/office/powerpoint/2010/main" val="3433784511"/>
+        <p14:creationId xmlns:p14="http://schemas.microsoft.com/office/powerpoint/2010/main" val="3272451703"/>
       </p:ext>
     </p:extLst>
   </p:cSld>
@@ -4304,110 +4661,9 @@
           <a:chExt cx="0" cy="0"/>
         </a:xfrm>
       </p:grpSpPr>
-      <p:sp>
-        <p:nvSpPr>
-          <p:cNvPr id="2" name="テキスト ボックス 1"/>
-          <p:cNvSpPr txBox="1"/>
-          <p:nvPr/>
-        </p:nvSpPr>
-        <p:spPr>
-          <a:xfrm>
-            <a:off x="627018" y="470263"/>
-            <a:ext cx="3490058" cy="769441"/>
-          </a:xfrm>
-          <a:prstGeom prst="rect">
-            <a:avLst/>
-          </a:prstGeom>
-          <a:noFill/>
-        </p:spPr>
-        <p:txBody>
-          <a:bodyPr wrap="none" rtlCol="0">
-            <a:spAutoFit/>
-          </a:bodyPr>
-          <a:lstStyle/>
-          <a:p>
-            <a:r>
-              <a:rPr kumimoji="1" lang="ja-JP" altLang="en-US" sz="4400" dirty="0" smtClean="0"/>
-              <a:t>ゲームルール</a:t>
-            </a:r>
-            <a:endParaRPr kumimoji="1" lang="ja-JP" altLang="en-US" sz="4400" dirty="0"/>
-          </a:p>
-        </p:txBody>
-      </p:sp>
-      <p:sp>
-        <p:nvSpPr>
-          <p:cNvPr id="3" name="テキスト ボックス 2"/>
-          <p:cNvSpPr txBox="1"/>
-          <p:nvPr/>
-        </p:nvSpPr>
-        <p:spPr>
-          <a:xfrm>
-            <a:off x="1067824" y="1602375"/>
-            <a:ext cx="457176" cy="584775"/>
-          </a:xfrm>
-          <a:prstGeom prst="rect">
-            <a:avLst/>
-          </a:prstGeom>
-          <a:noFill/>
-        </p:spPr>
-        <p:txBody>
-          <a:bodyPr wrap="none" rtlCol="0">
-            <a:spAutoFit/>
-          </a:bodyPr>
-          <a:lstStyle/>
-          <a:p>
-            <a:r>
-              <a:rPr lang="ja-JP" altLang="en-US" sz="3200" dirty="0"/>
-              <a:t>　</a:t>
-            </a:r>
-            <a:endParaRPr kumimoji="1" lang="en-US" altLang="ja-JP" sz="3200" dirty="0" smtClean="0"/>
-          </a:p>
-        </p:txBody>
-      </p:sp>
-      <p:sp>
-        <p:nvSpPr>
-          <p:cNvPr id="4" name="テキスト ボックス 3"/>
-          <p:cNvSpPr txBox="1"/>
-          <p:nvPr/>
-        </p:nvSpPr>
-        <p:spPr>
-          <a:xfrm>
-            <a:off x="947054" y="1774039"/>
-            <a:ext cx="10581743" cy="1077218"/>
-          </a:xfrm>
-          <a:prstGeom prst="rect">
-            <a:avLst/>
-          </a:prstGeom>
-          <a:noFill/>
-        </p:spPr>
-        <p:txBody>
-          <a:bodyPr wrap="none" rtlCol="0">
-            <a:spAutoFit/>
-          </a:bodyPr>
-          <a:lstStyle/>
-          <a:p>
-            <a:r>
-              <a:rPr kumimoji="1" lang="ja-JP" altLang="en-US" sz="3200" dirty="0" smtClean="0"/>
-              <a:t>勝利条件</a:t>
-            </a:r>
-            <a:endParaRPr kumimoji="1" lang="en-US" altLang="ja-JP" sz="3200" dirty="0" smtClean="0"/>
-          </a:p>
-          <a:p>
-            <a:r>
-              <a:rPr lang="ja-JP" altLang="en-US" sz="3200" dirty="0"/>
-              <a:t>　</a:t>
-            </a:r>
-            <a:r>
-              <a:rPr lang="ja-JP" altLang="en-US" sz="3200" dirty="0" smtClean="0"/>
-              <a:t>自分の陣地に持ち帰り、一定時間奪われなければ勝利。</a:t>
-            </a:r>
-            <a:endParaRPr kumimoji="1" lang="ja-JP" altLang="en-US" sz="3200" dirty="0"/>
-          </a:p>
-        </p:txBody>
-      </p:sp>
       <p:pic>
         <p:nvPicPr>
-          <p:cNvPr id="7" name="図 6"/>
+          <p:cNvPr id="3" name="図 2"/>
           <p:cNvPicPr>
             <a:picLocks noChangeAspect="1"/>
           </p:cNvPicPr>
@@ -4427,108 +4683,82 @@
         </p:blipFill>
         <p:spPr>
           <a:xfrm>
-            <a:off x="10988842" y="5654842"/>
-            <a:ext cx="1203157" cy="1203157"/>
+            <a:off x="1875352" y="1035844"/>
+            <a:ext cx="7510187" cy="5309368"/>
           </a:xfrm>
           <a:prstGeom prst="rect">
             <a:avLst/>
           </a:prstGeom>
         </p:spPr>
       </p:pic>
-      <p:pic>
-        <p:nvPicPr>
-          <p:cNvPr id="5" name="図 4"/>
-          <p:cNvPicPr>
-            <a:picLocks noChangeAspect="1"/>
-          </p:cNvPicPr>
+      <p:sp>
+        <p:nvSpPr>
+          <p:cNvPr id="2" name="テキスト ボックス 1"/>
+          <p:cNvSpPr txBox="1"/>
           <p:nvPr/>
-        </p:nvPicPr>
-        <p:blipFill>
-          <a:blip r:embed="rId3" cstate="print">
-            <a:extLst>
-              <a:ext uri="{28A0092B-C50C-407E-A947-70E740481C1C}">
-                <a14:useLocalDpi xmlns:a14="http://schemas.microsoft.com/office/drawing/2010/main" val="0"/>
-              </a:ext>
-            </a:extLst>
-          </a:blip>
-          <a:stretch>
-            <a:fillRect/>
-          </a:stretch>
-        </p:blipFill>
-        <p:spPr>
-          <a:xfrm>
-            <a:off x="959248" y="2829242"/>
-            <a:ext cx="2825598" cy="2825598"/>
+        </p:nvSpPr>
+        <p:spPr>
+          <a:xfrm>
+            <a:off x="496389" y="400595"/>
+            <a:ext cx="4310795" cy="769441"/>
           </a:xfrm>
           <a:prstGeom prst="rect">
             <a:avLst/>
           </a:prstGeom>
-        </p:spPr>
-      </p:pic>
-      <p:pic>
-        <p:nvPicPr>
-          <p:cNvPr id="6" name="図 5"/>
-          <p:cNvPicPr>
-            <a:picLocks noChangeAspect="1"/>
-          </p:cNvPicPr>
+          <a:noFill/>
+        </p:spPr>
+        <p:txBody>
+          <a:bodyPr wrap="none" rtlCol="0">
+            <a:spAutoFit/>
+          </a:bodyPr>
+          <a:lstStyle/>
+          <a:p>
+            <a:r>
+              <a:rPr lang="ja-JP" altLang="en-US" sz="4400" dirty="0" smtClean="0">
+                <a:latin typeface="Segoe WP Black" panose="020B0A02040504020203" pitchFamily="34" charset="0"/>
+              </a:rPr>
+              <a:t>今回のリモちゃん</a:t>
+            </a:r>
+            <a:endParaRPr kumimoji="1" lang="ja-JP" altLang="en-US" sz="4400" dirty="0">
+              <a:latin typeface="Segoe WP Black" panose="020B0A02040504020203" pitchFamily="34" charset="0"/>
+            </a:endParaRPr>
+          </a:p>
+        </p:txBody>
+      </p:sp>
+      <p:sp>
+        <p:nvSpPr>
+          <p:cNvPr id="4" name="テキスト ボックス 3"/>
+          <p:cNvSpPr txBox="1"/>
           <p:nvPr/>
-        </p:nvPicPr>
-        <p:blipFill>
-          <a:blip r:embed="rId4" cstate="print">
-            <a:extLst>
-              <a:ext uri="{28A0092B-C50C-407E-A947-70E740481C1C}">
-                <a14:useLocalDpi xmlns:a14="http://schemas.microsoft.com/office/drawing/2010/main" val="0"/>
-              </a:ext>
-            </a:extLst>
-          </a:blip>
-          <a:stretch>
-            <a:fillRect/>
-          </a:stretch>
-        </p:blipFill>
-        <p:spPr>
-          <a:xfrm>
-            <a:off x="4777762" y="3022921"/>
-            <a:ext cx="2651426" cy="2651426"/>
+        </p:nvSpPr>
+        <p:spPr>
+          <a:xfrm>
+            <a:off x="3243532" y="5650302"/>
+            <a:ext cx="5654112" cy="769441"/>
           </a:xfrm>
           <a:prstGeom prst="rect">
             <a:avLst/>
           </a:prstGeom>
-        </p:spPr>
-      </p:pic>
-      <p:pic>
-        <p:nvPicPr>
-          <p:cNvPr id="8" name="図 7"/>
-          <p:cNvPicPr>
-            <a:picLocks noChangeAspect="1"/>
-          </p:cNvPicPr>
-          <p:nvPr/>
-        </p:nvPicPr>
-        <p:blipFill>
-          <a:blip r:embed="rId5" cstate="print">
-            <a:extLst>
-              <a:ext uri="{28A0092B-C50C-407E-A947-70E740481C1C}">
-                <a14:useLocalDpi xmlns:a14="http://schemas.microsoft.com/office/drawing/2010/main" val="0"/>
-              </a:ext>
-            </a:extLst>
-          </a:blip>
-          <a:stretch>
-            <a:fillRect/>
-          </a:stretch>
-        </p:blipFill>
-        <p:spPr>
-          <a:xfrm>
-            <a:off x="8005011" y="3152268"/>
-            <a:ext cx="2727162" cy="2727162"/>
-          </a:xfrm>
-          <a:prstGeom prst="rect">
-            <a:avLst/>
-          </a:prstGeom>
-        </p:spPr>
-      </p:pic>
+          <a:noFill/>
+        </p:spPr>
+        <p:txBody>
+          <a:bodyPr wrap="none" rtlCol="0">
+            <a:spAutoFit/>
+          </a:bodyPr>
+          <a:lstStyle/>
+          <a:p>
+            <a:r>
+              <a:rPr kumimoji="1" lang="ja-JP" altLang="en-US" sz="4400" dirty="0" smtClean="0"/>
+              <a:t>トレジャーハンターに！</a:t>
+            </a:r>
+            <a:endParaRPr kumimoji="1" lang="ja-JP" altLang="en-US" sz="4400" dirty="0"/>
+          </a:p>
+        </p:txBody>
+      </p:sp>
     </p:spTree>
     <p:extLst>
       <p:ext uri="{BB962C8B-B14F-4D97-AF65-F5344CB8AC3E}">
-        <p14:creationId xmlns:p14="http://schemas.microsoft.com/office/powerpoint/2010/main" val="1004257692"/>
+        <p14:creationId xmlns:p14="http://schemas.microsoft.com/office/powerpoint/2010/main" val="2125199939"/>
       </p:ext>
     </p:extLst>
   </p:cSld>
@@ -4557,13 +4787,13 @@
       </p:grpSpPr>
       <p:sp>
         <p:nvSpPr>
-          <p:cNvPr id="2" name="テキスト ボックス 1"/>
+          <p:cNvPr id="3" name="テキスト ボックス 2"/>
           <p:cNvSpPr txBox="1"/>
           <p:nvPr/>
         </p:nvSpPr>
         <p:spPr>
           <a:xfrm>
-            <a:off x="627018" y="470263"/>
+            <a:off x="600891" y="487679"/>
             <a:ext cx="2948243" cy="769441"/>
           </a:xfrm>
           <a:prstGeom prst="rect">
@@ -4579,22 +4809,56 @@
           <a:p>
             <a:r>
               <a:rPr lang="ja-JP" altLang="en-US" sz="4400" dirty="0" smtClean="0"/>
-              <a:t>ゲーム概要</a:t>
+              <a:t>ゲーム</a:t>
+            </a:r>
+            <a:r>
+              <a:rPr lang="ja-JP" altLang="en-US" sz="4400" dirty="0"/>
+              <a:t>画面</a:t>
             </a:r>
             <a:endParaRPr kumimoji="1" lang="ja-JP" altLang="en-US" sz="4400" dirty="0"/>
           </a:p>
         </p:txBody>
       </p:sp>
-      <p:sp>
-        <p:nvSpPr>
-          <p:cNvPr id="3" name="テキスト ボックス 2"/>
+      <p:pic>
+        <p:nvPicPr>
+          <p:cNvPr id="4" name="図 3"/>
+          <p:cNvPicPr>
+            <a:picLocks noChangeAspect="1"/>
+          </p:cNvPicPr>
+          <p:nvPr/>
+        </p:nvPicPr>
+        <p:blipFill>
+          <a:blip r:embed="rId2">
+            <a:extLst>
+              <a:ext uri="{28A0092B-C50C-407E-A947-70E740481C1C}">
+                <a14:useLocalDpi xmlns:a14="http://schemas.microsoft.com/office/drawing/2010/main" val="0"/>
+              </a:ext>
+            </a:extLst>
+          </a:blip>
+          <a:stretch>
+            <a:fillRect/>
+          </a:stretch>
+        </p:blipFill>
+        <p:spPr>
+          <a:xfrm>
+            <a:off x="600891" y="1435029"/>
+            <a:ext cx="7173687" cy="4991650"/>
+          </a:xfrm>
+          <a:prstGeom prst="rect">
+            <a:avLst/>
+          </a:prstGeom>
+        </p:spPr>
+      </p:pic>
+      <p:sp>
+        <p:nvSpPr>
+          <p:cNvPr id="5" name="テキスト ボックス 4"/>
           <p:cNvSpPr txBox="1"/>
           <p:nvPr/>
         </p:nvSpPr>
         <p:spPr>
           <a:xfrm>
-            <a:off x="1067824" y="1964684"/>
-            <a:ext cx="9283311" cy="4031873"/>
+            <a:off x="8635038" y="4701396"/>
+            <a:ext cx="1510350" cy="523220"/>
           </a:xfrm>
           <a:prstGeom prst="rect">
             <a:avLst/>
@@ -4608,47 +4872,210 @@
           <a:lstStyle/>
           <a:p>
             <a:r>
-              <a:rPr lang="ja-JP" altLang="en-US" sz="3200" dirty="0"/>
-              <a:t>主</a:t>
-            </a:r>
-            <a:r>
-              <a:rPr lang="ja-JP" altLang="en-US" sz="3200" dirty="0" smtClean="0"/>
-              <a:t>な操作</a:t>
-            </a:r>
-            <a:endParaRPr lang="en-US" altLang="ja-JP" sz="3200" dirty="0" smtClean="0"/>
-          </a:p>
-          <a:p>
-            <a:endParaRPr kumimoji="1" lang="en-US" altLang="ja-JP" sz="3200" dirty="0" smtClean="0"/>
-          </a:p>
-          <a:p>
-            <a:r>
-              <a:rPr lang="ja-JP" altLang="en-US" sz="3200" dirty="0" smtClean="0"/>
-              <a:t>　　変形　　　・・・　リモちゃんが変形します　</a:t>
-            </a:r>
-            <a:endParaRPr lang="ja-JP" altLang="en-US" sz="3200" dirty="0"/>
-          </a:p>
-          <a:p>
-            <a:endParaRPr kumimoji="1" lang="en-US" altLang="ja-JP" sz="3200" dirty="0"/>
-          </a:p>
-          <a:p>
-            <a:r>
-              <a:rPr lang="ja-JP" altLang="en-US" sz="3200" dirty="0" smtClean="0"/>
-              <a:t>　　　　攻撃　・・・　範囲攻撃、狙撃など。</a:t>
-            </a:r>
-            <a:endParaRPr lang="en-US" altLang="ja-JP" sz="3200" dirty="0" smtClean="0"/>
-          </a:p>
-          <a:p>
-            <a:endParaRPr kumimoji="1" lang="en-US" altLang="ja-JP" sz="3200" dirty="0"/>
-          </a:p>
-          <a:p>
-            <a:r>
-              <a:rPr lang="ja-JP" altLang="en-US" sz="3200" dirty="0" smtClean="0"/>
-              <a:t>　　　　糸　　  ・・・　道を作る、トラップを仕掛けるなど。</a:t>
-            </a:r>
-            <a:endParaRPr lang="en-US" altLang="ja-JP" sz="3200" dirty="0" smtClean="0"/>
-          </a:p>
-          <a:p>
-            <a:endParaRPr kumimoji="1" lang="en-US" altLang="ja-JP" sz="3200" dirty="0"/>
+              <a:rPr lang="ja-JP" altLang="en-US" sz="2800" dirty="0" smtClean="0"/>
+              <a:t>★</a:t>
+            </a:r>
+            <a:r>
+              <a:rPr lang="en-US" altLang="ja-JP" sz="2800" dirty="0" smtClean="0"/>
+              <a:t>…</a:t>
+            </a:r>
+            <a:r>
+              <a:rPr lang="ja-JP" altLang="en-US" sz="2800" dirty="0" smtClean="0"/>
+              <a:t>宝物</a:t>
+            </a:r>
+            <a:endParaRPr kumimoji="1" lang="ja-JP" altLang="en-US" sz="2800" dirty="0"/>
+          </a:p>
+        </p:txBody>
+      </p:sp>
+      <p:sp>
+        <p:nvSpPr>
+          <p:cNvPr id="6" name="テキスト ボックス 5"/>
+          <p:cNvSpPr txBox="1"/>
+          <p:nvPr/>
+        </p:nvSpPr>
+        <p:spPr>
+          <a:xfrm>
+            <a:off x="8635039" y="5270739"/>
+            <a:ext cx="1510350" cy="523220"/>
+          </a:xfrm>
+          <a:prstGeom prst="rect">
+            <a:avLst/>
+          </a:prstGeom>
+          <a:noFill/>
+        </p:spPr>
+        <p:txBody>
+          <a:bodyPr wrap="none" rtlCol="0">
+            <a:spAutoFit/>
+          </a:bodyPr>
+          <a:lstStyle/>
+          <a:p>
+            <a:r>
+              <a:rPr kumimoji="1" lang="ja-JP" altLang="en-US" sz="2800" dirty="0" smtClean="0"/>
+              <a:t>△</a:t>
+            </a:r>
+            <a:r>
+              <a:rPr kumimoji="1" lang="en-US" altLang="ja-JP" sz="2800" dirty="0" smtClean="0"/>
+              <a:t>…</a:t>
+            </a:r>
+            <a:r>
+              <a:rPr kumimoji="1" lang="ja-JP" altLang="en-US" sz="2800" dirty="0" smtClean="0"/>
+              <a:t>陣地</a:t>
+            </a:r>
+            <a:endParaRPr kumimoji="1" lang="ja-JP" altLang="en-US" sz="2800" dirty="0"/>
+          </a:p>
+        </p:txBody>
+      </p:sp>
+      <p:pic>
+        <p:nvPicPr>
+          <p:cNvPr id="7" name="図 6"/>
+          <p:cNvPicPr>
+            <a:picLocks noChangeAspect="1"/>
+          </p:cNvPicPr>
+          <p:nvPr/>
+        </p:nvPicPr>
+        <p:blipFill>
+          <a:blip r:embed="rId3" cstate="print">
+            <a:extLst>
+              <a:ext uri="{28A0092B-C50C-407E-A947-70E740481C1C}">
+                <a14:useLocalDpi xmlns:a14="http://schemas.microsoft.com/office/drawing/2010/main" val="0"/>
+              </a:ext>
+            </a:extLst>
+          </a:blip>
+          <a:stretch>
+            <a:fillRect/>
+          </a:stretch>
+        </p:blipFill>
+        <p:spPr>
+          <a:xfrm>
+            <a:off x="10988842" y="5654842"/>
+            <a:ext cx="1203157" cy="1203157"/>
+          </a:xfrm>
+          <a:prstGeom prst="rect">
+            <a:avLst/>
+          </a:prstGeom>
+        </p:spPr>
+      </p:pic>
+    </p:spTree>
+    <p:extLst>
+      <p:ext uri="{BB962C8B-B14F-4D97-AF65-F5344CB8AC3E}">
+        <p14:creationId xmlns:p14="http://schemas.microsoft.com/office/powerpoint/2010/main" val="700567770"/>
+      </p:ext>
+    </p:extLst>
+  </p:cSld>
+  <p:clrMapOvr>
+    <a:masterClrMapping/>
+  </p:clrMapOvr>
+</p:sld>
+</file>
+
+<file path=ppt/slides/slide8.xml><?xml version="1.0" encoding="utf-8"?>
+<p:sld xmlns:a="http://schemas.openxmlformats.org/drawingml/2006/main" xmlns:r="http://schemas.openxmlformats.org/officeDocument/2006/relationships" xmlns:p="http://schemas.openxmlformats.org/presentationml/2006/main">
+  <p:cSld>
+    <p:spTree>
+      <p:nvGrpSpPr>
+        <p:cNvPr id="1" name=""/>
+        <p:cNvGrpSpPr/>
+        <p:nvPr/>
+      </p:nvGrpSpPr>
+      <p:grpSpPr>
+        <a:xfrm>
+          <a:off x="0" y="0"/>
+          <a:ext cx="0" cy="0"/>
+          <a:chOff x="0" y="0"/>
+          <a:chExt cx="0" cy="0"/>
+        </a:xfrm>
+      </p:grpSpPr>
+      <p:sp>
+        <p:nvSpPr>
+          <p:cNvPr id="2" name="テキスト ボックス 1"/>
+          <p:cNvSpPr txBox="1"/>
+          <p:nvPr/>
+        </p:nvSpPr>
+        <p:spPr>
+          <a:xfrm>
+            <a:off x="1277899" y="2386389"/>
+            <a:ext cx="8922635" cy="1323439"/>
+          </a:xfrm>
+          <a:prstGeom prst="rect">
+            <a:avLst/>
+          </a:prstGeom>
+          <a:noFill/>
+        </p:spPr>
+        <p:txBody>
+          <a:bodyPr wrap="none" rtlCol="0">
+            <a:spAutoFit/>
+          </a:bodyPr>
+          <a:lstStyle/>
+          <a:p>
+            <a:r>
+              <a:rPr kumimoji="1" lang="ja-JP" altLang="en-US" sz="8000" dirty="0" smtClean="0"/>
+              <a:t>一つの宝物</a:t>
+            </a:r>
+            <a:r>
+              <a:rPr kumimoji="1" lang="ja-JP" altLang="en-US" sz="8000" dirty="0" smtClean="0"/>
+              <a:t>を巡って</a:t>
+            </a:r>
+            <a:endParaRPr kumimoji="1" lang="ja-JP" altLang="en-US" sz="8000" dirty="0"/>
+          </a:p>
+        </p:txBody>
+      </p:sp>
+      <p:sp>
+        <p:nvSpPr>
+          <p:cNvPr id="3" name="テキスト ボックス 2"/>
+          <p:cNvSpPr txBox="1"/>
+          <p:nvPr/>
+        </p:nvSpPr>
+        <p:spPr>
+          <a:xfrm>
+            <a:off x="3600281" y="3709828"/>
+            <a:ext cx="7487947" cy="1323439"/>
+          </a:xfrm>
+          <a:prstGeom prst="rect">
+            <a:avLst/>
+          </a:prstGeom>
+          <a:noFill/>
+        </p:spPr>
+        <p:txBody>
+          <a:bodyPr wrap="none" rtlCol="0">
+            <a:spAutoFit/>
+          </a:bodyPr>
+          <a:lstStyle/>
+          <a:p>
+            <a:r>
+              <a:rPr kumimoji="1" lang="ja-JP" altLang="en-US" sz="8000" dirty="0" smtClean="0"/>
+              <a:t>四人が取り合う。</a:t>
+            </a:r>
+            <a:endParaRPr kumimoji="1" lang="ja-JP" altLang="en-US" sz="8000" dirty="0"/>
+          </a:p>
+        </p:txBody>
+      </p:sp>
+      <p:sp>
+        <p:nvSpPr>
+          <p:cNvPr id="4" name="テキスト ボックス 3"/>
+          <p:cNvSpPr txBox="1"/>
+          <p:nvPr/>
+        </p:nvSpPr>
+        <p:spPr>
+          <a:xfrm>
+            <a:off x="600891" y="487679"/>
+            <a:ext cx="1736373" cy="769441"/>
+          </a:xfrm>
+          <a:prstGeom prst="rect">
+            <a:avLst/>
+          </a:prstGeom>
+          <a:noFill/>
+        </p:spPr>
+        <p:txBody>
+          <a:bodyPr wrap="none" rtlCol="0">
+            <a:spAutoFit/>
+          </a:bodyPr>
+          <a:lstStyle/>
+          <a:p>
+            <a:r>
+              <a:rPr kumimoji="1" lang="ja-JP" altLang="en-US" sz="4400" dirty="0" smtClean="0"/>
+              <a:t>テーマ</a:t>
+            </a:r>
+            <a:endParaRPr kumimoji="1" lang="ja-JP" altLang="en-US" sz="4400" dirty="0"/>
           </a:p>
         </p:txBody>
       </p:sp>
@@ -4682,80 +5109,261 @@
           </a:prstGeom>
         </p:spPr>
       </p:pic>
-      <p:cxnSp>
-        <p:nvCxnSpPr>
-          <p:cNvPr id="7" name="カギ線コネクタ 6"/>
-          <p:cNvCxnSpPr/>
-          <p:nvPr/>
-        </p:nvCxnSpPr>
-        <p:spPr>
-          <a:xfrm rot="16200000" flipH="1">
-            <a:off x="1272396" y="4283015"/>
-            <a:ext cx="1578634" cy="293298"/>
-          </a:xfrm>
-          <a:prstGeom prst="bentConnector3">
-            <a:avLst>
-              <a:gd name="adj1" fmla="val 100273"/>
-            </a:avLst>
-          </a:prstGeom>
-          <a:ln>
-            <a:tailEnd type="triangle"/>
-          </a:ln>
-        </p:spPr>
-        <p:style>
-          <a:lnRef idx="1">
-            <a:schemeClr val="accent1"/>
-          </a:lnRef>
-          <a:fillRef idx="0">
-            <a:schemeClr val="accent1"/>
-          </a:fillRef>
-          <a:effectRef idx="0">
-            <a:schemeClr val="accent1"/>
-          </a:effectRef>
-          <a:fontRef idx="minor">
-            <a:schemeClr val="tx1"/>
-          </a:fontRef>
-        </p:style>
-      </p:cxnSp>
-      <p:cxnSp>
-        <p:nvCxnSpPr>
-          <p:cNvPr id="10" name="カギ線コネクタ 9"/>
-          <p:cNvCxnSpPr/>
-          <p:nvPr/>
-        </p:nvCxnSpPr>
-        <p:spPr>
-          <a:xfrm rot="16200000" flipH="1">
-            <a:off x="1759788" y="3795622"/>
-            <a:ext cx="612476" cy="284671"/>
-          </a:xfrm>
-          <a:prstGeom prst="bentConnector3">
-            <a:avLst>
-              <a:gd name="adj1" fmla="val 99296"/>
-            </a:avLst>
-          </a:prstGeom>
-          <a:ln>
-            <a:tailEnd type="triangle"/>
-          </a:ln>
-        </p:spPr>
-        <p:style>
-          <a:lnRef idx="1">
-            <a:schemeClr val="accent1"/>
-          </a:lnRef>
-          <a:fillRef idx="0">
-            <a:schemeClr val="accent1"/>
-          </a:fillRef>
-          <a:effectRef idx="0">
-            <a:schemeClr val="accent1"/>
-          </a:effectRef>
-          <a:fontRef idx="minor">
-            <a:schemeClr val="tx1"/>
-          </a:fontRef>
-        </p:style>
-      </p:cxnSp>
     </p:spTree>
     <p:extLst>
       <p:ext uri="{BB962C8B-B14F-4D97-AF65-F5344CB8AC3E}">
-        <p14:creationId xmlns:p14="http://schemas.microsoft.com/office/powerpoint/2010/main" val="4117955544"/>
+        <p14:creationId xmlns:p14="http://schemas.microsoft.com/office/powerpoint/2010/main" val="3433784511"/>
+      </p:ext>
+    </p:extLst>
+  </p:cSld>
+  <p:clrMapOvr>
+    <a:masterClrMapping/>
+  </p:clrMapOvr>
+</p:sld>
+</file>
+
+<file path=ppt/slides/slide9.xml><?xml version="1.0" encoding="utf-8"?>
+<p:sld xmlns:a="http://schemas.openxmlformats.org/drawingml/2006/main" xmlns:r="http://schemas.openxmlformats.org/officeDocument/2006/relationships" xmlns:p="http://schemas.openxmlformats.org/presentationml/2006/main">
+  <p:cSld>
+    <p:spTree>
+      <p:nvGrpSpPr>
+        <p:cNvPr id="1" name=""/>
+        <p:cNvGrpSpPr/>
+        <p:nvPr/>
+      </p:nvGrpSpPr>
+      <p:grpSpPr>
+        <a:xfrm>
+          <a:off x="0" y="0"/>
+          <a:ext cx="0" cy="0"/>
+          <a:chOff x="0" y="0"/>
+          <a:chExt cx="0" cy="0"/>
+        </a:xfrm>
+      </p:grpSpPr>
+      <p:sp>
+        <p:nvSpPr>
+          <p:cNvPr id="2" name="テキスト ボックス 1"/>
+          <p:cNvSpPr txBox="1"/>
+          <p:nvPr/>
+        </p:nvSpPr>
+        <p:spPr>
+          <a:xfrm>
+            <a:off x="627018" y="470263"/>
+            <a:ext cx="3490058" cy="769441"/>
+          </a:xfrm>
+          <a:prstGeom prst="rect">
+            <a:avLst/>
+          </a:prstGeom>
+          <a:noFill/>
+        </p:spPr>
+        <p:txBody>
+          <a:bodyPr wrap="none" rtlCol="0">
+            <a:spAutoFit/>
+          </a:bodyPr>
+          <a:lstStyle/>
+          <a:p>
+            <a:r>
+              <a:rPr kumimoji="1" lang="ja-JP" altLang="en-US" sz="4400" dirty="0" smtClean="0"/>
+              <a:t>ゲームルール</a:t>
+            </a:r>
+            <a:endParaRPr kumimoji="1" lang="ja-JP" altLang="en-US" sz="4400" dirty="0"/>
+          </a:p>
+        </p:txBody>
+      </p:sp>
+      <p:sp>
+        <p:nvSpPr>
+          <p:cNvPr id="3" name="テキスト ボックス 2"/>
+          <p:cNvSpPr txBox="1"/>
+          <p:nvPr/>
+        </p:nvSpPr>
+        <p:spPr>
+          <a:xfrm>
+            <a:off x="1067824" y="1602375"/>
+            <a:ext cx="457176" cy="584775"/>
+          </a:xfrm>
+          <a:prstGeom prst="rect">
+            <a:avLst/>
+          </a:prstGeom>
+          <a:noFill/>
+        </p:spPr>
+        <p:txBody>
+          <a:bodyPr wrap="none" rtlCol="0">
+            <a:spAutoFit/>
+          </a:bodyPr>
+          <a:lstStyle/>
+          <a:p>
+            <a:r>
+              <a:rPr lang="ja-JP" altLang="en-US" sz="3200" dirty="0"/>
+              <a:t>　</a:t>
+            </a:r>
+            <a:endParaRPr kumimoji="1" lang="en-US" altLang="ja-JP" sz="3200" dirty="0" smtClean="0"/>
+          </a:p>
+        </p:txBody>
+      </p:sp>
+      <p:sp>
+        <p:nvSpPr>
+          <p:cNvPr id="4" name="テキスト ボックス 3"/>
+          <p:cNvSpPr txBox="1"/>
+          <p:nvPr/>
+        </p:nvSpPr>
+        <p:spPr>
+          <a:xfrm>
+            <a:off x="947054" y="1774039"/>
+            <a:ext cx="10581743" cy="1077218"/>
+          </a:xfrm>
+          <a:prstGeom prst="rect">
+            <a:avLst/>
+          </a:prstGeom>
+          <a:noFill/>
+        </p:spPr>
+        <p:txBody>
+          <a:bodyPr wrap="none" rtlCol="0">
+            <a:spAutoFit/>
+          </a:bodyPr>
+          <a:lstStyle/>
+          <a:p>
+            <a:r>
+              <a:rPr kumimoji="1" lang="ja-JP" altLang="en-US" sz="3200" dirty="0" smtClean="0"/>
+              <a:t>勝利条件</a:t>
+            </a:r>
+            <a:endParaRPr kumimoji="1" lang="en-US" altLang="ja-JP" sz="3200" dirty="0" smtClean="0"/>
+          </a:p>
+          <a:p>
+            <a:r>
+              <a:rPr lang="ja-JP" altLang="en-US" sz="3200" dirty="0"/>
+              <a:t>　</a:t>
+            </a:r>
+            <a:r>
+              <a:rPr lang="ja-JP" altLang="en-US" sz="3200" dirty="0" smtClean="0"/>
+              <a:t>自分の陣地に持ち帰り、一定時間奪われなければ勝利。</a:t>
+            </a:r>
+            <a:endParaRPr kumimoji="1" lang="ja-JP" altLang="en-US" sz="3200" dirty="0"/>
+          </a:p>
+        </p:txBody>
+      </p:sp>
+      <p:pic>
+        <p:nvPicPr>
+          <p:cNvPr id="7" name="図 6"/>
+          <p:cNvPicPr>
+            <a:picLocks noChangeAspect="1"/>
+          </p:cNvPicPr>
+          <p:nvPr/>
+        </p:nvPicPr>
+        <p:blipFill>
+          <a:blip r:embed="rId2" cstate="print">
+            <a:extLst>
+              <a:ext uri="{28A0092B-C50C-407E-A947-70E740481C1C}">
+                <a14:useLocalDpi xmlns:a14="http://schemas.microsoft.com/office/drawing/2010/main" val="0"/>
+              </a:ext>
+            </a:extLst>
+          </a:blip>
+          <a:stretch>
+            <a:fillRect/>
+          </a:stretch>
+        </p:blipFill>
+        <p:spPr>
+          <a:xfrm>
+            <a:off x="10988842" y="5654842"/>
+            <a:ext cx="1203157" cy="1203157"/>
+          </a:xfrm>
+          <a:prstGeom prst="rect">
+            <a:avLst/>
+          </a:prstGeom>
+        </p:spPr>
+      </p:pic>
+      <p:pic>
+        <p:nvPicPr>
+          <p:cNvPr id="5" name="図 4"/>
+          <p:cNvPicPr>
+            <a:picLocks noChangeAspect="1"/>
+          </p:cNvPicPr>
+          <p:nvPr/>
+        </p:nvPicPr>
+        <p:blipFill>
+          <a:blip r:embed="rId3" cstate="print">
+            <a:extLst>
+              <a:ext uri="{28A0092B-C50C-407E-A947-70E740481C1C}">
+                <a14:useLocalDpi xmlns:a14="http://schemas.microsoft.com/office/drawing/2010/main" val="0"/>
+              </a:ext>
+            </a:extLst>
+          </a:blip>
+          <a:stretch>
+            <a:fillRect/>
+          </a:stretch>
+        </p:blipFill>
+        <p:spPr>
+          <a:xfrm>
+            <a:off x="959248" y="2829242"/>
+            <a:ext cx="2825598" cy="2825598"/>
+          </a:xfrm>
+          <a:prstGeom prst="rect">
+            <a:avLst/>
+          </a:prstGeom>
+        </p:spPr>
+      </p:pic>
+      <p:pic>
+        <p:nvPicPr>
+          <p:cNvPr id="6" name="図 5"/>
+          <p:cNvPicPr>
+            <a:picLocks noChangeAspect="1"/>
+          </p:cNvPicPr>
+          <p:nvPr/>
+        </p:nvPicPr>
+        <p:blipFill>
+          <a:blip r:embed="rId4" cstate="print">
+            <a:extLst>
+              <a:ext uri="{28A0092B-C50C-407E-A947-70E740481C1C}">
+                <a14:useLocalDpi xmlns:a14="http://schemas.microsoft.com/office/drawing/2010/main" val="0"/>
+              </a:ext>
+            </a:extLst>
+          </a:blip>
+          <a:stretch>
+            <a:fillRect/>
+          </a:stretch>
+        </p:blipFill>
+        <p:spPr>
+          <a:xfrm>
+            <a:off x="4777762" y="3022921"/>
+            <a:ext cx="2651426" cy="2651426"/>
+          </a:xfrm>
+          <a:prstGeom prst="rect">
+            <a:avLst/>
+          </a:prstGeom>
+        </p:spPr>
+      </p:pic>
+      <p:pic>
+        <p:nvPicPr>
+          <p:cNvPr id="8" name="図 7"/>
+          <p:cNvPicPr>
+            <a:picLocks noChangeAspect="1"/>
+          </p:cNvPicPr>
+          <p:nvPr/>
+        </p:nvPicPr>
+        <p:blipFill>
+          <a:blip r:embed="rId5" cstate="print">
+            <a:extLst>
+              <a:ext uri="{28A0092B-C50C-407E-A947-70E740481C1C}">
+                <a14:useLocalDpi xmlns:a14="http://schemas.microsoft.com/office/drawing/2010/main" val="0"/>
+              </a:ext>
+            </a:extLst>
+          </a:blip>
+          <a:stretch>
+            <a:fillRect/>
+          </a:stretch>
+        </p:blipFill>
+        <p:spPr>
+          <a:xfrm>
+            <a:off x="8005011" y="3152268"/>
+            <a:ext cx="2727162" cy="2727162"/>
+          </a:xfrm>
+          <a:prstGeom prst="rect">
+            <a:avLst/>
+          </a:prstGeom>
+        </p:spPr>
+      </p:pic>
+    </p:spTree>
+    <p:extLst>
+      <p:ext uri="{BB962C8B-B14F-4D97-AF65-F5344CB8AC3E}">
+        <p14:creationId xmlns:p14="http://schemas.microsoft.com/office/powerpoint/2010/main" val="1004257692"/>
       </p:ext>
     </p:extLst>
   </p:cSld>

--- a/G18_プレゼン用PWP.pptx
+++ b/G18_プレゼン用PWP.pptx
@@ -9,13 +9,14 @@
     <p:sldId id="264" r:id="rId3"/>
     <p:sldId id="257" r:id="rId4"/>
     <p:sldId id="262" r:id="rId5"/>
-    <p:sldId id="265" r:id="rId6"/>
-    <p:sldId id="266" r:id="rId7"/>
-    <p:sldId id="261" r:id="rId8"/>
-    <p:sldId id="258" r:id="rId9"/>
-    <p:sldId id="259" r:id="rId10"/>
-    <p:sldId id="260" r:id="rId11"/>
-    <p:sldId id="263" r:id="rId12"/>
+    <p:sldId id="267" r:id="rId6"/>
+    <p:sldId id="265" r:id="rId7"/>
+    <p:sldId id="266" r:id="rId8"/>
+    <p:sldId id="261" r:id="rId9"/>
+    <p:sldId id="258" r:id="rId10"/>
+    <p:sldId id="259" r:id="rId11"/>
+    <p:sldId id="260" r:id="rId12"/>
+    <p:sldId id="263" r:id="rId13"/>
   </p:sldIdLst>
   <p:sldSz cx="12192000" cy="6858000"/>
   <p:notesSz cx="6858000" cy="9144000"/>
@@ -3447,6 +3448,257 @@
         <p:spPr>
           <a:xfrm>
             <a:off x="627018" y="470263"/>
+            <a:ext cx="3490058" cy="769441"/>
+          </a:xfrm>
+          <a:prstGeom prst="rect">
+            <a:avLst/>
+          </a:prstGeom>
+          <a:noFill/>
+        </p:spPr>
+        <p:txBody>
+          <a:bodyPr wrap="none" rtlCol="0">
+            <a:spAutoFit/>
+          </a:bodyPr>
+          <a:lstStyle/>
+          <a:p>
+            <a:r>
+              <a:rPr kumimoji="1" lang="ja-JP" altLang="en-US" sz="4400" dirty="0" smtClean="0"/>
+              <a:t>ゲームルール</a:t>
+            </a:r>
+            <a:endParaRPr kumimoji="1" lang="ja-JP" altLang="en-US" sz="4400" dirty="0"/>
+          </a:p>
+        </p:txBody>
+      </p:sp>
+      <p:sp>
+        <p:nvSpPr>
+          <p:cNvPr id="3" name="テキスト ボックス 2"/>
+          <p:cNvSpPr txBox="1"/>
+          <p:nvPr/>
+        </p:nvSpPr>
+        <p:spPr>
+          <a:xfrm>
+            <a:off x="1067824" y="1602375"/>
+            <a:ext cx="457176" cy="584775"/>
+          </a:xfrm>
+          <a:prstGeom prst="rect">
+            <a:avLst/>
+          </a:prstGeom>
+          <a:noFill/>
+        </p:spPr>
+        <p:txBody>
+          <a:bodyPr wrap="none" rtlCol="0">
+            <a:spAutoFit/>
+          </a:bodyPr>
+          <a:lstStyle/>
+          <a:p>
+            <a:r>
+              <a:rPr lang="ja-JP" altLang="en-US" sz="3200" dirty="0"/>
+              <a:t>　</a:t>
+            </a:r>
+            <a:endParaRPr kumimoji="1" lang="en-US" altLang="ja-JP" sz="3200" dirty="0" smtClean="0"/>
+          </a:p>
+        </p:txBody>
+      </p:sp>
+      <p:sp>
+        <p:nvSpPr>
+          <p:cNvPr id="4" name="テキスト ボックス 3"/>
+          <p:cNvSpPr txBox="1"/>
+          <p:nvPr/>
+        </p:nvSpPr>
+        <p:spPr>
+          <a:xfrm>
+            <a:off x="947054" y="1774039"/>
+            <a:ext cx="10581743" cy="1077218"/>
+          </a:xfrm>
+          <a:prstGeom prst="rect">
+            <a:avLst/>
+          </a:prstGeom>
+          <a:noFill/>
+        </p:spPr>
+        <p:txBody>
+          <a:bodyPr wrap="none" rtlCol="0">
+            <a:spAutoFit/>
+          </a:bodyPr>
+          <a:lstStyle/>
+          <a:p>
+            <a:r>
+              <a:rPr kumimoji="1" lang="ja-JP" altLang="en-US" sz="3200" dirty="0" smtClean="0"/>
+              <a:t>勝利条件</a:t>
+            </a:r>
+            <a:endParaRPr kumimoji="1" lang="en-US" altLang="ja-JP" sz="3200" dirty="0" smtClean="0"/>
+          </a:p>
+          <a:p>
+            <a:r>
+              <a:rPr lang="ja-JP" altLang="en-US" sz="3200" dirty="0"/>
+              <a:t>　</a:t>
+            </a:r>
+            <a:r>
+              <a:rPr lang="ja-JP" altLang="en-US" sz="3200" dirty="0" smtClean="0"/>
+              <a:t>自分の陣地に持ち帰り、一定時間奪われなければ勝利。</a:t>
+            </a:r>
+            <a:endParaRPr kumimoji="1" lang="ja-JP" altLang="en-US" sz="3200" dirty="0"/>
+          </a:p>
+        </p:txBody>
+      </p:sp>
+      <p:pic>
+        <p:nvPicPr>
+          <p:cNvPr id="7" name="図 6"/>
+          <p:cNvPicPr>
+            <a:picLocks noChangeAspect="1"/>
+          </p:cNvPicPr>
+          <p:nvPr/>
+        </p:nvPicPr>
+        <p:blipFill>
+          <a:blip r:embed="rId2" cstate="print">
+            <a:extLst>
+              <a:ext uri="{28A0092B-C50C-407E-A947-70E740481C1C}">
+                <a14:useLocalDpi xmlns:a14="http://schemas.microsoft.com/office/drawing/2010/main" val="0"/>
+              </a:ext>
+            </a:extLst>
+          </a:blip>
+          <a:stretch>
+            <a:fillRect/>
+          </a:stretch>
+        </p:blipFill>
+        <p:spPr>
+          <a:xfrm>
+            <a:off x="10988842" y="5654842"/>
+            <a:ext cx="1203157" cy="1203157"/>
+          </a:xfrm>
+          <a:prstGeom prst="rect">
+            <a:avLst/>
+          </a:prstGeom>
+        </p:spPr>
+      </p:pic>
+      <p:pic>
+        <p:nvPicPr>
+          <p:cNvPr id="5" name="図 4"/>
+          <p:cNvPicPr>
+            <a:picLocks noChangeAspect="1"/>
+          </p:cNvPicPr>
+          <p:nvPr/>
+        </p:nvPicPr>
+        <p:blipFill>
+          <a:blip r:embed="rId3" cstate="print">
+            <a:extLst>
+              <a:ext uri="{28A0092B-C50C-407E-A947-70E740481C1C}">
+                <a14:useLocalDpi xmlns:a14="http://schemas.microsoft.com/office/drawing/2010/main" val="0"/>
+              </a:ext>
+            </a:extLst>
+          </a:blip>
+          <a:stretch>
+            <a:fillRect/>
+          </a:stretch>
+        </p:blipFill>
+        <p:spPr>
+          <a:xfrm>
+            <a:off x="959248" y="2829242"/>
+            <a:ext cx="2825598" cy="2825598"/>
+          </a:xfrm>
+          <a:prstGeom prst="rect">
+            <a:avLst/>
+          </a:prstGeom>
+        </p:spPr>
+      </p:pic>
+      <p:pic>
+        <p:nvPicPr>
+          <p:cNvPr id="6" name="図 5"/>
+          <p:cNvPicPr>
+            <a:picLocks noChangeAspect="1"/>
+          </p:cNvPicPr>
+          <p:nvPr/>
+        </p:nvPicPr>
+        <p:blipFill>
+          <a:blip r:embed="rId4" cstate="print">
+            <a:extLst>
+              <a:ext uri="{28A0092B-C50C-407E-A947-70E740481C1C}">
+                <a14:useLocalDpi xmlns:a14="http://schemas.microsoft.com/office/drawing/2010/main" val="0"/>
+              </a:ext>
+            </a:extLst>
+          </a:blip>
+          <a:stretch>
+            <a:fillRect/>
+          </a:stretch>
+        </p:blipFill>
+        <p:spPr>
+          <a:xfrm>
+            <a:off x="4777762" y="3022921"/>
+            <a:ext cx="2651426" cy="2651426"/>
+          </a:xfrm>
+          <a:prstGeom prst="rect">
+            <a:avLst/>
+          </a:prstGeom>
+        </p:spPr>
+      </p:pic>
+      <p:pic>
+        <p:nvPicPr>
+          <p:cNvPr id="8" name="図 7"/>
+          <p:cNvPicPr>
+            <a:picLocks noChangeAspect="1"/>
+          </p:cNvPicPr>
+          <p:nvPr/>
+        </p:nvPicPr>
+        <p:blipFill>
+          <a:blip r:embed="rId5" cstate="print">
+            <a:extLst>
+              <a:ext uri="{28A0092B-C50C-407E-A947-70E740481C1C}">
+                <a14:useLocalDpi xmlns:a14="http://schemas.microsoft.com/office/drawing/2010/main" val="0"/>
+              </a:ext>
+            </a:extLst>
+          </a:blip>
+          <a:stretch>
+            <a:fillRect/>
+          </a:stretch>
+        </p:blipFill>
+        <p:spPr>
+          <a:xfrm>
+            <a:off x="8005011" y="3152268"/>
+            <a:ext cx="2727162" cy="2727162"/>
+          </a:xfrm>
+          <a:prstGeom prst="rect">
+            <a:avLst/>
+          </a:prstGeom>
+        </p:spPr>
+      </p:pic>
+    </p:spTree>
+    <p:extLst>
+      <p:ext uri="{BB962C8B-B14F-4D97-AF65-F5344CB8AC3E}">
+        <p14:creationId xmlns:p14="http://schemas.microsoft.com/office/powerpoint/2010/main" val="1004257692"/>
+      </p:ext>
+    </p:extLst>
+  </p:cSld>
+  <p:clrMapOvr>
+    <a:masterClrMapping/>
+  </p:clrMapOvr>
+</p:sld>
+</file>
+
+<file path=ppt/slides/slide11.xml><?xml version="1.0" encoding="utf-8"?>
+<p:sld xmlns:a="http://schemas.openxmlformats.org/drawingml/2006/main" xmlns:r="http://schemas.openxmlformats.org/officeDocument/2006/relationships" xmlns:p="http://schemas.openxmlformats.org/presentationml/2006/main">
+  <p:cSld>
+    <p:spTree>
+      <p:nvGrpSpPr>
+        <p:cNvPr id="1" name=""/>
+        <p:cNvGrpSpPr/>
+        <p:nvPr/>
+      </p:nvGrpSpPr>
+      <p:grpSpPr>
+        <a:xfrm>
+          <a:off x="0" y="0"/>
+          <a:ext cx="0" cy="0"/>
+          <a:chOff x="0" y="0"/>
+          <a:chExt cx="0" cy="0"/>
+        </a:xfrm>
+      </p:grpSpPr>
+      <p:sp>
+        <p:nvSpPr>
+          <p:cNvPr id="2" name="テキスト ボックス 1"/>
+          <p:cNvSpPr txBox="1"/>
+          <p:nvPr/>
+        </p:nvSpPr>
+        <p:spPr>
+          <a:xfrm>
+            <a:off x="627018" y="470263"/>
             <a:ext cx="2948243" cy="769441"/>
           </a:xfrm>
           <a:prstGeom prst="rect">
@@ -3648,7 +3900,7 @@
 </p:sld>
 </file>
 
-<file path=ppt/slides/slide11.xml><?xml version="1.0" encoding="utf-8"?>
+<file path=ppt/slides/slide12.xml><?xml version="1.0" encoding="utf-8"?>
 <p:sld xmlns:a="http://schemas.openxmlformats.org/drawingml/2006/main" xmlns:r="http://schemas.openxmlformats.org/officeDocument/2006/relationships" xmlns:p="http://schemas.openxmlformats.org/presentationml/2006/main">
   <p:cSld>
     <p:spTree>
@@ -4024,8 +4276,8 @@
         </p:nvSpPr>
         <p:spPr>
           <a:xfrm>
-            <a:off x="7167536" y="1170036"/>
-            <a:ext cx="3672800" cy="4524315"/>
+            <a:off x="6917370" y="1480587"/>
+            <a:ext cx="4403770" cy="523220"/>
           </a:xfrm>
           <a:prstGeom prst="rect">
             <a:avLst/>
@@ -4039,115 +4291,10 @@
           <a:lstStyle/>
           <a:p>
             <a:r>
-              <a:rPr kumimoji="1" lang="ja-JP" altLang="en-US" dirty="0" smtClean="0"/>
-              <a:t>ああああああああああああああああ</a:t>
-            </a:r>
-            <a:endParaRPr kumimoji="1" lang="en-US" altLang="ja-JP" dirty="0" smtClean="0"/>
-          </a:p>
-          <a:p>
-            <a:r>
-              <a:rPr kumimoji="1" lang="ja-JP" altLang="en-US" dirty="0" smtClean="0"/>
-              <a:t>ああああああああああああああああ</a:t>
-            </a:r>
-            <a:endParaRPr kumimoji="1" lang="en-US" altLang="ja-JP" dirty="0" smtClean="0"/>
-          </a:p>
-          <a:p>
-            <a:r>
-              <a:rPr kumimoji="1" lang="ja-JP" altLang="en-US" dirty="0" smtClean="0"/>
-              <a:t>ああああああああああああああああ</a:t>
-            </a:r>
-            <a:endParaRPr kumimoji="1" lang="en-US" altLang="ja-JP" dirty="0" smtClean="0"/>
-          </a:p>
-          <a:p>
-            <a:r>
-              <a:rPr kumimoji="1" lang="ja-JP" altLang="en-US" dirty="0" smtClean="0"/>
-              <a:t>ああああああああああああああああ</a:t>
-            </a:r>
-            <a:endParaRPr kumimoji="1" lang="en-US" altLang="ja-JP" dirty="0" smtClean="0"/>
-          </a:p>
-          <a:p>
-            <a:r>
-              <a:rPr kumimoji="1" lang="ja-JP" altLang="en-US" dirty="0" smtClean="0"/>
-              <a:t>ああああああああああああああああ</a:t>
-            </a:r>
-            <a:endParaRPr kumimoji="1" lang="en-US" altLang="ja-JP" dirty="0" smtClean="0"/>
-          </a:p>
-          <a:p>
-            <a:r>
-              <a:rPr kumimoji="1" lang="ja-JP" altLang="en-US" dirty="0" smtClean="0"/>
-              <a:t>ああああああああああああああああ</a:t>
-            </a:r>
-            <a:endParaRPr kumimoji="1" lang="en-US" altLang="ja-JP" dirty="0" smtClean="0"/>
-          </a:p>
-          <a:p>
-            <a:r>
-              <a:rPr kumimoji="1" lang="ja-JP" altLang="en-US" dirty="0" smtClean="0"/>
-              <a:t>ああああああああああああああああ</a:t>
-            </a:r>
-            <a:endParaRPr kumimoji="1" lang="en-US" altLang="ja-JP" dirty="0" smtClean="0"/>
-          </a:p>
-          <a:p>
-            <a:r>
-              <a:rPr kumimoji="1" lang="ja-JP" altLang="en-US" dirty="0" smtClean="0"/>
-              <a:t>ああああああああああああああああ</a:t>
-            </a:r>
-            <a:endParaRPr kumimoji="1" lang="en-US" altLang="ja-JP" dirty="0" smtClean="0"/>
-          </a:p>
-          <a:p>
-            <a:r>
-              <a:rPr kumimoji="1" lang="ja-JP" altLang="en-US" dirty="0" smtClean="0"/>
-              <a:t>ああああああああああああああああ</a:t>
-            </a:r>
-            <a:endParaRPr kumimoji="1" lang="en-US" altLang="ja-JP" dirty="0" smtClean="0"/>
-          </a:p>
-          <a:p>
-            <a:r>
-              <a:rPr kumimoji="1" lang="ja-JP" altLang="en-US" dirty="0" smtClean="0"/>
-              <a:t>ああああああああああああああああ</a:t>
-            </a:r>
-            <a:endParaRPr kumimoji="1" lang="en-US" altLang="ja-JP" dirty="0" smtClean="0"/>
-          </a:p>
-          <a:p>
-            <a:r>
-              <a:rPr kumimoji="1" lang="ja-JP" altLang="en-US" dirty="0" smtClean="0"/>
-              <a:t>ああああああああああああああああ</a:t>
-            </a:r>
-            <a:endParaRPr kumimoji="1" lang="en-US" altLang="ja-JP" dirty="0" smtClean="0"/>
-          </a:p>
-          <a:p>
-            <a:r>
-              <a:rPr kumimoji="1" lang="ja-JP" altLang="en-US" dirty="0" smtClean="0"/>
-              <a:t>ああああああああああああああああ</a:t>
-            </a:r>
-            <a:endParaRPr kumimoji="1" lang="en-US" altLang="ja-JP" dirty="0" smtClean="0"/>
-          </a:p>
-          <a:p>
-            <a:r>
-              <a:rPr kumimoji="1" lang="ja-JP" altLang="en-US" dirty="0" smtClean="0"/>
-              <a:t>ああああああああああああああああ</a:t>
-            </a:r>
-            <a:endParaRPr kumimoji="1" lang="en-US" altLang="ja-JP" dirty="0" smtClean="0"/>
-          </a:p>
-          <a:p>
-            <a:r>
-              <a:rPr kumimoji="1" lang="ja-JP" altLang="en-US" dirty="0" smtClean="0"/>
-              <a:t>ああああああああああああああああ</a:t>
-            </a:r>
-            <a:endParaRPr kumimoji="1" lang="en-US" altLang="ja-JP" dirty="0" smtClean="0"/>
-          </a:p>
-          <a:p>
-            <a:r>
-              <a:rPr kumimoji="1" lang="ja-JP" altLang="en-US" dirty="0" smtClean="0"/>
-              <a:t>ああああああああああああああああ</a:t>
-            </a:r>
-            <a:endParaRPr kumimoji="1" lang="en-US" altLang="ja-JP" dirty="0" smtClean="0"/>
-          </a:p>
-          <a:p>
-            <a:r>
-              <a:rPr kumimoji="1" lang="ja-JP" altLang="en-US" dirty="0" smtClean="0"/>
-              <a:t>ああああああああああああああああ</a:t>
-            </a:r>
-            <a:endParaRPr kumimoji="1" lang="ja-JP" altLang="en-US" dirty="0"/>
+              <a:rPr kumimoji="1" lang="ja-JP" altLang="en-US" sz="2800" dirty="0" smtClean="0"/>
+              <a:t>電脳世界にいる機械生命体</a:t>
+            </a:r>
+            <a:endParaRPr kumimoji="1" lang="ja-JP" altLang="en-US" sz="2800" dirty="0"/>
           </a:p>
         </p:txBody>
       </p:sp>
@@ -4208,6 +4355,91 @@
               <a:t>↑リモちゃん</a:t>
             </a:r>
             <a:endParaRPr kumimoji="1" lang="ja-JP" altLang="en-US" sz="3200" b="1" dirty="0"/>
+          </a:p>
+        </p:txBody>
+      </p:sp>
+      <p:sp>
+        <p:nvSpPr>
+          <p:cNvPr id="3" name="テキスト ボックス 2"/>
+          <p:cNvSpPr txBox="1"/>
+          <p:nvPr/>
+        </p:nvSpPr>
+        <p:spPr>
+          <a:xfrm>
+            <a:off x="6917370" y="2398164"/>
+            <a:ext cx="4115229" cy="954107"/>
+          </a:xfrm>
+          <a:prstGeom prst="rect">
+            <a:avLst/>
+          </a:prstGeom>
+          <a:noFill/>
+        </p:spPr>
+        <p:txBody>
+          <a:bodyPr wrap="none" rtlCol="0">
+            <a:spAutoFit/>
+          </a:bodyPr>
+          <a:lstStyle/>
+          <a:p>
+            <a:r>
+              <a:rPr kumimoji="1" lang="ja-JP" altLang="en-US" sz="2800" dirty="0" smtClean="0"/>
+              <a:t>電脳世界に住む人々の</a:t>
+            </a:r>
+            <a:endParaRPr kumimoji="1" lang="en-US" altLang="ja-JP" sz="2800" dirty="0" smtClean="0"/>
+          </a:p>
+          <a:p>
+            <a:r>
+              <a:rPr kumimoji="1" lang="ja-JP" altLang="en-US" sz="2800" dirty="0" smtClean="0"/>
+              <a:t>生活の手助けをしている。</a:t>
+            </a:r>
+            <a:endParaRPr kumimoji="1" lang="ja-JP" altLang="en-US" sz="2800" dirty="0"/>
+          </a:p>
+        </p:txBody>
+      </p:sp>
+      <p:sp>
+        <p:nvSpPr>
+          <p:cNvPr id="4" name="テキスト ボックス 3"/>
+          <p:cNvSpPr txBox="1"/>
+          <p:nvPr/>
+        </p:nvSpPr>
+        <p:spPr>
+          <a:xfrm>
+            <a:off x="6917370" y="3718726"/>
+            <a:ext cx="4907113" cy="1384995"/>
+          </a:xfrm>
+          <a:prstGeom prst="rect">
+            <a:avLst/>
+          </a:prstGeom>
+          <a:noFill/>
+        </p:spPr>
+        <p:txBody>
+          <a:bodyPr wrap="none" rtlCol="0">
+            <a:spAutoFit/>
+          </a:bodyPr>
+          <a:lstStyle/>
+          <a:p>
+            <a:r>
+              <a:rPr kumimoji="1" lang="ja-JP" altLang="en-US" sz="2800" dirty="0" smtClean="0"/>
+              <a:t>意思があり、四肢を一所懸命に</a:t>
+            </a:r>
+            <a:endParaRPr kumimoji="1" lang="en-US" altLang="ja-JP" sz="2800" dirty="0" smtClean="0"/>
+          </a:p>
+          <a:p>
+            <a:r>
+              <a:rPr lang="ja-JP" altLang="en-US" sz="2800" dirty="0" smtClean="0"/>
+              <a:t>動かし、人間との意思疎通を</a:t>
+            </a:r>
+            <a:endParaRPr lang="en-US" altLang="ja-JP" sz="2800" dirty="0" smtClean="0"/>
+          </a:p>
+          <a:p>
+            <a:r>
+              <a:rPr lang="ja-JP" altLang="en-US" sz="2800" dirty="0"/>
+              <a:t>図</a:t>
+            </a:r>
+            <a:r>
+              <a:rPr lang="ja-JP" altLang="en-US" sz="2800" dirty="0" smtClean="0"/>
+              <a:t>ろうとする。</a:t>
+            </a:r>
+            <a:endParaRPr kumimoji="1" lang="ja-JP" altLang="en-US" sz="2800" dirty="0"/>
           </a:p>
         </p:txBody>
       </p:sp>
@@ -4579,8 +4811,8 @@
         </p:nvSpPr>
         <p:spPr>
           <a:xfrm>
-            <a:off x="4632960" y="2830288"/>
-            <a:ext cx="2884123" cy="1200329"/>
+            <a:off x="496389" y="400595"/>
+            <a:ext cx="3451586" cy="769441"/>
           </a:xfrm>
           <a:prstGeom prst="rect">
             <a:avLst/>
@@ -4594,16 +4826,382 @@
           <a:lstStyle/>
           <a:p>
             <a:r>
-              <a:rPr kumimoji="1" lang="ja-JP" altLang="en-US" sz="7200" dirty="0" smtClean="0"/>
-              <a:t>ゲーム</a:t>
-            </a:r>
-            <a:endParaRPr kumimoji="1" lang="ja-JP" altLang="en-US" sz="7200" dirty="0"/>
+              <a:rPr lang="ja-JP" altLang="en-US" sz="4400" dirty="0" smtClean="0">
+                <a:latin typeface="Segoe WP Black" panose="020B0A02040504020203" pitchFamily="34" charset="0"/>
+              </a:rPr>
+              <a:t>キャラクター３</a:t>
+            </a:r>
+            <a:endParaRPr kumimoji="1" lang="ja-JP" altLang="en-US" sz="4400" dirty="0">
+              <a:latin typeface="Segoe WP Black" panose="020B0A02040504020203" pitchFamily="34" charset="0"/>
+            </a:endParaRPr>
+          </a:p>
+        </p:txBody>
+      </p:sp>
+      <p:sp>
+        <p:nvSpPr>
+          <p:cNvPr id="4" name="テキスト ボックス 3"/>
+          <p:cNvSpPr txBox="1"/>
+          <p:nvPr/>
+        </p:nvSpPr>
+        <p:spPr>
+          <a:xfrm>
+            <a:off x="4951562" y="3010620"/>
+            <a:ext cx="1210588" cy="1323439"/>
+          </a:xfrm>
+          <a:prstGeom prst="rect">
+            <a:avLst/>
+          </a:prstGeom>
+          <a:noFill/>
+        </p:spPr>
+        <p:txBody>
+          <a:bodyPr wrap="none" rtlCol="0">
+            <a:spAutoFit/>
+          </a:bodyPr>
+          <a:lstStyle/>
+          <a:p>
+            <a:r>
+              <a:rPr kumimoji="1" lang="ja-JP" altLang="en-US" sz="8000" dirty="0" smtClean="0"/>
+              <a:t>＋</a:t>
+            </a:r>
+            <a:endParaRPr kumimoji="1" lang="ja-JP" altLang="en-US" sz="8000" dirty="0"/>
+          </a:p>
+        </p:txBody>
+      </p:sp>
+      <p:sp>
+        <p:nvSpPr>
+          <p:cNvPr id="5" name="角丸四角形 4"/>
+          <p:cNvSpPr/>
+          <p:nvPr/>
+        </p:nvSpPr>
+        <p:spPr>
+          <a:xfrm>
+            <a:off x="6821347" y="662310"/>
+            <a:ext cx="5037827" cy="2563969"/>
+          </a:xfrm>
+          <a:prstGeom prst="roundRect">
+            <a:avLst/>
+          </a:prstGeom>
+          <a:solidFill>
+            <a:schemeClr val="accent1">
+              <a:lumMod val="20000"/>
+              <a:lumOff val="80000"/>
+            </a:schemeClr>
+          </a:solidFill>
+        </p:spPr>
+        <p:style>
+          <a:lnRef idx="2">
+            <a:schemeClr val="accent1">
+              <a:shade val="50000"/>
+            </a:schemeClr>
+          </a:lnRef>
+          <a:fillRef idx="1">
+            <a:schemeClr val="accent1"/>
+          </a:fillRef>
+          <a:effectRef idx="0">
+            <a:schemeClr val="accent1"/>
+          </a:effectRef>
+          <a:fontRef idx="minor">
+            <a:schemeClr val="lt1"/>
+          </a:fontRef>
+        </p:style>
+        <p:txBody>
+          <a:bodyPr rtlCol="0" anchor="ctr"/>
+          <a:lstStyle/>
+          <a:p>
+            <a:pPr algn="ctr"/>
+            <a:endParaRPr kumimoji="1" lang="ja-JP" altLang="en-US" dirty="0"/>
+          </a:p>
+        </p:txBody>
+      </p:sp>
+      <p:sp>
+        <p:nvSpPr>
+          <p:cNvPr id="6" name="テキスト ボックス 5"/>
+          <p:cNvSpPr txBox="1"/>
+          <p:nvPr/>
+        </p:nvSpPr>
+        <p:spPr>
+          <a:xfrm>
+            <a:off x="8246853" y="816093"/>
+            <a:ext cx="2186817" cy="707886"/>
+          </a:xfrm>
+          <a:prstGeom prst="rect">
+            <a:avLst/>
+          </a:prstGeom>
+          <a:noFill/>
+        </p:spPr>
+        <p:txBody>
+          <a:bodyPr wrap="none" rtlCol="0">
+            <a:spAutoFit/>
+          </a:bodyPr>
+          <a:lstStyle/>
+          <a:p>
+            <a:r>
+              <a:rPr kumimoji="1" lang="ja-JP" altLang="en-US" sz="4000" dirty="0" smtClean="0"/>
+              <a:t>様々な人</a:t>
+            </a:r>
+            <a:endParaRPr kumimoji="1" lang="ja-JP" altLang="en-US" sz="4000" dirty="0"/>
+          </a:p>
+        </p:txBody>
+      </p:sp>
+      <p:sp>
+        <p:nvSpPr>
+          <p:cNvPr id="10" name="テキスト ボックス 9"/>
+          <p:cNvSpPr txBox="1"/>
+          <p:nvPr/>
+        </p:nvSpPr>
+        <p:spPr>
+          <a:xfrm>
+            <a:off x="7241450" y="1677762"/>
+            <a:ext cx="1005403" cy="584775"/>
+          </a:xfrm>
+          <a:prstGeom prst="rect">
+            <a:avLst/>
+          </a:prstGeom>
+          <a:noFill/>
+        </p:spPr>
+        <p:txBody>
+          <a:bodyPr wrap="none" rtlCol="0">
+            <a:spAutoFit/>
+          </a:bodyPr>
+          <a:lstStyle/>
+          <a:p>
+            <a:r>
+              <a:rPr kumimoji="1" lang="ja-JP" altLang="en-US" sz="3200" dirty="0" smtClean="0"/>
+              <a:t>主婦</a:t>
+            </a:r>
+            <a:endParaRPr kumimoji="1" lang="ja-JP" altLang="en-US" sz="3200" dirty="0"/>
+          </a:p>
+        </p:txBody>
+      </p:sp>
+      <p:sp>
+        <p:nvSpPr>
+          <p:cNvPr id="11" name="テキスト ボックス 10"/>
+          <p:cNvSpPr txBox="1"/>
+          <p:nvPr/>
+        </p:nvSpPr>
+        <p:spPr>
+          <a:xfrm>
+            <a:off x="8837558" y="1677761"/>
+            <a:ext cx="1005403" cy="584775"/>
+          </a:xfrm>
+          <a:prstGeom prst="rect">
+            <a:avLst/>
+          </a:prstGeom>
+          <a:noFill/>
+        </p:spPr>
+        <p:txBody>
+          <a:bodyPr wrap="none" rtlCol="0">
+            <a:spAutoFit/>
+          </a:bodyPr>
+          <a:lstStyle/>
+          <a:p>
+            <a:r>
+              <a:rPr kumimoji="1" lang="ja-JP" altLang="en-US" sz="3200" dirty="0" smtClean="0"/>
+              <a:t>医者</a:t>
+            </a:r>
+            <a:endParaRPr kumimoji="1" lang="ja-JP" altLang="en-US" sz="3200" dirty="0"/>
+          </a:p>
+        </p:txBody>
+      </p:sp>
+      <p:sp>
+        <p:nvSpPr>
+          <p:cNvPr id="12" name="テキスト ボックス 11"/>
+          <p:cNvSpPr txBox="1"/>
+          <p:nvPr/>
+        </p:nvSpPr>
+        <p:spPr>
+          <a:xfrm>
+            <a:off x="10433666" y="1673371"/>
+            <a:ext cx="1005403" cy="584775"/>
+          </a:xfrm>
+          <a:prstGeom prst="rect">
+            <a:avLst/>
+          </a:prstGeom>
+          <a:noFill/>
+        </p:spPr>
+        <p:txBody>
+          <a:bodyPr wrap="none" rtlCol="0">
+            <a:spAutoFit/>
+          </a:bodyPr>
+          <a:lstStyle/>
+          <a:p>
+            <a:r>
+              <a:rPr kumimoji="1" lang="ja-JP" altLang="en-US" sz="3200" dirty="0" smtClean="0"/>
+              <a:t>警察</a:t>
+            </a:r>
+            <a:endParaRPr kumimoji="1" lang="ja-JP" altLang="en-US" sz="3200" dirty="0"/>
+          </a:p>
+        </p:txBody>
+      </p:sp>
+      <p:sp>
+        <p:nvSpPr>
+          <p:cNvPr id="14" name="角丸四角形 13"/>
+          <p:cNvSpPr/>
+          <p:nvPr/>
+        </p:nvSpPr>
+        <p:spPr>
+          <a:xfrm>
+            <a:off x="6821345" y="3517904"/>
+            <a:ext cx="5037827" cy="2520587"/>
+          </a:xfrm>
+          <a:prstGeom prst="roundRect">
+            <a:avLst/>
+          </a:prstGeom>
+          <a:solidFill>
+            <a:schemeClr val="accent1">
+              <a:lumMod val="20000"/>
+              <a:lumOff val="80000"/>
+            </a:schemeClr>
+          </a:solidFill>
+        </p:spPr>
+        <p:style>
+          <a:lnRef idx="2">
+            <a:schemeClr val="accent1">
+              <a:shade val="50000"/>
+            </a:schemeClr>
+          </a:lnRef>
+          <a:fillRef idx="1">
+            <a:schemeClr val="accent1"/>
+          </a:fillRef>
+          <a:effectRef idx="0">
+            <a:schemeClr val="accent1"/>
+          </a:effectRef>
+          <a:fontRef idx="minor">
+            <a:schemeClr val="lt1"/>
+          </a:fontRef>
+        </p:style>
+        <p:txBody>
+          <a:bodyPr rtlCol="0" anchor="ctr"/>
+          <a:lstStyle/>
+          <a:p>
+            <a:pPr algn="ctr"/>
+            <a:endParaRPr kumimoji="1" lang="ja-JP" altLang="en-US" dirty="0"/>
+          </a:p>
+        </p:txBody>
+      </p:sp>
+      <p:sp>
+        <p:nvSpPr>
+          <p:cNvPr id="15" name="テキスト ボックス 14"/>
+          <p:cNvSpPr txBox="1"/>
+          <p:nvPr/>
+        </p:nvSpPr>
+        <p:spPr>
+          <a:xfrm>
+            <a:off x="7996687" y="3770994"/>
+            <a:ext cx="2699778" cy="707886"/>
+          </a:xfrm>
+          <a:prstGeom prst="rect">
+            <a:avLst/>
+          </a:prstGeom>
+          <a:noFill/>
+        </p:spPr>
+        <p:txBody>
+          <a:bodyPr wrap="none" rtlCol="0">
+            <a:spAutoFit/>
+          </a:bodyPr>
+          <a:lstStyle/>
+          <a:p>
+            <a:r>
+              <a:rPr kumimoji="1" lang="ja-JP" altLang="en-US" sz="4000" dirty="0" smtClean="0"/>
+              <a:t>様々な目的</a:t>
+            </a:r>
+            <a:endParaRPr kumimoji="1" lang="ja-JP" altLang="en-US" sz="4000" dirty="0"/>
+          </a:p>
+        </p:txBody>
+      </p:sp>
+      <p:sp>
+        <p:nvSpPr>
+          <p:cNvPr id="16" name="テキスト ボックス 15"/>
+          <p:cNvSpPr txBox="1"/>
+          <p:nvPr/>
+        </p:nvSpPr>
+        <p:spPr>
+          <a:xfrm>
+            <a:off x="7047486" y="4494023"/>
+            <a:ext cx="1393330" cy="584775"/>
+          </a:xfrm>
+          <a:prstGeom prst="rect">
+            <a:avLst/>
+          </a:prstGeom>
+          <a:noFill/>
+        </p:spPr>
+        <p:txBody>
+          <a:bodyPr wrap="none" rtlCol="0">
+            <a:spAutoFit/>
+          </a:bodyPr>
+          <a:lstStyle/>
+          <a:p>
+            <a:r>
+              <a:rPr kumimoji="1" lang="ja-JP" altLang="en-US" sz="3200" dirty="0" smtClean="0"/>
+              <a:t>人助け</a:t>
+            </a:r>
+            <a:endParaRPr kumimoji="1" lang="ja-JP" altLang="en-US" sz="3200" dirty="0"/>
+          </a:p>
+        </p:txBody>
+      </p:sp>
+      <p:sp>
+        <p:nvSpPr>
+          <p:cNvPr id="19" name="テキスト ボックス 18"/>
+          <p:cNvSpPr txBox="1"/>
+          <p:nvPr/>
+        </p:nvSpPr>
+        <p:spPr>
+          <a:xfrm>
+            <a:off x="8427187" y="4509166"/>
+            <a:ext cx="1826141" cy="584775"/>
+          </a:xfrm>
+          <a:prstGeom prst="rect">
+            <a:avLst/>
+          </a:prstGeom>
+          <a:noFill/>
+        </p:spPr>
+        <p:txBody>
+          <a:bodyPr wrap="none" rtlCol="0">
+            <a:spAutoFit/>
+          </a:bodyPr>
+          <a:lstStyle/>
+          <a:p>
+            <a:r>
+              <a:rPr kumimoji="1" lang="ja-JP" altLang="en-US" sz="3200" dirty="0" smtClean="0"/>
+              <a:t>移動手段</a:t>
+            </a:r>
+            <a:endParaRPr kumimoji="1" lang="ja-JP" altLang="en-US" sz="3200" dirty="0"/>
+          </a:p>
+        </p:txBody>
+      </p:sp>
+      <p:sp>
+        <p:nvSpPr>
+          <p:cNvPr id="20" name="テキスト ボックス 19"/>
+          <p:cNvSpPr txBox="1"/>
+          <p:nvPr/>
+        </p:nvSpPr>
+        <p:spPr>
+          <a:xfrm>
+            <a:off x="7047486" y="5235489"/>
+            <a:ext cx="2300630" cy="584775"/>
+          </a:xfrm>
+          <a:prstGeom prst="rect">
+            <a:avLst/>
+          </a:prstGeom>
+          <a:noFill/>
+        </p:spPr>
+        <p:txBody>
+          <a:bodyPr wrap="none" rtlCol="0">
+            <a:spAutoFit/>
+          </a:bodyPr>
+          <a:lstStyle/>
+          <a:p>
+            <a:r>
+              <a:rPr kumimoji="1" lang="ja-JP" altLang="en-US" sz="3200" dirty="0" smtClean="0"/>
+              <a:t>ボディガード</a:t>
+            </a:r>
+            <a:endParaRPr kumimoji="1" lang="ja-JP" altLang="en-US" sz="3200" dirty="0"/>
           </a:p>
         </p:txBody>
       </p:sp>
       <p:pic>
         <p:nvPicPr>
-          <p:cNvPr id="3" name="図 2"/>
+          <p:cNvPr id="21" name="図 20"/>
           <p:cNvPicPr>
             <a:picLocks noChangeAspect="1"/>
           </p:cNvPicPr>
@@ -4623,8 +5221,8 @@
         </p:blipFill>
         <p:spPr>
           <a:xfrm>
-            <a:off x="10988842" y="5654842"/>
-            <a:ext cx="1203157" cy="1203157"/>
+            <a:off x="-397707" y="1170036"/>
+            <a:ext cx="5546558" cy="5546558"/>
           </a:xfrm>
           <a:prstGeom prst="rect">
             <a:avLst/>
@@ -4634,7 +5232,7 @@
     </p:spTree>
     <p:extLst>
       <p:ext uri="{BB962C8B-B14F-4D97-AF65-F5344CB8AC3E}">
-        <p14:creationId xmlns:p14="http://schemas.microsoft.com/office/powerpoint/2010/main" val="3272451703"/>
+        <p14:creationId xmlns:p14="http://schemas.microsoft.com/office/powerpoint/2010/main" val="1241685521"/>
       </p:ext>
     </p:extLst>
   </p:cSld>
@@ -4661,6 +5259,36 @@
           <a:chExt cx="0" cy="0"/>
         </a:xfrm>
       </p:grpSpPr>
+      <p:sp>
+        <p:nvSpPr>
+          <p:cNvPr id="2" name="テキスト ボックス 1"/>
+          <p:cNvSpPr txBox="1"/>
+          <p:nvPr/>
+        </p:nvSpPr>
+        <p:spPr>
+          <a:xfrm>
+            <a:off x="4632960" y="2830288"/>
+            <a:ext cx="2884123" cy="1200329"/>
+          </a:xfrm>
+          <a:prstGeom prst="rect">
+            <a:avLst/>
+          </a:prstGeom>
+          <a:noFill/>
+        </p:spPr>
+        <p:txBody>
+          <a:bodyPr wrap="none" rtlCol="0">
+            <a:spAutoFit/>
+          </a:bodyPr>
+          <a:lstStyle/>
+          <a:p>
+            <a:r>
+              <a:rPr kumimoji="1" lang="ja-JP" altLang="en-US" sz="7200" dirty="0" smtClean="0"/>
+              <a:t>ゲーム</a:t>
+            </a:r>
+            <a:endParaRPr kumimoji="1" lang="ja-JP" altLang="en-US" sz="7200" dirty="0"/>
+          </a:p>
+        </p:txBody>
+      </p:sp>
       <p:pic>
         <p:nvPicPr>
           <p:cNvPr id="3" name="図 2"/>
@@ -4683,82 +5311,18 @@
         </p:blipFill>
         <p:spPr>
           <a:xfrm>
-            <a:off x="1875352" y="1035844"/>
-            <a:ext cx="7510187" cy="5309368"/>
+            <a:off x="10988842" y="5654842"/>
+            <a:ext cx="1203157" cy="1203157"/>
           </a:xfrm>
           <a:prstGeom prst="rect">
             <a:avLst/>
           </a:prstGeom>
         </p:spPr>
       </p:pic>
-      <p:sp>
-        <p:nvSpPr>
-          <p:cNvPr id="2" name="テキスト ボックス 1"/>
-          <p:cNvSpPr txBox="1"/>
-          <p:nvPr/>
-        </p:nvSpPr>
-        <p:spPr>
-          <a:xfrm>
-            <a:off x="496389" y="400595"/>
-            <a:ext cx="4310795" cy="769441"/>
-          </a:xfrm>
-          <a:prstGeom prst="rect">
-            <a:avLst/>
-          </a:prstGeom>
-          <a:noFill/>
-        </p:spPr>
-        <p:txBody>
-          <a:bodyPr wrap="none" rtlCol="0">
-            <a:spAutoFit/>
-          </a:bodyPr>
-          <a:lstStyle/>
-          <a:p>
-            <a:r>
-              <a:rPr lang="ja-JP" altLang="en-US" sz="4400" dirty="0" smtClean="0">
-                <a:latin typeface="Segoe WP Black" panose="020B0A02040504020203" pitchFamily="34" charset="0"/>
-              </a:rPr>
-              <a:t>今回のリモちゃん</a:t>
-            </a:r>
-            <a:endParaRPr kumimoji="1" lang="ja-JP" altLang="en-US" sz="4400" dirty="0">
-              <a:latin typeface="Segoe WP Black" panose="020B0A02040504020203" pitchFamily="34" charset="0"/>
-            </a:endParaRPr>
-          </a:p>
-        </p:txBody>
-      </p:sp>
-      <p:sp>
-        <p:nvSpPr>
-          <p:cNvPr id="4" name="テキスト ボックス 3"/>
-          <p:cNvSpPr txBox="1"/>
-          <p:nvPr/>
-        </p:nvSpPr>
-        <p:spPr>
-          <a:xfrm>
-            <a:off x="3243532" y="5650302"/>
-            <a:ext cx="5654112" cy="769441"/>
-          </a:xfrm>
-          <a:prstGeom prst="rect">
-            <a:avLst/>
-          </a:prstGeom>
-          <a:noFill/>
-        </p:spPr>
-        <p:txBody>
-          <a:bodyPr wrap="none" rtlCol="0">
-            <a:spAutoFit/>
-          </a:bodyPr>
-          <a:lstStyle/>
-          <a:p>
-            <a:r>
-              <a:rPr kumimoji="1" lang="ja-JP" altLang="en-US" sz="4400" dirty="0" smtClean="0"/>
-              <a:t>トレジャーハンターに！</a:t>
-            </a:r>
-            <a:endParaRPr kumimoji="1" lang="ja-JP" altLang="en-US" sz="4400" dirty="0"/>
-          </a:p>
-        </p:txBody>
-      </p:sp>
     </p:spTree>
     <p:extLst>
       <p:ext uri="{BB962C8B-B14F-4D97-AF65-F5344CB8AC3E}">
-        <p14:creationId xmlns:p14="http://schemas.microsoft.com/office/powerpoint/2010/main" val="2125199939"/>
+        <p14:creationId xmlns:p14="http://schemas.microsoft.com/office/powerpoint/2010/main" val="3272451703"/>
       </p:ext>
     </p:extLst>
   </p:cSld>
@@ -4785,50 +5349,16 @@
           <a:chExt cx="0" cy="0"/>
         </a:xfrm>
       </p:grpSpPr>
-      <p:sp>
-        <p:nvSpPr>
-          <p:cNvPr id="3" name="テキスト ボックス 2"/>
-          <p:cNvSpPr txBox="1"/>
-          <p:nvPr/>
-        </p:nvSpPr>
-        <p:spPr>
-          <a:xfrm>
-            <a:off x="600891" y="487679"/>
-            <a:ext cx="2948243" cy="769441"/>
-          </a:xfrm>
-          <a:prstGeom prst="rect">
-            <a:avLst/>
-          </a:prstGeom>
-          <a:noFill/>
-        </p:spPr>
-        <p:txBody>
-          <a:bodyPr wrap="none" rtlCol="0">
-            <a:spAutoFit/>
-          </a:bodyPr>
-          <a:lstStyle/>
-          <a:p>
-            <a:r>
-              <a:rPr lang="ja-JP" altLang="en-US" sz="4400" dirty="0" smtClean="0"/>
-              <a:t>ゲーム</a:t>
-            </a:r>
-            <a:r>
-              <a:rPr lang="ja-JP" altLang="en-US" sz="4400" dirty="0"/>
-              <a:t>画面</a:t>
-            </a:r>
-            <a:endParaRPr kumimoji="1" lang="ja-JP" altLang="en-US" sz="4400" dirty="0"/>
-          </a:p>
-        </p:txBody>
-      </p:sp>
       <p:pic>
         <p:nvPicPr>
-          <p:cNvPr id="4" name="図 3"/>
+          <p:cNvPr id="3" name="図 2"/>
           <p:cNvPicPr>
             <a:picLocks noChangeAspect="1"/>
           </p:cNvPicPr>
           <p:nvPr/>
         </p:nvPicPr>
         <p:blipFill>
-          <a:blip r:embed="rId2">
+          <a:blip r:embed="rId2" cstate="print">
             <a:extLst>
               <a:ext uri="{28A0092B-C50C-407E-A947-70E740481C1C}">
                 <a14:useLocalDpi xmlns:a14="http://schemas.microsoft.com/office/drawing/2010/main" val="0"/>
@@ -4841,8 +5371,8 @@
         </p:blipFill>
         <p:spPr>
           <a:xfrm>
-            <a:off x="600891" y="1435029"/>
-            <a:ext cx="7173687" cy="4991650"/>
+            <a:off x="1875352" y="1035844"/>
+            <a:ext cx="7510187" cy="5309368"/>
           </a:xfrm>
           <a:prstGeom prst="rect">
             <a:avLst/>
@@ -4851,14 +5381,14 @@
       </p:pic>
       <p:sp>
         <p:nvSpPr>
-          <p:cNvPr id="5" name="テキスト ボックス 4"/>
+          <p:cNvPr id="2" name="テキスト ボックス 1"/>
           <p:cNvSpPr txBox="1"/>
           <p:nvPr/>
         </p:nvSpPr>
         <p:spPr>
           <a:xfrm>
-            <a:off x="8635038" y="4701396"/>
-            <a:ext cx="1510350" cy="523220"/>
+            <a:off x="496389" y="400595"/>
+            <a:ext cx="4310795" cy="769441"/>
           </a:xfrm>
           <a:prstGeom prst="rect">
             <a:avLst/>
@@ -4872,31 +5402,27 @@
           <a:lstStyle/>
           <a:p>
             <a:r>
-              <a:rPr lang="ja-JP" altLang="en-US" sz="2800" dirty="0" smtClean="0"/>
-              <a:t>★</a:t>
-            </a:r>
-            <a:r>
-              <a:rPr lang="en-US" altLang="ja-JP" sz="2800" dirty="0" smtClean="0"/>
-              <a:t>…</a:t>
-            </a:r>
-            <a:r>
-              <a:rPr lang="ja-JP" altLang="en-US" sz="2800" dirty="0" smtClean="0"/>
-              <a:t>宝物</a:t>
-            </a:r>
-            <a:endParaRPr kumimoji="1" lang="ja-JP" altLang="en-US" sz="2800" dirty="0"/>
-          </a:p>
-        </p:txBody>
-      </p:sp>
-      <p:sp>
-        <p:nvSpPr>
-          <p:cNvPr id="6" name="テキスト ボックス 5"/>
+              <a:rPr lang="ja-JP" altLang="en-US" sz="4400" dirty="0" smtClean="0">
+                <a:latin typeface="Segoe WP Black" panose="020B0A02040504020203" pitchFamily="34" charset="0"/>
+              </a:rPr>
+              <a:t>今回のリモちゃん</a:t>
+            </a:r>
+            <a:endParaRPr kumimoji="1" lang="ja-JP" altLang="en-US" sz="4400" dirty="0">
+              <a:latin typeface="Segoe WP Black" panose="020B0A02040504020203" pitchFamily="34" charset="0"/>
+            </a:endParaRPr>
+          </a:p>
+        </p:txBody>
+      </p:sp>
+      <p:sp>
+        <p:nvSpPr>
+          <p:cNvPr id="4" name="テキスト ボックス 3"/>
           <p:cNvSpPr txBox="1"/>
           <p:nvPr/>
         </p:nvSpPr>
         <p:spPr>
           <a:xfrm>
-            <a:off x="8635039" y="5270739"/>
-            <a:ext cx="1510350" cy="523220"/>
+            <a:off x="2353785" y="5753819"/>
+            <a:ext cx="7316426" cy="769441"/>
           </a:xfrm>
           <a:prstGeom prst="rect">
             <a:avLst/>
@@ -4910,55 +5436,33 @@
           <a:lstStyle/>
           <a:p>
             <a:r>
-              <a:rPr kumimoji="1" lang="ja-JP" altLang="en-US" sz="2800" dirty="0" smtClean="0"/>
-              <a:t>△</a:t>
-            </a:r>
-            <a:r>
-              <a:rPr kumimoji="1" lang="en-US" altLang="ja-JP" sz="2800" dirty="0" smtClean="0"/>
-              <a:t>…</a:t>
-            </a:r>
-            <a:r>
-              <a:rPr kumimoji="1" lang="ja-JP" altLang="en-US" sz="2800" dirty="0" smtClean="0"/>
-              <a:t>陣地</a:t>
-            </a:r>
-            <a:endParaRPr kumimoji="1" lang="ja-JP" altLang="en-US" sz="2800" dirty="0"/>
-          </a:p>
-        </p:txBody>
-      </p:sp>
-      <p:pic>
-        <p:nvPicPr>
-          <p:cNvPr id="7" name="図 6"/>
-          <p:cNvPicPr>
-            <a:picLocks noChangeAspect="1"/>
-          </p:cNvPicPr>
-          <p:nvPr/>
-        </p:nvPicPr>
-        <p:blipFill>
-          <a:blip r:embed="rId3" cstate="print">
-            <a:extLst>
-              <a:ext uri="{28A0092B-C50C-407E-A947-70E740481C1C}">
-                <a14:useLocalDpi xmlns:a14="http://schemas.microsoft.com/office/drawing/2010/main" val="0"/>
-              </a:ext>
-            </a:extLst>
-          </a:blip>
-          <a:stretch>
-            <a:fillRect/>
-          </a:stretch>
-        </p:blipFill>
-        <p:spPr>
-          <a:xfrm>
-            <a:off x="10988842" y="5654842"/>
-            <a:ext cx="1203157" cy="1203157"/>
-          </a:xfrm>
-          <a:prstGeom prst="rect">
-            <a:avLst/>
-          </a:prstGeom>
-        </p:spPr>
-      </p:pic>
+              <a:rPr kumimoji="1" lang="ja-JP" altLang="en-US" sz="4400" dirty="0" smtClean="0"/>
+              <a:t>トレジャーハンターの</a:t>
+            </a:r>
+            <a:r>
+              <a:rPr lang="ja-JP" altLang="en-US" sz="4400" dirty="0" smtClean="0"/>
+              <a:t>お</a:t>
+            </a:r>
+            <a:r>
+              <a:rPr lang="ja-JP" altLang="en-US" sz="4400" dirty="0"/>
+              <a:t>供</a:t>
+            </a:r>
+            <a:r>
+              <a:rPr lang="ja-JP" altLang="en-US" sz="4400" dirty="0" smtClean="0"/>
+              <a:t>に</a:t>
+            </a:r>
+            <a:r>
+              <a:rPr kumimoji="1" lang="ja-JP" altLang="en-US" sz="4400" dirty="0" smtClean="0"/>
+              <a:t>！</a:t>
+            </a:r>
+            <a:endParaRPr kumimoji="1" lang="ja-JP" altLang="en-US" sz="4400" dirty="0"/>
+          </a:p>
+        </p:txBody>
+      </p:sp>
     </p:spTree>
     <p:extLst>
       <p:ext uri="{BB962C8B-B14F-4D97-AF65-F5344CB8AC3E}">
-        <p14:creationId xmlns:p14="http://schemas.microsoft.com/office/powerpoint/2010/main" val="700567770"/>
+        <p14:creationId xmlns:p14="http://schemas.microsoft.com/office/powerpoint/2010/main" val="2125199939"/>
       </p:ext>
     </p:extLst>
   </p:cSld>
@@ -4987,14 +5491,14 @@
       </p:grpSpPr>
       <p:sp>
         <p:nvSpPr>
-          <p:cNvPr id="2" name="テキスト ボックス 1"/>
+          <p:cNvPr id="3" name="テキスト ボックス 2"/>
           <p:cNvSpPr txBox="1"/>
           <p:nvPr/>
         </p:nvSpPr>
         <p:spPr>
           <a:xfrm>
-            <a:off x="1277899" y="2386389"/>
-            <a:ext cx="8922635" cy="1323439"/>
+            <a:off x="600891" y="487679"/>
+            <a:ext cx="2948243" cy="769441"/>
           </a:xfrm>
           <a:prstGeom prst="rect">
             <a:avLst/>
@@ -5008,72 +5512,12 @@
           <a:lstStyle/>
           <a:p>
             <a:r>
-              <a:rPr kumimoji="1" lang="ja-JP" altLang="en-US" sz="8000" dirty="0" smtClean="0"/>
-              <a:t>一つの宝物</a:t>
-            </a:r>
-            <a:r>
-              <a:rPr kumimoji="1" lang="ja-JP" altLang="en-US" sz="8000" dirty="0" smtClean="0"/>
-              <a:t>を巡って</a:t>
-            </a:r>
-            <a:endParaRPr kumimoji="1" lang="ja-JP" altLang="en-US" sz="8000" dirty="0"/>
-          </a:p>
-        </p:txBody>
-      </p:sp>
-      <p:sp>
-        <p:nvSpPr>
-          <p:cNvPr id="3" name="テキスト ボックス 2"/>
-          <p:cNvSpPr txBox="1"/>
-          <p:nvPr/>
-        </p:nvSpPr>
-        <p:spPr>
-          <a:xfrm>
-            <a:off x="3600281" y="3709828"/>
-            <a:ext cx="7487947" cy="1323439"/>
-          </a:xfrm>
-          <a:prstGeom prst="rect">
-            <a:avLst/>
-          </a:prstGeom>
-          <a:noFill/>
-        </p:spPr>
-        <p:txBody>
-          <a:bodyPr wrap="none" rtlCol="0">
-            <a:spAutoFit/>
-          </a:bodyPr>
-          <a:lstStyle/>
-          <a:p>
-            <a:r>
-              <a:rPr kumimoji="1" lang="ja-JP" altLang="en-US" sz="8000" dirty="0" smtClean="0"/>
-              <a:t>四人が取り合う。</a:t>
-            </a:r>
-            <a:endParaRPr kumimoji="1" lang="ja-JP" altLang="en-US" sz="8000" dirty="0"/>
-          </a:p>
-        </p:txBody>
-      </p:sp>
-      <p:sp>
-        <p:nvSpPr>
-          <p:cNvPr id="4" name="テキスト ボックス 3"/>
-          <p:cNvSpPr txBox="1"/>
-          <p:nvPr/>
-        </p:nvSpPr>
-        <p:spPr>
-          <a:xfrm>
-            <a:off x="600891" y="487679"/>
-            <a:ext cx="1736373" cy="769441"/>
-          </a:xfrm>
-          <a:prstGeom prst="rect">
-            <a:avLst/>
-          </a:prstGeom>
-          <a:noFill/>
-        </p:spPr>
-        <p:txBody>
-          <a:bodyPr wrap="none" rtlCol="0">
-            <a:spAutoFit/>
-          </a:bodyPr>
-          <a:lstStyle/>
-          <a:p>
-            <a:r>
-              <a:rPr kumimoji="1" lang="ja-JP" altLang="en-US" sz="4400" dirty="0" smtClean="0"/>
-              <a:t>テーマ</a:t>
+              <a:rPr lang="ja-JP" altLang="en-US" sz="4400" dirty="0" smtClean="0"/>
+              <a:t>ゲーム</a:t>
+            </a:r>
+            <a:r>
+              <a:rPr lang="ja-JP" altLang="en-US" sz="4400" dirty="0"/>
+              <a:t>画面</a:t>
             </a:r>
             <a:endParaRPr kumimoji="1" lang="ja-JP" altLang="en-US" sz="4400" dirty="0"/>
           </a:p>
@@ -5081,14 +5525,14 @@
       </p:sp>
       <p:pic>
         <p:nvPicPr>
-          <p:cNvPr id="6" name="図 5"/>
+          <p:cNvPr id="4" name="図 3"/>
           <p:cNvPicPr>
             <a:picLocks noChangeAspect="1"/>
           </p:cNvPicPr>
           <p:nvPr/>
         </p:nvPicPr>
         <p:blipFill>
-          <a:blip r:embed="rId2" cstate="print">
+          <a:blip r:embed="rId2">
             <a:extLst>
               <a:ext uri="{28A0092B-C50C-407E-A947-70E740481C1C}">
                 <a14:useLocalDpi xmlns:a14="http://schemas.microsoft.com/office/drawing/2010/main" val="0"/>
@@ -5101,6 +5545,112 @@
         </p:blipFill>
         <p:spPr>
           <a:xfrm>
+            <a:off x="600891" y="1435029"/>
+            <a:ext cx="7173687" cy="4991650"/>
+          </a:xfrm>
+          <a:prstGeom prst="rect">
+            <a:avLst/>
+          </a:prstGeom>
+        </p:spPr>
+      </p:pic>
+      <p:sp>
+        <p:nvSpPr>
+          <p:cNvPr id="5" name="テキスト ボックス 4"/>
+          <p:cNvSpPr txBox="1"/>
+          <p:nvPr/>
+        </p:nvSpPr>
+        <p:spPr>
+          <a:xfrm>
+            <a:off x="8635038" y="4701396"/>
+            <a:ext cx="1510350" cy="523220"/>
+          </a:xfrm>
+          <a:prstGeom prst="rect">
+            <a:avLst/>
+          </a:prstGeom>
+          <a:noFill/>
+        </p:spPr>
+        <p:txBody>
+          <a:bodyPr wrap="none" rtlCol="0">
+            <a:spAutoFit/>
+          </a:bodyPr>
+          <a:lstStyle/>
+          <a:p>
+            <a:r>
+              <a:rPr lang="ja-JP" altLang="en-US" sz="2800" dirty="0" smtClean="0"/>
+              <a:t>★</a:t>
+            </a:r>
+            <a:r>
+              <a:rPr lang="en-US" altLang="ja-JP" sz="2800" dirty="0" smtClean="0"/>
+              <a:t>…</a:t>
+            </a:r>
+            <a:r>
+              <a:rPr lang="ja-JP" altLang="en-US" sz="2800" dirty="0" smtClean="0"/>
+              <a:t>宝物</a:t>
+            </a:r>
+            <a:endParaRPr kumimoji="1" lang="ja-JP" altLang="en-US" sz="2800" dirty="0"/>
+          </a:p>
+        </p:txBody>
+      </p:sp>
+      <p:sp>
+        <p:nvSpPr>
+          <p:cNvPr id="6" name="テキスト ボックス 5"/>
+          <p:cNvSpPr txBox="1"/>
+          <p:nvPr/>
+        </p:nvSpPr>
+        <p:spPr>
+          <a:xfrm>
+            <a:off x="8635039" y="5270739"/>
+            <a:ext cx="1510350" cy="523220"/>
+          </a:xfrm>
+          <a:prstGeom prst="rect">
+            <a:avLst/>
+          </a:prstGeom>
+          <a:noFill/>
+        </p:spPr>
+        <p:txBody>
+          <a:bodyPr wrap="none" rtlCol="0">
+            <a:spAutoFit/>
+          </a:bodyPr>
+          <a:lstStyle/>
+          <a:p>
+            <a:r>
+              <a:rPr kumimoji="1" lang="ja-JP" altLang="en-US" sz="2800" dirty="0" smtClean="0"/>
+              <a:t>△</a:t>
+            </a:r>
+            <a:r>
+              <a:rPr kumimoji="1" lang="en-US" altLang="ja-JP" sz="2800" dirty="0" smtClean="0"/>
+              <a:t>…</a:t>
+            </a:r>
+            <a:r>
+              <a:rPr kumimoji="1" lang="ja-JP" altLang="en-US" sz="2800" dirty="0" smtClean="0"/>
+              <a:t>陣地</a:t>
+            </a:r>
+            <a:endParaRPr kumimoji="1" lang="ja-JP" altLang="en-US" sz="2800" dirty="0"/>
+          </a:p>
+        </p:txBody>
+      </p:sp>
+      <p:pic>
+        <p:nvPicPr>
+          <p:cNvPr id="7" name="図 6"/>
+          <p:cNvPicPr>
+            <a:picLocks noChangeAspect="1"/>
+          </p:cNvPicPr>
+          <p:nvPr/>
+        </p:nvPicPr>
+        <p:blipFill>
+          <a:blip r:embed="rId3" cstate="print">
+            <a:extLst>
+              <a:ext uri="{28A0092B-C50C-407E-A947-70E740481C1C}">
+                <a14:useLocalDpi xmlns:a14="http://schemas.microsoft.com/office/drawing/2010/main" val="0"/>
+              </a:ext>
+            </a:extLst>
+          </a:blip>
+          <a:stretch>
+            <a:fillRect/>
+          </a:stretch>
+        </p:blipFill>
+        <p:spPr>
+          <a:xfrm>
             <a:off x="10988842" y="5654842"/>
             <a:ext cx="1203157" cy="1203157"/>
           </a:xfrm>
@@ -5112,7 +5662,7 @@
     </p:spTree>
     <p:extLst>
       <p:ext uri="{BB962C8B-B14F-4D97-AF65-F5344CB8AC3E}">
-        <p14:creationId xmlns:p14="http://schemas.microsoft.com/office/powerpoint/2010/main" val="3433784511"/>
+        <p14:creationId xmlns:p14="http://schemas.microsoft.com/office/powerpoint/2010/main" val="700567770"/>
       </p:ext>
     </p:extLst>
   </p:cSld>
@@ -5147,8 +5697,8 @@
         </p:nvSpPr>
         <p:spPr>
           <a:xfrm>
-            <a:off x="627018" y="470263"/>
-            <a:ext cx="3490058" cy="769441"/>
+            <a:off x="1277899" y="2386389"/>
+            <a:ext cx="8922635" cy="1323439"/>
           </a:xfrm>
           <a:prstGeom prst="rect">
             <a:avLst/>
@@ -5162,10 +5712,10 @@
           <a:lstStyle/>
           <a:p>
             <a:r>
-              <a:rPr kumimoji="1" lang="ja-JP" altLang="en-US" sz="4400" dirty="0" smtClean="0"/>
-              <a:t>ゲームルール</a:t>
-            </a:r>
-            <a:endParaRPr kumimoji="1" lang="ja-JP" altLang="en-US" sz="4400" dirty="0"/>
+              <a:rPr kumimoji="1" lang="ja-JP" altLang="en-US" sz="8000" dirty="0" smtClean="0"/>
+              <a:t>一つの宝物を巡って</a:t>
+            </a:r>
+            <a:endParaRPr kumimoji="1" lang="ja-JP" altLang="en-US" sz="8000" dirty="0"/>
           </a:p>
         </p:txBody>
       </p:sp>
@@ -5177,8 +5727,8 @@
         </p:nvSpPr>
         <p:spPr>
           <a:xfrm>
-            <a:off x="1067824" y="1602375"/>
-            <a:ext cx="457176" cy="584775"/>
+            <a:off x="3600281" y="3709828"/>
+            <a:ext cx="7487947" cy="1323439"/>
           </a:xfrm>
           <a:prstGeom prst="rect">
             <a:avLst/>
@@ -5192,10 +5742,10 @@
           <a:lstStyle/>
           <a:p>
             <a:r>
-              <a:rPr lang="ja-JP" altLang="en-US" sz="3200" dirty="0"/>
-              <a:t>　</a:t>
-            </a:r>
-            <a:endParaRPr kumimoji="1" lang="en-US" altLang="ja-JP" sz="3200" dirty="0" smtClean="0"/>
+              <a:rPr kumimoji="1" lang="ja-JP" altLang="en-US" sz="8000" dirty="0" smtClean="0"/>
+              <a:t>四人が取り合う。</a:t>
+            </a:r>
+            <a:endParaRPr kumimoji="1" lang="ja-JP" altLang="en-US" sz="8000" dirty="0"/>
           </a:p>
         </p:txBody>
       </p:sp>
@@ -5207,8 +5757,8 @@
         </p:nvSpPr>
         <p:spPr>
           <a:xfrm>
-            <a:off x="947054" y="1774039"/>
-            <a:ext cx="10581743" cy="1077218"/>
+            <a:off x="600891" y="487679"/>
+            <a:ext cx="1736373" cy="769441"/>
           </a:xfrm>
           <a:prstGeom prst="rect">
             <a:avLst/>
@@ -5222,27 +5772,16 @@
           <a:lstStyle/>
           <a:p>
             <a:r>
-              <a:rPr kumimoji="1" lang="ja-JP" altLang="en-US" sz="3200" dirty="0" smtClean="0"/>
-              <a:t>勝利条件</a:t>
-            </a:r>
-            <a:endParaRPr kumimoji="1" lang="en-US" altLang="ja-JP" sz="3200" dirty="0" smtClean="0"/>
-          </a:p>
-          <a:p>
-            <a:r>
-              <a:rPr lang="ja-JP" altLang="en-US" sz="3200" dirty="0"/>
-              <a:t>　</a:t>
-            </a:r>
-            <a:r>
-              <a:rPr lang="ja-JP" altLang="en-US" sz="3200" dirty="0" smtClean="0"/>
-              <a:t>自分の陣地に持ち帰り、一定時間奪われなければ勝利。</a:t>
-            </a:r>
-            <a:endParaRPr kumimoji="1" lang="ja-JP" altLang="en-US" sz="3200" dirty="0"/>
+              <a:rPr kumimoji="1" lang="ja-JP" altLang="en-US" sz="4400" dirty="0" smtClean="0"/>
+              <a:t>テーマ</a:t>
+            </a:r>
+            <a:endParaRPr kumimoji="1" lang="ja-JP" altLang="en-US" sz="4400" dirty="0"/>
           </a:p>
         </p:txBody>
       </p:sp>
       <p:pic>
         <p:nvPicPr>
-          <p:cNvPr id="7" name="図 6"/>
+          <p:cNvPr id="6" name="図 5"/>
           <p:cNvPicPr>
             <a:picLocks noChangeAspect="1"/>
           </p:cNvPicPr>
@@ -5270,100 +5809,10 @@
           </a:prstGeom>
         </p:spPr>
       </p:pic>
-      <p:pic>
-        <p:nvPicPr>
-          <p:cNvPr id="5" name="図 4"/>
-          <p:cNvPicPr>
-            <a:picLocks noChangeAspect="1"/>
-          </p:cNvPicPr>
-          <p:nvPr/>
-        </p:nvPicPr>
-        <p:blipFill>
-          <a:blip r:embed="rId3" cstate="print">
-            <a:extLst>
-              <a:ext uri="{28A0092B-C50C-407E-A947-70E740481C1C}">
-                <a14:useLocalDpi xmlns:a14="http://schemas.microsoft.com/office/drawing/2010/main" val="0"/>
-              </a:ext>
-            </a:extLst>
-          </a:blip>
-          <a:stretch>
-            <a:fillRect/>
-          </a:stretch>
-        </p:blipFill>
-        <p:spPr>
-          <a:xfrm>
-            <a:off x="959248" y="2829242"/>
-            <a:ext cx="2825598" cy="2825598"/>
-          </a:xfrm>
-          <a:prstGeom prst="rect">
-            <a:avLst/>
-          </a:prstGeom>
-        </p:spPr>
-      </p:pic>
-      <p:pic>
-        <p:nvPicPr>
-          <p:cNvPr id="6" name="図 5"/>
-          <p:cNvPicPr>
-            <a:picLocks noChangeAspect="1"/>
-          </p:cNvPicPr>
-          <p:nvPr/>
-        </p:nvPicPr>
-        <p:blipFill>
-          <a:blip r:embed="rId4" cstate="print">
-            <a:extLst>
-              <a:ext uri="{28A0092B-C50C-407E-A947-70E740481C1C}">
-                <a14:useLocalDpi xmlns:a14="http://schemas.microsoft.com/office/drawing/2010/main" val="0"/>
-              </a:ext>
-            </a:extLst>
-          </a:blip>
-          <a:stretch>
-            <a:fillRect/>
-          </a:stretch>
-        </p:blipFill>
-        <p:spPr>
-          <a:xfrm>
-            <a:off x="4777762" y="3022921"/>
-            <a:ext cx="2651426" cy="2651426"/>
-          </a:xfrm>
-          <a:prstGeom prst="rect">
-            <a:avLst/>
-          </a:prstGeom>
-        </p:spPr>
-      </p:pic>
-      <p:pic>
-        <p:nvPicPr>
-          <p:cNvPr id="8" name="図 7"/>
-          <p:cNvPicPr>
-            <a:picLocks noChangeAspect="1"/>
-          </p:cNvPicPr>
-          <p:nvPr/>
-        </p:nvPicPr>
-        <p:blipFill>
-          <a:blip r:embed="rId5" cstate="print">
-            <a:extLst>
-              <a:ext uri="{28A0092B-C50C-407E-A947-70E740481C1C}">
-                <a14:useLocalDpi xmlns:a14="http://schemas.microsoft.com/office/drawing/2010/main" val="0"/>
-              </a:ext>
-            </a:extLst>
-          </a:blip>
-          <a:stretch>
-            <a:fillRect/>
-          </a:stretch>
-        </p:blipFill>
-        <p:spPr>
-          <a:xfrm>
-            <a:off x="8005011" y="3152268"/>
-            <a:ext cx="2727162" cy="2727162"/>
-          </a:xfrm>
-          <a:prstGeom prst="rect">
-            <a:avLst/>
-          </a:prstGeom>
-        </p:spPr>
-      </p:pic>
     </p:spTree>
     <p:extLst>
       <p:ext uri="{BB962C8B-B14F-4D97-AF65-F5344CB8AC3E}">
-        <p14:creationId xmlns:p14="http://schemas.microsoft.com/office/powerpoint/2010/main" val="1004257692"/>
+        <p14:creationId xmlns:p14="http://schemas.microsoft.com/office/powerpoint/2010/main" val="3433784511"/>
       </p:ext>
     </p:extLst>
   </p:cSld>

--- a/G18_プレゼン用PWP.pptx
+++ b/G18_プレゼン用PWP.pptx
@@ -254,7 +254,7 @@
           <a:p>
             <a:fld id="{E69596A1-627C-4CF0-BCB9-D41D8A5CB327}" type="datetimeFigureOut">
               <a:rPr kumimoji="1" lang="ja-JP" altLang="en-US" smtClean="0"/>
-              <a:t>2015/6/12</a:t>
+              <a:t>2015/6/13</a:t>
             </a:fld>
             <a:endParaRPr kumimoji="1" lang="ja-JP" altLang="en-US"/>
           </a:p>
@@ -456,7 +456,7 @@
           <a:p>
             <a:fld id="{E69596A1-627C-4CF0-BCB9-D41D8A5CB327}" type="datetimeFigureOut">
               <a:rPr kumimoji="1" lang="ja-JP" altLang="en-US" smtClean="0"/>
-              <a:t>2015/6/12</a:t>
+              <a:t>2015/6/13</a:t>
             </a:fld>
             <a:endParaRPr kumimoji="1" lang="ja-JP" altLang="en-US"/>
           </a:p>
@@ -668,7 +668,7 @@
           <a:p>
             <a:fld id="{E69596A1-627C-4CF0-BCB9-D41D8A5CB327}" type="datetimeFigureOut">
               <a:rPr kumimoji="1" lang="ja-JP" altLang="en-US" smtClean="0"/>
-              <a:t>2015/6/12</a:t>
+              <a:t>2015/6/13</a:t>
             </a:fld>
             <a:endParaRPr kumimoji="1" lang="ja-JP" altLang="en-US"/>
           </a:p>
@@ -870,7 +870,7 @@
           <a:p>
             <a:fld id="{E69596A1-627C-4CF0-BCB9-D41D8A5CB327}" type="datetimeFigureOut">
               <a:rPr kumimoji="1" lang="ja-JP" altLang="en-US" smtClean="0"/>
-              <a:t>2015/6/12</a:t>
+              <a:t>2015/6/13</a:t>
             </a:fld>
             <a:endParaRPr kumimoji="1" lang="ja-JP" altLang="en-US"/>
           </a:p>
@@ -1116,7 +1116,7 @@
           <a:p>
             <a:fld id="{E69596A1-627C-4CF0-BCB9-D41D8A5CB327}" type="datetimeFigureOut">
               <a:rPr kumimoji="1" lang="ja-JP" altLang="en-US" smtClean="0"/>
-              <a:t>2015/6/12</a:t>
+              <a:t>2015/6/13</a:t>
             </a:fld>
             <a:endParaRPr kumimoji="1" lang="ja-JP" altLang="en-US"/>
           </a:p>
@@ -1412,7 +1412,7 @@
           <a:p>
             <a:fld id="{E69596A1-627C-4CF0-BCB9-D41D8A5CB327}" type="datetimeFigureOut">
               <a:rPr kumimoji="1" lang="ja-JP" altLang="en-US" smtClean="0"/>
-              <a:t>2015/6/12</a:t>
+              <a:t>2015/6/13</a:t>
             </a:fld>
             <a:endParaRPr kumimoji="1" lang="ja-JP" altLang="en-US"/>
           </a:p>
@@ -1843,7 +1843,7 @@
           <a:p>
             <a:fld id="{E69596A1-627C-4CF0-BCB9-D41D8A5CB327}" type="datetimeFigureOut">
               <a:rPr kumimoji="1" lang="ja-JP" altLang="en-US" smtClean="0"/>
-              <a:t>2015/6/12</a:t>
+              <a:t>2015/6/13</a:t>
             </a:fld>
             <a:endParaRPr kumimoji="1" lang="ja-JP" altLang="en-US"/>
           </a:p>
@@ -1961,7 +1961,7 @@
           <a:p>
             <a:fld id="{E69596A1-627C-4CF0-BCB9-D41D8A5CB327}" type="datetimeFigureOut">
               <a:rPr kumimoji="1" lang="ja-JP" altLang="en-US" smtClean="0"/>
-              <a:t>2015/6/12</a:t>
+              <a:t>2015/6/13</a:t>
             </a:fld>
             <a:endParaRPr kumimoji="1" lang="ja-JP" altLang="en-US"/>
           </a:p>
@@ -2056,7 +2056,7 @@
           <a:p>
             <a:fld id="{E69596A1-627C-4CF0-BCB9-D41D8A5CB327}" type="datetimeFigureOut">
               <a:rPr kumimoji="1" lang="ja-JP" altLang="en-US" smtClean="0"/>
-              <a:t>2015/6/12</a:t>
+              <a:t>2015/6/13</a:t>
             </a:fld>
             <a:endParaRPr kumimoji="1" lang="ja-JP" altLang="en-US"/>
           </a:p>
@@ -2365,7 +2365,7 @@
           <a:p>
             <a:fld id="{E69596A1-627C-4CF0-BCB9-D41D8A5CB327}" type="datetimeFigureOut">
               <a:rPr kumimoji="1" lang="ja-JP" altLang="en-US" smtClean="0"/>
-              <a:t>2015/6/12</a:t>
+              <a:t>2015/6/13</a:t>
             </a:fld>
             <a:endParaRPr kumimoji="1" lang="ja-JP" altLang="en-US"/>
           </a:p>
@@ -2618,7 +2618,7 @@
           <a:p>
             <a:fld id="{E69596A1-627C-4CF0-BCB9-D41D8A5CB327}" type="datetimeFigureOut">
               <a:rPr kumimoji="1" lang="ja-JP" altLang="en-US" smtClean="0"/>
-              <a:t>2015/6/12</a:t>
+              <a:t>2015/6/13</a:t>
             </a:fld>
             <a:endParaRPr kumimoji="1" lang="ja-JP" altLang="en-US"/>
           </a:p>
@@ -2863,7 +2863,7 @@
           <a:p>
             <a:fld id="{E69596A1-627C-4CF0-BCB9-D41D8A5CB327}" type="datetimeFigureOut">
               <a:rPr kumimoji="1" lang="ja-JP" altLang="en-US" smtClean="0"/>
-              <a:t>2015/6/12</a:t>
+              <a:t>2015/6/13</a:t>
             </a:fld>
             <a:endParaRPr kumimoji="1" lang="ja-JP" altLang="en-US"/>
           </a:p>
@@ -4678,7 +4678,7 @@
         <p:spPr>
           <a:xfrm>
             <a:off x="496389" y="400595"/>
-            <a:ext cx="3451586" cy="769441"/>
+            <a:ext cx="2975495" cy="769441"/>
           </a:xfrm>
           <a:prstGeom prst="rect">
             <a:avLst/>
@@ -4695,7 +4695,7 @@
               <a:rPr lang="ja-JP" altLang="en-US" sz="4400" dirty="0" smtClean="0">
                 <a:latin typeface="Segoe WP Black" panose="020B0A02040504020203" pitchFamily="34" charset="0"/>
               </a:rPr>
-              <a:t>キャラクター２</a:t>
+              <a:t>手助け方法</a:t>
             </a:r>
             <a:endParaRPr kumimoji="1" lang="ja-JP" altLang="en-US" sz="4400" dirty="0">
               <a:latin typeface="Segoe WP Black" panose="020B0A02040504020203" pitchFamily="34" charset="0"/>
@@ -4803,6 +4803,36 @@
           <a:chExt cx="0" cy="0"/>
         </a:xfrm>
       </p:grpSpPr>
+      <p:pic>
+        <p:nvPicPr>
+          <p:cNvPr id="17" name="図 16"/>
+          <p:cNvPicPr>
+            <a:picLocks noChangeAspect="1"/>
+          </p:cNvPicPr>
+          <p:nvPr/>
+        </p:nvPicPr>
+        <p:blipFill>
+          <a:blip r:embed="rId2" cstate="print">
+            <a:extLst>
+              <a:ext uri="{28A0092B-C50C-407E-A947-70E740481C1C}">
+                <a14:useLocalDpi xmlns:a14="http://schemas.microsoft.com/office/drawing/2010/main" val="0"/>
+              </a:ext>
+            </a:extLst>
+          </a:blip>
+          <a:stretch>
+            <a:fillRect/>
+          </a:stretch>
+        </p:blipFill>
+        <p:spPr>
+          <a:xfrm>
+            <a:off x="10988842" y="5654842"/>
+            <a:ext cx="1203157" cy="1203157"/>
+          </a:xfrm>
+          <a:prstGeom prst="rect">
+            <a:avLst/>
+          </a:prstGeom>
+        </p:spPr>
+      </p:pic>
       <p:sp>
         <p:nvSpPr>
           <p:cNvPr id="2" name="テキスト ボックス 1"/>
@@ -4812,7 +4842,7 @@
         <p:spPr>
           <a:xfrm>
             <a:off x="496389" y="400595"/>
-            <a:ext cx="3451586" cy="769441"/>
+            <a:ext cx="5295039" cy="769441"/>
           </a:xfrm>
           <a:prstGeom prst="rect">
             <a:avLst/>
@@ -4829,7 +4859,7 @@
               <a:rPr lang="ja-JP" altLang="en-US" sz="4400" dirty="0" smtClean="0">
                 <a:latin typeface="Segoe WP Black" panose="020B0A02040504020203" pitchFamily="34" charset="0"/>
               </a:rPr>
-              <a:t>キャラクター３</a:t>
+              <a:t>押しポイント（汎用性）</a:t>
             </a:r>
             <a:endParaRPr kumimoji="1" lang="ja-JP" altLang="en-US" sz="4400" dirty="0">
               <a:latin typeface="Segoe WP Black" panose="020B0A02040504020203" pitchFamily="34" charset="0"/>
@@ -4875,8 +4905,8 @@
         </p:nvSpPr>
         <p:spPr>
           <a:xfrm>
-            <a:off x="6821347" y="662310"/>
-            <a:ext cx="5037827" cy="2563969"/>
+            <a:off x="6821347" y="662311"/>
+            <a:ext cx="5037827" cy="2348310"/>
           </a:xfrm>
           <a:prstGeom prst="roundRect">
             <a:avLst/>
@@ -5041,7 +5071,7 @@
         </p:nvSpPr>
         <p:spPr>
           <a:xfrm>
-            <a:off x="6821345" y="3517904"/>
+            <a:off x="6821347" y="3248872"/>
             <a:ext cx="5037827" cy="2520587"/>
           </a:xfrm>
           <a:prstGeom prst="roundRect">
@@ -5087,7 +5117,7 @@
         </p:nvSpPr>
         <p:spPr>
           <a:xfrm>
-            <a:off x="7996687" y="3770994"/>
+            <a:off x="7990368" y="3482011"/>
             <a:ext cx="2699778" cy="707886"/>
           </a:xfrm>
           <a:prstGeom prst="rect">
@@ -5117,7 +5147,7 @@
         </p:nvSpPr>
         <p:spPr>
           <a:xfrm>
-            <a:off x="7047486" y="4494023"/>
+            <a:off x="7047486" y="4332673"/>
             <a:ext cx="1393330" cy="584775"/>
           </a:xfrm>
           <a:prstGeom prst="rect">
@@ -5147,7 +5177,7 @@
         </p:nvSpPr>
         <p:spPr>
           <a:xfrm>
-            <a:off x="8427187" y="4509166"/>
+            <a:off x="8440816" y="4314356"/>
             <a:ext cx="1826141" cy="584775"/>
           </a:xfrm>
           <a:prstGeom prst="rect">
@@ -5177,7 +5207,7 @@
         </p:nvSpPr>
         <p:spPr>
           <a:xfrm>
-            <a:off x="7047486" y="5235489"/>
+            <a:off x="7053256" y="5041907"/>
             <a:ext cx="2300630" cy="584775"/>
           </a:xfrm>
           <a:prstGeom prst="rect">
@@ -5208,7 +5238,7 @@
           <p:nvPr/>
         </p:nvPicPr>
         <p:blipFill>
-          <a:blip r:embed="rId2" cstate="print">
+          <a:blip r:embed="rId3" cstate="print">
             <a:extLst>
               <a:ext uri="{28A0092B-C50C-407E-A947-70E740481C1C}">
                 <a14:useLocalDpi xmlns:a14="http://schemas.microsoft.com/office/drawing/2010/main" val="0"/>
@@ -5459,6 +5489,36 @@
           </a:p>
         </p:txBody>
       </p:sp>
+      <p:pic>
+        <p:nvPicPr>
+          <p:cNvPr id="5" name="図 4"/>
+          <p:cNvPicPr>
+            <a:picLocks noChangeAspect="1"/>
+          </p:cNvPicPr>
+          <p:nvPr/>
+        </p:nvPicPr>
+        <p:blipFill>
+          <a:blip r:embed="rId3" cstate="print">
+            <a:extLst>
+              <a:ext uri="{28A0092B-C50C-407E-A947-70E740481C1C}">
+                <a14:useLocalDpi xmlns:a14="http://schemas.microsoft.com/office/drawing/2010/main" val="0"/>
+              </a:ext>
+            </a:extLst>
+          </a:blip>
+          <a:stretch>
+            <a:fillRect/>
+          </a:stretch>
+        </p:blipFill>
+        <p:spPr>
+          <a:xfrm>
+            <a:off x="10988842" y="5654842"/>
+            <a:ext cx="1203157" cy="1203157"/>
+          </a:xfrm>
+          <a:prstGeom prst="rect">
+            <a:avLst/>
+          </a:prstGeom>
+        </p:spPr>
+      </p:pic>
     </p:spTree>
     <p:extLst>
       <p:ext uri="{BB962C8B-B14F-4D97-AF65-F5344CB8AC3E}">
@@ -5698,7 +5758,7 @@
         <p:spPr>
           <a:xfrm>
             <a:off x="1277899" y="2386389"/>
-            <a:ext cx="8922635" cy="1323439"/>
+            <a:ext cx="6144631" cy="1323439"/>
           </a:xfrm>
           <a:prstGeom prst="rect">
             <a:avLst/>
@@ -5713,7 +5773,11 @@
           <a:p>
             <a:r>
               <a:rPr kumimoji="1" lang="ja-JP" altLang="en-US" sz="8000" dirty="0" smtClean="0"/>
-              <a:t>一つの宝物を巡って</a:t>
+              <a:t>一つの宝物</a:t>
+            </a:r>
+            <a:r>
+              <a:rPr kumimoji="1" lang="ja-JP" altLang="en-US" sz="8000" dirty="0" smtClean="0"/>
+              <a:t>を</a:t>
             </a:r>
             <a:endParaRPr kumimoji="1" lang="ja-JP" altLang="en-US" sz="8000" dirty="0"/>
           </a:p>
@@ -5728,7 +5792,7 @@
         <p:spPr>
           <a:xfrm>
             <a:off x="3600281" y="3709828"/>
-            <a:ext cx="7487947" cy="1323439"/>
+            <a:ext cx="7691529" cy="1323439"/>
           </a:xfrm>
           <a:prstGeom prst="rect">
             <a:avLst/>
@@ -5743,7 +5807,11 @@
           <a:p>
             <a:r>
               <a:rPr kumimoji="1" lang="ja-JP" altLang="en-US" sz="8000" dirty="0" smtClean="0"/>
-              <a:t>四人が取り合う。</a:t>
+              <a:t>四人</a:t>
+            </a:r>
+            <a:r>
+              <a:rPr kumimoji="1" lang="ja-JP" altLang="en-US" sz="8000" dirty="0" smtClean="0"/>
+              <a:t>が奪い合う。</a:t>
             </a:r>
             <a:endParaRPr kumimoji="1" lang="ja-JP" altLang="en-US" sz="8000" dirty="0"/>
           </a:p>
@@ -5758,7 +5826,7 @@
         <p:spPr>
           <a:xfrm>
             <a:off x="600891" y="487679"/>
-            <a:ext cx="1736373" cy="769441"/>
+            <a:ext cx="2502608" cy="769441"/>
           </a:xfrm>
           <a:prstGeom prst="rect">
             <a:avLst/>
@@ -5773,7 +5841,7 @@
           <a:p>
             <a:r>
               <a:rPr kumimoji="1" lang="ja-JP" altLang="en-US" sz="4400" dirty="0" smtClean="0"/>
-              <a:t>テーマ</a:t>
+              <a:t>コンセプト</a:t>
             </a:r>
             <a:endParaRPr kumimoji="1" lang="ja-JP" altLang="en-US" sz="4400" dirty="0"/>
           </a:p>

--- a/G18_プレゼン用PWP.pptx
+++ b/G18_プレゼン用PWP.pptx
@@ -4,6 +4,9 @@
   <p:sldMasterIdLst>
     <p:sldMasterId id="2147483648" r:id="rId1"/>
   </p:sldMasterIdLst>
+  <p:notesMasterIdLst>
+    <p:notesMasterId r:id="rId15"/>
+  </p:notesMasterIdLst>
   <p:sldIdLst>
     <p:sldId id="256" r:id="rId2"/>
     <p:sldId id="264" r:id="rId3"/>
@@ -12,11 +15,12 @@
     <p:sldId id="267" r:id="rId6"/>
     <p:sldId id="265" r:id="rId7"/>
     <p:sldId id="266" r:id="rId8"/>
-    <p:sldId id="261" r:id="rId9"/>
-    <p:sldId id="258" r:id="rId10"/>
+    <p:sldId id="258" r:id="rId9"/>
+    <p:sldId id="261" r:id="rId10"/>
     <p:sldId id="259" r:id="rId11"/>
     <p:sldId id="260" r:id="rId12"/>
     <p:sldId id="263" r:id="rId13"/>
+    <p:sldId id="268" r:id="rId14"/>
   </p:sldIdLst>
   <p:sldSz cx="12192000" cy="6858000"/>
   <p:notesSz cx="6858000" cy="9144000"/>
@@ -123,6 +127,1553 @@
 </p:presentation>
 </file>
 
+<file path=ppt/commentAuthors.xml><?xml version="1.0" encoding="utf-8"?>
+<p:cmAuthorLst xmlns:a="http://schemas.openxmlformats.org/drawingml/2006/main" xmlns:r="http://schemas.openxmlformats.org/officeDocument/2006/relationships" xmlns:p="http://schemas.openxmlformats.org/presentationml/2006/main">
+  <p:cmAuthor id="1" name="大澤雄太" initials="大澤雄太" lastIdx="1" clrIdx="0">
+    <p:extLst>
+      <p:ext uri="{19B8F6BF-5375-455C-9EA6-DF929625EA0E}">
+        <p15:presenceInfo xmlns:p15="http://schemas.microsoft.com/office/powerpoint/2012/main" userId="29107c329ec85b99" providerId="Windows Live"/>
+      </p:ext>
+    </p:extLst>
+  </p:cmAuthor>
+</p:cmAuthorLst>
+</file>
+
+<file path=ppt/notesMasters/notesMaster1.xml><?xml version="1.0" encoding="utf-8"?>
+<p:notesMaster xmlns:a="http://schemas.openxmlformats.org/drawingml/2006/main" xmlns:r="http://schemas.openxmlformats.org/officeDocument/2006/relationships" xmlns:p="http://schemas.openxmlformats.org/presentationml/2006/main">
+  <p:cSld>
+    <p:bg>
+      <p:bgRef idx="1001">
+        <a:schemeClr val="bg1"/>
+      </p:bgRef>
+    </p:bg>
+    <p:spTree>
+      <p:nvGrpSpPr>
+        <p:cNvPr id="1" name=""/>
+        <p:cNvGrpSpPr/>
+        <p:nvPr/>
+      </p:nvGrpSpPr>
+      <p:grpSpPr>
+        <a:xfrm>
+          <a:off x="0" y="0"/>
+          <a:ext cx="0" cy="0"/>
+          <a:chOff x="0" y="0"/>
+          <a:chExt cx="0" cy="0"/>
+        </a:xfrm>
+      </p:grpSpPr>
+      <p:sp>
+        <p:nvSpPr>
+          <p:cNvPr id="2" name="ヘッダー プレースホルダー 1"/>
+          <p:cNvSpPr>
+            <a:spLocks noGrp="1"/>
+          </p:cNvSpPr>
+          <p:nvPr>
+            <p:ph type="hdr" sz="quarter"/>
+          </p:nvPr>
+        </p:nvSpPr>
+        <p:spPr>
+          <a:xfrm>
+            <a:off x="0" y="0"/>
+            <a:ext cx="2971800" cy="458788"/>
+          </a:xfrm>
+          <a:prstGeom prst="rect">
+            <a:avLst/>
+          </a:prstGeom>
+        </p:spPr>
+        <p:txBody>
+          <a:bodyPr vert="horz" lIns="91440" tIns="45720" rIns="91440" bIns="45720" rtlCol="0"/>
+          <a:lstStyle>
+            <a:lvl1pPr algn="l">
+              <a:defRPr sz="1200"/>
+            </a:lvl1pPr>
+          </a:lstStyle>
+          <a:p>
+            <a:endParaRPr kumimoji="1" lang="ja-JP" altLang="en-US"/>
+          </a:p>
+        </p:txBody>
+      </p:sp>
+      <p:sp>
+        <p:nvSpPr>
+          <p:cNvPr id="3" name="日付プレースホルダー 2"/>
+          <p:cNvSpPr>
+            <a:spLocks noGrp="1"/>
+          </p:cNvSpPr>
+          <p:nvPr>
+            <p:ph type="dt" idx="1"/>
+          </p:nvPr>
+        </p:nvSpPr>
+        <p:spPr>
+          <a:xfrm>
+            <a:off x="3884613" y="0"/>
+            <a:ext cx="2971800" cy="458788"/>
+          </a:xfrm>
+          <a:prstGeom prst="rect">
+            <a:avLst/>
+          </a:prstGeom>
+        </p:spPr>
+        <p:txBody>
+          <a:bodyPr vert="horz" lIns="91440" tIns="45720" rIns="91440" bIns="45720" rtlCol="0"/>
+          <a:lstStyle>
+            <a:lvl1pPr algn="r">
+              <a:defRPr sz="1200"/>
+            </a:lvl1pPr>
+          </a:lstStyle>
+          <a:p>
+            <a:fld id="{565B32DD-5BF1-47B6-BFEB-6C01BE0AB784}" type="datetimeFigureOut">
+              <a:rPr kumimoji="1" lang="ja-JP" altLang="en-US" smtClean="0"/>
+              <a:t>2015/6/16</a:t>
+            </a:fld>
+            <a:endParaRPr kumimoji="1" lang="ja-JP" altLang="en-US"/>
+          </a:p>
+        </p:txBody>
+      </p:sp>
+      <p:sp>
+        <p:nvSpPr>
+          <p:cNvPr id="4" name="スライド イメージ プレースホルダー 3"/>
+          <p:cNvSpPr>
+            <a:spLocks noGrp="1" noRot="1" noChangeAspect="1"/>
+          </p:cNvSpPr>
+          <p:nvPr>
+            <p:ph type="sldImg" idx="2"/>
+          </p:nvPr>
+        </p:nvSpPr>
+        <p:spPr>
+          <a:xfrm>
+            <a:off x="685800" y="1143000"/>
+            <a:ext cx="5486400" cy="3086100"/>
+          </a:xfrm>
+          <a:prstGeom prst="rect">
+            <a:avLst/>
+          </a:prstGeom>
+          <a:noFill/>
+          <a:ln w="12700">
+            <a:solidFill>
+              <a:prstClr val="black"/>
+            </a:solidFill>
+          </a:ln>
+        </p:spPr>
+        <p:txBody>
+          <a:bodyPr vert="horz" lIns="91440" tIns="45720" rIns="91440" bIns="45720" rtlCol="0" anchor="ctr"/>
+          <a:lstStyle/>
+          <a:p>
+            <a:endParaRPr lang="ja-JP" altLang="en-US"/>
+          </a:p>
+        </p:txBody>
+      </p:sp>
+      <p:sp>
+        <p:nvSpPr>
+          <p:cNvPr id="5" name="ノート プレースホルダー 4"/>
+          <p:cNvSpPr>
+            <a:spLocks noGrp="1"/>
+          </p:cNvSpPr>
+          <p:nvPr>
+            <p:ph type="body" sz="quarter" idx="3"/>
+          </p:nvPr>
+        </p:nvSpPr>
+        <p:spPr>
+          <a:xfrm>
+            <a:off x="685800" y="4400550"/>
+            <a:ext cx="5486400" cy="3600450"/>
+          </a:xfrm>
+          <a:prstGeom prst="rect">
+            <a:avLst/>
+          </a:prstGeom>
+        </p:spPr>
+        <p:txBody>
+          <a:bodyPr vert="horz" lIns="91440" tIns="45720" rIns="91440" bIns="45720" rtlCol="0"/>
+          <a:lstStyle/>
+          <a:p>
+            <a:pPr lvl="0"/>
+            <a:r>
+              <a:rPr kumimoji="1" lang="ja-JP" altLang="en-US" smtClean="0"/>
+              <a:t>マスター テキストの書式設定</a:t>
+            </a:r>
+          </a:p>
+          <a:p>
+            <a:pPr lvl="1"/>
+            <a:r>
+              <a:rPr kumimoji="1" lang="ja-JP" altLang="en-US" smtClean="0"/>
+              <a:t>第 </a:t>
+            </a:r>
+            <a:r>
+              <a:rPr kumimoji="1" lang="en-US" altLang="ja-JP" smtClean="0"/>
+              <a:t>2 </a:t>
+            </a:r>
+            <a:r>
+              <a:rPr kumimoji="1" lang="ja-JP" altLang="en-US" smtClean="0"/>
+              <a:t>レベル</a:t>
+            </a:r>
+          </a:p>
+          <a:p>
+            <a:pPr lvl="2"/>
+            <a:r>
+              <a:rPr kumimoji="1" lang="ja-JP" altLang="en-US" smtClean="0"/>
+              <a:t>第 </a:t>
+            </a:r>
+            <a:r>
+              <a:rPr kumimoji="1" lang="en-US" altLang="ja-JP" smtClean="0"/>
+              <a:t>3 </a:t>
+            </a:r>
+            <a:r>
+              <a:rPr kumimoji="1" lang="ja-JP" altLang="en-US" smtClean="0"/>
+              <a:t>レベル</a:t>
+            </a:r>
+          </a:p>
+          <a:p>
+            <a:pPr lvl="3"/>
+            <a:r>
+              <a:rPr kumimoji="1" lang="ja-JP" altLang="en-US" smtClean="0"/>
+              <a:t>第 </a:t>
+            </a:r>
+            <a:r>
+              <a:rPr kumimoji="1" lang="en-US" altLang="ja-JP" smtClean="0"/>
+              <a:t>4 </a:t>
+            </a:r>
+            <a:r>
+              <a:rPr kumimoji="1" lang="ja-JP" altLang="en-US" smtClean="0"/>
+              <a:t>レベル</a:t>
+            </a:r>
+          </a:p>
+          <a:p>
+            <a:pPr lvl="4"/>
+            <a:r>
+              <a:rPr kumimoji="1" lang="ja-JP" altLang="en-US" smtClean="0"/>
+              <a:t>第 </a:t>
+            </a:r>
+            <a:r>
+              <a:rPr kumimoji="1" lang="en-US" altLang="ja-JP" smtClean="0"/>
+              <a:t>5 </a:t>
+            </a:r>
+            <a:r>
+              <a:rPr kumimoji="1" lang="ja-JP" altLang="en-US" smtClean="0"/>
+              <a:t>レベル</a:t>
+            </a:r>
+            <a:endParaRPr kumimoji="1" lang="ja-JP" altLang="en-US"/>
+          </a:p>
+        </p:txBody>
+      </p:sp>
+      <p:sp>
+        <p:nvSpPr>
+          <p:cNvPr id="6" name="フッター プレースホルダー 5"/>
+          <p:cNvSpPr>
+            <a:spLocks noGrp="1"/>
+          </p:cNvSpPr>
+          <p:nvPr>
+            <p:ph type="ftr" sz="quarter" idx="4"/>
+          </p:nvPr>
+        </p:nvSpPr>
+        <p:spPr>
+          <a:xfrm>
+            <a:off x="0" y="8685213"/>
+            <a:ext cx="2971800" cy="458787"/>
+          </a:xfrm>
+          <a:prstGeom prst="rect">
+            <a:avLst/>
+          </a:prstGeom>
+        </p:spPr>
+        <p:txBody>
+          <a:bodyPr vert="horz" lIns="91440" tIns="45720" rIns="91440" bIns="45720" rtlCol="0" anchor="b"/>
+          <a:lstStyle>
+            <a:lvl1pPr algn="l">
+              <a:defRPr sz="1200"/>
+            </a:lvl1pPr>
+          </a:lstStyle>
+          <a:p>
+            <a:endParaRPr kumimoji="1" lang="ja-JP" altLang="en-US"/>
+          </a:p>
+        </p:txBody>
+      </p:sp>
+      <p:sp>
+        <p:nvSpPr>
+          <p:cNvPr id="7" name="スライド番号プレースホルダー 6"/>
+          <p:cNvSpPr>
+            <a:spLocks noGrp="1"/>
+          </p:cNvSpPr>
+          <p:nvPr>
+            <p:ph type="sldNum" sz="quarter" idx="5"/>
+          </p:nvPr>
+        </p:nvSpPr>
+        <p:spPr>
+          <a:xfrm>
+            <a:off x="3884613" y="8685213"/>
+            <a:ext cx="2971800" cy="458787"/>
+          </a:xfrm>
+          <a:prstGeom prst="rect">
+            <a:avLst/>
+          </a:prstGeom>
+        </p:spPr>
+        <p:txBody>
+          <a:bodyPr vert="horz" lIns="91440" tIns="45720" rIns="91440" bIns="45720" rtlCol="0" anchor="b"/>
+          <a:lstStyle>
+            <a:lvl1pPr algn="r">
+              <a:defRPr sz="1200"/>
+            </a:lvl1pPr>
+          </a:lstStyle>
+          <a:p>
+            <a:fld id="{7F220BD6-92CC-4D51-9262-C85C9EA9CEAF}" type="slidenum">
+              <a:rPr kumimoji="1" lang="ja-JP" altLang="en-US" smtClean="0"/>
+              <a:t>‹#›</a:t>
+            </a:fld>
+            <a:endParaRPr kumimoji="1" lang="ja-JP" altLang="en-US"/>
+          </a:p>
+        </p:txBody>
+      </p:sp>
+    </p:spTree>
+    <p:extLst>
+      <p:ext uri="{BB962C8B-B14F-4D97-AF65-F5344CB8AC3E}">
+        <p14:creationId xmlns:p14="http://schemas.microsoft.com/office/powerpoint/2010/main" val="180445756"/>
+      </p:ext>
+    </p:extLst>
+  </p:cSld>
+  <p:clrMap bg1="lt1" tx1="dk1" bg2="lt2" tx2="dk2" accent1="accent1" accent2="accent2" accent3="accent3" accent4="accent4" accent5="accent5" accent6="accent6" hlink="hlink" folHlink="folHlink"/>
+  <p:notesStyle>
+    <a:lvl1pPr marL="0" algn="l" defTabSz="914400" rtl="0" eaLnBrk="1" latinLnBrk="0" hangingPunct="1">
+      <a:defRPr kumimoji="1" sz="1200" kern="1200">
+        <a:solidFill>
+          <a:schemeClr val="tx1"/>
+        </a:solidFill>
+        <a:latin typeface="+mn-lt"/>
+        <a:ea typeface="+mn-ea"/>
+        <a:cs typeface="+mn-cs"/>
+      </a:defRPr>
+    </a:lvl1pPr>
+    <a:lvl2pPr marL="457200" algn="l" defTabSz="914400" rtl="0" eaLnBrk="1" latinLnBrk="0" hangingPunct="1">
+      <a:defRPr kumimoji="1" sz="1200" kern="1200">
+        <a:solidFill>
+          <a:schemeClr val="tx1"/>
+        </a:solidFill>
+        <a:latin typeface="+mn-lt"/>
+        <a:ea typeface="+mn-ea"/>
+        <a:cs typeface="+mn-cs"/>
+      </a:defRPr>
+    </a:lvl2pPr>
+    <a:lvl3pPr marL="914400" algn="l" defTabSz="914400" rtl="0" eaLnBrk="1" latinLnBrk="0" hangingPunct="1">
+      <a:defRPr kumimoji="1" sz="1200" kern="1200">
+        <a:solidFill>
+          <a:schemeClr val="tx1"/>
+        </a:solidFill>
+        <a:latin typeface="+mn-lt"/>
+        <a:ea typeface="+mn-ea"/>
+        <a:cs typeface="+mn-cs"/>
+      </a:defRPr>
+    </a:lvl3pPr>
+    <a:lvl4pPr marL="1371600" algn="l" defTabSz="914400" rtl="0" eaLnBrk="1" latinLnBrk="0" hangingPunct="1">
+      <a:defRPr kumimoji="1" sz="1200" kern="1200">
+        <a:solidFill>
+          <a:schemeClr val="tx1"/>
+        </a:solidFill>
+        <a:latin typeface="+mn-lt"/>
+        <a:ea typeface="+mn-ea"/>
+        <a:cs typeface="+mn-cs"/>
+      </a:defRPr>
+    </a:lvl4pPr>
+    <a:lvl5pPr marL="1828800" algn="l" defTabSz="914400" rtl="0" eaLnBrk="1" latinLnBrk="0" hangingPunct="1">
+      <a:defRPr kumimoji="1" sz="1200" kern="1200">
+        <a:solidFill>
+          <a:schemeClr val="tx1"/>
+        </a:solidFill>
+        <a:latin typeface="+mn-lt"/>
+        <a:ea typeface="+mn-ea"/>
+        <a:cs typeface="+mn-cs"/>
+      </a:defRPr>
+    </a:lvl5pPr>
+    <a:lvl6pPr marL="2286000" algn="l" defTabSz="914400" rtl="0" eaLnBrk="1" latinLnBrk="0" hangingPunct="1">
+      <a:defRPr kumimoji="1" sz="1200" kern="1200">
+        <a:solidFill>
+          <a:schemeClr val="tx1"/>
+        </a:solidFill>
+        <a:latin typeface="+mn-lt"/>
+        <a:ea typeface="+mn-ea"/>
+        <a:cs typeface="+mn-cs"/>
+      </a:defRPr>
+    </a:lvl6pPr>
+    <a:lvl7pPr marL="2743200" algn="l" defTabSz="914400" rtl="0" eaLnBrk="1" latinLnBrk="0" hangingPunct="1">
+      <a:defRPr kumimoji="1" sz="1200" kern="1200">
+        <a:solidFill>
+          <a:schemeClr val="tx1"/>
+        </a:solidFill>
+        <a:latin typeface="+mn-lt"/>
+        <a:ea typeface="+mn-ea"/>
+        <a:cs typeface="+mn-cs"/>
+      </a:defRPr>
+    </a:lvl7pPr>
+    <a:lvl8pPr marL="3200400" algn="l" defTabSz="914400" rtl="0" eaLnBrk="1" latinLnBrk="0" hangingPunct="1">
+      <a:defRPr kumimoji="1" sz="1200" kern="1200">
+        <a:solidFill>
+          <a:schemeClr val="tx1"/>
+        </a:solidFill>
+        <a:latin typeface="+mn-lt"/>
+        <a:ea typeface="+mn-ea"/>
+        <a:cs typeface="+mn-cs"/>
+      </a:defRPr>
+    </a:lvl8pPr>
+    <a:lvl9pPr marL="3657600" algn="l" defTabSz="914400" rtl="0" eaLnBrk="1" latinLnBrk="0" hangingPunct="1">
+      <a:defRPr kumimoji="1" sz="1200" kern="1200">
+        <a:solidFill>
+          <a:schemeClr val="tx1"/>
+        </a:solidFill>
+        <a:latin typeface="+mn-lt"/>
+        <a:ea typeface="+mn-ea"/>
+        <a:cs typeface="+mn-cs"/>
+      </a:defRPr>
+    </a:lvl9pPr>
+  </p:notesStyle>
+</p:notesMaster>
+</file>
+
+<file path=ppt/notesSlides/notesSlide1.xml><?xml version="1.0" encoding="utf-8"?>
+<p:notes xmlns:a="http://schemas.openxmlformats.org/drawingml/2006/main" xmlns:r="http://schemas.openxmlformats.org/officeDocument/2006/relationships" xmlns:p="http://schemas.openxmlformats.org/presentationml/2006/main">
+  <p:cSld>
+    <p:spTree>
+      <p:nvGrpSpPr>
+        <p:cNvPr id="1" name=""/>
+        <p:cNvGrpSpPr/>
+        <p:nvPr/>
+      </p:nvGrpSpPr>
+      <p:grpSpPr>
+        <a:xfrm>
+          <a:off x="0" y="0"/>
+          <a:ext cx="0" cy="0"/>
+          <a:chOff x="0" y="0"/>
+          <a:chExt cx="0" cy="0"/>
+        </a:xfrm>
+      </p:grpSpPr>
+      <p:sp>
+        <p:nvSpPr>
+          <p:cNvPr id="2" name="スライド イメージ プレースホルダー 1"/>
+          <p:cNvSpPr>
+            <a:spLocks noGrp="1" noRot="1" noChangeAspect="1"/>
+          </p:cNvSpPr>
+          <p:nvPr>
+            <p:ph type="sldImg"/>
+          </p:nvPr>
+        </p:nvSpPr>
+        <p:spPr/>
+      </p:sp>
+      <p:sp>
+        <p:nvSpPr>
+          <p:cNvPr id="3" name="ノート プレースホルダー 2"/>
+          <p:cNvSpPr>
+            <a:spLocks noGrp="1"/>
+          </p:cNvSpPr>
+          <p:nvPr>
+            <p:ph type="body" idx="1"/>
+          </p:nvPr>
+        </p:nvSpPr>
+        <p:spPr/>
+        <p:txBody>
+          <a:bodyPr/>
+          <a:lstStyle/>
+          <a:p>
+            <a:r>
+              <a:rPr kumimoji="1" lang="ja-JP" altLang="en-US" dirty="0" smtClean="0"/>
+              <a:t>キャラクターはリモちゃん（単体）</a:t>
+            </a:r>
+            <a:endParaRPr kumimoji="1" lang="en-US" altLang="ja-JP" dirty="0" smtClean="0"/>
+          </a:p>
+          <a:p>
+            <a:endParaRPr kumimoji="1" lang="en-US" altLang="ja-JP" dirty="0" smtClean="0"/>
+          </a:p>
+          <a:p>
+            <a:r>
+              <a:rPr kumimoji="1" lang="ja-JP" altLang="en-US" dirty="0" smtClean="0"/>
+              <a:t>一番伝えてもらいたいことは、人を手助けするキャラクターであることです。</a:t>
+            </a:r>
+            <a:endParaRPr kumimoji="1" lang="en-US" altLang="ja-JP" dirty="0" smtClean="0"/>
+          </a:p>
+          <a:p>
+            <a:r>
+              <a:rPr kumimoji="1" lang="ja-JP" altLang="en-US" dirty="0" smtClean="0"/>
+              <a:t>次のページでどうやって手助けをするかを書いてあります。</a:t>
+            </a:r>
+            <a:endParaRPr kumimoji="1" lang="en-US" altLang="ja-JP" dirty="0" smtClean="0"/>
+          </a:p>
+          <a:p>
+            <a:endParaRPr kumimoji="1" lang="en-US" altLang="ja-JP" dirty="0" smtClean="0"/>
+          </a:p>
+          <a:p>
+            <a:r>
+              <a:rPr kumimoji="1" lang="ja-JP" altLang="en-US" dirty="0" smtClean="0"/>
+              <a:t>電脳世界の説明はいりません。</a:t>
+            </a:r>
+            <a:endParaRPr kumimoji="1" lang="en-US" altLang="ja-JP" dirty="0" smtClean="0"/>
+          </a:p>
+          <a:p>
+            <a:endParaRPr kumimoji="1" lang="en-US" altLang="ja-JP" dirty="0" smtClean="0"/>
+          </a:p>
+          <a:p>
+            <a:r>
+              <a:rPr kumimoji="1" lang="ja-JP" altLang="en-US" dirty="0" smtClean="0"/>
+              <a:t>意思の部分は消すかもしれないのであしからず</a:t>
+            </a:r>
+            <a:r>
+              <a:rPr kumimoji="1" lang="en-US" altLang="ja-JP" dirty="0" smtClean="0"/>
+              <a:t>…</a:t>
+            </a:r>
+          </a:p>
+          <a:p>
+            <a:endParaRPr kumimoji="1" lang="en-US" altLang="ja-JP" dirty="0" smtClean="0"/>
+          </a:p>
+          <a:p>
+            <a:endParaRPr kumimoji="1" lang="en-US" altLang="ja-JP" dirty="0" smtClean="0"/>
+          </a:p>
+          <a:p>
+            <a:endParaRPr kumimoji="1" lang="ja-JP" altLang="en-US" dirty="0"/>
+          </a:p>
+        </p:txBody>
+      </p:sp>
+      <p:sp>
+        <p:nvSpPr>
+          <p:cNvPr id="4" name="スライド番号プレースホルダー 3"/>
+          <p:cNvSpPr>
+            <a:spLocks noGrp="1"/>
+          </p:cNvSpPr>
+          <p:nvPr>
+            <p:ph type="sldNum" sz="quarter" idx="10"/>
+          </p:nvPr>
+        </p:nvSpPr>
+        <p:spPr/>
+        <p:txBody>
+          <a:bodyPr/>
+          <a:lstStyle/>
+          <a:p>
+            <a:fld id="{7F220BD6-92CC-4D51-9262-C85C9EA9CEAF}" type="slidenum">
+              <a:rPr kumimoji="1" lang="ja-JP" altLang="en-US" smtClean="0"/>
+              <a:t>3</a:t>
+            </a:fld>
+            <a:endParaRPr kumimoji="1" lang="ja-JP" altLang="en-US"/>
+          </a:p>
+        </p:txBody>
+      </p:sp>
+    </p:spTree>
+    <p:extLst>
+      <p:ext uri="{BB962C8B-B14F-4D97-AF65-F5344CB8AC3E}">
+        <p14:creationId xmlns:p14="http://schemas.microsoft.com/office/powerpoint/2010/main" val="558889931"/>
+      </p:ext>
+    </p:extLst>
+  </p:cSld>
+  <p:clrMapOvr>
+    <a:masterClrMapping/>
+  </p:clrMapOvr>
+</p:notes>
+</file>
+
+<file path=ppt/notesSlides/notesSlide10.xml><?xml version="1.0" encoding="utf-8"?>
+<p:notes xmlns:a="http://schemas.openxmlformats.org/drawingml/2006/main" xmlns:r="http://schemas.openxmlformats.org/officeDocument/2006/relationships" xmlns:p="http://schemas.openxmlformats.org/presentationml/2006/main">
+  <p:cSld>
+    <p:spTree>
+      <p:nvGrpSpPr>
+        <p:cNvPr id="1" name=""/>
+        <p:cNvGrpSpPr/>
+        <p:nvPr/>
+      </p:nvGrpSpPr>
+      <p:grpSpPr>
+        <a:xfrm>
+          <a:off x="0" y="0"/>
+          <a:ext cx="0" cy="0"/>
+          <a:chOff x="0" y="0"/>
+          <a:chExt cx="0" cy="0"/>
+        </a:xfrm>
+      </p:grpSpPr>
+      <p:sp>
+        <p:nvSpPr>
+          <p:cNvPr id="2" name="スライド イメージ プレースホルダー 1"/>
+          <p:cNvSpPr>
+            <a:spLocks noGrp="1" noRot="1" noChangeAspect="1"/>
+          </p:cNvSpPr>
+          <p:nvPr>
+            <p:ph type="sldImg"/>
+          </p:nvPr>
+        </p:nvSpPr>
+        <p:spPr/>
+      </p:sp>
+      <p:sp>
+        <p:nvSpPr>
+          <p:cNvPr id="3" name="ノート プレースホルダー 2"/>
+          <p:cNvSpPr>
+            <a:spLocks noGrp="1"/>
+          </p:cNvSpPr>
+          <p:nvPr>
+            <p:ph type="body" idx="1"/>
+          </p:nvPr>
+        </p:nvSpPr>
+        <p:spPr/>
+        <p:txBody>
+          <a:bodyPr/>
+          <a:lstStyle/>
+          <a:p>
+            <a:r>
+              <a:rPr kumimoji="1" lang="ja-JP" altLang="en-US" dirty="0" smtClean="0"/>
+              <a:t>僕たちが考えたのはこのキャラクターです。</a:t>
+            </a:r>
+            <a:endParaRPr kumimoji="1" lang="en-US" altLang="ja-JP" dirty="0" smtClean="0"/>
+          </a:p>
+          <a:p>
+            <a:r>
+              <a:rPr kumimoji="1" lang="ja-JP" altLang="en-US" dirty="0" smtClean="0"/>
+              <a:t>このキャラクターはこんなキャラクターでこんなことをします。</a:t>
+            </a:r>
+            <a:endParaRPr kumimoji="1" lang="en-US" altLang="ja-JP" dirty="0" smtClean="0"/>
+          </a:p>
+          <a:p>
+            <a:r>
+              <a:rPr kumimoji="1" lang="ja-JP" altLang="en-US" dirty="0" smtClean="0"/>
+              <a:t>今回はこのキャラクターをあのキャラクターと組み合わせてゲームにしてみました。</a:t>
+            </a:r>
+            <a:endParaRPr kumimoji="1" lang="en-US" altLang="ja-JP" dirty="0" smtClean="0"/>
+          </a:p>
+          <a:p>
+            <a:r>
+              <a:rPr kumimoji="1" lang="ja-JP" altLang="en-US" dirty="0" smtClean="0"/>
+              <a:t>どんなゲームかというと、いとことでいうとこんなゲームです。</a:t>
+            </a:r>
+            <a:endParaRPr kumimoji="1" lang="en-US" altLang="ja-JP" dirty="0" smtClean="0"/>
+          </a:p>
+          <a:p>
+            <a:r>
+              <a:rPr kumimoji="1" lang="ja-JP" altLang="en-US" dirty="0" smtClean="0"/>
+              <a:t>こんな感じのゲーム画面で、こんなルールのゲームです。</a:t>
+            </a:r>
+            <a:endParaRPr kumimoji="1" lang="en-US" altLang="ja-JP" dirty="0" smtClean="0"/>
+          </a:p>
+          <a:p>
+            <a:r>
+              <a:rPr kumimoji="1" lang="ja-JP" altLang="en-US" dirty="0" smtClean="0"/>
+              <a:t>あのキャラクターは、ここで使われていて、</a:t>
+            </a:r>
+            <a:endParaRPr kumimoji="1" lang="en-US" altLang="ja-JP" dirty="0" smtClean="0"/>
+          </a:p>
+          <a:p>
+            <a:r>
+              <a:rPr kumimoji="1" lang="ja-JP" altLang="en-US" dirty="0" smtClean="0"/>
+              <a:t>このゲームは、こんな体験をすることが出来ます。</a:t>
+            </a:r>
+            <a:endParaRPr kumimoji="1" lang="ja-JP" altLang="en-US" dirty="0"/>
+          </a:p>
+        </p:txBody>
+      </p:sp>
+      <p:sp>
+        <p:nvSpPr>
+          <p:cNvPr id="4" name="スライド番号プレースホルダー 3"/>
+          <p:cNvSpPr>
+            <a:spLocks noGrp="1"/>
+          </p:cNvSpPr>
+          <p:nvPr>
+            <p:ph type="sldNum" sz="quarter" idx="10"/>
+          </p:nvPr>
+        </p:nvSpPr>
+        <p:spPr/>
+        <p:txBody>
+          <a:bodyPr/>
+          <a:lstStyle/>
+          <a:p>
+            <a:fld id="{7F220BD6-92CC-4D51-9262-C85C9EA9CEAF}" type="slidenum">
+              <a:rPr kumimoji="1" lang="ja-JP" altLang="en-US" smtClean="0"/>
+              <a:t>13</a:t>
+            </a:fld>
+            <a:endParaRPr kumimoji="1" lang="ja-JP" altLang="en-US"/>
+          </a:p>
+        </p:txBody>
+      </p:sp>
+    </p:spTree>
+    <p:extLst>
+      <p:ext uri="{BB962C8B-B14F-4D97-AF65-F5344CB8AC3E}">
+        <p14:creationId xmlns:p14="http://schemas.microsoft.com/office/powerpoint/2010/main" val="2141441802"/>
+      </p:ext>
+    </p:extLst>
+  </p:cSld>
+  <p:clrMapOvr>
+    <a:masterClrMapping/>
+  </p:clrMapOvr>
+</p:notes>
+</file>
+
+<file path=ppt/notesSlides/notesSlide2.xml><?xml version="1.0" encoding="utf-8"?>
+<p:notes xmlns:a="http://schemas.openxmlformats.org/drawingml/2006/main" xmlns:r="http://schemas.openxmlformats.org/officeDocument/2006/relationships" xmlns:p="http://schemas.openxmlformats.org/presentationml/2006/main">
+  <p:cSld>
+    <p:spTree>
+      <p:nvGrpSpPr>
+        <p:cNvPr id="1" name=""/>
+        <p:cNvGrpSpPr/>
+        <p:nvPr/>
+      </p:nvGrpSpPr>
+      <p:grpSpPr>
+        <a:xfrm>
+          <a:off x="0" y="0"/>
+          <a:ext cx="0" cy="0"/>
+          <a:chOff x="0" y="0"/>
+          <a:chExt cx="0" cy="0"/>
+        </a:xfrm>
+      </p:grpSpPr>
+      <p:sp>
+        <p:nvSpPr>
+          <p:cNvPr id="2" name="スライド イメージ プレースホルダー 1"/>
+          <p:cNvSpPr>
+            <a:spLocks noGrp="1" noRot="1" noChangeAspect="1"/>
+          </p:cNvSpPr>
+          <p:nvPr>
+            <p:ph type="sldImg"/>
+          </p:nvPr>
+        </p:nvSpPr>
+        <p:spPr/>
+      </p:sp>
+      <p:sp>
+        <p:nvSpPr>
+          <p:cNvPr id="3" name="ノート プレースホルダー 2"/>
+          <p:cNvSpPr>
+            <a:spLocks noGrp="1"/>
+          </p:cNvSpPr>
+          <p:nvPr>
+            <p:ph type="body" idx="1"/>
+          </p:nvPr>
+        </p:nvSpPr>
+        <p:spPr/>
+        <p:txBody>
+          <a:bodyPr/>
+          <a:lstStyle/>
+          <a:p>
+            <a:r>
+              <a:rPr kumimoji="1" lang="ja-JP" altLang="en-US" dirty="0" smtClean="0"/>
+              <a:t>変形して人々を手助けしているということを伝えてください。</a:t>
+            </a:r>
+            <a:endParaRPr kumimoji="1" lang="en-US" altLang="ja-JP" dirty="0" smtClean="0"/>
+          </a:p>
+          <a:p>
+            <a:endParaRPr kumimoji="1" lang="en-US" altLang="ja-JP" dirty="0" smtClean="0"/>
+          </a:p>
+          <a:p>
+            <a:r>
+              <a:rPr kumimoji="1" lang="ja-JP" altLang="en-US" dirty="0" smtClean="0"/>
+              <a:t>ヘルメットになって頭を守ったり、乗り物になって代わりに移動をしてあげたり</a:t>
+            </a:r>
+            <a:r>
+              <a:rPr kumimoji="1" lang="en-US" altLang="ja-JP" dirty="0" smtClean="0"/>
+              <a:t>…</a:t>
+            </a:r>
+            <a:r>
+              <a:rPr kumimoji="1" lang="en-US" altLang="ja-JP" dirty="0" err="1" smtClean="0"/>
+              <a:t>etc</a:t>
+            </a:r>
+            <a:endParaRPr kumimoji="1" lang="ja-JP" altLang="en-US" dirty="0"/>
+          </a:p>
+        </p:txBody>
+      </p:sp>
+      <p:sp>
+        <p:nvSpPr>
+          <p:cNvPr id="4" name="スライド番号プレースホルダー 3"/>
+          <p:cNvSpPr>
+            <a:spLocks noGrp="1"/>
+          </p:cNvSpPr>
+          <p:nvPr>
+            <p:ph type="sldNum" sz="quarter" idx="10"/>
+          </p:nvPr>
+        </p:nvSpPr>
+        <p:spPr/>
+        <p:txBody>
+          <a:bodyPr/>
+          <a:lstStyle/>
+          <a:p>
+            <a:fld id="{7F220BD6-92CC-4D51-9262-C85C9EA9CEAF}" type="slidenum">
+              <a:rPr kumimoji="1" lang="ja-JP" altLang="en-US" smtClean="0"/>
+              <a:t>4</a:t>
+            </a:fld>
+            <a:endParaRPr kumimoji="1" lang="ja-JP" altLang="en-US"/>
+          </a:p>
+        </p:txBody>
+      </p:sp>
+    </p:spTree>
+    <p:extLst>
+      <p:ext uri="{BB962C8B-B14F-4D97-AF65-F5344CB8AC3E}">
+        <p14:creationId xmlns:p14="http://schemas.microsoft.com/office/powerpoint/2010/main" val="2854254640"/>
+      </p:ext>
+    </p:extLst>
+  </p:cSld>
+  <p:clrMapOvr>
+    <a:masterClrMapping/>
+  </p:clrMapOvr>
+</p:notes>
+</file>
+
+<file path=ppt/notesSlides/notesSlide3.xml><?xml version="1.0" encoding="utf-8"?>
+<p:notes xmlns:a="http://schemas.openxmlformats.org/drawingml/2006/main" xmlns:r="http://schemas.openxmlformats.org/officeDocument/2006/relationships" xmlns:p="http://schemas.openxmlformats.org/presentationml/2006/main">
+  <p:cSld>
+    <p:spTree>
+      <p:nvGrpSpPr>
+        <p:cNvPr id="1" name=""/>
+        <p:cNvGrpSpPr/>
+        <p:nvPr/>
+      </p:nvGrpSpPr>
+      <p:grpSpPr>
+        <a:xfrm>
+          <a:off x="0" y="0"/>
+          <a:ext cx="0" cy="0"/>
+          <a:chOff x="0" y="0"/>
+          <a:chExt cx="0" cy="0"/>
+        </a:xfrm>
+      </p:grpSpPr>
+      <p:sp>
+        <p:nvSpPr>
+          <p:cNvPr id="2" name="スライド イメージ プレースホルダー 1"/>
+          <p:cNvSpPr>
+            <a:spLocks noGrp="1" noRot="1" noChangeAspect="1"/>
+          </p:cNvSpPr>
+          <p:nvPr>
+            <p:ph type="sldImg"/>
+          </p:nvPr>
+        </p:nvSpPr>
+        <p:spPr/>
+      </p:sp>
+      <p:sp>
+        <p:nvSpPr>
+          <p:cNvPr id="3" name="ノート プレースホルダー 2"/>
+          <p:cNvSpPr>
+            <a:spLocks noGrp="1"/>
+          </p:cNvSpPr>
+          <p:nvPr>
+            <p:ph type="body" idx="1"/>
+          </p:nvPr>
+        </p:nvSpPr>
+        <p:spPr/>
+        <p:txBody>
+          <a:bodyPr/>
+          <a:lstStyle/>
+          <a:p>
+            <a:r>
+              <a:rPr kumimoji="1" lang="ja-JP" altLang="en-US" dirty="0" smtClean="0"/>
+              <a:t>ここのページは、沢山のもの（人との）コラボレーションのしやすさによる、汎用性と</a:t>
+            </a:r>
+            <a:r>
+              <a:rPr kumimoji="1" lang="en-US" altLang="ja-JP" dirty="0" smtClean="0"/>
+              <a:t>IP</a:t>
+            </a:r>
+            <a:r>
+              <a:rPr kumimoji="1" lang="ja-JP" altLang="en-US" dirty="0" smtClean="0"/>
+              <a:t>としての使いやすさをアピール</a:t>
+            </a:r>
+            <a:r>
+              <a:rPr kumimoji="1" lang="en-US" altLang="ja-JP" dirty="0" smtClean="0"/>
+              <a:t>!!!</a:t>
+            </a:r>
+            <a:r>
+              <a:rPr kumimoji="1" lang="ja-JP" altLang="en-US" dirty="0" err="1" smtClean="0"/>
+              <a:t>。</a:t>
+            </a:r>
+            <a:endParaRPr kumimoji="1" lang="ja-JP" altLang="en-US" dirty="0"/>
+          </a:p>
+        </p:txBody>
+      </p:sp>
+      <p:sp>
+        <p:nvSpPr>
+          <p:cNvPr id="4" name="スライド番号プレースホルダー 3"/>
+          <p:cNvSpPr>
+            <a:spLocks noGrp="1"/>
+          </p:cNvSpPr>
+          <p:nvPr>
+            <p:ph type="sldNum" sz="quarter" idx="10"/>
+          </p:nvPr>
+        </p:nvSpPr>
+        <p:spPr/>
+        <p:txBody>
+          <a:bodyPr/>
+          <a:lstStyle/>
+          <a:p>
+            <a:fld id="{7F220BD6-92CC-4D51-9262-C85C9EA9CEAF}" type="slidenum">
+              <a:rPr kumimoji="1" lang="ja-JP" altLang="en-US" smtClean="0"/>
+              <a:t>5</a:t>
+            </a:fld>
+            <a:endParaRPr kumimoji="1" lang="ja-JP" altLang="en-US"/>
+          </a:p>
+        </p:txBody>
+      </p:sp>
+    </p:spTree>
+    <p:extLst>
+      <p:ext uri="{BB962C8B-B14F-4D97-AF65-F5344CB8AC3E}">
+        <p14:creationId xmlns:p14="http://schemas.microsoft.com/office/powerpoint/2010/main" val="3951043107"/>
+      </p:ext>
+    </p:extLst>
+  </p:cSld>
+  <p:clrMapOvr>
+    <a:masterClrMapping/>
+  </p:clrMapOvr>
+</p:notes>
+</file>
+
+<file path=ppt/notesSlides/notesSlide4.xml><?xml version="1.0" encoding="utf-8"?>
+<p:notes xmlns:a="http://schemas.openxmlformats.org/drawingml/2006/main" xmlns:r="http://schemas.openxmlformats.org/officeDocument/2006/relationships" xmlns:p="http://schemas.openxmlformats.org/presentationml/2006/main">
+  <p:cSld>
+    <p:spTree>
+      <p:nvGrpSpPr>
+        <p:cNvPr id="1" name=""/>
+        <p:cNvGrpSpPr/>
+        <p:nvPr/>
+      </p:nvGrpSpPr>
+      <p:grpSpPr>
+        <a:xfrm>
+          <a:off x="0" y="0"/>
+          <a:ext cx="0" cy="0"/>
+          <a:chOff x="0" y="0"/>
+          <a:chExt cx="0" cy="0"/>
+        </a:xfrm>
+      </p:grpSpPr>
+      <p:sp>
+        <p:nvSpPr>
+          <p:cNvPr id="2" name="スライド イメージ プレースホルダー 1"/>
+          <p:cNvSpPr>
+            <a:spLocks noGrp="1" noRot="1" noChangeAspect="1"/>
+          </p:cNvSpPr>
+          <p:nvPr>
+            <p:ph type="sldImg"/>
+          </p:nvPr>
+        </p:nvSpPr>
+        <p:spPr/>
+      </p:sp>
+      <p:sp>
+        <p:nvSpPr>
+          <p:cNvPr id="3" name="ノート プレースホルダー 2"/>
+          <p:cNvSpPr>
+            <a:spLocks noGrp="1"/>
+          </p:cNvSpPr>
+          <p:nvPr>
+            <p:ph type="body" idx="1"/>
+          </p:nvPr>
+        </p:nvSpPr>
+        <p:spPr/>
+        <p:txBody>
+          <a:bodyPr/>
+          <a:lstStyle/>
+          <a:p>
+            <a:r>
+              <a:rPr kumimoji="1" lang="ja-JP" altLang="en-US" smtClean="0"/>
+              <a:t>トレジャーハンターとリモちゃんということです。</a:t>
+            </a:r>
+            <a:endParaRPr kumimoji="1" lang="en-US" altLang="ja-JP" dirty="0" smtClean="0"/>
+          </a:p>
+          <a:p>
+            <a:r>
+              <a:rPr kumimoji="1" lang="ja-JP" altLang="en-US" dirty="0" smtClean="0"/>
+              <a:t>トレジャーハンターがお宝を集めるのにリモちゃんを使っている。という設定。</a:t>
+            </a:r>
+            <a:endParaRPr kumimoji="1" lang="en-US" altLang="ja-JP" dirty="0" smtClean="0"/>
+          </a:p>
+          <a:p>
+            <a:r>
+              <a:rPr kumimoji="1" lang="ja-JP" altLang="en-US" dirty="0" smtClean="0"/>
+              <a:t>あくまで、お宝が欲しいのはトレジャーハンターであり、リモちゃんではない～？</a:t>
+            </a:r>
+            <a:endParaRPr kumimoji="1" lang="ja-JP" altLang="en-US" dirty="0"/>
+          </a:p>
+        </p:txBody>
+      </p:sp>
+      <p:sp>
+        <p:nvSpPr>
+          <p:cNvPr id="4" name="スライド番号プレースホルダー 3"/>
+          <p:cNvSpPr>
+            <a:spLocks noGrp="1"/>
+          </p:cNvSpPr>
+          <p:nvPr>
+            <p:ph type="sldNum" sz="quarter" idx="10"/>
+          </p:nvPr>
+        </p:nvSpPr>
+        <p:spPr/>
+        <p:txBody>
+          <a:bodyPr/>
+          <a:lstStyle/>
+          <a:p>
+            <a:fld id="{7F220BD6-92CC-4D51-9262-C85C9EA9CEAF}" type="slidenum">
+              <a:rPr kumimoji="1" lang="ja-JP" altLang="en-US" smtClean="0"/>
+              <a:t>7</a:t>
+            </a:fld>
+            <a:endParaRPr kumimoji="1" lang="ja-JP" altLang="en-US"/>
+          </a:p>
+        </p:txBody>
+      </p:sp>
+    </p:spTree>
+    <p:extLst>
+      <p:ext uri="{BB962C8B-B14F-4D97-AF65-F5344CB8AC3E}">
+        <p14:creationId xmlns:p14="http://schemas.microsoft.com/office/powerpoint/2010/main" val="2547308896"/>
+      </p:ext>
+    </p:extLst>
+  </p:cSld>
+  <p:clrMapOvr>
+    <a:masterClrMapping/>
+  </p:clrMapOvr>
+</p:notes>
+</file>
+
+<file path=ppt/notesSlides/notesSlide5.xml><?xml version="1.0" encoding="utf-8"?>
+<p:notes xmlns:a="http://schemas.openxmlformats.org/drawingml/2006/main" xmlns:r="http://schemas.openxmlformats.org/officeDocument/2006/relationships" xmlns:p="http://schemas.openxmlformats.org/presentationml/2006/main">
+  <p:cSld>
+    <p:spTree>
+      <p:nvGrpSpPr>
+        <p:cNvPr id="1" name=""/>
+        <p:cNvGrpSpPr/>
+        <p:nvPr/>
+      </p:nvGrpSpPr>
+      <p:grpSpPr>
+        <a:xfrm>
+          <a:off x="0" y="0"/>
+          <a:ext cx="0" cy="0"/>
+          <a:chOff x="0" y="0"/>
+          <a:chExt cx="0" cy="0"/>
+        </a:xfrm>
+      </p:grpSpPr>
+      <p:sp>
+        <p:nvSpPr>
+          <p:cNvPr id="2" name="スライド イメージ プレースホルダー 1"/>
+          <p:cNvSpPr>
+            <a:spLocks noGrp="1" noRot="1" noChangeAspect="1"/>
+          </p:cNvSpPr>
+          <p:nvPr>
+            <p:ph type="sldImg"/>
+          </p:nvPr>
+        </p:nvSpPr>
+        <p:spPr/>
+      </p:sp>
+      <p:sp>
+        <p:nvSpPr>
+          <p:cNvPr id="3" name="ノート プレースホルダー 2"/>
+          <p:cNvSpPr>
+            <a:spLocks noGrp="1"/>
+          </p:cNvSpPr>
+          <p:nvPr>
+            <p:ph type="body" idx="1"/>
+          </p:nvPr>
+        </p:nvSpPr>
+        <p:spPr/>
+        <p:txBody>
+          <a:bodyPr/>
+          <a:lstStyle/>
+          <a:p>
+            <a:r>
+              <a:rPr kumimoji="1" lang="ja-JP" altLang="en-US" dirty="0" smtClean="0"/>
+              <a:t>宝探しといえども、アドベンチャーゲームではなく、対戦ゲームであることを伝える。</a:t>
+            </a:r>
+            <a:endParaRPr kumimoji="1" lang="en-US" altLang="ja-JP" dirty="0" smtClean="0"/>
+          </a:p>
+          <a:p>
+            <a:endParaRPr kumimoji="1" lang="en-US" altLang="ja-JP" dirty="0" smtClean="0"/>
+          </a:p>
+          <a:p>
+            <a:endParaRPr kumimoji="1" lang="en-US" altLang="ja-JP" dirty="0" smtClean="0"/>
+          </a:p>
+        </p:txBody>
+      </p:sp>
+      <p:sp>
+        <p:nvSpPr>
+          <p:cNvPr id="4" name="スライド番号プレースホルダー 3"/>
+          <p:cNvSpPr>
+            <a:spLocks noGrp="1"/>
+          </p:cNvSpPr>
+          <p:nvPr>
+            <p:ph type="sldNum" sz="quarter" idx="10"/>
+          </p:nvPr>
+        </p:nvSpPr>
+        <p:spPr/>
+        <p:txBody>
+          <a:bodyPr/>
+          <a:lstStyle/>
+          <a:p>
+            <a:fld id="{7F220BD6-92CC-4D51-9262-C85C9EA9CEAF}" type="slidenum">
+              <a:rPr kumimoji="1" lang="ja-JP" altLang="en-US" smtClean="0"/>
+              <a:t>8</a:t>
+            </a:fld>
+            <a:endParaRPr kumimoji="1" lang="ja-JP" altLang="en-US"/>
+          </a:p>
+        </p:txBody>
+      </p:sp>
+    </p:spTree>
+    <p:extLst>
+      <p:ext uri="{BB962C8B-B14F-4D97-AF65-F5344CB8AC3E}">
+        <p14:creationId xmlns:p14="http://schemas.microsoft.com/office/powerpoint/2010/main" val="1110776072"/>
+      </p:ext>
+    </p:extLst>
+  </p:cSld>
+  <p:clrMapOvr>
+    <a:masterClrMapping/>
+  </p:clrMapOvr>
+</p:notes>
+</file>
+
+<file path=ppt/notesSlides/notesSlide6.xml><?xml version="1.0" encoding="utf-8"?>
+<p:notes xmlns:a="http://schemas.openxmlformats.org/drawingml/2006/main" xmlns:r="http://schemas.openxmlformats.org/officeDocument/2006/relationships" xmlns:p="http://schemas.openxmlformats.org/presentationml/2006/main">
+  <p:cSld>
+    <p:spTree>
+      <p:nvGrpSpPr>
+        <p:cNvPr id="1" name=""/>
+        <p:cNvGrpSpPr/>
+        <p:nvPr/>
+      </p:nvGrpSpPr>
+      <p:grpSpPr>
+        <a:xfrm>
+          <a:off x="0" y="0"/>
+          <a:ext cx="0" cy="0"/>
+          <a:chOff x="0" y="0"/>
+          <a:chExt cx="0" cy="0"/>
+        </a:xfrm>
+      </p:grpSpPr>
+      <p:sp>
+        <p:nvSpPr>
+          <p:cNvPr id="2" name="スライド イメージ プレースホルダー 1"/>
+          <p:cNvSpPr>
+            <a:spLocks noGrp="1" noRot="1" noChangeAspect="1"/>
+          </p:cNvSpPr>
+          <p:nvPr>
+            <p:ph type="sldImg"/>
+          </p:nvPr>
+        </p:nvSpPr>
+        <p:spPr/>
+      </p:sp>
+      <p:sp>
+        <p:nvSpPr>
+          <p:cNvPr id="3" name="ノート プレースホルダー 2"/>
+          <p:cNvSpPr>
+            <a:spLocks noGrp="1"/>
+          </p:cNvSpPr>
+          <p:nvPr>
+            <p:ph type="body" idx="1"/>
+          </p:nvPr>
+        </p:nvSpPr>
+        <p:spPr/>
+        <p:txBody>
+          <a:bodyPr/>
+          <a:lstStyle/>
+          <a:p>
+            <a:r>
+              <a:rPr kumimoji="1" lang="ja-JP" altLang="en-US" dirty="0" smtClean="0"/>
+              <a:t>最低限、陣地と宝物の場所を見ている人が理解できれば</a:t>
+            </a:r>
+            <a:r>
+              <a:rPr kumimoji="1" lang="en-US" altLang="ja-JP" dirty="0" smtClean="0"/>
+              <a:t>OK</a:t>
+            </a:r>
+            <a:r>
+              <a:rPr kumimoji="1" lang="ja-JP" altLang="en-US" dirty="0" err="1" smtClean="0"/>
+              <a:t>。</a:t>
+            </a:r>
+            <a:endParaRPr kumimoji="1" lang="en-US" altLang="ja-JP" dirty="0" smtClean="0"/>
+          </a:p>
+        </p:txBody>
+      </p:sp>
+      <p:sp>
+        <p:nvSpPr>
+          <p:cNvPr id="4" name="スライド番号プレースホルダー 3"/>
+          <p:cNvSpPr>
+            <a:spLocks noGrp="1"/>
+          </p:cNvSpPr>
+          <p:nvPr>
+            <p:ph type="sldNum" sz="quarter" idx="10"/>
+          </p:nvPr>
+        </p:nvSpPr>
+        <p:spPr/>
+        <p:txBody>
+          <a:bodyPr/>
+          <a:lstStyle/>
+          <a:p>
+            <a:fld id="{7F220BD6-92CC-4D51-9262-C85C9EA9CEAF}" type="slidenum">
+              <a:rPr kumimoji="1" lang="ja-JP" altLang="en-US" smtClean="0"/>
+              <a:t>9</a:t>
+            </a:fld>
+            <a:endParaRPr kumimoji="1" lang="ja-JP" altLang="en-US"/>
+          </a:p>
+        </p:txBody>
+      </p:sp>
+    </p:spTree>
+    <p:extLst>
+      <p:ext uri="{BB962C8B-B14F-4D97-AF65-F5344CB8AC3E}">
+        <p14:creationId xmlns:p14="http://schemas.microsoft.com/office/powerpoint/2010/main" val="3965539280"/>
+      </p:ext>
+    </p:extLst>
+  </p:cSld>
+  <p:clrMapOvr>
+    <a:masterClrMapping/>
+  </p:clrMapOvr>
+</p:notes>
+</file>
+
+<file path=ppt/notesSlides/notesSlide7.xml><?xml version="1.0" encoding="utf-8"?>
+<p:notes xmlns:a="http://schemas.openxmlformats.org/drawingml/2006/main" xmlns:r="http://schemas.openxmlformats.org/officeDocument/2006/relationships" xmlns:p="http://schemas.openxmlformats.org/presentationml/2006/main">
+  <p:cSld>
+    <p:spTree>
+      <p:nvGrpSpPr>
+        <p:cNvPr id="1" name=""/>
+        <p:cNvGrpSpPr/>
+        <p:nvPr/>
+      </p:nvGrpSpPr>
+      <p:grpSpPr>
+        <a:xfrm>
+          <a:off x="0" y="0"/>
+          <a:ext cx="0" cy="0"/>
+          <a:chOff x="0" y="0"/>
+          <a:chExt cx="0" cy="0"/>
+        </a:xfrm>
+      </p:grpSpPr>
+      <p:sp>
+        <p:nvSpPr>
+          <p:cNvPr id="2" name="スライド イメージ プレースホルダー 1"/>
+          <p:cNvSpPr>
+            <a:spLocks noGrp="1" noRot="1" noChangeAspect="1"/>
+          </p:cNvSpPr>
+          <p:nvPr>
+            <p:ph type="sldImg"/>
+          </p:nvPr>
+        </p:nvSpPr>
+        <p:spPr/>
+      </p:sp>
+      <p:sp>
+        <p:nvSpPr>
+          <p:cNvPr id="3" name="ノート プレースホルダー 2"/>
+          <p:cNvSpPr>
+            <a:spLocks noGrp="1"/>
+          </p:cNvSpPr>
+          <p:nvPr>
+            <p:ph type="body" idx="1"/>
+          </p:nvPr>
+        </p:nvSpPr>
+        <p:spPr/>
+        <p:txBody>
+          <a:bodyPr/>
+          <a:lstStyle/>
+          <a:p>
+            <a:r>
+              <a:rPr kumimoji="1" lang="en-US" altLang="ja-JP" dirty="0" smtClean="0"/>
+              <a:t>…</a:t>
+            </a:r>
+            <a:r>
+              <a:rPr kumimoji="1" lang="ja-JP" altLang="en-US" dirty="0" smtClean="0"/>
+              <a:t>何も書くこと</a:t>
+            </a:r>
+            <a:r>
+              <a:rPr kumimoji="1" lang="ja-JP" altLang="en-US" smtClean="0"/>
+              <a:t>がない</a:t>
+            </a:r>
+            <a:endParaRPr kumimoji="1" lang="en-US" altLang="ja-JP" dirty="0" smtClean="0"/>
+          </a:p>
+          <a:p>
+            <a:endParaRPr kumimoji="1" lang="en-US" altLang="ja-JP" dirty="0" smtClean="0"/>
+          </a:p>
+          <a:p>
+            <a:r>
+              <a:rPr kumimoji="1" lang="ja-JP" altLang="en-US" smtClean="0"/>
+              <a:t>なんか書き換えたい</a:t>
+            </a:r>
+            <a:endParaRPr kumimoji="1" lang="ja-JP" altLang="en-US" dirty="0"/>
+          </a:p>
+        </p:txBody>
+      </p:sp>
+      <p:sp>
+        <p:nvSpPr>
+          <p:cNvPr id="4" name="スライド番号プレースホルダー 3"/>
+          <p:cNvSpPr>
+            <a:spLocks noGrp="1"/>
+          </p:cNvSpPr>
+          <p:nvPr>
+            <p:ph type="sldNum" sz="quarter" idx="10"/>
+          </p:nvPr>
+        </p:nvSpPr>
+        <p:spPr/>
+        <p:txBody>
+          <a:bodyPr/>
+          <a:lstStyle/>
+          <a:p>
+            <a:fld id="{7F220BD6-92CC-4D51-9262-C85C9EA9CEAF}" type="slidenum">
+              <a:rPr kumimoji="1" lang="ja-JP" altLang="en-US" smtClean="0"/>
+              <a:t>10</a:t>
+            </a:fld>
+            <a:endParaRPr kumimoji="1" lang="ja-JP" altLang="en-US"/>
+          </a:p>
+        </p:txBody>
+      </p:sp>
+    </p:spTree>
+    <p:extLst>
+      <p:ext uri="{BB962C8B-B14F-4D97-AF65-F5344CB8AC3E}">
+        <p14:creationId xmlns:p14="http://schemas.microsoft.com/office/powerpoint/2010/main" val="3188206473"/>
+      </p:ext>
+    </p:extLst>
+  </p:cSld>
+  <p:clrMapOvr>
+    <a:masterClrMapping/>
+  </p:clrMapOvr>
+</p:notes>
+</file>
+
+<file path=ppt/notesSlides/notesSlide8.xml><?xml version="1.0" encoding="utf-8"?>
+<p:notes xmlns:a="http://schemas.openxmlformats.org/drawingml/2006/main" xmlns:r="http://schemas.openxmlformats.org/officeDocument/2006/relationships" xmlns:p="http://schemas.openxmlformats.org/presentationml/2006/main">
+  <p:cSld>
+    <p:spTree>
+      <p:nvGrpSpPr>
+        <p:cNvPr id="1" name=""/>
+        <p:cNvGrpSpPr/>
+        <p:nvPr/>
+      </p:nvGrpSpPr>
+      <p:grpSpPr>
+        <a:xfrm>
+          <a:off x="0" y="0"/>
+          <a:ext cx="0" cy="0"/>
+          <a:chOff x="0" y="0"/>
+          <a:chExt cx="0" cy="0"/>
+        </a:xfrm>
+      </p:grpSpPr>
+      <p:sp>
+        <p:nvSpPr>
+          <p:cNvPr id="2" name="スライド イメージ プレースホルダー 1"/>
+          <p:cNvSpPr>
+            <a:spLocks noGrp="1" noRot="1" noChangeAspect="1"/>
+          </p:cNvSpPr>
+          <p:nvPr>
+            <p:ph type="sldImg"/>
+          </p:nvPr>
+        </p:nvSpPr>
+        <p:spPr/>
+      </p:sp>
+      <p:sp>
+        <p:nvSpPr>
+          <p:cNvPr id="3" name="ノート プレースホルダー 2"/>
+          <p:cNvSpPr>
+            <a:spLocks noGrp="1"/>
+          </p:cNvSpPr>
+          <p:nvPr>
+            <p:ph type="body" idx="1"/>
+          </p:nvPr>
+        </p:nvSpPr>
+        <p:spPr/>
+        <p:txBody>
+          <a:bodyPr/>
+          <a:lstStyle/>
+          <a:p>
+            <a:r>
+              <a:rPr kumimoji="1" lang="ja-JP" altLang="en-US" dirty="0" smtClean="0"/>
+              <a:t>プレイヤーが出来ることを？？？</a:t>
+            </a:r>
+            <a:endParaRPr kumimoji="1" lang="en-US" altLang="ja-JP" dirty="0" smtClean="0"/>
+          </a:p>
+          <a:p>
+            <a:r>
+              <a:rPr kumimoji="1" lang="ja-JP" altLang="en-US" dirty="0" smtClean="0"/>
+              <a:t>リモちゃんで、変形してトレジャーハンターを手助けします。</a:t>
+            </a:r>
+            <a:endParaRPr kumimoji="1" lang="en-US" altLang="ja-JP" dirty="0" smtClean="0"/>
+          </a:p>
+          <a:p>
+            <a:endParaRPr kumimoji="1" lang="en-US" altLang="ja-JP" dirty="0" smtClean="0"/>
+          </a:p>
+          <a:p>
+            <a:r>
+              <a:rPr kumimoji="1" lang="ja-JP" altLang="en-US" dirty="0" smtClean="0"/>
+              <a:t>リモちゃんがどうやってこのゲームに関係しているかを言えればなおよい！</a:t>
+            </a:r>
+            <a:endParaRPr kumimoji="1" lang="ja-JP" altLang="en-US" dirty="0"/>
+          </a:p>
+        </p:txBody>
+      </p:sp>
+      <p:sp>
+        <p:nvSpPr>
+          <p:cNvPr id="4" name="スライド番号プレースホルダー 3"/>
+          <p:cNvSpPr>
+            <a:spLocks noGrp="1"/>
+          </p:cNvSpPr>
+          <p:nvPr>
+            <p:ph type="sldNum" sz="quarter" idx="10"/>
+          </p:nvPr>
+        </p:nvSpPr>
+        <p:spPr/>
+        <p:txBody>
+          <a:bodyPr/>
+          <a:lstStyle/>
+          <a:p>
+            <a:fld id="{7F220BD6-92CC-4D51-9262-C85C9EA9CEAF}" type="slidenum">
+              <a:rPr kumimoji="1" lang="ja-JP" altLang="en-US" smtClean="0"/>
+              <a:t>11</a:t>
+            </a:fld>
+            <a:endParaRPr kumimoji="1" lang="ja-JP" altLang="en-US"/>
+          </a:p>
+        </p:txBody>
+      </p:sp>
+    </p:spTree>
+    <p:extLst>
+      <p:ext uri="{BB962C8B-B14F-4D97-AF65-F5344CB8AC3E}">
+        <p14:creationId xmlns:p14="http://schemas.microsoft.com/office/powerpoint/2010/main" val="3137325857"/>
+      </p:ext>
+    </p:extLst>
+  </p:cSld>
+  <p:clrMapOvr>
+    <a:masterClrMapping/>
+  </p:clrMapOvr>
+</p:notes>
+</file>
+
+<file path=ppt/notesSlides/notesSlide9.xml><?xml version="1.0" encoding="utf-8"?>
+<p:notes xmlns:a="http://schemas.openxmlformats.org/drawingml/2006/main" xmlns:r="http://schemas.openxmlformats.org/officeDocument/2006/relationships" xmlns:p="http://schemas.openxmlformats.org/presentationml/2006/main">
+  <p:cSld>
+    <p:spTree>
+      <p:nvGrpSpPr>
+        <p:cNvPr id="1" name=""/>
+        <p:cNvGrpSpPr/>
+        <p:nvPr/>
+      </p:nvGrpSpPr>
+      <p:grpSpPr>
+        <a:xfrm>
+          <a:off x="0" y="0"/>
+          <a:ext cx="0" cy="0"/>
+          <a:chOff x="0" y="0"/>
+          <a:chExt cx="0" cy="0"/>
+        </a:xfrm>
+      </p:grpSpPr>
+      <p:sp>
+        <p:nvSpPr>
+          <p:cNvPr id="2" name="スライド イメージ プレースホルダー 1"/>
+          <p:cNvSpPr>
+            <a:spLocks noGrp="1" noRot="1" noChangeAspect="1"/>
+          </p:cNvSpPr>
+          <p:nvPr>
+            <p:ph type="sldImg"/>
+          </p:nvPr>
+        </p:nvSpPr>
+        <p:spPr/>
+      </p:sp>
+      <p:sp>
+        <p:nvSpPr>
+          <p:cNvPr id="3" name="ノート プレースホルダー 2"/>
+          <p:cNvSpPr>
+            <a:spLocks noGrp="1"/>
+          </p:cNvSpPr>
+          <p:nvPr>
+            <p:ph type="body" idx="1"/>
+          </p:nvPr>
+        </p:nvSpPr>
+        <p:spPr/>
+        <p:txBody>
+          <a:bodyPr/>
+          <a:lstStyle/>
+          <a:p>
+            <a:r>
+              <a:rPr kumimoji="1" lang="ja-JP" altLang="en-US" dirty="0" smtClean="0"/>
+              <a:t>一番上</a:t>
+            </a:r>
+            <a:endParaRPr kumimoji="1" lang="en-US" altLang="ja-JP" dirty="0" smtClean="0"/>
+          </a:p>
+          <a:p>
+            <a:r>
+              <a:rPr kumimoji="1" lang="ja-JP" altLang="en-US" dirty="0" smtClean="0"/>
+              <a:t>　アドリブ期待</a:t>
+            </a:r>
+            <a:endParaRPr kumimoji="1" lang="en-US" altLang="ja-JP" dirty="0" smtClean="0"/>
+          </a:p>
+          <a:p>
+            <a:r>
+              <a:rPr kumimoji="1" lang="ja-JP" altLang="en-US" dirty="0" smtClean="0"/>
+              <a:t>　無理そうなら消す</a:t>
+            </a:r>
+            <a:endParaRPr kumimoji="1" lang="en-US" altLang="ja-JP" dirty="0" smtClean="0"/>
+          </a:p>
+          <a:p>
+            <a:endParaRPr kumimoji="1" lang="en-US" altLang="ja-JP" dirty="0" smtClean="0"/>
+          </a:p>
+          <a:p>
+            <a:r>
+              <a:rPr kumimoji="1" lang="ja-JP" altLang="en-US" dirty="0" smtClean="0"/>
+              <a:t>二番目</a:t>
+            </a:r>
+            <a:endParaRPr kumimoji="1" lang="en-US" altLang="ja-JP" dirty="0" smtClean="0"/>
+          </a:p>
+          <a:p>
+            <a:r>
+              <a:rPr kumimoji="1" lang="ja-JP" altLang="en-US" dirty="0" smtClean="0"/>
+              <a:t>　俺は、逃げる</a:t>
+            </a:r>
+            <a:r>
+              <a:rPr kumimoji="1" lang="ja-JP" altLang="en-US" dirty="0" err="1" smtClean="0"/>
+              <a:t>ぜ</a:t>
+            </a:r>
+            <a:r>
+              <a:rPr kumimoji="1" lang="ja-JP" altLang="en-US" dirty="0" smtClean="0"/>
+              <a:t>ヒャッハー</a:t>
+            </a:r>
+            <a:endParaRPr kumimoji="1" lang="en-US" altLang="ja-JP" dirty="0" smtClean="0"/>
+          </a:p>
+          <a:p>
+            <a:r>
+              <a:rPr kumimoji="1" lang="ja-JP" altLang="en-US" dirty="0" smtClean="0"/>
+              <a:t>　道を作る</a:t>
+            </a:r>
+            <a:r>
+              <a:rPr kumimoji="1" lang="ja-JP" altLang="en-US" dirty="0" err="1" smtClean="0"/>
+              <a:t>ぜ</a:t>
+            </a:r>
+            <a:r>
+              <a:rPr kumimoji="1" lang="ja-JP" altLang="en-US" dirty="0" smtClean="0"/>
+              <a:t>ヒャッハー</a:t>
+            </a:r>
+            <a:endParaRPr kumimoji="1" lang="en-US" altLang="ja-JP" dirty="0" smtClean="0"/>
+          </a:p>
+          <a:p>
+            <a:r>
+              <a:rPr kumimoji="1" lang="ja-JP" altLang="en-US" dirty="0" smtClean="0"/>
+              <a:t>　的な様々なプレイスタイルが出来る。</a:t>
+            </a:r>
+            <a:endParaRPr kumimoji="1" lang="en-US" altLang="ja-JP" dirty="0" smtClean="0"/>
+          </a:p>
+          <a:p>
+            <a:endParaRPr kumimoji="1" lang="en-US" altLang="ja-JP" dirty="0" smtClean="0"/>
+          </a:p>
+          <a:p>
+            <a:r>
+              <a:rPr kumimoji="1" lang="ja-JP" altLang="en-US" dirty="0" smtClean="0"/>
+              <a:t>三番目</a:t>
+            </a:r>
+            <a:endParaRPr kumimoji="1" lang="en-US" altLang="ja-JP" dirty="0" smtClean="0"/>
+          </a:p>
+          <a:p>
+            <a:r>
+              <a:rPr kumimoji="1" lang="ja-JP" altLang="en-US" dirty="0" smtClean="0"/>
+              <a:t>　わいわいがやがやわいわいがやがやわいわいがやがやわいわいがやがやわいわいがやがやわいわいがやがやわいわいがやがやわいわいがやがやわいわいがやがやわいわいがやがやわいわいがやがやわいわいがやがやわいわいがやがやわいわいがやがや・・・・・・・・・・・・・・・・・・・・・・・・・・</a:t>
+            </a:r>
+            <a:endParaRPr kumimoji="1" lang="en-US" altLang="ja-JP" dirty="0" smtClean="0"/>
+          </a:p>
+          <a:p>
+            <a:r>
+              <a:rPr kumimoji="1" lang="ja-JP" altLang="en-US" dirty="0" smtClean="0"/>
+              <a:t>　対戦ゲームなのでわいわいがやがや出来ますということ。</a:t>
+            </a:r>
+            <a:endParaRPr kumimoji="1" lang="ja-JP" altLang="en-US" dirty="0"/>
+          </a:p>
+        </p:txBody>
+      </p:sp>
+      <p:sp>
+        <p:nvSpPr>
+          <p:cNvPr id="4" name="スライド番号プレースホルダー 3"/>
+          <p:cNvSpPr>
+            <a:spLocks noGrp="1"/>
+          </p:cNvSpPr>
+          <p:nvPr>
+            <p:ph type="sldNum" sz="quarter" idx="10"/>
+          </p:nvPr>
+        </p:nvSpPr>
+        <p:spPr/>
+        <p:txBody>
+          <a:bodyPr/>
+          <a:lstStyle/>
+          <a:p>
+            <a:fld id="{7F220BD6-92CC-4D51-9262-C85C9EA9CEAF}" type="slidenum">
+              <a:rPr kumimoji="1" lang="ja-JP" altLang="en-US" smtClean="0"/>
+              <a:t>12</a:t>
+            </a:fld>
+            <a:endParaRPr kumimoji="1" lang="ja-JP" altLang="en-US"/>
+          </a:p>
+        </p:txBody>
+      </p:sp>
+    </p:spTree>
+    <p:extLst>
+      <p:ext uri="{BB962C8B-B14F-4D97-AF65-F5344CB8AC3E}">
+        <p14:creationId xmlns:p14="http://schemas.microsoft.com/office/powerpoint/2010/main" val="334686987"/>
+      </p:ext>
+    </p:extLst>
+  </p:cSld>
+  <p:clrMapOvr>
+    <a:masterClrMapping/>
+  </p:clrMapOvr>
+</p:notes>
+</file>
+
 <file path=ppt/slideLayouts/slideLayout1.xml><?xml version="1.0" encoding="utf-8"?>
 <p:sldLayout xmlns:a="http://schemas.openxmlformats.org/drawingml/2006/main" xmlns:r="http://schemas.openxmlformats.org/officeDocument/2006/relationships" xmlns:p="http://schemas.openxmlformats.org/presentationml/2006/main" type="title" preserve="1">
   <p:cSld name="タイトル スライド">
@@ -254,7 +1805,7 @@
           <a:p>
             <a:fld id="{E69596A1-627C-4CF0-BCB9-D41D8A5CB327}" type="datetimeFigureOut">
               <a:rPr kumimoji="1" lang="ja-JP" altLang="en-US" smtClean="0"/>
-              <a:t>2015/6/13</a:t>
+              <a:t>2015/6/16</a:t>
             </a:fld>
             <a:endParaRPr kumimoji="1" lang="ja-JP" altLang="en-US"/>
           </a:p>
@@ -456,7 +2007,7 @@
           <a:p>
             <a:fld id="{E69596A1-627C-4CF0-BCB9-D41D8A5CB327}" type="datetimeFigureOut">
               <a:rPr kumimoji="1" lang="ja-JP" altLang="en-US" smtClean="0"/>
-              <a:t>2015/6/13</a:t>
+              <a:t>2015/6/16</a:t>
             </a:fld>
             <a:endParaRPr kumimoji="1" lang="ja-JP" altLang="en-US"/>
           </a:p>
@@ -668,7 +2219,7 @@
           <a:p>
             <a:fld id="{E69596A1-627C-4CF0-BCB9-D41D8A5CB327}" type="datetimeFigureOut">
               <a:rPr kumimoji="1" lang="ja-JP" altLang="en-US" smtClean="0"/>
-              <a:t>2015/6/13</a:t>
+              <a:t>2015/6/16</a:t>
             </a:fld>
             <a:endParaRPr kumimoji="1" lang="ja-JP" altLang="en-US"/>
           </a:p>
@@ -870,7 +2421,7 @@
           <a:p>
             <a:fld id="{E69596A1-627C-4CF0-BCB9-D41D8A5CB327}" type="datetimeFigureOut">
               <a:rPr kumimoji="1" lang="ja-JP" altLang="en-US" smtClean="0"/>
-              <a:t>2015/6/13</a:t>
+              <a:t>2015/6/16</a:t>
             </a:fld>
             <a:endParaRPr kumimoji="1" lang="ja-JP" altLang="en-US"/>
           </a:p>
@@ -1116,7 +2667,7 @@
           <a:p>
             <a:fld id="{E69596A1-627C-4CF0-BCB9-D41D8A5CB327}" type="datetimeFigureOut">
               <a:rPr kumimoji="1" lang="ja-JP" altLang="en-US" smtClean="0"/>
-              <a:t>2015/6/13</a:t>
+              <a:t>2015/6/16</a:t>
             </a:fld>
             <a:endParaRPr kumimoji="1" lang="ja-JP" altLang="en-US"/>
           </a:p>
@@ -1412,7 +2963,7 @@
           <a:p>
             <a:fld id="{E69596A1-627C-4CF0-BCB9-D41D8A5CB327}" type="datetimeFigureOut">
               <a:rPr kumimoji="1" lang="ja-JP" altLang="en-US" smtClean="0"/>
-              <a:t>2015/6/13</a:t>
+              <a:t>2015/6/16</a:t>
             </a:fld>
             <a:endParaRPr kumimoji="1" lang="ja-JP" altLang="en-US"/>
           </a:p>
@@ -1843,7 +3394,7 @@
           <a:p>
             <a:fld id="{E69596A1-627C-4CF0-BCB9-D41D8A5CB327}" type="datetimeFigureOut">
               <a:rPr kumimoji="1" lang="ja-JP" altLang="en-US" smtClean="0"/>
-              <a:t>2015/6/13</a:t>
+              <a:t>2015/6/16</a:t>
             </a:fld>
             <a:endParaRPr kumimoji="1" lang="ja-JP" altLang="en-US"/>
           </a:p>
@@ -1961,7 +3512,7 @@
           <a:p>
             <a:fld id="{E69596A1-627C-4CF0-BCB9-D41D8A5CB327}" type="datetimeFigureOut">
               <a:rPr kumimoji="1" lang="ja-JP" altLang="en-US" smtClean="0"/>
-              <a:t>2015/6/13</a:t>
+              <a:t>2015/6/16</a:t>
             </a:fld>
             <a:endParaRPr kumimoji="1" lang="ja-JP" altLang="en-US"/>
           </a:p>
@@ -2056,7 +3607,7 @@
           <a:p>
             <a:fld id="{E69596A1-627C-4CF0-BCB9-D41D8A5CB327}" type="datetimeFigureOut">
               <a:rPr kumimoji="1" lang="ja-JP" altLang="en-US" smtClean="0"/>
-              <a:t>2015/6/13</a:t>
+              <a:t>2015/6/16</a:t>
             </a:fld>
             <a:endParaRPr kumimoji="1" lang="ja-JP" altLang="en-US"/>
           </a:p>
@@ -2365,7 +3916,7 @@
           <a:p>
             <a:fld id="{E69596A1-627C-4CF0-BCB9-D41D8A5CB327}" type="datetimeFigureOut">
               <a:rPr kumimoji="1" lang="ja-JP" altLang="en-US" smtClean="0"/>
-              <a:t>2015/6/13</a:t>
+              <a:t>2015/6/16</a:t>
             </a:fld>
             <a:endParaRPr kumimoji="1" lang="ja-JP" altLang="en-US"/>
           </a:p>
@@ -2618,7 +4169,7 @@
           <a:p>
             <a:fld id="{E69596A1-627C-4CF0-BCB9-D41D8A5CB327}" type="datetimeFigureOut">
               <a:rPr kumimoji="1" lang="ja-JP" altLang="en-US" smtClean="0"/>
-              <a:t>2015/6/13</a:t>
+              <a:t>2015/6/16</a:t>
             </a:fld>
             <a:endParaRPr kumimoji="1" lang="ja-JP" altLang="en-US"/>
           </a:p>
@@ -2863,7 +4414,7 @@
           <a:p>
             <a:fld id="{E69596A1-627C-4CF0-BCB9-D41D8A5CB327}" type="datetimeFigureOut">
               <a:rPr kumimoji="1" lang="ja-JP" altLang="en-US" smtClean="0"/>
-              <a:t>2015/6/13</a:t>
+              <a:t>2015/6/16</a:t>
             </a:fld>
             <a:endParaRPr kumimoji="1" lang="ja-JP" altLang="en-US"/>
           </a:p>
@@ -3549,36 +5100,6 @@
           <p:nvPr/>
         </p:nvPicPr>
         <p:blipFill>
-          <a:blip r:embed="rId2" cstate="print">
-            <a:extLst>
-              <a:ext uri="{28A0092B-C50C-407E-A947-70E740481C1C}">
-                <a14:useLocalDpi xmlns:a14="http://schemas.microsoft.com/office/drawing/2010/main" val="0"/>
-              </a:ext>
-            </a:extLst>
-          </a:blip>
-          <a:stretch>
-            <a:fillRect/>
-          </a:stretch>
-        </p:blipFill>
-        <p:spPr>
-          <a:xfrm>
-            <a:off x="10988842" y="5654842"/>
-            <a:ext cx="1203157" cy="1203157"/>
-          </a:xfrm>
-          <a:prstGeom prst="rect">
-            <a:avLst/>
-          </a:prstGeom>
-        </p:spPr>
-      </p:pic>
-      <p:pic>
-        <p:nvPicPr>
-          <p:cNvPr id="5" name="図 4"/>
-          <p:cNvPicPr>
-            <a:picLocks noChangeAspect="1"/>
-          </p:cNvPicPr>
-          <p:nvPr/>
-        </p:nvPicPr>
-        <p:blipFill>
           <a:blip r:embed="rId3" cstate="print">
             <a:extLst>
               <a:ext uri="{28A0092B-C50C-407E-A947-70E740481C1C}">
@@ -3592,8 +5113,8 @@
         </p:blipFill>
         <p:spPr>
           <a:xfrm>
-            <a:off x="959248" y="2829242"/>
-            <a:ext cx="2825598" cy="2825598"/>
+            <a:off x="10988842" y="5654842"/>
+            <a:ext cx="1203157" cy="1203157"/>
           </a:xfrm>
           <a:prstGeom prst="rect">
             <a:avLst/>
@@ -3602,7 +5123,7 @@
       </p:pic>
       <p:pic>
         <p:nvPicPr>
-          <p:cNvPr id="6" name="図 5"/>
+          <p:cNvPr id="5" name="図 4"/>
           <p:cNvPicPr>
             <a:picLocks noChangeAspect="1"/>
           </p:cNvPicPr>
@@ -3622,6 +5143,36 @@
         </p:blipFill>
         <p:spPr>
           <a:xfrm>
+            <a:off x="959248" y="2829242"/>
+            <a:ext cx="2825598" cy="2825598"/>
+          </a:xfrm>
+          <a:prstGeom prst="rect">
+            <a:avLst/>
+          </a:prstGeom>
+        </p:spPr>
+      </p:pic>
+      <p:pic>
+        <p:nvPicPr>
+          <p:cNvPr id="6" name="図 5"/>
+          <p:cNvPicPr>
+            <a:picLocks noChangeAspect="1"/>
+          </p:cNvPicPr>
+          <p:nvPr/>
+        </p:nvPicPr>
+        <p:blipFill>
+          <a:blip r:embed="rId5" cstate="print">
+            <a:extLst>
+              <a:ext uri="{28A0092B-C50C-407E-A947-70E740481C1C}">
+                <a14:useLocalDpi xmlns:a14="http://schemas.microsoft.com/office/drawing/2010/main" val="0"/>
+              </a:ext>
+            </a:extLst>
+          </a:blip>
+          <a:stretch>
+            <a:fillRect/>
+          </a:stretch>
+        </p:blipFill>
+        <p:spPr>
+          <a:xfrm>
             <a:off x="4777762" y="3022921"/>
             <a:ext cx="2651426" cy="2651426"/>
           </a:xfrm>
@@ -3639,7 +5190,7 @@
           <p:nvPr/>
         </p:nvPicPr>
         <p:blipFill>
-          <a:blip r:embed="rId5" cstate="print">
+          <a:blip r:embed="rId6" cstate="print">
             <a:extLst>
               <a:ext uri="{28A0092B-C50C-407E-A947-70E740481C1C}">
                 <a14:useLocalDpi xmlns:a14="http://schemas.microsoft.com/office/drawing/2010/main" val="0"/>
@@ -3796,7 +5347,7 @@
           <p:nvPr/>
         </p:nvPicPr>
         <p:blipFill>
-          <a:blip r:embed="rId2" cstate="print">
+          <a:blip r:embed="rId3" cstate="print">
             <a:extLst>
               <a:ext uri="{28A0092B-C50C-407E-A947-70E740481C1C}">
                 <a14:useLocalDpi xmlns:a14="http://schemas.microsoft.com/office/drawing/2010/main" val="0"/>
@@ -4057,7 +5608,7 @@
           <p:nvPr/>
         </p:nvPicPr>
         <p:blipFill>
-          <a:blip r:embed="rId2" cstate="print">
+          <a:blip r:embed="rId3" cstate="print">
             <a:extLst>
               <a:ext uri="{28A0092B-C50C-407E-A947-70E740481C1C}">
                 <a14:useLocalDpi xmlns:a14="http://schemas.microsoft.com/office/drawing/2010/main" val="0"/>
@@ -4082,6 +5633,66 @@
     <p:extLst>
       <p:ext uri="{BB962C8B-B14F-4D97-AF65-F5344CB8AC3E}">
         <p14:creationId xmlns:p14="http://schemas.microsoft.com/office/powerpoint/2010/main" val="1082787470"/>
+      </p:ext>
+    </p:extLst>
+  </p:cSld>
+  <p:clrMapOvr>
+    <a:masterClrMapping/>
+  </p:clrMapOvr>
+</p:sld>
+</file>
+
+<file path=ppt/slides/slide13.xml><?xml version="1.0" encoding="utf-8"?>
+<p:sld xmlns:a="http://schemas.openxmlformats.org/drawingml/2006/main" xmlns:r="http://schemas.openxmlformats.org/officeDocument/2006/relationships" xmlns:p="http://schemas.openxmlformats.org/presentationml/2006/main">
+  <p:cSld>
+    <p:spTree>
+      <p:nvGrpSpPr>
+        <p:cNvPr id="1" name=""/>
+        <p:cNvGrpSpPr/>
+        <p:nvPr/>
+      </p:nvGrpSpPr>
+      <p:grpSpPr>
+        <a:xfrm>
+          <a:off x="0" y="0"/>
+          <a:ext cx="0" cy="0"/>
+          <a:chOff x="0" y="0"/>
+          <a:chExt cx="0" cy="0"/>
+        </a:xfrm>
+      </p:grpSpPr>
+      <p:pic>
+        <p:nvPicPr>
+          <p:cNvPr id="2" name="図 1"/>
+          <p:cNvPicPr>
+            <a:picLocks noChangeAspect="1"/>
+          </p:cNvPicPr>
+          <p:nvPr/>
+        </p:nvPicPr>
+        <p:blipFill>
+          <a:blip r:embed="rId3" cstate="print">
+            <a:extLst>
+              <a:ext uri="{28A0092B-C50C-407E-A947-70E740481C1C}">
+                <a14:useLocalDpi xmlns:a14="http://schemas.microsoft.com/office/drawing/2010/main" val="0"/>
+              </a:ext>
+            </a:extLst>
+          </a:blip>
+          <a:stretch>
+            <a:fillRect/>
+          </a:stretch>
+        </p:blipFill>
+        <p:spPr>
+          <a:xfrm>
+            <a:off x="10988842" y="5654842"/>
+            <a:ext cx="1203157" cy="1203157"/>
+          </a:xfrm>
+          <a:prstGeom prst="rect">
+            <a:avLst/>
+          </a:prstGeom>
+        </p:spPr>
+      </p:pic>
+    </p:spTree>
+    <p:extLst>
+      <p:ext uri="{BB962C8B-B14F-4D97-AF65-F5344CB8AC3E}">
+        <p14:creationId xmlns:p14="http://schemas.microsoft.com/office/powerpoint/2010/main" val="1970350676"/>
       </p:ext>
     </p:extLst>
   </p:cSld>
@@ -4247,7 +5858,7 @@
           <p:nvPr/>
         </p:nvPicPr>
         <p:blipFill>
-          <a:blip r:embed="rId2" cstate="print">
+          <a:blip r:embed="rId3" cstate="print">
             <a:extLst>
               <a:ext uri="{28A0092B-C50C-407E-A947-70E740481C1C}">
                 <a14:useLocalDpi xmlns:a14="http://schemas.microsoft.com/office/drawing/2010/main" val="0"/>
@@ -4307,7 +5918,7 @@
           <p:nvPr/>
         </p:nvPicPr>
         <p:blipFill>
-          <a:blip r:embed="rId3">
+          <a:blip r:embed="rId4">
             <a:extLst>
               <a:ext uri="{28A0092B-C50C-407E-A947-70E740481C1C}">
                 <a14:useLocalDpi xmlns:a14="http://schemas.microsoft.com/office/drawing/2010/main" val="0"/>
@@ -4432,12 +6043,8 @@
           </a:p>
           <a:p>
             <a:r>
-              <a:rPr lang="ja-JP" altLang="en-US" sz="2800" dirty="0"/>
-              <a:t>図</a:t>
-            </a:r>
-            <a:r>
               <a:rPr lang="ja-JP" altLang="en-US" sz="2800" dirty="0" smtClean="0"/>
-              <a:t>ろうとする。</a:t>
+              <a:t>図ろうとする。</a:t>
             </a:r>
             <a:endParaRPr kumimoji="1" lang="ja-JP" altLang="en-US" sz="2800" dirty="0"/>
           </a:p>
@@ -4482,36 +6089,6 @@
           <p:nvPr/>
         </p:nvPicPr>
         <p:blipFill>
-          <a:blip r:embed="rId2" cstate="print">
-            <a:extLst>
-              <a:ext uri="{28A0092B-C50C-407E-A947-70E740481C1C}">
-                <a14:useLocalDpi xmlns:a14="http://schemas.microsoft.com/office/drawing/2010/main" val="0"/>
-              </a:ext>
-            </a:extLst>
-          </a:blip>
-          <a:stretch>
-            <a:fillRect/>
-          </a:stretch>
-        </p:blipFill>
-        <p:spPr>
-          <a:xfrm>
-            <a:off x="-397707" y="1170036"/>
-            <a:ext cx="5546558" cy="5546558"/>
-          </a:xfrm>
-          <a:prstGeom prst="rect">
-            <a:avLst/>
-          </a:prstGeom>
-        </p:spPr>
-      </p:pic>
-      <p:pic>
-        <p:nvPicPr>
-          <p:cNvPr id="5" name="図 4"/>
-          <p:cNvPicPr>
-            <a:picLocks noChangeAspect="1"/>
-          </p:cNvPicPr>
-          <p:nvPr/>
-        </p:nvPicPr>
-        <p:blipFill>
           <a:blip r:embed="rId3" cstate="print">
             <a:extLst>
               <a:ext uri="{28A0092B-C50C-407E-A947-70E740481C1C}">
@@ -4525,63 +6102,17 @@
         </p:blipFill>
         <p:spPr>
           <a:xfrm>
-            <a:off x="10988842" y="5654842"/>
-            <a:ext cx="1203157" cy="1203157"/>
+            <a:off x="-397707" y="1170036"/>
+            <a:ext cx="5546558" cy="5546558"/>
           </a:xfrm>
           <a:prstGeom prst="rect">
             <a:avLst/>
           </a:prstGeom>
         </p:spPr>
       </p:pic>
-      <p:sp>
-        <p:nvSpPr>
-          <p:cNvPr id="7" name="角丸四角形 6"/>
-          <p:cNvSpPr/>
-          <p:nvPr/>
-        </p:nvSpPr>
-        <p:spPr>
-          <a:xfrm>
-            <a:off x="5547360" y="731520"/>
-            <a:ext cx="6148252" cy="5158448"/>
-          </a:xfrm>
-          <a:prstGeom prst="roundRect">
-            <a:avLst/>
-          </a:prstGeom>
-          <a:solidFill>
-            <a:schemeClr val="accent1">
-              <a:lumMod val="20000"/>
-              <a:lumOff val="80000"/>
-            </a:schemeClr>
-          </a:solidFill>
-        </p:spPr>
-        <p:style>
-          <a:lnRef idx="2">
-            <a:schemeClr val="accent1">
-              <a:shade val="50000"/>
-            </a:schemeClr>
-          </a:lnRef>
-          <a:fillRef idx="1">
-            <a:schemeClr val="accent1"/>
-          </a:fillRef>
-          <a:effectRef idx="0">
-            <a:schemeClr val="accent1"/>
-          </a:effectRef>
-          <a:fontRef idx="minor">
-            <a:schemeClr val="lt1"/>
-          </a:fontRef>
-        </p:style>
-        <p:txBody>
-          <a:bodyPr rtlCol="0" anchor="ctr"/>
-          <a:lstStyle/>
-          <a:p>
-            <a:pPr algn="ctr"/>
-            <a:endParaRPr kumimoji="1" lang="ja-JP" altLang="en-US" dirty="0"/>
-          </a:p>
-        </p:txBody>
-      </p:sp>
       <p:pic>
         <p:nvPicPr>
-          <p:cNvPr id="2" name="図 1"/>
+          <p:cNvPr id="5" name="図 4"/>
           <p:cNvPicPr>
             <a:picLocks noChangeAspect="1"/>
           </p:cNvPicPr>
@@ -4601,6 +6132,82 @@
         </p:blipFill>
         <p:spPr>
           <a:xfrm>
+            <a:off x="10988842" y="5654842"/>
+            <a:ext cx="1203157" cy="1203157"/>
+          </a:xfrm>
+          <a:prstGeom prst="rect">
+            <a:avLst/>
+          </a:prstGeom>
+        </p:spPr>
+      </p:pic>
+      <p:sp>
+        <p:nvSpPr>
+          <p:cNvPr id="7" name="角丸四角形 6"/>
+          <p:cNvSpPr/>
+          <p:nvPr/>
+        </p:nvSpPr>
+        <p:spPr>
+          <a:xfrm>
+            <a:off x="5547360" y="731520"/>
+            <a:ext cx="6148252" cy="5158448"/>
+          </a:xfrm>
+          <a:prstGeom prst="roundRect">
+            <a:avLst/>
+          </a:prstGeom>
+          <a:solidFill>
+            <a:schemeClr val="accent1">
+              <a:lumMod val="20000"/>
+              <a:lumOff val="80000"/>
+            </a:schemeClr>
+          </a:solidFill>
+        </p:spPr>
+        <p:style>
+          <a:lnRef idx="2">
+            <a:schemeClr val="accent1">
+              <a:shade val="50000"/>
+            </a:schemeClr>
+          </a:lnRef>
+          <a:fillRef idx="1">
+            <a:schemeClr val="accent1"/>
+          </a:fillRef>
+          <a:effectRef idx="0">
+            <a:schemeClr val="accent1"/>
+          </a:effectRef>
+          <a:fontRef idx="minor">
+            <a:schemeClr val="lt1"/>
+          </a:fontRef>
+        </p:style>
+        <p:txBody>
+          <a:bodyPr rtlCol="0" anchor="ctr"/>
+          <a:lstStyle/>
+          <a:p>
+            <a:pPr algn="ctr"/>
+            <a:endParaRPr kumimoji="1" lang="ja-JP" altLang="en-US" dirty="0"/>
+          </a:p>
+        </p:txBody>
+      </p:sp>
+      <p:pic>
+        <p:nvPicPr>
+          <p:cNvPr id="2" name="図 1"/>
+          <p:cNvPicPr>
+            <a:picLocks noChangeAspect="1"/>
+          </p:cNvPicPr>
+          <p:nvPr/>
+        </p:nvPicPr>
+        <p:blipFill>
+          <a:blip r:embed="rId5" cstate="print">
+            <a:extLst>
+              <a:ext uri="{28A0092B-C50C-407E-A947-70E740481C1C}">
+                <a14:useLocalDpi xmlns:a14="http://schemas.microsoft.com/office/drawing/2010/main" val="0"/>
+              </a:ext>
+            </a:extLst>
+          </a:blip>
+          <a:stretch>
+            <a:fillRect/>
+          </a:stretch>
+        </p:blipFill>
+        <p:spPr>
+          <a:xfrm>
             <a:off x="7750214" y="1089906"/>
             <a:ext cx="1760156" cy="2651968"/>
           </a:xfrm>
@@ -4618,7 +6225,7 @@
           <p:nvPr/>
         </p:nvPicPr>
         <p:blipFill>
-          <a:blip r:embed="rId5">
+          <a:blip r:embed="rId6">
             <a:extLst>
               <a:ext uri="{28A0092B-C50C-407E-A947-70E740481C1C}">
                 <a14:useLocalDpi xmlns:a14="http://schemas.microsoft.com/office/drawing/2010/main" val="0"/>
@@ -4648,7 +6255,7 @@
           <p:nvPr/>
         </p:nvPicPr>
         <p:blipFill>
-          <a:blip r:embed="rId6">
+          <a:blip r:embed="rId7">
             <a:extLst>
               <a:ext uri="{28A0092B-C50C-407E-A947-70E740481C1C}">
                 <a14:useLocalDpi xmlns:a14="http://schemas.microsoft.com/office/drawing/2010/main" val="0"/>
@@ -4812,7 +6419,7 @@
           <p:nvPr/>
         </p:nvPicPr>
         <p:blipFill>
-          <a:blip r:embed="rId2" cstate="print">
+          <a:blip r:embed="rId3" cstate="print">
             <a:extLst>
               <a:ext uri="{28A0092B-C50C-407E-A947-70E740481C1C}">
                 <a14:useLocalDpi xmlns:a14="http://schemas.microsoft.com/office/drawing/2010/main" val="0"/>
@@ -5238,7 +6845,7 @@
           <p:nvPr/>
         </p:nvPicPr>
         <p:blipFill>
-          <a:blip r:embed="rId3" cstate="print">
+          <a:blip r:embed="rId4" cstate="print">
             <a:extLst>
               <a:ext uri="{28A0092B-C50C-407E-A947-70E740481C1C}">
                 <a14:useLocalDpi xmlns:a14="http://schemas.microsoft.com/office/drawing/2010/main" val="0"/>
@@ -5388,7 +6995,7 @@
           <p:nvPr/>
         </p:nvPicPr>
         <p:blipFill>
-          <a:blip r:embed="rId2" cstate="print">
+          <a:blip r:embed="rId3" cstate="print">
             <a:extLst>
               <a:ext uri="{28A0092B-C50C-407E-A947-70E740481C1C}">
                 <a14:useLocalDpi xmlns:a14="http://schemas.microsoft.com/office/drawing/2010/main" val="0"/>
@@ -5498,7 +7105,7 @@
           <p:nvPr/>
         </p:nvPicPr>
         <p:blipFill>
-          <a:blip r:embed="rId3" cstate="print">
+          <a:blip r:embed="rId4" cstate="print">
             <a:extLst>
               <a:ext uri="{28A0092B-C50C-407E-A947-70E740481C1C}">
                 <a14:useLocalDpi xmlns:a14="http://schemas.microsoft.com/office/drawing/2010/main" val="0"/>
@@ -5551,14 +7158,14 @@
       </p:grpSpPr>
       <p:sp>
         <p:nvSpPr>
-          <p:cNvPr id="3" name="テキスト ボックス 2"/>
+          <p:cNvPr id="2" name="テキスト ボックス 1"/>
           <p:cNvSpPr txBox="1"/>
           <p:nvPr/>
         </p:nvSpPr>
         <p:spPr>
           <a:xfrm>
-            <a:off x="600891" y="487679"/>
-            <a:ext cx="2948243" cy="769441"/>
+            <a:off x="1277899" y="2386389"/>
+            <a:ext cx="6144631" cy="1323439"/>
           </a:xfrm>
           <a:prstGeom prst="rect">
             <a:avLst/>
@@ -5572,57 +7179,23 @@
           <a:lstStyle/>
           <a:p>
             <a:r>
-              <a:rPr lang="ja-JP" altLang="en-US" sz="4400" dirty="0" smtClean="0"/>
-              <a:t>ゲーム</a:t>
-            </a:r>
-            <a:r>
-              <a:rPr lang="ja-JP" altLang="en-US" sz="4400" dirty="0"/>
-              <a:t>画面</a:t>
-            </a:r>
-            <a:endParaRPr kumimoji="1" lang="ja-JP" altLang="en-US" sz="4400" dirty="0"/>
-          </a:p>
-        </p:txBody>
-      </p:sp>
-      <p:pic>
-        <p:nvPicPr>
-          <p:cNvPr id="4" name="図 3"/>
-          <p:cNvPicPr>
-            <a:picLocks noChangeAspect="1"/>
-          </p:cNvPicPr>
-          <p:nvPr/>
-        </p:nvPicPr>
-        <p:blipFill>
-          <a:blip r:embed="rId2">
-            <a:extLst>
-              <a:ext uri="{28A0092B-C50C-407E-A947-70E740481C1C}">
-                <a14:useLocalDpi xmlns:a14="http://schemas.microsoft.com/office/drawing/2010/main" val="0"/>
-              </a:ext>
-            </a:extLst>
-          </a:blip>
-          <a:stretch>
-            <a:fillRect/>
-          </a:stretch>
-        </p:blipFill>
-        <p:spPr>
-          <a:xfrm>
-            <a:off x="600891" y="1435029"/>
-            <a:ext cx="7173687" cy="4991650"/>
-          </a:xfrm>
-          <a:prstGeom prst="rect">
-            <a:avLst/>
-          </a:prstGeom>
-        </p:spPr>
-      </p:pic>
-      <p:sp>
-        <p:nvSpPr>
-          <p:cNvPr id="5" name="テキスト ボックス 4"/>
+              <a:rPr kumimoji="1" lang="ja-JP" altLang="en-US" sz="8000" dirty="0" smtClean="0"/>
+              <a:t>一つの宝物を</a:t>
+            </a:r>
+            <a:endParaRPr kumimoji="1" lang="ja-JP" altLang="en-US" sz="8000" dirty="0"/>
+          </a:p>
+        </p:txBody>
+      </p:sp>
+      <p:sp>
+        <p:nvSpPr>
+          <p:cNvPr id="3" name="テキスト ボックス 2"/>
           <p:cNvSpPr txBox="1"/>
           <p:nvPr/>
         </p:nvSpPr>
         <p:spPr>
           <a:xfrm>
-            <a:off x="8635038" y="4701396"/>
-            <a:ext cx="1510350" cy="523220"/>
+            <a:off x="3600281" y="3709828"/>
+            <a:ext cx="7691529" cy="1323439"/>
           </a:xfrm>
           <a:prstGeom prst="rect">
             <a:avLst/>
@@ -5636,31 +7209,23 @@
           <a:lstStyle/>
           <a:p>
             <a:r>
-              <a:rPr lang="ja-JP" altLang="en-US" sz="2800" dirty="0" smtClean="0"/>
-              <a:t>★</a:t>
-            </a:r>
-            <a:r>
-              <a:rPr lang="en-US" altLang="ja-JP" sz="2800" dirty="0" smtClean="0"/>
-              <a:t>…</a:t>
-            </a:r>
-            <a:r>
-              <a:rPr lang="ja-JP" altLang="en-US" sz="2800" dirty="0" smtClean="0"/>
-              <a:t>宝物</a:t>
-            </a:r>
-            <a:endParaRPr kumimoji="1" lang="ja-JP" altLang="en-US" sz="2800" dirty="0"/>
-          </a:p>
-        </p:txBody>
-      </p:sp>
-      <p:sp>
-        <p:nvSpPr>
-          <p:cNvPr id="6" name="テキスト ボックス 5"/>
+              <a:rPr kumimoji="1" lang="ja-JP" altLang="en-US" sz="8000" dirty="0" smtClean="0"/>
+              <a:t>四人が奪い合う。</a:t>
+            </a:r>
+            <a:endParaRPr kumimoji="1" lang="ja-JP" altLang="en-US" sz="8000" dirty="0"/>
+          </a:p>
+        </p:txBody>
+      </p:sp>
+      <p:sp>
+        <p:nvSpPr>
+          <p:cNvPr id="4" name="テキスト ボックス 3"/>
           <p:cNvSpPr txBox="1"/>
           <p:nvPr/>
         </p:nvSpPr>
         <p:spPr>
           <a:xfrm>
-            <a:off x="8635039" y="5270739"/>
-            <a:ext cx="1510350" cy="523220"/>
+            <a:off x="600891" y="487679"/>
+            <a:ext cx="2502608" cy="769441"/>
           </a:xfrm>
           <a:prstGeom prst="rect">
             <a:avLst/>
@@ -5674,24 +7239,16 @@
           <a:lstStyle/>
           <a:p>
             <a:r>
-              <a:rPr kumimoji="1" lang="ja-JP" altLang="en-US" sz="2800" dirty="0" smtClean="0"/>
-              <a:t>△</a:t>
-            </a:r>
-            <a:r>
-              <a:rPr kumimoji="1" lang="en-US" altLang="ja-JP" sz="2800" dirty="0" smtClean="0"/>
-              <a:t>…</a:t>
-            </a:r>
-            <a:r>
-              <a:rPr kumimoji="1" lang="ja-JP" altLang="en-US" sz="2800" dirty="0" smtClean="0"/>
-              <a:t>陣地</a:t>
-            </a:r>
-            <a:endParaRPr kumimoji="1" lang="ja-JP" altLang="en-US" sz="2800" dirty="0"/>
+              <a:rPr kumimoji="1" lang="ja-JP" altLang="en-US" sz="4400" dirty="0" smtClean="0"/>
+              <a:t>コンセプト</a:t>
+            </a:r>
+            <a:endParaRPr kumimoji="1" lang="ja-JP" altLang="en-US" sz="4400" dirty="0"/>
           </a:p>
         </p:txBody>
       </p:sp>
       <p:pic>
         <p:nvPicPr>
-          <p:cNvPr id="7" name="図 6"/>
+          <p:cNvPr id="6" name="図 5"/>
           <p:cNvPicPr>
             <a:picLocks noChangeAspect="1"/>
           </p:cNvPicPr>
@@ -5722,7 +7279,7 @@
     </p:spTree>
     <p:extLst>
       <p:ext uri="{BB962C8B-B14F-4D97-AF65-F5344CB8AC3E}">
-        <p14:creationId xmlns:p14="http://schemas.microsoft.com/office/powerpoint/2010/main" val="700567770"/>
+        <p14:creationId xmlns:p14="http://schemas.microsoft.com/office/powerpoint/2010/main" val="3433784511"/>
       </p:ext>
     </p:extLst>
   </p:cSld>
@@ -5751,14 +7308,14 @@
       </p:grpSpPr>
       <p:sp>
         <p:nvSpPr>
-          <p:cNvPr id="2" name="テキスト ボックス 1"/>
+          <p:cNvPr id="3" name="テキスト ボックス 2"/>
           <p:cNvSpPr txBox="1"/>
           <p:nvPr/>
         </p:nvSpPr>
         <p:spPr>
           <a:xfrm>
-            <a:off x="1277899" y="2386389"/>
-            <a:ext cx="6144631" cy="1323439"/>
+            <a:off x="600891" y="487679"/>
+            <a:ext cx="2948243" cy="769441"/>
           </a:xfrm>
           <a:prstGeom prst="rect">
             <a:avLst/>
@@ -5772,76 +7329,12 @@
           <a:lstStyle/>
           <a:p>
             <a:r>
-              <a:rPr kumimoji="1" lang="ja-JP" altLang="en-US" sz="8000" dirty="0" smtClean="0"/>
-              <a:t>一つの宝物</a:t>
-            </a:r>
-            <a:r>
-              <a:rPr kumimoji="1" lang="ja-JP" altLang="en-US" sz="8000" dirty="0" smtClean="0"/>
-              <a:t>を</a:t>
-            </a:r>
-            <a:endParaRPr kumimoji="1" lang="ja-JP" altLang="en-US" sz="8000" dirty="0"/>
-          </a:p>
-        </p:txBody>
-      </p:sp>
-      <p:sp>
-        <p:nvSpPr>
-          <p:cNvPr id="3" name="テキスト ボックス 2"/>
-          <p:cNvSpPr txBox="1"/>
-          <p:nvPr/>
-        </p:nvSpPr>
-        <p:spPr>
-          <a:xfrm>
-            <a:off x="3600281" y="3709828"/>
-            <a:ext cx="7691529" cy="1323439"/>
-          </a:xfrm>
-          <a:prstGeom prst="rect">
-            <a:avLst/>
-          </a:prstGeom>
-          <a:noFill/>
-        </p:spPr>
-        <p:txBody>
-          <a:bodyPr wrap="none" rtlCol="0">
-            <a:spAutoFit/>
-          </a:bodyPr>
-          <a:lstStyle/>
-          <a:p>
-            <a:r>
-              <a:rPr kumimoji="1" lang="ja-JP" altLang="en-US" sz="8000" dirty="0" smtClean="0"/>
-              <a:t>四人</a:t>
-            </a:r>
-            <a:r>
-              <a:rPr kumimoji="1" lang="ja-JP" altLang="en-US" sz="8000" dirty="0" smtClean="0"/>
-              <a:t>が奪い合う。</a:t>
-            </a:r>
-            <a:endParaRPr kumimoji="1" lang="ja-JP" altLang="en-US" sz="8000" dirty="0"/>
-          </a:p>
-        </p:txBody>
-      </p:sp>
-      <p:sp>
-        <p:nvSpPr>
-          <p:cNvPr id="4" name="テキスト ボックス 3"/>
-          <p:cNvSpPr txBox="1"/>
-          <p:nvPr/>
-        </p:nvSpPr>
-        <p:spPr>
-          <a:xfrm>
-            <a:off x="600891" y="487679"/>
-            <a:ext cx="2502608" cy="769441"/>
-          </a:xfrm>
-          <a:prstGeom prst="rect">
-            <a:avLst/>
-          </a:prstGeom>
-          <a:noFill/>
-        </p:spPr>
-        <p:txBody>
-          <a:bodyPr wrap="none" rtlCol="0">
-            <a:spAutoFit/>
-          </a:bodyPr>
-          <a:lstStyle/>
-          <a:p>
-            <a:r>
-              <a:rPr kumimoji="1" lang="ja-JP" altLang="en-US" sz="4400" dirty="0" smtClean="0"/>
-              <a:t>コンセプト</a:t>
+              <a:rPr lang="ja-JP" altLang="en-US" sz="4400" dirty="0" smtClean="0"/>
+              <a:t>ゲーム</a:t>
+            </a:r>
+            <a:r>
+              <a:rPr lang="ja-JP" altLang="en-US" sz="4400" dirty="0"/>
+              <a:t>画面</a:t>
             </a:r>
             <a:endParaRPr kumimoji="1" lang="ja-JP" altLang="en-US" sz="4400" dirty="0"/>
           </a:p>
@@ -5849,14 +7342,14 @@
       </p:sp>
       <p:pic>
         <p:nvPicPr>
-          <p:cNvPr id="6" name="図 5"/>
+          <p:cNvPr id="4" name="図 3"/>
           <p:cNvPicPr>
             <a:picLocks noChangeAspect="1"/>
           </p:cNvPicPr>
           <p:nvPr/>
         </p:nvPicPr>
         <p:blipFill>
-          <a:blip r:embed="rId2" cstate="print">
+          <a:blip r:embed="rId3">
             <a:extLst>
               <a:ext uri="{28A0092B-C50C-407E-A947-70E740481C1C}">
                 <a14:useLocalDpi xmlns:a14="http://schemas.microsoft.com/office/drawing/2010/main" val="0"/>
@@ -5869,6 +7362,112 @@
         </p:blipFill>
         <p:spPr>
           <a:xfrm>
+            <a:off x="600891" y="1435029"/>
+            <a:ext cx="7173687" cy="4991650"/>
+          </a:xfrm>
+          <a:prstGeom prst="rect">
+            <a:avLst/>
+          </a:prstGeom>
+        </p:spPr>
+      </p:pic>
+      <p:sp>
+        <p:nvSpPr>
+          <p:cNvPr id="5" name="テキスト ボックス 4"/>
+          <p:cNvSpPr txBox="1"/>
+          <p:nvPr/>
+        </p:nvSpPr>
+        <p:spPr>
+          <a:xfrm>
+            <a:off x="8635038" y="4701396"/>
+            <a:ext cx="1510350" cy="523220"/>
+          </a:xfrm>
+          <a:prstGeom prst="rect">
+            <a:avLst/>
+          </a:prstGeom>
+          <a:noFill/>
+        </p:spPr>
+        <p:txBody>
+          <a:bodyPr wrap="none" rtlCol="0">
+            <a:spAutoFit/>
+          </a:bodyPr>
+          <a:lstStyle/>
+          <a:p>
+            <a:r>
+              <a:rPr lang="ja-JP" altLang="en-US" sz="2800" dirty="0" smtClean="0"/>
+              <a:t>★</a:t>
+            </a:r>
+            <a:r>
+              <a:rPr lang="en-US" altLang="ja-JP" sz="2800" dirty="0" smtClean="0"/>
+              <a:t>…</a:t>
+            </a:r>
+            <a:r>
+              <a:rPr lang="ja-JP" altLang="en-US" sz="2800" dirty="0" smtClean="0"/>
+              <a:t>宝物</a:t>
+            </a:r>
+            <a:endParaRPr kumimoji="1" lang="ja-JP" altLang="en-US" sz="2800" dirty="0"/>
+          </a:p>
+        </p:txBody>
+      </p:sp>
+      <p:sp>
+        <p:nvSpPr>
+          <p:cNvPr id="6" name="テキスト ボックス 5"/>
+          <p:cNvSpPr txBox="1"/>
+          <p:nvPr/>
+        </p:nvSpPr>
+        <p:spPr>
+          <a:xfrm>
+            <a:off x="8635039" y="5270739"/>
+            <a:ext cx="1510350" cy="523220"/>
+          </a:xfrm>
+          <a:prstGeom prst="rect">
+            <a:avLst/>
+          </a:prstGeom>
+          <a:noFill/>
+        </p:spPr>
+        <p:txBody>
+          <a:bodyPr wrap="none" rtlCol="0">
+            <a:spAutoFit/>
+          </a:bodyPr>
+          <a:lstStyle/>
+          <a:p>
+            <a:r>
+              <a:rPr kumimoji="1" lang="ja-JP" altLang="en-US" sz="2800" dirty="0" smtClean="0"/>
+              <a:t>△</a:t>
+            </a:r>
+            <a:r>
+              <a:rPr kumimoji="1" lang="en-US" altLang="ja-JP" sz="2800" dirty="0" smtClean="0"/>
+              <a:t>…</a:t>
+            </a:r>
+            <a:r>
+              <a:rPr kumimoji="1" lang="ja-JP" altLang="en-US" sz="2800" dirty="0" smtClean="0"/>
+              <a:t>陣地</a:t>
+            </a:r>
+            <a:endParaRPr kumimoji="1" lang="ja-JP" altLang="en-US" sz="2800" dirty="0"/>
+          </a:p>
+        </p:txBody>
+      </p:sp>
+      <p:pic>
+        <p:nvPicPr>
+          <p:cNvPr id="7" name="図 6"/>
+          <p:cNvPicPr>
+            <a:picLocks noChangeAspect="1"/>
+          </p:cNvPicPr>
+          <p:nvPr/>
+        </p:nvPicPr>
+        <p:blipFill>
+          <a:blip r:embed="rId4" cstate="print">
+            <a:extLst>
+              <a:ext uri="{28A0092B-C50C-407E-A947-70E740481C1C}">
+                <a14:useLocalDpi xmlns:a14="http://schemas.microsoft.com/office/drawing/2010/main" val="0"/>
+              </a:ext>
+            </a:extLst>
+          </a:blip>
+          <a:stretch>
+            <a:fillRect/>
+          </a:stretch>
+        </p:blipFill>
+        <p:spPr>
+          <a:xfrm>
             <a:off x="10988842" y="5654842"/>
             <a:ext cx="1203157" cy="1203157"/>
           </a:xfrm>
@@ -5880,7 +7479,7 @@
     </p:spTree>
     <p:extLst>
       <p:ext uri="{BB962C8B-B14F-4D97-AF65-F5344CB8AC3E}">
-        <p14:creationId xmlns:p14="http://schemas.microsoft.com/office/powerpoint/2010/main" val="3433784511"/>
+        <p14:creationId xmlns:p14="http://schemas.microsoft.com/office/powerpoint/2010/main" val="700567770"/>
       </p:ext>
     </p:extLst>
   </p:cSld>
@@ -6149,4 +7748,265 @@
     </a:ext>
   </a:extLst>
 </a:theme>
+</file>
+
+<file path=ppt/theme/theme2.xml><?xml version="1.0" encoding="utf-8"?>
+<a:theme xmlns:a="http://schemas.openxmlformats.org/drawingml/2006/main" name="Office テーマ">
+  <a:themeElements>
+    <a:clrScheme name="Office">
+      <a:dk1>
+        <a:sysClr val="windowText" lastClr="000000"/>
+      </a:dk1>
+      <a:lt1>
+        <a:sysClr val="window" lastClr="FFFFFF"/>
+      </a:lt1>
+      <a:dk2>
+        <a:srgbClr val="44546A"/>
+      </a:dk2>
+      <a:lt2>
+        <a:srgbClr val="E7E6E6"/>
+      </a:lt2>
+      <a:accent1>
+        <a:srgbClr val="5B9BD5"/>
+      </a:accent1>
+      <a:accent2>
+        <a:srgbClr val="ED7D31"/>
+      </a:accent2>
+      <a:accent3>
+        <a:srgbClr val="A5A5A5"/>
+      </a:accent3>
+      <a:accent4>
+        <a:srgbClr val="FFC000"/>
+      </a:accent4>
+      <a:accent5>
+        <a:srgbClr val="4472C4"/>
+      </a:accent5>
+      <a:accent6>
+        <a:srgbClr val="70AD47"/>
+      </a:accent6>
+      <a:hlink>
+        <a:srgbClr val="0563C1"/>
+      </a:hlink>
+      <a:folHlink>
+        <a:srgbClr val="954F72"/>
+      </a:folHlink>
+    </a:clrScheme>
+    <a:fontScheme name="Office">
+      <a:majorFont>
+        <a:latin typeface="Calibri Light" panose="020F0302020204030204"/>
+        <a:ea typeface=""/>
+        <a:cs typeface=""/>
+        <a:font script="Jpan" typeface="ＭＳ Ｐゴシック"/>
+        <a:font script="Hang" typeface="맑은 고딕"/>
+        <a:font script="Hans" typeface="宋体"/>
+        <a:font script="Hant" typeface="新細明體"/>
+        <a:font script="Arab" typeface="Times New Roman"/>
+        <a:font script="Hebr" typeface="Times New Roman"/>
+        <a:font script="Thai" typeface="Angsana New"/>
+        <a:font script="Ethi" typeface="Nyala"/>
+        <a:font script="Beng" typeface="Vrinda"/>
+        <a:font script="Gujr" typeface="Shruti"/>
+        <a:font script="Khmr" typeface="MoolBoran"/>
+        <a:font script="Knda" typeface="Tunga"/>
+        <a:font script="Guru" typeface="Raavi"/>
+        <a:font script="Cans" typeface="Euphemia"/>
+        <a:font script="Cher" typeface="Plantagenet Cherokee"/>
+        <a:font script="Yiii" typeface="Microsoft Yi Baiti"/>
+        <a:font script="Tibt" typeface="Microsoft Himalaya"/>
+        <a:font script="Thaa" typeface="MV Boli"/>
+        <a:font script="Deva" typeface="Mangal"/>
+        <a:font script="Telu" typeface="Gautami"/>
+        <a:font script="Taml" typeface="Latha"/>
+        <a:font script="Syrc" typeface="Estrangelo Edessa"/>
+        <a:font script="Orya" typeface="Kalinga"/>
+        <a:font script="Mlym" typeface="Kartika"/>
+        <a:font script="Laoo" typeface="DokChampa"/>
+        <a:font script="Sinh" typeface="Iskoola Pota"/>
+        <a:font script="Mong" typeface="Mongolian Baiti"/>
+        <a:font script="Viet" typeface="Times New Roman"/>
+        <a:font script="Uigh" typeface="Microsoft Uighur"/>
+        <a:font script="Geor" typeface="Sylfaen"/>
+      </a:majorFont>
+      <a:minorFont>
+        <a:latin typeface="Calibri" panose="020F0502020204030204"/>
+        <a:ea typeface=""/>
+        <a:cs typeface=""/>
+        <a:font script="Jpan" typeface="ＭＳ Ｐゴシック"/>
+        <a:font script="Hang" typeface="맑은 고딕"/>
+        <a:font script="Hans" typeface="宋体"/>
+        <a:font script="Hant" typeface="新細明體"/>
+        <a:font script="Arab" typeface="Arial"/>
+        <a:font script="Hebr" typeface="Arial"/>
+        <a:font script="Thai" typeface="Cordia New"/>
+        <a:font script="Ethi" typeface="Nyala"/>
+        <a:font script="Beng" typeface="Vrinda"/>
+        <a:font script="Gujr" typeface="Shruti"/>
+        <a:font script="Khmr" typeface="DaunPenh"/>
+        <a:font script="Knda" typeface="Tunga"/>
+        <a:font script="Guru" typeface="Raavi"/>
+        <a:font script="Cans" typeface="Euphemia"/>
+        <a:font script="Cher" typeface="Plantagenet Cherokee"/>
+        <a:font script="Yiii" typeface="Microsoft Yi Baiti"/>
+        <a:font script="Tibt" typeface="Microsoft Himalaya"/>
+        <a:font script="Thaa" typeface="MV Boli"/>
+        <a:font script="Deva" typeface="Mangal"/>
+        <a:font script="Telu" typeface="Gautami"/>
+        <a:font script="Taml" typeface="Latha"/>
+        <a:font script="Syrc" typeface="Estrangelo Edessa"/>
+        <a:font script="Orya" typeface="Kalinga"/>
+        <a:font script="Mlym" typeface="Kartika"/>
+        <a:font script="Laoo" typeface="DokChampa"/>
+        <a:font script="Sinh" typeface="Iskoola Pota"/>
+        <a:font script="Mong" typeface="Mongolian Baiti"/>
+        <a:font script="Viet" typeface="Arial"/>
+        <a:font script="Uigh" typeface="Microsoft Uighur"/>
+        <a:font script="Geor" typeface="Sylfaen"/>
+      </a:minorFont>
+    </a:fontScheme>
+    <a:fmtScheme name="Office">
+      <a:fillStyleLst>
+        <a:solidFill>
+          <a:schemeClr val="phClr"/>
+        </a:solidFill>
+        <a:gradFill rotWithShape="1">
+          <a:gsLst>
+            <a:gs pos="0">
+              <a:schemeClr val="phClr">
+                <a:lumMod val="110000"/>
+                <a:satMod val="105000"/>
+                <a:tint val="67000"/>
+              </a:schemeClr>
+            </a:gs>
+            <a:gs pos="50000">
+              <a:schemeClr val="phClr">
+                <a:lumMod val="105000"/>
+                <a:satMod val="103000"/>
+                <a:tint val="73000"/>
+              </a:schemeClr>
+            </a:gs>
+            <a:gs pos="100000">
+              <a:schemeClr val="phClr">
+                <a:lumMod val="105000"/>
+                <a:satMod val="109000"/>
+                <a:tint val="81000"/>
+              </a:schemeClr>
+            </a:gs>
+          </a:gsLst>
+          <a:lin ang="5400000" scaled="0"/>
+        </a:gradFill>
+        <a:gradFill rotWithShape="1">
+          <a:gsLst>
+            <a:gs pos="0">
+              <a:schemeClr val="phClr">
+                <a:satMod val="103000"/>
+                <a:lumMod val="102000"/>
+                <a:tint val="94000"/>
+              </a:schemeClr>
+            </a:gs>
+            <a:gs pos="50000">
+              <a:schemeClr val="phClr">
+                <a:satMod val="110000"/>
+                <a:lumMod val="100000"/>
+                <a:shade val="100000"/>
+              </a:schemeClr>
+            </a:gs>
+            <a:gs pos="100000">
+              <a:schemeClr val="phClr">
+                <a:lumMod val="99000"/>
+                <a:satMod val="120000"/>
+                <a:shade val="78000"/>
+              </a:schemeClr>
+            </a:gs>
+          </a:gsLst>
+          <a:lin ang="5400000" scaled="0"/>
+        </a:gradFill>
+      </a:fillStyleLst>
+      <a:lnStyleLst>
+        <a:ln w="6350" cap="flat" cmpd="sng" algn="ctr">
+          <a:solidFill>
+            <a:schemeClr val="phClr"/>
+          </a:solidFill>
+          <a:prstDash val="solid"/>
+          <a:miter lim="800000"/>
+        </a:ln>
+        <a:ln w="12700" cap="flat" cmpd="sng" algn="ctr">
+          <a:solidFill>
+            <a:schemeClr val="phClr"/>
+          </a:solidFill>
+          <a:prstDash val="solid"/>
+          <a:miter lim="800000"/>
+        </a:ln>
+        <a:ln w="19050" cap="flat" cmpd="sng" algn="ctr">
+          <a:solidFill>
+            <a:schemeClr val="phClr"/>
+          </a:solidFill>
+          <a:prstDash val="solid"/>
+          <a:miter lim="800000"/>
+        </a:ln>
+      </a:lnStyleLst>
+      <a:effectStyleLst>
+        <a:effectStyle>
+          <a:effectLst/>
+        </a:effectStyle>
+        <a:effectStyle>
+          <a:effectLst/>
+        </a:effectStyle>
+        <a:effectStyle>
+          <a:effectLst>
+            <a:outerShdw blurRad="57150" dist="19050" dir="5400000" algn="ctr" rotWithShape="0">
+              <a:srgbClr val="000000">
+                <a:alpha val="63000"/>
+              </a:srgbClr>
+            </a:outerShdw>
+          </a:effectLst>
+        </a:effectStyle>
+      </a:effectStyleLst>
+      <a:bgFillStyleLst>
+        <a:solidFill>
+          <a:schemeClr val="phClr"/>
+        </a:solidFill>
+        <a:solidFill>
+          <a:schemeClr val="phClr">
+            <a:tint val="95000"/>
+            <a:satMod val="170000"/>
+          </a:schemeClr>
+        </a:solidFill>
+        <a:gradFill rotWithShape="1">
+          <a:gsLst>
+            <a:gs pos="0">
+              <a:schemeClr val="phClr">
+                <a:tint val="93000"/>
+                <a:satMod val="150000"/>
+                <a:shade val="98000"/>
+                <a:lumMod val="102000"/>
+              </a:schemeClr>
+            </a:gs>
+            <a:gs pos="50000">
+              <a:schemeClr val="phClr">
+                <a:tint val="98000"/>
+                <a:satMod val="130000"/>
+                <a:shade val="90000"/>
+                <a:lumMod val="103000"/>
+              </a:schemeClr>
+            </a:gs>
+            <a:gs pos="100000">
+              <a:schemeClr val="phClr">
+                <a:shade val="63000"/>
+                <a:satMod val="120000"/>
+              </a:schemeClr>
+            </a:gs>
+          </a:gsLst>
+          <a:lin ang="5400000" scaled="0"/>
+        </a:gradFill>
+      </a:bgFillStyleLst>
+    </a:fmtScheme>
+  </a:themeElements>
+  <a:objectDefaults/>
+  <a:extraClrSchemeLst/>
+  <a:extLst>
+    <a:ext uri="{05A4C25C-085E-4340-85A3-A5531E510DB2}">
+      <thm15:themeFamily xmlns:thm15="http://schemas.microsoft.com/office/thememl/2012/main" name="Office Theme" id="{62F939B6-93AF-4DB8-9C6B-D6C7DFDC589F}" vid="{4A3C46E8-61CC-4603-A589-7422A47A8E4A}"/>
+    </a:ext>
+  </a:extLst>
+</a:theme>
 </file>
--- a/G18_プレゼン用PWP.pptx
+++ b/G18_プレゼン用PWP.pptx
@@ -618,6 +618,70 @@
             <a:endParaRPr kumimoji="1" lang="en-US" altLang="ja-JP" dirty="0" smtClean="0"/>
           </a:p>
           <a:p>
+            <a:r>
+              <a:rPr kumimoji="1" lang="ja-JP" altLang="en-US" dirty="0" smtClean="0"/>
+              <a:t>絶対に言ってもらいたいこと</a:t>
+            </a:r>
+            <a:endParaRPr kumimoji="1" lang="en-US" altLang="ja-JP" dirty="0" smtClean="0"/>
+          </a:p>
+          <a:p>
+            <a:r>
+              <a:rPr kumimoji="1" lang="ja-JP" altLang="en-US" dirty="0" smtClean="0"/>
+              <a:t>　人々の手助けをする生き物だということ。</a:t>
+            </a:r>
+            <a:endParaRPr kumimoji="1" lang="en-US" altLang="ja-JP" dirty="0" smtClean="0"/>
+          </a:p>
+          <a:p>
+            <a:endParaRPr kumimoji="1" lang="en-US" altLang="ja-JP" dirty="0" smtClean="0"/>
+          </a:p>
+          <a:p>
+            <a:endParaRPr kumimoji="1" lang="en-US" altLang="ja-JP" dirty="0" smtClean="0"/>
+          </a:p>
+          <a:p>
+            <a:r>
+              <a:rPr kumimoji="1" lang="ja-JP" altLang="en-US" dirty="0" smtClean="0"/>
+              <a:t>セリフサンプル</a:t>
+            </a:r>
+            <a:endParaRPr kumimoji="1" lang="en-US" altLang="ja-JP" dirty="0" smtClean="0"/>
+          </a:p>
+          <a:p>
+            <a:r>
+              <a:rPr kumimoji="1" lang="ja-JP" altLang="en-US" dirty="0" smtClean="0"/>
+              <a:t>　今回私どもが考えたキャラクターは、リモというキャラクターです。</a:t>
+            </a:r>
+            <a:endParaRPr kumimoji="1" lang="en-US" altLang="ja-JP" dirty="0" smtClean="0"/>
+          </a:p>
+          <a:p>
+            <a:r>
+              <a:rPr kumimoji="1" lang="ja-JP" altLang="en-US" dirty="0" smtClean="0"/>
+              <a:t>　一言でいうと、人々の手助けをする生き物です。</a:t>
+            </a:r>
+            <a:endParaRPr kumimoji="1" lang="en-US" altLang="ja-JP" dirty="0" smtClean="0"/>
+          </a:p>
+          <a:p>
+            <a:pPr marL="0" marR="0" indent="0" algn="l" defTabSz="914400" rtl="0" eaLnBrk="1" fontAlgn="auto" latinLnBrk="0" hangingPunct="1">
+              <a:lnSpc>
+                <a:spcPct val="100000"/>
+              </a:lnSpc>
+              <a:spcBef>
+                <a:spcPts val="0"/>
+              </a:spcBef>
+              <a:spcAft>
+                <a:spcPts val="0"/>
+              </a:spcAft>
+              <a:buClrTx/>
+              <a:buSzTx/>
+              <a:buFontTx/>
+              <a:buNone/>
+              <a:tabLst/>
+              <a:defRPr/>
+            </a:pPr>
+            <a:r>
+              <a:rPr kumimoji="1" lang="ja-JP" altLang="en-US" dirty="0" smtClean="0"/>
+              <a:t>　どうやって手助けするかというと（次ページ）</a:t>
+            </a:r>
+          </a:p>
+          <a:p>
             <a:endParaRPr kumimoji="1" lang="ja-JP" altLang="en-US" dirty="0"/>
           </a:p>
         </p:txBody>
@@ -704,6 +768,114 @@
           <a:p>
             <a:r>
               <a:rPr kumimoji="1" lang="ja-JP" altLang="en-US" dirty="0" smtClean="0"/>
+              <a:t>一番目</a:t>
+            </a:r>
+            <a:endParaRPr kumimoji="1" lang="en-US" altLang="ja-JP" dirty="0" smtClean="0"/>
+          </a:p>
+          <a:p>
+            <a:endParaRPr kumimoji="1" lang="en-US" altLang="ja-JP" dirty="0" smtClean="0"/>
+          </a:p>
+          <a:p>
+            <a:r>
+              <a:rPr kumimoji="1" lang="ja-JP" altLang="en-US" dirty="0" smtClean="0"/>
+              <a:t>二番目</a:t>
+            </a:r>
+            <a:endParaRPr kumimoji="1" lang="en-US" altLang="ja-JP" dirty="0" smtClean="0"/>
+          </a:p>
+          <a:p>
+            <a:endParaRPr kumimoji="1" lang="en-US" altLang="ja-JP" dirty="0" smtClean="0"/>
+          </a:p>
+          <a:p>
+            <a:r>
+              <a:rPr kumimoji="1" lang="ja-JP" altLang="en-US" dirty="0" smtClean="0"/>
+              <a:t>三番目</a:t>
+            </a:r>
+            <a:endParaRPr kumimoji="1" lang="en-US" altLang="ja-JP" dirty="0" smtClean="0"/>
+          </a:p>
+        </p:txBody>
+      </p:sp>
+      <p:sp>
+        <p:nvSpPr>
+          <p:cNvPr id="4" name="スライド番号プレースホルダー 3"/>
+          <p:cNvSpPr>
+            <a:spLocks noGrp="1"/>
+          </p:cNvSpPr>
+          <p:nvPr>
+            <p:ph type="sldNum" sz="quarter" idx="10"/>
+          </p:nvPr>
+        </p:nvSpPr>
+        <p:spPr/>
+        <p:txBody>
+          <a:bodyPr/>
+          <a:lstStyle/>
+          <a:p>
+            <a:fld id="{7F220BD6-92CC-4D51-9262-C85C9EA9CEAF}" type="slidenum">
+              <a:rPr kumimoji="1" lang="ja-JP" altLang="en-US" smtClean="0"/>
+              <a:t>12</a:t>
+            </a:fld>
+            <a:endParaRPr kumimoji="1" lang="ja-JP" altLang="en-US"/>
+          </a:p>
+        </p:txBody>
+      </p:sp>
+    </p:spTree>
+    <p:extLst>
+      <p:ext uri="{BB962C8B-B14F-4D97-AF65-F5344CB8AC3E}">
+        <p14:creationId xmlns:p14="http://schemas.microsoft.com/office/powerpoint/2010/main" val="334686987"/>
+      </p:ext>
+    </p:extLst>
+  </p:cSld>
+  <p:clrMapOvr>
+    <a:masterClrMapping/>
+  </p:clrMapOvr>
+</p:notes>
+</file>
+
+<file path=ppt/notesSlides/notesSlide11.xml><?xml version="1.0" encoding="utf-8"?>
+<p:notes xmlns:a="http://schemas.openxmlformats.org/drawingml/2006/main" xmlns:r="http://schemas.openxmlformats.org/officeDocument/2006/relationships" xmlns:p="http://schemas.openxmlformats.org/presentationml/2006/main">
+  <p:cSld>
+    <p:spTree>
+      <p:nvGrpSpPr>
+        <p:cNvPr id="1" name=""/>
+        <p:cNvGrpSpPr/>
+        <p:nvPr/>
+      </p:nvGrpSpPr>
+      <p:grpSpPr>
+        <a:xfrm>
+          <a:off x="0" y="0"/>
+          <a:ext cx="0" cy="0"/>
+          <a:chOff x="0" y="0"/>
+          <a:chExt cx="0" cy="0"/>
+        </a:xfrm>
+      </p:grpSpPr>
+      <p:sp>
+        <p:nvSpPr>
+          <p:cNvPr id="2" name="スライド イメージ プレースホルダー 1"/>
+          <p:cNvSpPr>
+            <a:spLocks noGrp="1" noRot="1" noChangeAspect="1"/>
+          </p:cNvSpPr>
+          <p:nvPr>
+            <p:ph type="sldImg"/>
+          </p:nvPr>
+        </p:nvSpPr>
+        <p:spPr/>
+      </p:sp>
+      <p:sp>
+        <p:nvSpPr>
+          <p:cNvPr id="3" name="ノート プレースホルダー 2"/>
+          <p:cNvSpPr>
+            <a:spLocks noGrp="1"/>
+          </p:cNvSpPr>
+          <p:nvPr>
+            <p:ph type="body" idx="1"/>
+          </p:nvPr>
+        </p:nvSpPr>
+        <p:spPr/>
+        <p:txBody>
+          <a:bodyPr/>
+          <a:lstStyle/>
+          <a:p>
+            <a:r>
+              <a:rPr kumimoji="1" lang="ja-JP" altLang="en-US" dirty="0" smtClean="0"/>
               <a:t>僕たちが考えたのはこのキャラクターです。</a:t>
             </a:r>
             <a:endParaRPr kumimoji="1" lang="en-US" altLang="ja-JP" dirty="0" smtClean="0"/>
@@ -854,7 +1026,65 @@
               <a:rPr kumimoji="1" lang="en-US" altLang="ja-JP" dirty="0" err="1" smtClean="0"/>
               <a:t>etc</a:t>
             </a:r>
-            <a:endParaRPr kumimoji="1" lang="ja-JP" altLang="en-US" dirty="0"/>
+            <a:endParaRPr kumimoji="1" lang="en-US" altLang="ja-JP" dirty="0" smtClean="0"/>
+          </a:p>
+          <a:p>
+            <a:endParaRPr kumimoji="1" lang="en-US" altLang="ja-JP" dirty="0" smtClean="0"/>
+          </a:p>
+          <a:p>
+            <a:endParaRPr kumimoji="1" lang="en-US" altLang="ja-JP" dirty="0" smtClean="0"/>
+          </a:p>
+          <a:p>
+            <a:r>
+              <a:rPr kumimoji="1" lang="ja-JP" altLang="en-US" dirty="0" smtClean="0"/>
+              <a:t>絶対に言ってもらいたいこと</a:t>
+            </a:r>
+            <a:endParaRPr kumimoji="1" lang="en-US" altLang="ja-JP" dirty="0" smtClean="0"/>
+          </a:p>
+          <a:p>
+            <a:r>
+              <a:rPr kumimoji="1" lang="ja-JP" altLang="en-US" dirty="0" smtClean="0"/>
+              <a:t>　変形して、人々を手助けしているということ</a:t>
+            </a:r>
+            <a:endParaRPr kumimoji="1" lang="en-US" altLang="ja-JP" dirty="0" smtClean="0"/>
+          </a:p>
+          <a:p>
+            <a:endParaRPr kumimoji="1" lang="en-US" altLang="ja-JP" dirty="0" smtClean="0"/>
+          </a:p>
+          <a:p>
+            <a:r>
+              <a:rPr kumimoji="1" lang="ja-JP" altLang="en-US" dirty="0" smtClean="0"/>
+              <a:t>セリフサンプル</a:t>
+            </a:r>
+            <a:endParaRPr kumimoji="1" lang="en-US" altLang="ja-JP" dirty="0" smtClean="0"/>
+          </a:p>
+          <a:p>
+            <a:r>
+              <a:rPr kumimoji="1" lang="ja-JP" altLang="en-US" dirty="0" smtClean="0"/>
+              <a:t>　なんと、変形することが出来ちゃうんですよ！</a:t>
+            </a:r>
+            <a:endParaRPr kumimoji="1" lang="en-US" altLang="ja-JP" dirty="0" smtClean="0"/>
+          </a:p>
+          <a:p>
+            <a:r>
+              <a:rPr kumimoji="1" lang="ja-JP" altLang="en-US" dirty="0" smtClean="0"/>
+              <a:t>　変形して様々な形。</a:t>
+            </a:r>
+            <a:endParaRPr kumimoji="1" lang="en-US" altLang="ja-JP" dirty="0" smtClean="0"/>
+          </a:p>
+          <a:p>
+            <a:r>
+              <a:rPr kumimoji="1" lang="ja-JP" altLang="en-US" dirty="0" smtClean="0"/>
+              <a:t>　例えば、ヘルメット、バッグ、乗り物などなど</a:t>
+            </a:r>
+            <a:endParaRPr kumimoji="1" lang="en-US" altLang="ja-JP" dirty="0" smtClean="0"/>
+          </a:p>
+          <a:p>
+            <a:r>
+              <a:rPr kumimoji="1" lang="ja-JP" altLang="en-US" dirty="0" smtClean="0"/>
+              <a:t>　に変形して、人々の暮らしを手助けしています。</a:t>
+            </a:r>
+            <a:endParaRPr kumimoji="1" lang="en-US" altLang="ja-JP" dirty="0" smtClean="0"/>
           </a:p>
         </p:txBody>
       </p:sp>
@@ -958,6 +1188,50 @@
               <a:rPr kumimoji="1" lang="ja-JP" altLang="en-US" dirty="0" err="1" smtClean="0"/>
               <a:t>。</a:t>
             </a:r>
+            <a:endParaRPr kumimoji="1" lang="en-US" altLang="ja-JP" dirty="0" smtClean="0"/>
+          </a:p>
+          <a:p>
+            <a:endParaRPr kumimoji="1" lang="en-US" altLang="ja-JP" dirty="0" smtClean="0"/>
+          </a:p>
+          <a:p>
+            <a:endParaRPr kumimoji="1" lang="en-US" altLang="ja-JP" dirty="0" smtClean="0"/>
+          </a:p>
+          <a:p>
+            <a:r>
+              <a:rPr kumimoji="1" lang="ja-JP" altLang="en-US" dirty="0" smtClean="0"/>
+              <a:t>絶対に言ってもらいたいこと</a:t>
+            </a:r>
+            <a:endParaRPr kumimoji="1" lang="en-US" altLang="ja-JP" dirty="0" smtClean="0"/>
+          </a:p>
+          <a:p>
+            <a:r>
+              <a:rPr kumimoji="1" lang="ja-JP" altLang="en-US" dirty="0" smtClean="0"/>
+              <a:t>　使い道がたくさんあるということ</a:t>
+            </a:r>
+            <a:endParaRPr kumimoji="1" lang="en-US" altLang="ja-JP" dirty="0" smtClean="0"/>
+          </a:p>
+          <a:p>
+            <a:endParaRPr kumimoji="1" lang="en-US" altLang="ja-JP" dirty="0" smtClean="0"/>
+          </a:p>
+          <a:p>
+            <a:r>
+              <a:rPr kumimoji="1" lang="ja-JP" altLang="en-US" dirty="0" smtClean="0"/>
+              <a:t>セリフサンプル</a:t>
+            </a:r>
+            <a:endParaRPr kumimoji="1" lang="en-US" altLang="ja-JP" dirty="0" smtClean="0"/>
+          </a:p>
+          <a:p>
+            <a:r>
+              <a:rPr kumimoji="1" lang="ja-JP" altLang="en-US" dirty="0" smtClean="0"/>
+              <a:t>　こちら、例です。</a:t>
+            </a:r>
+            <a:endParaRPr kumimoji="1" lang="en-US" altLang="ja-JP" dirty="0" smtClean="0"/>
+          </a:p>
+          <a:p>
+            <a:r>
+              <a:rPr kumimoji="1" lang="ja-JP" altLang="en-US" dirty="0" smtClean="0"/>
+              <a:t>　様々なひとの様々な目的の手助けが出来ます。</a:t>
+            </a:r>
             <a:endParaRPr kumimoji="1" lang="ja-JP" altLang="en-US" dirty="0"/>
           </a:p>
         </p:txBody>
@@ -1043,22 +1317,19 @@
           <a:lstStyle/>
           <a:p>
             <a:r>
-              <a:rPr kumimoji="1" lang="ja-JP" altLang="en-US" smtClean="0"/>
-              <a:t>トレジャーハンターとリモちゃんということです。</a:t>
-            </a:r>
-            <a:endParaRPr kumimoji="1" lang="en-US" altLang="ja-JP" dirty="0" smtClean="0"/>
-          </a:p>
-          <a:p>
-            <a:r>
               <a:rPr kumimoji="1" lang="ja-JP" altLang="en-US" dirty="0" smtClean="0"/>
-              <a:t>トレジャーハンターがお宝を集めるのにリモちゃんを使っている。という設定。</a:t>
+              <a:t>セリフサンプル</a:t>
             </a:r>
             <a:endParaRPr kumimoji="1" lang="en-US" altLang="ja-JP" dirty="0" smtClean="0"/>
           </a:p>
           <a:p>
             <a:r>
               <a:rPr kumimoji="1" lang="ja-JP" altLang="en-US" dirty="0" smtClean="0"/>
-              <a:t>あくまで、お宝が欲しいのはトレジャーハンターであり、リモちゃんではない～？</a:t>
+              <a:t>　今回のリモちゃん活躍の舞台は</a:t>
+            </a:r>
+            <a:r>
+              <a:rPr kumimoji="1" lang="en-US" altLang="ja-JP" dirty="0" smtClean="0"/>
+              <a:t>…</a:t>
             </a:r>
             <a:endParaRPr kumimoji="1" lang="ja-JP" altLang="en-US" dirty="0"/>
           </a:p>
@@ -1081,7 +1352,7 @@
           <a:p>
             <a:fld id="{7F220BD6-92CC-4D51-9262-C85C9EA9CEAF}" type="slidenum">
               <a:rPr kumimoji="1" lang="ja-JP" altLang="en-US" smtClean="0"/>
-              <a:t>7</a:t>
+              <a:t>6</a:t>
             </a:fld>
             <a:endParaRPr kumimoji="1" lang="ja-JP" altLang="en-US"/>
           </a:p>
@@ -1090,7 +1361,7 @@
     </p:spTree>
     <p:extLst>
       <p:ext uri="{BB962C8B-B14F-4D97-AF65-F5344CB8AC3E}">
-        <p14:creationId xmlns:p14="http://schemas.microsoft.com/office/powerpoint/2010/main" val="2547308896"/>
+        <p14:creationId xmlns:p14="http://schemas.microsoft.com/office/powerpoint/2010/main" val="2394948655"/>
       </p:ext>
     </p:extLst>
   </p:cSld>
@@ -1146,15 +1417,79 @@
           <a:p>
             <a:r>
               <a:rPr kumimoji="1" lang="ja-JP" altLang="en-US" dirty="0" smtClean="0"/>
-              <a:t>宝探しといえども、アドベンチャーゲームではなく、対戦ゲームであることを伝える。</a:t>
-            </a:r>
-            <a:endParaRPr kumimoji="1" lang="en-US" altLang="ja-JP" dirty="0" smtClean="0"/>
-          </a:p>
-          <a:p>
-            <a:endParaRPr kumimoji="1" lang="en-US" altLang="ja-JP" dirty="0" smtClean="0"/>
-          </a:p>
-          <a:p>
-            <a:endParaRPr kumimoji="1" lang="en-US" altLang="ja-JP" dirty="0" smtClean="0"/>
+              <a:t>トレジャーハンターとリモちゃんということです。</a:t>
+            </a:r>
+            <a:endParaRPr kumimoji="1" lang="en-US" altLang="ja-JP" dirty="0" smtClean="0"/>
+          </a:p>
+          <a:p>
+            <a:r>
+              <a:rPr kumimoji="1" lang="ja-JP" altLang="en-US" dirty="0" smtClean="0"/>
+              <a:t>トレジャーハンターがお宝を集めるのにリモちゃんを使っている。という設定。</a:t>
+            </a:r>
+            <a:endParaRPr kumimoji="1" lang="en-US" altLang="ja-JP" dirty="0" smtClean="0"/>
+          </a:p>
+          <a:p>
+            <a:r>
+              <a:rPr kumimoji="1" lang="ja-JP" altLang="en-US" dirty="0" smtClean="0"/>
+              <a:t>あくまで、お宝が欲しいのは</a:t>
+            </a:r>
+            <a:r>
+              <a:rPr kumimoji="1" lang="ja-JP" altLang="en-US" dirty="0" smtClean="0"/>
+              <a:t>トレジャーハンター</a:t>
+            </a:r>
+            <a:r>
+              <a:rPr kumimoji="1" lang="ja-JP" altLang="en-US" dirty="0" smtClean="0"/>
+              <a:t>であり、リモちゃんではない～</a:t>
+            </a:r>
+            <a:r>
+              <a:rPr kumimoji="1" lang="ja-JP" altLang="en-US" dirty="0" smtClean="0"/>
+              <a:t>？</a:t>
+            </a:r>
+            <a:endParaRPr kumimoji="1" lang="en-US" altLang="ja-JP" dirty="0" smtClean="0"/>
+          </a:p>
+          <a:p>
+            <a:endParaRPr kumimoji="1" lang="en-US" altLang="ja-JP" dirty="0" smtClean="0"/>
+          </a:p>
+          <a:p>
+            <a:endParaRPr kumimoji="1" lang="en-US" altLang="ja-JP" dirty="0" smtClean="0"/>
+          </a:p>
+          <a:p>
+            <a:r>
+              <a:rPr kumimoji="1" lang="ja-JP" altLang="en-US" dirty="0" smtClean="0"/>
+              <a:t>絶対に言ってもらいたいこと</a:t>
+            </a:r>
+            <a:endParaRPr kumimoji="1" lang="en-US" altLang="ja-JP" dirty="0" smtClean="0"/>
+          </a:p>
+          <a:p>
+            <a:r>
+              <a:rPr kumimoji="1" lang="ja-JP" altLang="en-US" dirty="0" smtClean="0"/>
+              <a:t>　今回はトレジャーハンターのお供として、活躍するということ。</a:t>
+            </a:r>
+            <a:endParaRPr kumimoji="1" lang="en-US" altLang="ja-JP" dirty="0" smtClean="0"/>
+          </a:p>
+          <a:p>
+            <a:endParaRPr kumimoji="1" lang="en-US" altLang="ja-JP" dirty="0" smtClean="0"/>
+          </a:p>
+          <a:p>
+            <a:r>
+              <a:rPr kumimoji="1" lang="ja-JP" altLang="en-US" dirty="0" smtClean="0"/>
+              <a:t>セリフサンプル</a:t>
+            </a:r>
+            <a:endParaRPr kumimoji="1" lang="en-US" altLang="ja-JP" dirty="0" smtClean="0"/>
+          </a:p>
+          <a:p>
+            <a:r>
+              <a:rPr kumimoji="1" lang="ja-JP" altLang="en-US" dirty="0" smtClean="0"/>
+              <a:t>　トレジャーハンターのお供として活躍します！</a:t>
+            </a:r>
+            <a:endParaRPr kumimoji="1" lang="en-US" altLang="ja-JP" dirty="0" smtClean="0"/>
+          </a:p>
+          <a:p>
+            <a:r>
+              <a:rPr kumimoji="1" lang="ja-JP" altLang="en-US" dirty="0" smtClean="0"/>
+              <a:t>　どんなゲームかを端的にいうと、</a:t>
+            </a:r>
+            <a:endParaRPr kumimoji="1" lang="ja-JP" altLang="en-US" dirty="0"/>
           </a:p>
         </p:txBody>
       </p:sp>
@@ -1175,7 +1510,7 @@
           <a:p>
             <a:fld id="{7F220BD6-92CC-4D51-9262-C85C9EA9CEAF}" type="slidenum">
               <a:rPr kumimoji="1" lang="ja-JP" altLang="en-US" smtClean="0"/>
-              <a:t>8</a:t>
+              <a:t>7</a:t>
             </a:fld>
             <a:endParaRPr kumimoji="1" lang="ja-JP" altLang="en-US"/>
           </a:p>
@@ -1184,7 +1519,7 @@
     </p:spTree>
     <p:extLst>
       <p:ext uri="{BB962C8B-B14F-4D97-AF65-F5344CB8AC3E}">
-        <p14:creationId xmlns:p14="http://schemas.microsoft.com/office/powerpoint/2010/main" val="1110776072"/>
+        <p14:creationId xmlns:p14="http://schemas.microsoft.com/office/powerpoint/2010/main" val="2547308896"/>
       </p:ext>
     </p:extLst>
   </p:cSld>
@@ -1240,15 +1575,41 @@
           <a:p>
             <a:r>
               <a:rPr kumimoji="1" lang="ja-JP" altLang="en-US" dirty="0" smtClean="0"/>
-              <a:t>最低限、陣地と宝物の場所を見ている人が理解できれば</a:t>
-            </a:r>
-            <a:r>
-              <a:rPr kumimoji="1" lang="en-US" altLang="ja-JP" dirty="0" smtClean="0"/>
-              <a:t>OK</a:t>
-            </a:r>
-            <a:r>
-              <a:rPr kumimoji="1" lang="ja-JP" altLang="en-US" dirty="0" err="1" smtClean="0"/>
-              <a:t>。</a:t>
+              <a:t>宝探しといえども、アドベンチャーゲームではなく、対戦ゲームであることを伝える。</a:t>
+            </a:r>
+            <a:endParaRPr kumimoji="1" lang="en-US" altLang="ja-JP" dirty="0" smtClean="0"/>
+          </a:p>
+          <a:p>
+            <a:endParaRPr kumimoji="1" lang="en-US" altLang="ja-JP" dirty="0" smtClean="0"/>
+          </a:p>
+          <a:p>
+            <a:r>
+              <a:rPr kumimoji="1" lang="ja-JP" altLang="en-US" dirty="0" smtClean="0"/>
+              <a:t>絶対に言ってもらいたいこと</a:t>
+            </a:r>
+            <a:endParaRPr kumimoji="1" lang="en-US" altLang="ja-JP" dirty="0" smtClean="0"/>
+          </a:p>
+          <a:p>
+            <a:r>
+              <a:rPr kumimoji="1" lang="ja-JP" altLang="en-US" dirty="0" smtClean="0"/>
+              <a:t>　四人プレイだということ</a:t>
+            </a:r>
+            <a:endParaRPr kumimoji="1" lang="en-US" altLang="ja-JP" dirty="0" smtClean="0"/>
+          </a:p>
+          <a:p>
+            <a:endParaRPr kumimoji="1" lang="en-US" altLang="ja-JP" dirty="0" smtClean="0"/>
+          </a:p>
+          <a:p>
+            <a:r>
+              <a:rPr kumimoji="1" lang="ja-JP" altLang="en-US" dirty="0" smtClean="0"/>
+              <a:t>セリフサンプル</a:t>
+            </a:r>
+            <a:endParaRPr kumimoji="1" lang="en-US" altLang="ja-JP" dirty="0" smtClean="0"/>
+          </a:p>
+          <a:p>
+            <a:r>
+              <a:rPr kumimoji="1" lang="ja-JP" altLang="en-US" dirty="0" smtClean="0"/>
+              <a:t>　一つの宝物を四人が奪い合う。ゲームです。</a:t>
             </a:r>
             <a:endParaRPr kumimoji="1" lang="en-US" altLang="ja-JP" dirty="0" smtClean="0"/>
           </a:p>
@@ -1271,7 +1632,7 @@
           <a:p>
             <a:fld id="{7F220BD6-92CC-4D51-9262-C85C9EA9CEAF}" type="slidenum">
               <a:rPr kumimoji="1" lang="ja-JP" altLang="en-US" smtClean="0"/>
-              <a:t>9</a:t>
+              <a:t>8</a:t>
             </a:fld>
             <a:endParaRPr kumimoji="1" lang="ja-JP" altLang="en-US"/>
           </a:p>
@@ -1280,7 +1641,7 @@
     </p:spTree>
     <p:extLst>
       <p:ext uri="{BB962C8B-B14F-4D97-AF65-F5344CB8AC3E}">
-        <p14:creationId xmlns:p14="http://schemas.microsoft.com/office/powerpoint/2010/main" val="3965539280"/>
+        <p14:creationId xmlns:p14="http://schemas.microsoft.com/office/powerpoint/2010/main" val="1110776072"/>
       </p:ext>
     </p:extLst>
   </p:cSld>
@@ -1335,28 +1696,52 @@
           <a:lstStyle/>
           <a:p>
             <a:r>
+              <a:rPr kumimoji="1" lang="ja-JP" altLang="en-US" dirty="0" smtClean="0"/>
+              <a:t>最低限、陣地と宝物の場所を見ている人が理解できれば</a:t>
+            </a:r>
+            <a:r>
               <a:rPr kumimoji="1" lang="en-US" altLang="ja-JP" dirty="0" smtClean="0"/>
-              <a:t>…</a:t>
-            </a:r>
+              <a:t>OK</a:t>
+            </a:r>
+            <a:r>
+              <a:rPr kumimoji="1" lang="ja-JP" altLang="en-US" dirty="0" err="1" smtClean="0"/>
+              <a:t>。</a:t>
+            </a:r>
+            <a:endParaRPr kumimoji="1" lang="en-US" altLang="ja-JP" dirty="0" smtClean="0"/>
+          </a:p>
+          <a:p>
+            <a:endParaRPr kumimoji="1" lang="en-US" altLang="ja-JP" dirty="0" smtClean="0"/>
+          </a:p>
+          <a:p>
             <a:r>
               <a:rPr kumimoji="1" lang="ja-JP" altLang="en-US" dirty="0" smtClean="0"/>
-              <a:t>何も書くこと</a:t>
-            </a:r>
-            <a:r>
-              <a:rPr kumimoji="1" lang="ja-JP" altLang="en-US" smtClean="0"/>
-              <a:t>がない</a:t>
-            </a:r>
-            <a:endParaRPr kumimoji="1" lang="en-US" altLang="ja-JP" dirty="0" smtClean="0"/>
-          </a:p>
-          <a:p>
-            <a:endParaRPr kumimoji="1" lang="en-US" altLang="ja-JP" dirty="0" smtClean="0"/>
-          </a:p>
-          <a:p>
-            <a:r>
-              <a:rPr kumimoji="1" lang="ja-JP" altLang="en-US" smtClean="0"/>
-              <a:t>なんか書き換えたい</a:t>
-            </a:r>
-            <a:endParaRPr kumimoji="1" lang="ja-JP" altLang="en-US" dirty="0"/>
+              <a:t>絶対に言ってもらいたいこと　</a:t>
+            </a:r>
+            <a:endParaRPr kumimoji="1" lang="en-US" altLang="ja-JP" dirty="0" smtClean="0"/>
+          </a:p>
+          <a:p>
+            <a:r>
+              <a:rPr kumimoji="1" lang="ja-JP" altLang="en-US" dirty="0" smtClean="0"/>
+              <a:t>　宝物と陣地があるということ</a:t>
+            </a:r>
+            <a:endParaRPr kumimoji="1" lang="en-US" altLang="ja-JP" dirty="0" smtClean="0"/>
+          </a:p>
+          <a:p>
+            <a:endParaRPr kumimoji="1" lang="en-US" altLang="ja-JP" dirty="0" smtClean="0"/>
+          </a:p>
+          <a:p>
+            <a:r>
+              <a:rPr kumimoji="1" lang="ja-JP" altLang="en-US" dirty="0" smtClean="0"/>
+              <a:t>セリフサンプル</a:t>
+            </a:r>
+            <a:endParaRPr kumimoji="1" lang="en-US" altLang="ja-JP" dirty="0" smtClean="0"/>
+          </a:p>
+          <a:p>
+            <a:r>
+              <a:rPr kumimoji="1" lang="ja-JP" altLang="en-US" dirty="0" smtClean="0"/>
+              <a:t>　ゲーム画面は、こんな感じになっていて、宝物と陣地があります。</a:t>
+            </a:r>
+            <a:endParaRPr kumimoji="1" lang="en-US" altLang="ja-JP" dirty="0" smtClean="0"/>
           </a:p>
         </p:txBody>
       </p:sp>
@@ -1377,7 +1762,7 @@
           <a:p>
             <a:fld id="{7F220BD6-92CC-4D51-9262-C85C9EA9CEAF}" type="slidenum">
               <a:rPr kumimoji="1" lang="ja-JP" altLang="en-US" smtClean="0"/>
-              <a:t>10</a:t>
+              <a:t>9</a:t>
             </a:fld>
             <a:endParaRPr kumimoji="1" lang="ja-JP" altLang="en-US"/>
           </a:p>
@@ -1386,7 +1771,7 @@
     </p:spTree>
     <p:extLst>
       <p:ext uri="{BB962C8B-B14F-4D97-AF65-F5344CB8AC3E}">
-        <p14:creationId xmlns:p14="http://schemas.microsoft.com/office/powerpoint/2010/main" val="3188206473"/>
+        <p14:creationId xmlns:p14="http://schemas.microsoft.com/office/powerpoint/2010/main" val="3965539280"/>
       </p:ext>
     </p:extLst>
   </p:cSld>
@@ -1441,25 +1826,60 @@
           <a:lstStyle/>
           <a:p>
             <a:r>
+              <a:rPr kumimoji="1" lang="en-US" altLang="ja-JP" dirty="0" smtClean="0"/>
+              <a:t>…</a:t>
+            </a:r>
+            <a:r>
               <a:rPr kumimoji="1" lang="ja-JP" altLang="en-US" dirty="0" smtClean="0"/>
-              <a:t>プレイヤーが出来ることを？？？</a:t>
-            </a:r>
+              <a:t>何も書くことがない</a:t>
+            </a:r>
+            <a:endParaRPr kumimoji="1" lang="en-US" altLang="ja-JP" dirty="0" smtClean="0"/>
+          </a:p>
+          <a:p>
             <a:endParaRPr kumimoji="1" lang="en-US" altLang="ja-JP" dirty="0" smtClean="0"/>
           </a:p>
           <a:p>
             <a:r>
               <a:rPr kumimoji="1" lang="ja-JP" altLang="en-US" dirty="0" smtClean="0"/>
-              <a:t>リモちゃんで、変形してトレジャーハンターを手助けします。</a:t>
-            </a:r>
-            <a:endParaRPr kumimoji="1" lang="en-US" altLang="ja-JP" dirty="0" smtClean="0"/>
-          </a:p>
-          <a:p>
-            <a:endParaRPr kumimoji="1" lang="en-US" altLang="ja-JP" dirty="0" smtClean="0"/>
-          </a:p>
-          <a:p>
+              <a:t>なんか</a:t>
+            </a:r>
             <a:r>
               <a:rPr kumimoji="1" lang="ja-JP" altLang="en-US" dirty="0" smtClean="0"/>
-              <a:t>リモちゃんがどうやってこのゲームに関係しているかを言えればなおよい！</a:t>
+              <a:t>書き換えたい</a:t>
+            </a:r>
+            <a:endParaRPr kumimoji="1" lang="en-US" altLang="ja-JP" dirty="0" smtClean="0"/>
+          </a:p>
+          <a:p>
+            <a:endParaRPr kumimoji="1" lang="en-US" altLang="ja-JP" dirty="0" smtClean="0"/>
+          </a:p>
+          <a:p>
+            <a:r>
+              <a:rPr kumimoji="1" lang="ja-JP" altLang="en-US" dirty="0" smtClean="0"/>
+              <a:t>絶対に言ってもらいたいこと</a:t>
+            </a:r>
+            <a:endParaRPr kumimoji="1" lang="en-US" altLang="ja-JP" dirty="0" smtClean="0"/>
+          </a:p>
+          <a:p>
+            <a:r>
+              <a:rPr kumimoji="1" lang="ja-JP" altLang="en-US" dirty="0" smtClean="0"/>
+              <a:t>　宝物は陣地に持ち帰らないといけないこと。</a:t>
+            </a:r>
+            <a:endParaRPr kumimoji="1" lang="en-US" altLang="ja-JP" dirty="0" smtClean="0"/>
+          </a:p>
+          <a:p>
+            <a:endParaRPr kumimoji="1" lang="en-US" altLang="ja-JP" dirty="0" smtClean="0"/>
+          </a:p>
+          <a:p>
+            <a:r>
+              <a:rPr kumimoji="1" lang="ja-JP" altLang="en-US" dirty="0" smtClean="0"/>
+              <a:t>セリフサンプル</a:t>
+            </a:r>
+            <a:endParaRPr kumimoji="1" lang="en-US" altLang="ja-JP" dirty="0" smtClean="0"/>
+          </a:p>
+          <a:p>
+            <a:r>
+              <a:rPr kumimoji="1" lang="ja-JP" altLang="en-US" dirty="0" smtClean="0"/>
+              <a:t>　ルールは簡単。お宝を持ち帰って、奪われないようにするだけ！</a:t>
             </a:r>
             <a:endParaRPr kumimoji="1" lang="ja-JP" altLang="en-US" dirty="0"/>
           </a:p>
@@ -1482,7 +1902,7 @@
           <a:p>
             <a:fld id="{7F220BD6-92CC-4D51-9262-C85C9EA9CEAF}" type="slidenum">
               <a:rPr kumimoji="1" lang="ja-JP" altLang="en-US" smtClean="0"/>
-              <a:t>11</a:t>
+              <a:t>10</a:t>
             </a:fld>
             <a:endParaRPr kumimoji="1" lang="ja-JP" altLang="en-US"/>
           </a:p>
@@ -1491,7 +1911,7 @@
     </p:spTree>
     <p:extLst>
       <p:ext uri="{BB962C8B-B14F-4D97-AF65-F5344CB8AC3E}">
-        <p14:creationId xmlns:p14="http://schemas.microsoft.com/office/powerpoint/2010/main" val="3137325857"/>
+        <p14:creationId xmlns:p14="http://schemas.microsoft.com/office/powerpoint/2010/main" val="3188206473"/>
       </p:ext>
     </p:extLst>
   </p:cSld>
@@ -1547,94 +1967,64 @@
           <a:p>
             <a:r>
               <a:rPr kumimoji="1" lang="ja-JP" altLang="en-US" dirty="0" smtClean="0"/>
-              <a:t>一番上</a:t>
+              <a:t>プレイヤーが出来ることを？？？</a:t>
             </a:r>
             <a:endParaRPr kumimoji="1" lang="en-US" altLang="ja-JP" dirty="0" smtClean="0"/>
           </a:p>
           <a:p>
             <a:r>
               <a:rPr kumimoji="1" lang="ja-JP" altLang="en-US" dirty="0" smtClean="0"/>
-              <a:t>　アドリブ期待</a:t>
-            </a:r>
+              <a:t>リモちゃんで、変形してトレジャーハンターを手助けします。</a:t>
+            </a:r>
+            <a:endParaRPr kumimoji="1" lang="en-US" altLang="ja-JP" dirty="0" smtClean="0"/>
+          </a:p>
+          <a:p>
             <a:endParaRPr kumimoji="1" lang="en-US" altLang="ja-JP" dirty="0" smtClean="0"/>
           </a:p>
           <a:p>
             <a:r>
               <a:rPr kumimoji="1" lang="ja-JP" altLang="en-US" dirty="0" smtClean="0"/>
-              <a:t>　無理そうなら消す</a:t>
-            </a:r>
-            <a:endParaRPr kumimoji="1" lang="en-US" altLang="ja-JP" dirty="0" smtClean="0"/>
-          </a:p>
-          <a:p>
-            <a:endParaRPr kumimoji="1" lang="en-US" altLang="ja-JP" dirty="0" smtClean="0"/>
-          </a:p>
-          <a:p>
+              <a:t>リモちゃんがどうやってこのゲームに関係しているかを言えればなおよい</a:t>
+            </a:r>
             <a:r>
               <a:rPr kumimoji="1" lang="ja-JP" altLang="en-US" dirty="0" smtClean="0"/>
-              <a:t>二番目</a:t>
-            </a:r>
+              <a:t>！</a:t>
+            </a:r>
+            <a:endParaRPr kumimoji="1" lang="en-US" altLang="ja-JP" dirty="0" smtClean="0"/>
+          </a:p>
+          <a:p>
             <a:endParaRPr kumimoji="1" lang="en-US" altLang="ja-JP" dirty="0" smtClean="0"/>
           </a:p>
           <a:p>
             <a:r>
               <a:rPr kumimoji="1" lang="ja-JP" altLang="en-US" dirty="0" smtClean="0"/>
-              <a:t>　俺は、逃げる</a:t>
-            </a:r>
-            <a:r>
-              <a:rPr kumimoji="1" lang="ja-JP" altLang="en-US" dirty="0" err="1" smtClean="0"/>
-              <a:t>ぜ</a:t>
-            </a:r>
+              <a:t>絶対に言ってもらいたいこと</a:t>
+            </a:r>
+            <a:endParaRPr kumimoji="1" lang="en-US" altLang="ja-JP" dirty="0" smtClean="0"/>
+          </a:p>
+          <a:p>
             <a:r>
               <a:rPr kumimoji="1" lang="ja-JP" altLang="en-US" dirty="0" smtClean="0"/>
-              <a:t>ヒャッハー</a:t>
-            </a:r>
+              <a:t>　変形して攻撃と糸を出すということ。</a:t>
+            </a:r>
+            <a:endParaRPr kumimoji="1" lang="en-US" altLang="ja-JP" dirty="0" smtClean="0"/>
+          </a:p>
+          <a:p>
             <a:endParaRPr kumimoji="1" lang="en-US" altLang="ja-JP" dirty="0" smtClean="0"/>
           </a:p>
           <a:p>
             <a:r>
               <a:rPr kumimoji="1" lang="ja-JP" altLang="en-US" dirty="0" smtClean="0"/>
-              <a:t>　道を作る</a:t>
-            </a:r>
-            <a:r>
-              <a:rPr kumimoji="1" lang="ja-JP" altLang="en-US" dirty="0" err="1" smtClean="0"/>
-              <a:t>ぜ</a:t>
-            </a:r>
+              <a:t>セリフサンプル</a:t>
+            </a:r>
+            <a:endParaRPr kumimoji="1" lang="en-US" altLang="ja-JP" dirty="0" smtClean="0"/>
+          </a:p>
+          <a:p>
             <a:r>
               <a:rPr kumimoji="1" lang="ja-JP" altLang="en-US" dirty="0" smtClean="0"/>
-              <a:t>ヒャッハー</a:t>
-            </a:r>
-            <a:endParaRPr kumimoji="1" lang="en-US" altLang="ja-JP" dirty="0" smtClean="0"/>
-          </a:p>
-          <a:p>
-            <a:r>
-              <a:rPr kumimoji="1" lang="ja-JP" altLang="en-US" dirty="0" smtClean="0"/>
-              <a:t>　的な様々なプレイスタイルが出来る。</a:t>
-            </a:r>
-            <a:endParaRPr kumimoji="1" lang="en-US" altLang="ja-JP" dirty="0" smtClean="0"/>
-          </a:p>
-          <a:p>
-            <a:endParaRPr kumimoji="1" lang="en-US" altLang="ja-JP" dirty="0" smtClean="0"/>
-          </a:p>
-          <a:p>
-            <a:r>
-              <a:rPr kumimoji="1" lang="ja-JP" altLang="en-US" dirty="0" smtClean="0"/>
-              <a:t>三番目</a:t>
-            </a:r>
-            <a:endParaRPr kumimoji="1" lang="en-US" altLang="ja-JP" dirty="0" smtClean="0"/>
-          </a:p>
-          <a:p>
-            <a:r>
-              <a:rPr kumimoji="1" lang="ja-JP" altLang="en-US" dirty="0" smtClean="0"/>
-              <a:t>　わいわいがやがやわいわいがやがやわいわいがやがやわいわいがやがやわいわいがやがやわいわいがやがやわいわいがやがやわいわいがやがやわいわいがやがやわいわいがやがやわいわいがやがやわいわいがやがやわいわいがやがやわいわいがやがや・・・・・・・・・・・・・・・・・・・・・・・・・・</a:t>
-            </a:r>
-            <a:endParaRPr kumimoji="1" lang="en-US" altLang="ja-JP" dirty="0" smtClean="0"/>
-          </a:p>
-          <a:p>
-            <a:r>
-              <a:rPr kumimoji="1" lang="ja-JP" altLang="en-US" dirty="0" smtClean="0"/>
-              <a:t>　対戦ゲームなのでわいわいがやがや出来ますということ。</a:t>
-            </a:r>
-            <a:endParaRPr kumimoji="1" lang="ja-JP" altLang="en-US" dirty="0"/>
+              <a:t>　　</a:t>
+            </a:r>
+            <a:endParaRPr kumimoji="1" lang="en-US" altLang="ja-JP" dirty="0" smtClean="0"/>
           </a:p>
         </p:txBody>
       </p:sp>
@@ -1655,7 +2045,7 @@
           <a:p>
             <a:fld id="{7F220BD6-92CC-4D51-9262-C85C9EA9CEAF}" type="slidenum">
               <a:rPr kumimoji="1" lang="ja-JP" altLang="en-US" smtClean="0"/>
-              <a:t>12</a:t>
+              <a:t>11</a:t>
             </a:fld>
             <a:endParaRPr kumimoji="1" lang="ja-JP" altLang="en-US"/>
           </a:p>
@@ -1664,7 +2054,7 @@
     </p:spTree>
     <p:extLst>
       <p:ext uri="{BB962C8B-B14F-4D97-AF65-F5344CB8AC3E}">
-        <p14:creationId xmlns:p14="http://schemas.microsoft.com/office/powerpoint/2010/main" val="334686987"/>
+        <p14:creationId xmlns:p14="http://schemas.microsoft.com/office/powerpoint/2010/main" val="3137325857"/>
       </p:ext>
     </p:extLst>
   </p:cSld>
@@ -4827,8 +5217,8 @@
         </p:nvSpPr>
         <p:spPr>
           <a:xfrm>
-            <a:off x="4092207" y="928778"/>
-            <a:ext cx="4171335" cy="1569660"/>
+            <a:off x="847203" y="1580066"/>
+            <a:ext cx="10509608" cy="1323439"/>
           </a:xfrm>
           <a:prstGeom prst="rect">
             <a:avLst/>
@@ -4842,10 +5232,10 @@
           <a:lstStyle/>
           <a:p>
             <a:r>
-              <a:rPr lang="ja-JP" altLang="en-US" sz="9600" dirty="0"/>
-              <a:t>タイトル</a:t>
-            </a:r>
-            <a:endParaRPr kumimoji="1" lang="ja-JP" altLang="en-US" sz="9600" dirty="0"/>
+              <a:rPr lang="ja-JP" altLang="en-US" sz="8000" smtClean="0"/>
+              <a:t>トレジャーハンター　リモ</a:t>
+            </a:r>
+            <a:endParaRPr kumimoji="1" lang="ja-JP" altLang="en-US" sz="8000" dirty="0"/>
           </a:p>
         </p:txBody>
       </p:sp>
@@ -5507,7 +5897,7 @@
         <p:spPr>
           <a:xfrm>
             <a:off x="1193075" y="1950719"/>
-            <a:ext cx="11089895" cy="1077218"/>
+            <a:ext cx="4713150" cy="584775"/>
           </a:xfrm>
           <a:prstGeom prst="rect">
             <a:avLst/>
@@ -5522,20 +5912,9 @@
           <a:p>
             <a:r>
               <a:rPr lang="ja-JP" altLang="en-US" sz="3200" dirty="0" smtClean="0"/>
-              <a:t>・刻々と変化していく状況と、常に３対１であることによる</a:t>
+              <a:t>・協力し合い、裏切りしあう</a:t>
             </a:r>
             <a:endParaRPr lang="en-US" altLang="ja-JP" sz="3200" dirty="0" smtClean="0"/>
-          </a:p>
-          <a:p>
-            <a:r>
-              <a:rPr kumimoji="1" lang="ja-JP" altLang="en-US" sz="3200" dirty="0" smtClean="0"/>
-              <a:t>協力の楽しみを、このプレゼンにふさわしい言葉に</a:t>
-            </a:r>
-            <a:r>
-              <a:rPr lang="ja-JP" altLang="en-US" sz="3200" dirty="0" smtClean="0"/>
-              <a:t>してください。</a:t>
-            </a:r>
-            <a:endParaRPr kumimoji="1" lang="ja-JP" altLang="en-US" sz="3200" dirty="0"/>
           </a:p>
         </p:txBody>
       </p:sp>
@@ -5548,7 +5927,7 @@
         <p:spPr>
           <a:xfrm>
             <a:off x="1193075" y="3317634"/>
-            <a:ext cx="4063933" cy="584775"/>
+            <a:ext cx="5424883" cy="584775"/>
           </a:xfrm>
           <a:prstGeom prst="rect">
             <a:avLst/>
@@ -5563,7 +5942,11 @@
           <a:p>
             <a:r>
               <a:rPr kumimoji="1" lang="ja-JP" altLang="en-US" sz="3200" dirty="0" smtClean="0"/>
-              <a:t>・様々なプレイスタイル</a:t>
+              <a:t>・様々</a:t>
+            </a:r>
+            <a:r>
+              <a:rPr kumimoji="1" lang="ja-JP" altLang="en-US" sz="3200" dirty="0" smtClean="0"/>
+              <a:t>な戦い方を見つけられる</a:t>
             </a:r>
             <a:endParaRPr kumimoji="1" lang="ja-JP" altLang="en-US" sz="3200" dirty="0"/>
           </a:p>
@@ -5578,7 +5961,7 @@
         <p:spPr>
           <a:xfrm>
             <a:off x="1193075" y="4684549"/>
-            <a:ext cx="2008883" cy="584775"/>
+            <a:ext cx="7279557" cy="584775"/>
           </a:xfrm>
           <a:prstGeom prst="rect">
             <a:avLst/>
@@ -5593,7 +5976,7 @@
           <a:p>
             <a:r>
               <a:rPr kumimoji="1" lang="ja-JP" altLang="en-US" sz="3200" dirty="0" smtClean="0"/>
-              <a:t>・わいがや</a:t>
+              <a:t>・テレビの前に集まってにぎやかに遊べる</a:t>
             </a:r>
             <a:endParaRPr kumimoji="1" lang="ja-JP" altLang="en-US" sz="3200" dirty="0"/>
           </a:p>
@@ -6935,7 +7318,7 @@
           <p:nvPr/>
         </p:nvPicPr>
         <p:blipFill>
-          <a:blip r:embed="rId2" cstate="print">
+          <a:blip r:embed="rId3" cstate="print">
             <a:extLst>
               <a:ext uri="{28A0092B-C50C-407E-A947-70E740481C1C}">
                 <a14:useLocalDpi xmlns:a14="http://schemas.microsoft.com/office/drawing/2010/main" val="0"/>

--- a/G18_プレゼン用PWP.pptx
+++ b/G18_プレゼン用PWP.pptx
@@ -768,27 +768,57 @@
           <a:p>
             <a:r>
               <a:rPr kumimoji="1" lang="ja-JP" altLang="en-US" dirty="0" smtClean="0"/>
-              <a:t>一番目</a:t>
-            </a:r>
-            <a:endParaRPr kumimoji="1" lang="en-US" altLang="ja-JP" dirty="0" smtClean="0"/>
-          </a:p>
-          <a:p>
+              <a:t>セリフサンプル</a:t>
+            </a:r>
             <a:endParaRPr kumimoji="1" lang="en-US" altLang="ja-JP" dirty="0" smtClean="0"/>
           </a:p>
           <a:p>
             <a:r>
               <a:rPr kumimoji="1" lang="ja-JP" altLang="en-US" dirty="0" smtClean="0"/>
-              <a:t>二番目</a:t>
-            </a:r>
-            <a:endParaRPr kumimoji="1" lang="en-US" altLang="ja-JP" dirty="0" smtClean="0"/>
-          </a:p>
-          <a:p>
+              <a:t>　一番目</a:t>
+            </a:r>
             <a:endParaRPr kumimoji="1" lang="en-US" altLang="ja-JP" dirty="0" smtClean="0"/>
           </a:p>
           <a:p>
             <a:r>
               <a:rPr kumimoji="1" lang="ja-JP" altLang="en-US" dirty="0" smtClean="0"/>
-              <a:t>三番目</a:t>
+              <a:t>　　このゲームは、協力しながら奪い合うという矛盾を体験できます。</a:t>
+            </a:r>
+            <a:endParaRPr kumimoji="1" lang="en-US" altLang="ja-JP" dirty="0" smtClean="0"/>
+          </a:p>
+          <a:p>
+            <a:r>
+              <a:rPr kumimoji="1" lang="ja-JP" altLang="en-US" dirty="0" smtClean="0"/>
+              <a:t>　二番目</a:t>
+            </a:r>
+            <a:endParaRPr kumimoji="1" lang="en-US" altLang="ja-JP" dirty="0" smtClean="0"/>
+          </a:p>
+          <a:p>
+            <a:r>
+              <a:rPr kumimoji="1" lang="ja-JP" altLang="en-US" dirty="0" smtClean="0"/>
+              <a:t>　　奪って逃げ切りたい、フルボッコにしたい、状態異常で動けなくさせたいなどのプレイヤーの要求にこたえることが出来ます。</a:t>
+            </a:r>
+            <a:endParaRPr kumimoji="1" lang="en-US" altLang="ja-JP" dirty="0" smtClean="0"/>
+          </a:p>
+          <a:p>
+            <a:r>
+              <a:rPr kumimoji="1" lang="ja-JP" altLang="en-US" dirty="0" smtClean="0"/>
+              <a:t>　三番目</a:t>
+            </a:r>
+            <a:endParaRPr kumimoji="1" lang="en-US" altLang="ja-JP" dirty="0" smtClean="0"/>
+          </a:p>
+          <a:p>
+            <a:r>
+              <a:rPr kumimoji="1" lang="ja-JP" altLang="en-US" dirty="0" smtClean="0"/>
+              <a:t>　　四人対戦であり、わいわいがやがや遊ぶ</a:t>
+            </a:r>
+            <a:r>
+              <a:rPr kumimoji="1" lang="ja-JP" altLang="en-US" smtClean="0"/>
+              <a:t>ことができます</a:t>
+            </a:r>
+            <a:r>
+              <a:rPr kumimoji="1" lang="ja-JP" altLang="en-US" dirty="0" smtClean="0"/>
+              <a:t>。</a:t>
             </a:r>
             <a:endParaRPr kumimoji="1" lang="en-US" altLang="ja-JP" dirty="0" smtClean="0"/>
           </a:p>
@@ -1431,19 +1461,7 @@
           <a:p>
             <a:r>
               <a:rPr kumimoji="1" lang="ja-JP" altLang="en-US" dirty="0" smtClean="0"/>
-              <a:t>あくまで、お宝が欲しいのは</a:t>
-            </a:r>
-            <a:r>
-              <a:rPr kumimoji="1" lang="ja-JP" altLang="en-US" dirty="0" smtClean="0"/>
-              <a:t>トレジャーハンター</a:t>
-            </a:r>
-            <a:r>
-              <a:rPr kumimoji="1" lang="ja-JP" altLang="en-US" dirty="0" smtClean="0"/>
-              <a:t>であり、リモちゃんではない～</a:t>
-            </a:r>
-            <a:r>
-              <a:rPr kumimoji="1" lang="ja-JP" altLang="en-US" dirty="0" smtClean="0"/>
-              <a:t>？</a:t>
+              <a:t>あくまで、お宝が欲しいのはトレジャーハンターであり、リモちゃんではない～？</a:t>
             </a:r>
             <a:endParaRPr kumimoji="1" lang="en-US" altLang="ja-JP" dirty="0" smtClean="0"/>
           </a:p>
@@ -1841,11 +1859,7 @@
           <a:p>
             <a:r>
               <a:rPr kumimoji="1" lang="ja-JP" altLang="en-US" dirty="0" smtClean="0"/>
-              <a:t>なんか</a:t>
-            </a:r>
-            <a:r>
-              <a:rPr kumimoji="1" lang="ja-JP" altLang="en-US" dirty="0" smtClean="0"/>
-              <a:t>書き換えたい</a:t>
+              <a:t>なんか書き換えたい</a:t>
             </a:r>
             <a:endParaRPr kumimoji="1" lang="en-US" altLang="ja-JP" dirty="0" smtClean="0"/>
           </a:p>
@@ -1984,11 +1998,7 @@
           <a:p>
             <a:r>
               <a:rPr kumimoji="1" lang="ja-JP" altLang="en-US" dirty="0" smtClean="0"/>
-              <a:t>リモちゃんがどうやってこのゲームに関係しているかを言えればなおよい</a:t>
-            </a:r>
-            <a:r>
-              <a:rPr kumimoji="1" lang="ja-JP" altLang="en-US" dirty="0" smtClean="0"/>
-              <a:t>！</a:t>
+              <a:t>リモちゃんがどうやってこのゲームに関係しているかを言えればなおよい！</a:t>
             </a:r>
             <a:endParaRPr kumimoji="1" lang="en-US" altLang="ja-JP" dirty="0" smtClean="0"/>
           </a:p>
@@ -2022,9 +2032,22 @@
           <a:p>
             <a:r>
               <a:rPr kumimoji="1" lang="ja-JP" altLang="en-US" dirty="0" smtClean="0"/>
-              <a:t>　　</a:t>
-            </a:r>
-            <a:endParaRPr kumimoji="1" lang="en-US" altLang="ja-JP" dirty="0" smtClean="0"/>
+              <a:t>　これはプレイヤーが移動以外に出来ることです。</a:t>
+            </a:r>
+            <a:endParaRPr kumimoji="1" lang="en-US" altLang="ja-JP" dirty="0" smtClean="0"/>
+          </a:p>
+          <a:p>
+            <a:r>
+              <a:rPr kumimoji="1" lang="ja-JP" altLang="en-US" dirty="0" smtClean="0"/>
+              <a:t>　変形と攻撃と糸を出すことが出来ます。</a:t>
+            </a:r>
+            <a:endParaRPr kumimoji="1" lang="en-US" altLang="ja-JP" dirty="0" smtClean="0"/>
+          </a:p>
+          <a:p>
+            <a:r>
+              <a:rPr kumimoji="1" lang="ja-JP" altLang="en-US" dirty="0" smtClean="0"/>
+              <a:t>　図からも分かるように、攻撃と糸は、変形した状態によって、複数種類切り替えることが出来ます。</a:t>
+            </a:r>
           </a:p>
         </p:txBody>
       </p:sp>
@@ -5942,11 +5965,7 @@
           <a:p>
             <a:r>
               <a:rPr kumimoji="1" lang="ja-JP" altLang="en-US" sz="3200" dirty="0" smtClean="0"/>
-              <a:t>・様々</a:t>
-            </a:r>
-            <a:r>
-              <a:rPr kumimoji="1" lang="ja-JP" altLang="en-US" sz="3200" dirty="0" smtClean="0"/>
-              <a:t>な戦い方を見つけられる</a:t>
+              <a:t>・様々な戦い方を見つけられる</a:t>
             </a:r>
             <a:endParaRPr kumimoji="1" lang="ja-JP" altLang="en-US" sz="3200" dirty="0"/>
           </a:p>
